--- a/Task_Management_System_Presentation_File/CSCI-2210-01_Presentation File_WORA_00673995.pptx
+++ b/Task_Management_System_Presentation_File/CSCI-2210-01_Presentation File_WORA_00673995.pptx
@@ -150,12 +150,10 @@
 <file path=ppt/revisionInfo.xml><?xml version="1.0" encoding="utf-8"?>
 <p1510:revInfo xmlns:a="http://schemas.openxmlformats.org/drawingml/2006/main" xmlns:r="http://schemas.openxmlformats.org/officeDocument/2006/relationships" xmlns:p1510="http://schemas.microsoft.com/office/powerpoint/2015/10/main">
   <p1510:revLst>
-    <p1510:client id="{3B9672CC-D92D-44CF-87D8-62D2B761A141}" v="7268" dt="2021-04-26T20:59:35.051"/>
-    <p1510:client id="{58F212C0-7ADB-4042-AA40-62719F2CDAE8}" v="1498" dt="2021-04-26T20:34:52.351"/>
-    <p1510:client id="{BED82364-A664-4568-A1AE-D5F50239BA76}" v="760" dt="2021-04-25T22:03:16.461"/>
-    <p1510:client id="{C4DA7330-1223-446F-8A2F-83B4E1B53F4E}" v="412" vWet="413" dt="2021-04-26T20:51:59.351"/>
-    <p1510:client id="{C6988CB4-7676-480B-9701-E09E2B77D949}" v="178" dt="2021-04-26T20:51:13.240"/>
-    <p1510:client id="{CC2C0DEC-262E-48F0-9525-FB1C60BBC9D7}" v="20" vWet="21" dt="2021-04-26T00:29:44.989"/>
+    <p1510:client id="{25735D59-D399-4577-83A4-973FFDB2F61F}" v="24" dt="2021-04-28T20:52:58.836"/>
+    <p1510:client id="{8413FA2F-6758-4782-A0DC-A1DC28597E5B}" v="105" dt="2021-04-27T23:22:34.058"/>
+    <p1510:client id="{BB529CD4-4DFC-4DBD-98B4-F6CB1580D380}" v="6" dt="2021-04-27T23:44:37.381"/>
+    <p1510:client id="{D4736657-BFF5-461F-83B8-D44A377EE5D3}" v="44" dt="2021-04-27T23:19:27.902"/>
   </p1510:revLst>
 </p1510:revInfo>
 </file>
@@ -163,28 +161,592 @@
 <file path=ppt/changesInfos/changesInfo1.xml><?xml version="1.0" encoding="utf-8"?>
 <pc:chgInfo xmlns:a="http://schemas.openxmlformats.org/drawingml/2006/main" xmlns:r="http://schemas.openxmlformats.org/officeDocument/2006/relationships" xmlns:ac="http://schemas.microsoft.com/office/drawing/2013/main/command" xmlns:pc="http://schemas.microsoft.com/office/powerpoint/2013/main/command">
   <pc:docChgLst>
-    <pc:chgData name="Guest User" userId="S::urn:spo:anon#17b95426adc48bc05f69827c2e0e010044f0a7857336a498d3cb5c753835f8d3::" providerId="AD" clId="Web-{6087CAA7-8866-1C7C-94F5-6BAD65C8A832}"/>
+    <pc:chgData name="Justin Hollman" userId="7bef1f1b6e933fd2" providerId="LiveId" clId="{C028B677-1ACE-42DF-A084-943D4681FEE7}"/>
+    <pc:docChg chg="undo custSel addSld delSld modSld">
+      <pc:chgData name="Justin Hollman" userId="7bef1f1b6e933fd2" providerId="LiveId" clId="{C028B677-1ACE-42DF-A084-943D4681FEE7}" dt="2021-04-17T18:11:10.019" v="202" actId="14100"/>
+      <pc:docMkLst>
+        <pc:docMk/>
+      </pc:docMkLst>
+      <pc:sldChg chg="modSp mod">
+        <pc:chgData name="Justin Hollman" userId="7bef1f1b6e933fd2" providerId="LiveId" clId="{C028B677-1ACE-42DF-A084-943D4681FEE7}" dt="2021-04-17T17:58:47.104" v="98" actId="1076"/>
+        <pc:sldMkLst>
+          <pc:docMk/>
+          <pc:sldMk cId="4044548724" sldId="262"/>
+        </pc:sldMkLst>
+        <pc:spChg chg="mod">
+          <ac:chgData name="Justin Hollman" userId="7bef1f1b6e933fd2" providerId="LiveId" clId="{C028B677-1ACE-42DF-A084-943D4681FEE7}" dt="2021-04-17T17:58:47.104" v="98" actId="1076"/>
+          <ac:spMkLst>
+            <pc:docMk/>
+            <pc:sldMk cId="4044548724" sldId="262"/>
+            <ac:spMk id="2" creationId="{E19DDF95-2D63-5141-80AB-441389C607B9}"/>
+          </ac:spMkLst>
+        </pc:spChg>
+        <pc:spChg chg="mod">
+          <ac:chgData name="Justin Hollman" userId="7bef1f1b6e933fd2" providerId="LiveId" clId="{C028B677-1ACE-42DF-A084-943D4681FEE7}" dt="2021-04-17T17:39:22.532" v="0" actId="20577"/>
+          <ac:spMkLst>
+            <pc:docMk/>
+            <pc:sldMk cId="4044548724" sldId="262"/>
+            <ac:spMk id="3" creationId="{F223CC21-09F0-AA48-BF20-B6B3C674C6AF}"/>
+          </ac:spMkLst>
+        </pc:spChg>
+      </pc:sldChg>
+      <pc:sldChg chg="addSp delSp modSp add del mod">
+        <pc:chgData name="Justin Hollman" userId="7bef1f1b6e933fd2" providerId="LiveId" clId="{C028B677-1ACE-42DF-A084-943D4681FEE7}" dt="2021-04-17T18:10:20.933" v="199" actId="1076"/>
+        <pc:sldMkLst>
+          <pc:docMk/>
+          <pc:sldMk cId="1281802549" sldId="270"/>
+        </pc:sldMkLst>
+        <pc:spChg chg="mod">
+          <ac:chgData name="Justin Hollman" userId="7bef1f1b6e933fd2" providerId="LiveId" clId="{C028B677-1ACE-42DF-A084-943D4681FEE7}" dt="2021-04-17T18:10:20.933" v="199" actId="1076"/>
+          <ac:spMkLst>
+            <pc:docMk/>
+            <pc:sldMk cId="1281802549" sldId="270"/>
+            <ac:spMk id="2" creationId="{9E35E629-13DC-4249-9A05-CA64BFBFE190}"/>
+          </ac:spMkLst>
+        </pc:spChg>
+        <pc:spChg chg="add del mod">
+          <ac:chgData name="Justin Hollman" userId="7bef1f1b6e933fd2" providerId="LiveId" clId="{C028B677-1ACE-42DF-A084-943D4681FEE7}" dt="2021-04-17T18:10:17.363" v="198" actId="478"/>
+          <ac:spMkLst>
+            <pc:docMk/>
+            <pc:sldMk cId="1281802549" sldId="270"/>
+            <ac:spMk id="3" creationId="{8DD7486B-C144-467A-8C4E-DF58C9731ECA}"/>
+          </ac:spMkLst>
+        </pc:spChg>
+      </pc:sldChg>
+      <pc:sldChg chg="modSp mod">
+        <pc:chgData name="Justin Hollman" userId="7bef1f1b6e933fd2" providerId="LiveId" clId="{C028B677-1ACE-42DF-A084-943D4681FEE7}" dt="2021-04-17T18:04:21.296" v="120" actId="20577"/>
+        <pc:sldMkLst>
+          <pc:docMk/>
+          <pc:sldMk cId="2528755128" sldId="271"/>
+        </pc:sldMkLst>
+        <pc:spChg chg="mod">
+          <ac:chgData name="Justin Hollman" userId="7bef1f1b6e933fd2" providerId="LiveId" clId="{C028B677-1ACE-42DF-A084-943D4681FEE7}" dt="2021-04-17T18:04:21.296" v="120" actId="20577"/>
+          <ac:spMkLst>
+            <pc:docMk/>
+            <pc:sldMk cId="2528755128" sldId="271"/>
+            <ac:spMk id="2" creationId="{00000000-0000-0000-0000-000000000000}"/>
+          </ac:spMkLst>
+        </pc:spChg>
+      </pc:sldChg>
+      <pc:sldChg chg="addSp modSp mod">
+        <pc:chgData name="Justin Hollman" userId="7bef1f1b6e933fd2" providerId="LiveId" clId="{C028B677-1ACE-42DF-A084-943D4681FEE7}" dt="2021-04-17T18:11:10.019" v="202" actId="14100"/>
+        <pc:sldMkLst>
+          <pc:docMk/>
+          <pc:sldMk cId="4024084921" sldId="272"/>
+        </pc:sldMkLst>
+        <pc:spChg chg="mod">
+          <ac:chgData name="Justin Hollman" userId="7bef1f1b6e933fd2" providerId="LiveId" clId="{C028B677-1ACE-42DF-A084-943D4681FEE7}" dt="2021-04-17T18:04:41.991" v="145" actId="20577"/>
+          <ac:spMkLst>
+            <pc:docMk/>
+            <pc:sldMk cId="4024084921" sldId="272"/>
+            <ac:spMk id="2" creationId="{00000000-0000-0000-0000-000000000000}"/>
+          </ac:spMkLst>
+        </pc:spChg>
+        <pc:spChg chg="add mod">
+          <ac:chgData name="Justin Hollman" userId="7bef1f1b6e933fd2" providerId="LiveId" clId="{C028B677-1ACE-42DF-A084-943D4681FEE7}" dt="2021-04-17T18:11:10.019" v="202" actId="14100"/>
+          <ac:spMkLst>
+            <pc:docMk/>
+            <pc:sldMk cId="4024084921" sldId="272"/>
+            <ac:spMk id="3" creationId="{629BD0FC-F0AC-44DF-A144-925A89056A36}"/>
+          </ac:spMkLst>
+        </pc:spChg>
+      </pc:sldChg>
+      <pc:sldChg chg="modSp mod">
+        <pc:chgData name="Justin Hollman" userId="7bef1f1b6e933fd2" providerId="LiveId" clId="{C028B677-1ACE-42DF-A084-943D4681FEE7}" dt="2021-04-17T18:04:59.003" v="180" actId="20577"/>
+        <pc:sldMkLst>
+          <pc:docMk/>
+          <pc:sldMk cId="2682829407" sldId="273"/>
+        </pc:sldMkLst>
+        <pc:spChg chg="mod">
+          <ac:chgData name="Justin Hollman" userId="7bef1f1b6e933fd2" providerId="LiveId" clId="{C028B677-1ACE-42DF-A084-943D4681FEE7}" dt="2021-04-17T18:04:59.003" v="180" actId="20577"/>
+          <ac:spMkLst>
+            <pc:docMk/>
+            <pc:sldMk cId="2682829407" sldId="273"/>
+            <ac:spMk id="2" creationId="{00000000-0000-0000-0000-000000000000}"/>
+          </ac:spMkLst>
+        </pc:spChg>
+      </pc:sldChg>
+      <pc:sldChg chg="modSp mod">
+        <pc:chgData name="Justin Hollman" userId="7bef1f1b6e933fd2" providerId="LiveId" clId="{C028B677-1ACE-42DF-A084-943D4681FEE7}" dt="2021-04-17T18:05:06.754" v="193" actId="20577"/>
+        <pc:sldMkLst>
+          <pc:docMk/>
+          <pc:sldMk cId="282399625" sldId="274"/>
+        </pc:sldMkLst>
+        <pc:spChg chg="mod">
+          <ac:chgData name="Justin Hollman" userId="7bef1f1b6e933fd2" providerId="LiveId" clId="{C028B677-1ACE-42DF-A084-943D4681FEE7}" dt="2021-04-17T18:05:06.754" v="193" actId="20577"/>
+          <ac:spMkLst>
+            <pc:docMk/>
+            <pc:sldMk cId="282399625" sldId="274"/>
+            <ac:spMk id="2" creationId="{00000000-0000-0000-0000-000000000000}"/>
+          </ac:spMkLst>
+        </pc:spChg>
+      </pc:sldChg>
+      <pc:sldChg chg="modSp mod">
+        <pc:chgData name="Justin Hollman" userId="7bef1f1b6e933fd2" providerId="LiveId" clId="{C028B677-1ACE-42DF-A084-943D4681FEE7}" dt="2021-04-17T18:04:10.060" v="112" actId="20577"/>
+        <pc:sldMkLst>
+          <pc:docMk/>
+          <pc:sldMk cId="2164231458" sldId="275"/>
+        </pc:sldMkLst>
+        <pc:spChg chg="mod">
+          <ac:chgData name="Justin Hollman" userId="7bef1f1b6e933fd2" providerId="LiveId" clId="{C028B677-1ACE-42DF-A084-943D4681FEE7}" dt="2021-04-17T18:04:10.060" v="112" actId="20577"/>
+          <ac:spMkLst>
+            <pc:docMk/>
+            <pc:sldMk cId="2164231458" sldId="275"/>
+            <ac:spMk id="2" creationId="{00000000-0000-0000-0000-000000000000}"/>
+          </ac:spMkLst>
+        </pc:spChg>
+      </pc:sldChg>
+      <pc:sldChg chg="del">
+        <pc:chgData name="Justin Hollman" userId="7bef1f1b6e933fd2" providerId="LiveId" clId="{C028B677-1ACE-42DF-A084-943D4681FEE7}" dt="2021-04-17T18:05:30.205" v="194" actId="47"/>
+        <pc:sldMkLst>
+          <pc:docMk/>
+          <pc:sldMk cId="3570453547" sldId="276"/>
+        </pc:sldMkLst>
+      </pc:sldChg>
+      <pc:sldChg chg="del">
+        <pc:chgData name="Justin Hollman" userId="7bef1f1b6e933fd2" providerId="LiveId" clId="{C028B677-1ACE-42DF-A084-943D4681FEE7}" dt="2021-04-17T18:05:31.691" v="195" actId="47"/>
+        <pc:sldMkLst>
+          <pc:docMk/>
+          <pc:sldMk cId="2459397248" sldId="278"/>
+        </pc:sldMkLst>
+      </pc:sldChg>
+    </pc:docChg>
+  </pc:docChgLst>
+  <pc:docChgLst>
+    <pc:chgData name="Guest User" userId="S::urn:spo:anon#17b95426adc48bc05f69827c2e0e010044f0a7857336a498d3cb5c753835f8d3::" providerId="AD" clId="Web-{41FE55CF-1DB5-4041-B1F6-4C3ACB009EE5}"/>
     <pc:docChg chg="modSld">
-      <pc:chgData name="Guest User" userId="S::urn:spo:anon#17b95426adc48bc05f69827c2e0e010044f0a7857336a498d3cb5c753835f8d3::" providerId="AD" clId="Web-{6087CAA7-8866-1C7C-94F5-6BAD65C8A832}" dt="2021-04-20T00:50:26.353" v="79"/>
+      <pc:chgData name="Guest User" userId="S::urn:spo:anon#17b95426adc48bc05f69827c2e0e010044f0a7857336a498d3cb5c753835f8d3::" providerId="AD" clId="Web-{41FE55CF-1DB5-4041-B1F6-4C3ACB009EE5}" dt="2021-04-20T00:23:59.368" v="10" actId="20577"/>
+      <pc:docMkLst>
+        <pc:docMk/>
+      </pc:docMkLst>
+      <pc:sldChg chg="addSp modSp">
+        <pc:chgData name="Guest User" userId="S::urn:spo:anon#17b95426adc48bc05f69827c2e0e010044f0a7857336a498d3cb5c753835f8d3::" providerId="AD" clId="Web-{41FE55CF-1DB5-4041-B1F6-4C3ACB009EE5}" dt="2021-04-20T00:23:59.368" v="10" actId="20577"/>
+        <pc:sldMkLst>
+          <pc:docMk/>
+          <pc:sldMk cId="282399625" sldId="274"/>
+        </pc:sldMkLst>
+        <pc:spChg chg="add mod">
+          <ac:chgData name="Guest User" userId="S::urn:spo:anon#17b95426adc48bc05f69827c2e0e010044f0a7857336a498d3cb5c753835f8d3::" providerId="AD" clId="Web-{41FE55CF-1DB5-4041-B1F6-4C3ACB009EE5}" dt="2021-04-20T00:23:59.368" v="10" actId="20577"/>
+          <ac:spMkLst>
+            <pc:docMk/>
+            <pc:sldMk cId="282399625" sldId="274"/>
+            <ac:spMk id="3" creationId="{F6907438-1ACA-40BD-B23D-692F73F42930}"/>
+          </ac:spMkLst>
+        </pc:spChg>
+      </pc:sldChg>
+    </pc:docChg>
+  </pc:docChgLst>
+  <pc:docChgLst>
+    <pc:chgData name="Carlow, Emily R" userId="S::ecarl3@unh.newhaven.edu::bb5c094f-4815-4b8e-a348-fc8fb9e78a2c" providerId="AD" clId="Web-{C4DA7330-1223-446F-8A2F-83B4E1B53F4E}"/>
+    <pc:docChg chg="modSld">
+      <pc:chgData name="Carlow, Emily R" userId="S::ecarl3@unh.newhaven.edu::bb5c094f-4815-4b8e-a348-fc8fb9e78a2c" providerId="AD" clId="Web-{C4DA7330-1223-446F-8A2F-83B4E1B53F4E}" dt="2021-04-26T20:51:58.554" v="218" actId="20577"/>
       <pc:docMkLst>
         <pc:docMk/>
       </pc:docMkLst>
       <pc:sldChg chg="modSp">
-        <pc:chgData name="Guest User" userId="S::urn:spo:anon#17b95426adc48bc05f69827c2e0e010044f0a7857336a498d3cb5c753835f8d3::" providerId="AD" clId="Web-{6087CAA7-8866-1C7C-94F5-6BAD65C8A832}" dt="2021-04-20T00:48:11.601" v="67"/>
+        <pc:chgData name="Carlow, Emily R" userId="S::ecarl3@unh.newhaven.edu::bb5c094f-4815-4b8e-a348-fc8fb9e78a2c" providerId="AD" clId="Web-{C4DA7330-1223-446F-8A2F-83B4E1B53F4E}" dt="2021-04-26T20:45:21.373" v="137" actId="20577"/>
+        <pc:sldMkLst>
+          <pc:docMk/>
+          <pc:sldMk cId="4151170546" sldId="305"/>
+        </pc:sldMkLst>
+        <pc:spChg chg="mod">
+          <ac:chgData name="Carlow, Emily R" userId="S::ecarl3@unh.newhaven.edu::bb5c094f-4815-4b8e-a348-fc8fb9e78a2c" providerId="AD" clId="Web-{C4DA7330-1223-446F-8A2F-83B4E1B53F4E}" dt="2021-04-26T20:45:21.373" v="137" actId="20577"/>
+          <ac:spMkLst>
+            <pc:docMk/>
+            <pc:sldMk cId="4151170546" sldId="305"/>
+            <ac:spMk id="4" creationId="{9ECF545B-B5B8-4C50-9226-7B991A1CF1A3}"/>
+          </ac:spMkLst>
+        </pc:spChg>
+      </pc:sldChg>
+      <pc:sldChg chg="modSp">
+        <pc:chgData name="Carlow, Emily R" userId="S::ecarl3@unh.newhaven.edu::bb5c094f-4815-4b8e-a348-fc8fb9e78a2c" providerId="AD" clId="Web-{C4DA7330-1223-446F-8A2F-83B4E1B53F4E}" dt="2021-04-26T20:51:58.554" v="218" actId="20577"/>
+        <pc:sldMkLst>
+          <pc:docMk/>
+          <pc:sldMk cId="1797361430" sldId="306"/>
+        </pc:sldMkLst>
+        <pc:spChg chg="mod">
+          <ac:chgData name="Carlow, Emily R" userId="S::ecarl3@unh.newhaven.edu::bb5c094f-4815-4b8e-a348-fc8fb9e78a2c" providerId="AD" clId="Web-{C4DA7330-1223-446F-8A2F-83B4E1B53F4E}" dt="2021-04-26T20:46:41.531" v="146" actId="20577"/>
+          <ac:spMkLst>
+            <pc:docMk/>
+            <pc:sldMk cId="1797361430" sldId="306"/>
+            <ac:spMk id="2" creationId="{FB1A5A22-30B6-4685-B691-97F97226BAF2}"/>
+          </ac:spMkLst>
+        </pc:spChg>
+        <pc:spChg chg="mod">
+          <ac:chgData name="Carlow, Emily R" userId="S::ecarl3@unh.newhaven.edu::bb5c094f-4815-4b8e-a348-fc8fb9e78a2c" providerId="AD" clId="Web-{C4DA7330-1223-446F-8A2F-83B4E1B53F4E}" dt="2021-04-26T20:51:58.554" v="218" actId="20577"/>
+          <ac:spMkLst>
+            <pc:docMk/>
+            <pc:sldMk cId="1797361430" sldId="306"/>
+            <ac:spMk id="3" creationId="{FCF9AFB3-1EDB-4898-BA54-6E6ECE03E8E2}"/>
+          </ac:spMkLst>
+        </pc:spChg>
+      </pc:sldChg>
+    </pc:docChg>
+  </pc:docChgLst>
+  <pc:docChgLst>
+    <pc:chgData name="Hossain, Ahmed Muntasir" userId="256dcaa3-c318-45c7-891d-75ee5ae60a08" providerId="ADAL" clId="{3064D9E0-771A-475D-AF52-AB52EE24A73B}"/>
+    <pc:docChg chg="undo redo custSel addSld modSld">
+      <pc:chgData name="Hossain, Ahmed Muntasir" userId="256dcaa3-c318-45c7-891d-75ee5ae60a08" providerId="ADAL" clId="{3064D9E0-771A-475D-AF52-AB52EE24A73B}" dt="2021-04-20T01:22:04.291" v="3257" actId="478"/>
+      <pc:docMkLst>
+        <pc:docMk/>
+      </pc:docMkLst>
+      <pc:sldChg chg="modSp mod">
+        <pc:chgData name="Hossain, Ahmed Muntasir" userId="256dcaa3-c318-45c7-891d-75ee5ae60a08" providerId="ADAL" clId="{3064D9E0-771A-475D-AF52-AB52EE24A73B}" dt="2021-04-20T00:51:50.839" v="1594" actId="20577"/>
+        <pc:sldMkLst>
+          <pc:docMk/>
+          <pc:sldMk cId="4044548724" sldId="262"/>
+        </pc:sldMkLst>
+        <pc:spChg chg="mod">
+          <ac:chgData name="Hossain, Ahmed Muntasir" userId="256dcaa3-c318-45c7-891d-75ee5ae60a08" providerId="ADAL" clId="{3064D9E0-771A-475D-AF52-AB52EE24A73B}" dt="2021-04-20T00:51:50.839" v="1594" actId="20577"/>
+          <ac:spMkLst>
+            <pc:docMk/>
+            <pc:sldMk cId="4044548724" sldId="262"/>
+            <ac:spMk id="2" creationId="{E19DDF95-2D63-5141-80AB-441389C607B9}"/>
+          </ac:spMkLst>
+        </pc:spChg>
+        <pc:spChg chg="mod">
+          <ac:chgData name="Hossain, Ahmed Muntasir" userId="256dcaa3-c318-45c7-891d-75ee5ae60a08" providerId="ADAL" clId="{3064D9E0-771A-475D-AF52-AB52EE24A73B}" dt="2021-04-20T00:01:21.165" v="6" actId="14100"/>
+          <ac:spMkLst>
+            <pc:docMk/>
+            <pc:sldMk cId="4044548724" sldId="262"/>
+            <ac:spMk id="3" creationId="{F223CC21-09F0-AA48-BF20-B6B3C674C6AF}"/>
+          </ac:spMkLst>
+        </pc:spChg>
+      </pc:sldChg>
+      <pc:sldChg chg="addSp modSp mod">
+        <pc:chgData name="Hossain, Ahmed Muntasir" userId="256dcaa3-c318-45c7-891d-75ee5ae60a08" providerId="ADAL" clId="{3064D9E0-771A-475D-AF52-AB52EE24A73B}" dt="2021-04-20T01:20:33.093" v="3254" actId="1076"/>
+        <pc:sldMkLst>
+          <pc:docMk/>
+          <pc:sldMk cId="2528755128" sldId="271"/>
+        </pc:sldMkLst>
+        <pc:spChg chg="mod">
+          <ac:chgData name="Hossain, Ahmed Muntasir" userId="256dcaa3-c318-45c7-891d-75ee5ae60a08" providerId="ADAL" clId="{3064D9E0-771A-475D-AF52-AB52EE24A73B}" dt="2021-04-20T01:15:43.816" v="2992" actId="20577"/>
+          <ac:spMkLst>
+            <pc:docMk/>
+            <pc:sldMk cId="2528755128" sldId="271"/>
+            <ac:spMk id="2" creationId="{00000000-0000-0000-0000-000000000000}"/>
+          </ac:spMkLst>
+        </pc:spChg>
+        <pc:spChg chg="add mod">
+          <ac:chgData name="Hossain, Ahmed Muntasir" userId="256dcaa3-c318-45c7-891d-75ee5ae60a08" providerId="ADAL" clId="{3064D9E0-771A-475D-AF52-AB52EE24A73B}" dt="2021-04-20T01:20:33.093" v="3254" actId="1076"/>
+          <ac:spMkLst>
+            <pc:docMk/>
+            <pc:sldMk cId="2528755128" sldId="271"/>
+            <ac:spMk id="3" creationId="{17F4F961-8ACA-4E2C-A444-8150EECC4DFB}"/>
+          </ac:spMkLst>
+        </pc:spChg>
+      </pc:sldChg>
+      <pc:sldChg chg="addSp delSp modSp mod">
+        <pc:chgData name="Hossain, Ahmed Muntasir" userId="256dcaa3-c318-45c7-891d-75ee5ae60a08" providerId="ADAL" clId="{3064D9E0-771A-475D-AF52-AB52EE24A73B}" dt="2021-04-20T00:44:03.426" v="1117" actId="2164"/>
         <pc:sldMkLst>
           <pc:docMk/>
           <pc:sldMk cId="4024084921" sldId="272"/>
         </pc:sldMkLst>
-        <pc:graphicFrameChg chg="mod modGraphic">
-          <ac:chgData name="Guest User" userId="S::urn:spo:anon#17b95426adc48bc05f69827c2e0e010044f0a7857336a498d3cb5c753835f8d3::" providerId="AD" clId="Web-{6087CAA7-8866-1C7C-94F5-6BAD65C8A832}" dt="2021-04-20T00:45:14.754" v="55"/>
+        <pc:spChg chg="mod">
+          <ac:chgData name="Hossain, Ahmed Muntasir" userId="256dcaa3-c318-45c7-891d-75ee5ae60a08" providerId="ADAL" clId="{3064D9E0-771A-475D-AF52-AB52EE24A73B}" dt="2021-04-20T00:40:01.237" v="1046" actId="20577"/>
+          <ac:spMkLst>
+            <pc:docMk/>
+            <pc:sldMk cId="4024084921" sldId="272"/>
+            <ac:spMk id="2" creationId="{00000000-0000-0000-0000-000000000000}"/>
+          </ac:spMkLst>
+        </pc:spChg>
+        <pc:spChg chg="del mod">
+          <ac:chgData name="Hossain, Ahmed Muntasir" userId="256dcaa3-c318-45c7-891d-75ee5ae60a08" providerId="ADAL" clId="{3064D9E0-771A-475D-AF52-AB52EE24A73B}" dt="2021-04-20T00:26:49.085" v="821" actId="478"/>
+          <ac:spMkLst>
+            <pc:docMk/>
+            <pc:sldMk cId="4024084921" sldId="272"/>
+            <ac:spMk id="3" creationId="{629BD0FC-F0AC-44DF-A144-925A89056A36}"/>
+          </ac:spMkLst>
+        </pc:spChg>
+        <pc:spChg chg="add del mod">
+          <ac:chgData name="Hossain, Ahmed Muntasir" userId="256dcaa3-c318-45c7-891d-75ee5ae60a08" providerId="ADAL" clId="{3064D9E0-771A-475D-AF52-AB52EE24A73B}" dt="2021-04-20T00:07:13.358" v="321"/>
+          <ac:spMkLst>
+            <pc:docMk/>
+            <pc:sldMk cId="4024084921" sldId="272"/>
+            <ac:spMk id="4" creationId="{CE815F87-9AF2-482F-8B5F-CD7C7E808495}"/>
+          </ac:spMkLst>
+        </pc:spChg>
+        <pc:graphicFrameChg chg="add mod modGraphic">
+          <ac:chgData name="Hossain, Ahmed Muntasir" userId="256dcaa3-c318-45c7-891d-75ee5ae60a08" providerId="ADAL" clId="{3064D9E0-771A-475D-AF52-AB52EE24A73B}" dt="2021-04-20T00:43:16.529" v="1096" actId="2164"/>
           <ac:graphicFrameMkLst>
             <pc:docMk/>
             <pc:sldMk cId="4024084921" sldId="272"/>
             <ac:graphicFrameMk id="5" creationId="{F7963100-83F3-4825-A473-005AC1740D51}"/>
           </ac:graphicFrameMkLst>
         </pc:graphicFrameChg>
+        <pc:graphicFrameChg chg="add mod modGraphic">
+          <ac:chgData name="Hossain, Ahmed Muntasir" userId="256dcaa3-c318-45c7-891d-75ee5ae60a08" providerId="ADAL" clId="{3064D9E0-771A-475D-AF52-AB52EE24A73B}" dt="2021-04-20T00:44:03.426" v="1117" actId="2164"/>
+          <ac:graphicFrameMkLst>
+            <pc:docMk/>
+            <pc:sldMk cId="4024084921" sldId="272"/>
+            <ac:graphicFrameMk id="7" creationId="{A6724FFA-73F2-4731-B5C9-5E254B003D30}"/>
+          </ac:graphicFrameMkLst>
+        </pc:graphicFrameChg>
+        <pc:picChg chg="del">
+          <ac:chgData name="Hossain, Ahmed Muntasir" userId="256dcaa3-c318-45c7-891d-75ee5ae60a08" providerId="ADAL" clId="{3064D9E0-771A-475D-AF52-AB52EE24A73B}" dt="2021-04-20T00:06:34.338" v="306" actId="478"/>
+          <ac:picMkLst>
+            <pc:docMk/>
+            <pc:sldMk cId="4024084921" sldId="272"/>
+            <ac:picMk id="9" creationId="{D869B9C3-427D-466F-A403-659B5AAC7DDE}"/>
+          </ac:picMkLst>
+        </pc:picChg>
+      </pc:sldChg>
+      <pc:sldChg chg="addSp modSp mod modNotesTx">
+        <pc:chgData name="Hossain, Ahmed Muntasir" userId="256dcaa3-c318-45c7-891d-75ee5ae60a08" providerId="ADAL" clId="{3064D9E0-771A-475D-AF52-AB52EE24A73B}" dt="2021-04-20T00:23:30.725" v="719" actId="20577"/>
+        <pc:sldMkLst>
+          <pc:docMk/>
+          <pc:sldMk cId="2682829407" sldId="273"/>
+        </pc:sldMkLst>
+        <pc:spChg chg="mod">
+          <ac:chgData name="Hossain, Ahmed Muntasir" userId="256dcaa3-c318-45c7-891d-75ee5ae60a08" providerId="ADAL" clId="{3064D9E0-771A-475D-AF52-AB52EE24A73B}" dt="2021-04-20T00:02:27.401" v="13" actId="255"/>
+          <ac:spMkLst>
+            <pc:docMk/>
+            <pc:sldMk cId="2682829407" sldId="273"/>
+            <ac:spMk id="2" creationId="{00000000-0000-0000-0000-000000000000}"/>
+          </ac:spMkLst>
+        </pc:spChg>
+        <pc:spChg chg="add mod">
+          <ac:chgData name="Hossain, Ahmed Muntasir" userId="256dcaa3-c318-45c7-891d-75ee5ae60a08" providerId="ADAL" clId="{3064D9E0-771A-475D-AF52-AB52EE24A73B}" dt="2021-04-20T00:23:30.725" v="719" actId="20577"/>
+          <ac:spMkLst>
+            <pc:docMk/>
+            <pc:sldMk cId="2682829407" sldId="273"/>
+            <ac:spMk id="3" creationId="{0BC41A26-87E9-4C1B-A52D-982E24596471}"/>
+          </ac:spMkLst>
+        </pc:spChg>
+      </pc:sldChg>
+      <pc:sldChg chg="delSp modSp mod">
+        <pc:chgData name="Hossain, Ahmed Muntasir" userId="256dcaa3-c318-45c7-891d-75ee5ae60a08" providerId="ADAL" clId="{3064D9E0-771A-475D-AF52-AB52EE24A73B}" dt="2021-04-20T01:22:04.291" v="3257" actId="478"/>
+        <pc:sldMkLst>
+          <pc:docMk/>
+          <pc:sldMk cId="282399625" sldId="274"/>
+        </pc:sldMkLst>
+        <pc:spChg chg="mod">
+          <ac:chgData name="Hossain, Ahmed Muntasir" userId="256dcaa3-c318-45c7-891d-75ee5ae60a08" providerId="ADAL" clId="{3064D9E0-771A-475D-AF52-AB52EE24A73B}" dt="2021-04-20T00:02:32.536" v="14" actId="255"/>
+          <ac:spMkLst>
+            <pc:docMk/>
+            <pc:sldMk cId="282399625" sldId="274"/>
+            <ac:spMk id="2" creationId="{00000000-0000-0000-0000-000000000000}"/>
+          </ac:spMkLst>
+        </pc:spChg>
+        <pc:spChg chg="del">
+          <ac:chgData name="Hossain, Ahmed Muntasir" userId="256dcaa3-c318-45c7-891d-75ee5ae60a08" providerId="ADAL" clId="{3064D9E0-771A-475D-AF52-AB52EE24A73B}" dt="2021-04-20T01:22:04.291" v="3257" actId="478"/>
+          <ac:spMkLst>
+            <pc:docMk/>
+            <pc:sldMk cId="282399625" sldId="274"/>
+            <ac:spMk id="3" creationId="{F6907438-1ACA-40BD-B23D-692F73F42930}"/>
+          </ac:spMkLst>
+        </pc:spChg>
+      </pc:sldChg>
+      <pc:sldChg chg="modSp mod">
+        <pc:chgData name="Hossain, Ahmed Muntasir" userId="256dcaa3-c318-45c7-891d-75ee5ae60a08" providerId="ADAL" clId="{3064D9E0-771A-475D-AF52-AB52EE24A73B}" dt="2021-04-20T01:04:02.482" v="2197" actId="1076"/>
+        <pc:sldMkLst>
+          <pc:docMk/>
+          <pc:sldMk cId="2164231458" sldId="275"/>
+        </pc:sldMkLst>
+        <pc:spChg chg="mod">
+          <ac:chgData name="Hossain, Ahmed Muntasir" userId="256dcaa3-c318-45c7-891d-75ee5ae60a08" providerId="ADAL" clId="{3064D9E0-771A-475D-AF52-AB52EE24A73B}" dt="2021-04-20T00:02:57.885" v="18" actId="255"/>
+          <ac:spMkLst>
+            <pc:docMk/>
+            <pc:sldMk cId="2164231458" sldId="275"/>
+            <ac:spMk id="2" creationId="{00000000-0000-0000-0000-000000000000}"/>
+          </ac:spMkLst>
+        </pc:spChg>
+        <pc:spChg chg="mod">
+          <ac:chgData name="Hossain, Ahmed Muntasir" userId="256dcaa3-c318-45c7-891d-75ee5ae60a08" providerId="ADAL" clId="{3064D9E0-771A-475D-AF52-AB52EE24A73B}" dt="2021-04-20T01:04:02.482" v="2197" actId="1076"/>
+          <ac:spMkLst>
+            <pc:docMk/>
+            <pc:sldMk cId="2164231458" sldId="275"/>
+            <ac:spMk id="5" creationId="{B7729788-EDA3-49B2-8B56-03671CD73C7E}"/>
+          </ac:spMkLst>
+        </pc:spChg>
+      </pc:sldChg>
+      <pc:sldChg chg="modSp mod">
+        <pc:chgData name="Hossain, Ahmed Muntasir" userId="256dcaa3-c318-45c7-891d-75ee5ae60a08" providerId="ADAL" clId="{3064D9E0-771A-475D-AF52-AB52EE24A73B}" dt="2021-04-20T00:45:30.580" v="1272" actId="20577"/>
+        <pc:sldMkLst>
+          <pc:docMk/>
+          <pc:sldMk cId="2089004303" sldId="276"/>
+        </pc:sldMkLst>
+        <pc:spChg chg="mod">
+          <ac:chgData name="Hossain, Ahmed Muntasir" userId="256dcaa3-c318-45c7-891d-75ee5ae60a08" providerId="ADAL" clId="{3064D9E0-771A-475D-AF52-AB52EE24A73B}" dt="2021-04-20T00:45:30.580" v="1272" actId="20577"/>
+          <ac:spMkLst>
+            <pc:docMk/>
+            <pc:sldMk cId="2089004303" sldId="276"/>
+            <ac:spMk id="2" creationId="{00000000-0000-0000-0000-000000000000}"/>
+          </ac:spMkLst>
+        </pc:spChg>
+      </pc:sldChg>
+      <pc:sldChg chg="modSp add mod">
+        <pc:chgData name="Hossain, Ahmed Muntasir" userId="256dcaa3-c318-45c7-891d-75ee5ae60a08" providerId="ADAL" clId="{3064D9E0-771A-475D-AF52-AB52EE24A73B}" dt="2021-04-20T00:45:17.719" v="1239" actId="20577"/>
+        <pc:sldMkLst>
+          <pc:docMk/>
+          <pc:sldMk cId="1191759795" sldId="277"/>
+        </pc:sldMkLst>
+        <pc:spChg chg="mod">
+          <ac:chgData name="Hossain, Ahmed Muntasir" userId="256dcaa3-c318-45c7-891d-75ee5ae60a08" providerId="ADAL" clId="{3064D9E0-771A-475D-AF52-AB52EE24A73B}" dt="2021-04-20T00:45:17.719" v="1239" actId="20577"/>
+          <ac:spMkLst>
+            <pc:docMk/>
+            <pc:sldMk cId="1191759795" sldId="277"/>
+            <ac:spMk id="2" creationId="{00000000-0000-0000-0000-000000000000}"/>
+          </ac:spMkLst>
+        </pc:spChg>
+        <pc:picChg chg="mod">
+          <ac:chgData name="Hossain, Ahmed Muntasir" userId="256dcaa3-c318-45c7-891d-75ee5ae60a08" providerId="ADAL" clId="{3064D9E0-771A-475D-AF52-AB52EE24A73B}" dt="2021-04-20T00:33:33.353" v="887" actId="1076"/>
+          <ac:picMkLst>
+            <pc:docMk/>
+            <pc:sldMk cId="1191759795" sldId="277"/>
+            <ac:picMk id="9" creationId="{D869B9C3-427D-466F-A403-659B5AAC7DDE}"/>
+          </ac:picMkLst>
+        </pc:picChg>
+      </pc:sldChg>
+      <pc:sldChg chg="delSp modSp add mod">
+        <pc:chgData name="Hossain, Ahmed Muntasir" userId="256dcaa3-c318-45c7-891d-75ee5ae60a08" providerId="ADAL" clId="{3064D9E0-771A-475D-AF52-AB52EE24A73B}" dt="2021-04-20T00:44:39.700" v="1127" actId="2164"/>
+        <pc:sldMkLst>
+          <pc:docMk/>
+          <pc:sldMk cId="197608093" sldId="278"/>
+        </pc:sldMkLst>
+        <pc:spChg chg="mod">
+          <ac:chgData name="Hossain, Ahmed Muntasir" userId="256dcaa3-c318-45c7-891d-75ee5ae60a08" providerId="ADAL" clId="{3064D9E0-771A-475D-AF52-AB52EE24A73B}" dt="2021-04-20T00:40:12.005" v="1077" actId="20577"/>
+          <ac:spMkLst>
+            <pc:docMk/>
+            <pc:sldMk cId="197608093" sldId="278"/>
+            <ac:spMk id="2" creationId="{00000000-0000-0000-0000-000000000000}"/>
+          </ac:spMkLst>
+        </pc:spChg>
+        <pc:graphicFrameChg chg="del modGraphic">
+          <ac:chgData name="Hossain, Ahmed Muntasir" userId="256dcaa3-c318-45c7-891d-75ee5ae60a08" providerId="ADAL" clId="{3064D9E0-771A-475D-AF52-AB52EE24A73B}" dt="2021-04-20T00:35:58.792" v="931" actId="478"/>
+          <ac:graphicFrameMkLst>
+            <pc:docMk/>
+            <pc:sldMk cId="197608093" sldId="278"/>
+            <ac:graphicFrameMk id="5" creationId="{F7963100-83F3-4825-A473-005AC1740D51}"/>
+          </ac:graphicFrameMkLst>
+        </pc:graphicFrameChg>
         <pc:graphicFrameChg chg="mod modGraphic">
-          <ac:chgData name="Guest User" userId="S::urn:spo:anon#17b95426adc48bc05f69827c2e0e010044f0a7857336a498d3cb5c753835f8d3::" providerId="AD" clId="Web-{6087CAA7-8866-1C7C-94F5-6BAD65C8A832}" dt="2021-04-20T00:48:11.601" v="67"/>
+          <ac:chgData name="Hossain, Ahmed Muntasir" userId="256dcaa3-c318-45c7-891d-75ee5ae60a08" providerId="ADAL" clId="{3064D9E0-771A-475D-AF52-AB52EE24A73B}" dt="2021-04-20T00:44:39.700" v="1127" actId="2164"/>
+          <ac:graphicFrameMkLst>
+            <pc:docMk/>
+            <pc:sldMk cId="197608093" sldId="278"/>
+            <ac:graphicFrameMk id="7" creationId="{A6724FFA-73F2-4731-B5C9-5E254B003D30}"/>
+          </ac:graphicFrameMkLst>
+        </pc:graphicFrameChg>
+      </pc:sldChg>
+      <pc:sldChg chg="modSp add mod">
+        <pc:chgData name="Hossain, Ahmed Muntasir" userId="256dcaa3-c318-45c7-891d-75ee5ae60a08" providerId="ADAL" clId="{3064D9E0-771A-475D-AF52-AB52EE24A73B}" dt="2021-04-20T01:20:55.771" v="3256" actId="1076"/>
+        <pc:sldMkLst>
+          <pc:docMk/>
+          <pc:sldMk cId="3460058106" sldId="279"/>
+        </pc:sldMkLst>
+        <pc:spChg chg="mod">
+          <ac:chgData name="Hossain, Ahmed Muntasir" userId="256dcaa3-c318-45c7-891d-75ee5ae60a08" providerId="ADAL" clId="{3064D9E0-771A-475D-AF52-AB52EE24A73B}" dt="2021-04-20T01:15:51.717" v="2999" actId="20577"/>
+          <ac:spMkLst>
+            <pc:docMk/>
+            <pc:sldMk cId="3460058106" sldId="279"/>
+            <ac:spMk id="2" creationId="{00000000-0000-0000-0000-000000000000}"/>
+          </ac:spMkLst>
+        </pc:spChg>
+        <pc:spChg chg="mod">
+          <ac:chgData name="Hossain, Ahmed Muntasir" userId="256dcaa3-c318-45c7-891d-75ee5ae60a08" providerId="ADAL" clId="{3064D9E0-771A-475D-AF52-AB52EE24A73B}" dt="2021-04-20T01:20:55.771" v="3256" actId="1076"/>
+          <ac:spMkLst>
+            <pc:docMk/>
+            <pc:sldMk cId="3460058106" sldId="279"/>
+            <ac:spMk id="3" creationId="{17F4F961-8ACA-4E2C-A444-8150EECC4DFB}"/>
+          </ac:spMkLst>
+        </pc:spChg>
+      </pc:sldChg>
+    </pc:docChg>
+  </pc:docChgLst>
+  <pc:docChgLst>
+    <pc:chgData name="Emily Carlow" userId="bb5c094f-4815-4b8e-a348-fc8fb9e78a2c" providerId="ADAL" clId="{BED82364-A664-4568-A1AE-D5F50239BA76}"/>
+    <pc:docChg chg="undo custSel addSld modSld">
+      <pc:chgData name="Emily Carlow" userId="bb5c094f-4815-4b8e-a348-fc8fb9e78a2c" providerId="ADAL" clId="{BED82364-A664-4568-A1AE-D5F50239BA76}" dt="2021-04-25T22:03:16.461" v="2083" actId="122"/>
+      <pc:docMkLst>
+        <pc:docMk/>
+      </pc:docMkLst>
+      <pc:sldChg chg="modSp mod">
+        <pc:chgData name="Emily Carlow" userId="bb5c094f-4815-4b8e-a348-fc8fb9e78a2c" providerId="ADAL" clId="{BED82364-A664-4568-A1AE-D5F50239BA76}" dt="2021-04-23T18:58:00.093" v="206" actId="20577"/>
+        <pc:sldMkLst>
+          <pc:docMk/>
+          <pc:sldMk cId="4044548724" sldId="262"/>
+        </pc:sldMkLst>
+        <pc:spChg chg="mod">
+          <ac:chgData name="Emily Carlow" userId="bb5c094f-4815-4b8e-a348-fc8fb9e78a2c" providerId="ADAL" clId="{BED82364-A664-4568-A1AE-D5F50239BA76}" dt="2021-04-23T18:58:00.093" v="206" actId="20577"/>
+          <ac:spMkLst>
+            <pc:docMk/>
+            <pc:sldMk cId="4044548724" sldId="262"/>
+            <ac:spMk id="2" creationId="{E19DDF95-2D63-5141-80AB-441389C607B9}"/>
+          </ac:spMkLst>
+        </pc:spChg>
+        <pc:spChg chg="mod">
+          <ac:chgData name="Emily Carlow" userId="bb5c094f-4815-4b8e-a348-fc8fb9e78a2c" providerId="ADAL" clId="{BED82364-A664-4568-A1AE-D5F50239BA76}" dt="2021-04-23T18:55:04.370" v="92" actId="14100"/>
+          <ac:spMkLst>
+            <pc:docMk/>
+            <pc:sldMk cId="4044548724" sldId="262"/>
+            <ac:spMk id="3" creationId="{F223CC21-09F0-AA48-BF20-B6B3C674C6AF}"/>
+          </ac:spMkLst>
+        </pc:spChg>
+      </pc:sldChg>
+      <pc:sldChg chg="modSp mod">
+        <pc:chgData name="Emily Carlow" userId="bb5c094f-4815-4b8e-a348-fc8fb9e78a2c" providerId="ADAL" clId="{BED82364-A664-4568-A1AE-D5F50239BA76}" dt="2021-04-23T19:20:06.991" v="1069" actId="20577"/>
+        <pc:sldMkLst>
+          <pc:docMk/>
+          <pc:sldMk cId="2528755128" sldId="271"/>
+        </pc:sldMkLst>
+        <pc:spChg chg="mod">
+          <ac:chgData name="Emily Carlow" userId="bb5c094f-4815-4b8e-a348-fc8fb9e78a2c" providerId="ADAL" clId="{BED82364-A664-4568-A1AE-D5F50239BA76}" dt="2021-04-23T19:18:48.513" v="989" actId="20577"/>
+          <ac:spMkLst>
+            <pc:docMk/>
+            <pc:sldMk cId="2528755128" sldId="271"/>
+            <ac:spMk id="2" creationId="{00000000-0000-0000-0000-000000000000}"/>
+          </ac:spMkLst>
+        </pc:spChg>
+        <pc:spChg chg="mod">
+          <ac:chgData name="Emily Carlow" userId="bb5c094f-4815-4b8e-a348-fc8fb9e78a2c" providerId="ADAL" clId="{BED82364-A664-4568-A1AE-D5F50239BA76}" dt="2021-04-23T19:20:06.991" v="1069" actId="20577"/>
+          <ac:spMkLst>
+            <pc:docMk/>
+            <pc:sldMk cId="2528755128" sldId="271"/>
+            <ac:spMk id="3" creationId="{17F4F961-8ACA-4E2C-A444-8150EECC4DFB}"/>
+          </ac:spMkLst>
+        </pc:spChg>
+      </pc:sldChg>
+      <pc:sldChg chg="addSp delSp modSp mod">
+        <pc:chgData name="Emily Carlow" userId="bb5c094f-4815-4b8e-a348-fc8fb9e78a2c" providerId="ADAL" clId="{BED82364-A664-4568-A1AE-D5F50239BA76}" dt="2021-04-23T19:21:13.800" v="1082" actId="20577"/>
+        <pc:sldMkLst>
+          <pc:docMk/>
+          <pc:sldMk cId="4024084921" sldId="272"/>
+        </pc:sldMkLst>
+        <pc:spChg chg="mod">
+          <ac:chgData name="Emily Carlow" userId="bb5c094f-4815-4b8e-a348-fc8fb9e78a2c" providerId="ADAL" clId="{BED82364-A664-4568-A1AE-D5F50239BA76}" dt="2021-04-23T19:19:32.584" v="1065" actId="20577"/>
+          <ac:spMkLst>
+            <pc:docMk/>
+            <pc:sldMk cId="4024084921" sldId="272"/>
+            <ac:spMk id="2" creationId="{00000000-0000-0000-0000-000000000000}"/>
+          </ac:spMkLst>
+        </pc:spChg>
+        <pc:spChg chg="add del mod">
+          <ac:chgData name="Emily Carlow" userId="bb5c094f-4815-4b8e-a348-fc8fb9e78a2c" providerId="ADAL" clId="{BED82364-A664-4568-A1AE-D5F50239BA76}" dt="2021-04-23T19:17:07.440" v="953" actId="767"/>
+          <ac:spMkLst>
+            <pc:docMk/>
+            <pc:sldMk cId="4024084921" sldId="272"/>
+            <ac:spMk id="4" creationId="{778720AA-CEF5-498A-8CDF-0B984B9B4E3C}"/>
+          </ac:spMkLst>
+        </pc:spChg>
+        <pc:spChg chg="add mod">
+          <ac:chgData name="Emily Carlow" userId="bb5c094f-4815-4b8e-a348-fc8fb9e78a2c" providerId="ADAL" clId="{BED82364-A664-4568-A1AE-D5F50239BA76}" dt="2021-04-23T19:21:13.800" v="1082" actId="20577"/>
+          <ac:spMkLst>
+            <pc:docMk/>
+            <pc:sldMk cId="4024084921" sldId="272"/>
+            <ac:spMk id="6" creationId="{31C99836-6619-4EB5-B2ED-A9B1E7384BBE}"/>
+          </ac:spMkLst>
+        </pc:spChg>
+        <pc:graphicFrameChg chg="del">
+          <ac:chgData name="Emily Carlow" userId="bb5c094f-4815-4b8e-a348-fc8fb9e78a2c" providerId="ADAL" clId="{BED82364-A664-4568-A1AE-D5F50239BA76}" dt="2021-04-23T19:16:30.246" v="950" actId="478"/>
+          <ac:graphicFrameMkLst>
+            <pc:docMk/>
+            <pc:sldMk cId="4024084921" sldId="272"/>
+            <ac:graphicFrameMk id="5" creationId="{F7963100-83F3-4825-A473-005AC1740D51}"/>
+          </ac:graphicFrameMkLst>
+        </pc:graphicFrameChg>
+        <pc:graphicFrameChg chg="del">
+          <ac:chgData name="Emily Carlow" userId="bb5c094f-4815-4b8e-a348-fc8fb9e78a2c" providerId="ADAL" clId="{BED82364-A664-4568-A1AE-D5F50239BA76}" dt="2021-04-23T19:16:35.380" v="951" actId="478"/>
           <ac:graphicFrameMkLst>
             <pc:docMk/>
             <pc:sldMk cId="4024084921" sldId="272"/>
@@ -192,65 +754,854 @@
           </ac:graphicFrameMkLst>
         </pc:graphicFrameChg>
       </pc:sldChg>
-      <pc:sldChg chg="modSp">
-        <pc:chgData name="Guest User" userId="S::urn:spo:anon#17b95426adc48bc05f69827c2e0e010044f0a7857336a498d3cb5c753835f8d3::" providerId="AD" clId="Web-{6087CAA7-8866-1C7C-94F5-6BAD65C8A832}" dt="2021-04-20T00:32:31.662" v="1" actId="1076"/>
+      <pc:sldChg chg="addSp delSp modSp mod">
+        <pc:chgData name="Emily Carlow" userId="bb5c094f-4815-4b8e-a348-fc8fb9e78a2c" providerId="ADAL" clId="{BED82364-A664-4568-A1AE-D5F50239BA76}" dt="2021-04-23T19:54:19.900" v="1325" actId="14100"/>
+        <pc:sldMkLst>
+          <pc:docMk/>
+          <pc:sldMk cId="2682829407" sldId="273"/>
+        </pc:sldMkLst>
+        <pc:spChg chg="mod">
+          <ac:chgData name="Emily Carlow" userId="bb5c094f-4815-4b8e-a348-fc8fb9e78a2c" providerId="ADAL" clId="{BED82364-A664-4568-A1AE-D5F50239BA76}" dt="2021-04-23T19:53:35.888" v="1316" actId="20577"/>
+          <ac:spMkLst>
+            <pc:docMk/>
+            <pc:sldMk cId="2682829407" sldId="273"/>
+            <ac:spMk id="2" creationId="{00000000-0000-0000-0000-000000000000}"/>
+          </ac:spMkLst>
+        </pc:spChg>
+        <pc:spChg chg="del mod">
+          <ac:chgData name="Emily Carlow" userId="bb5c094f-4815-4b8e-a348-fc8fb9e78a2c" providerId="ADAL" clId="{BED82364-A664-4568-A1AE-D5F50239BA76}" dt="2021-04-23T19:53:38.748" v="1318"/>
+          <ac:spMkLst>
+            <pc:docMk/>
+            <pc:sldMk cId="2682829407" sldId="273"/>
+            <ac:spMk id="3" creationId="{0BC41A26-87E9-4C1B-A52D-982E24596471}"/>
+          </ac:spMkLst>
+        </pc:spChg>
+        <pc:picChg chg="add mod">
+          <ac:chgData name="Emily Carlow" userId="bb5c094f-4815-4b8e-a348-fc8fb9e78a2c" providerId="ADAL" clId="{BED82364-A664-4568-A1AE-D5F50239BA76}" dt="2021-04-23T19:54:19.900" v="1325" actId="14100"/>
+          <ac:picMkLst>
+            <pc:docMk/>
+            <pc:sldMk cId="2682829407" sldId="273"/>
+            <ac:picMk id="6" creationId="{5A6DA704-C48C-4041-B089-6333932EAF5F}"/>
+          </ac:picMkLst>
+        </pc:picChg>
+      </pc:sldChg>
+      <pc:sldChg chg="modSp mod">
+        <pc:chgData name="Emily Carlow" userId="bb5c094f-4815-4b8e-a348-fc8fb9e78a2c" providerId="ADAL" clId="{BED82364-A664-4568-A1AE-D5F50239BA76}" dt="2021-04-23T19:29:07.308" v="1103" actId="20577"/>
+        <pc:sldMkLst>
+          <pc:docMk/>
+          <pc:sldMk cId="282399625" sldId="274"/>
+        </pc:sldMkLst>
+        <pc:spChg chg="mod">
+          <ac:chgData name="Emily Carlow" userId="bb5c094f-4815-4b8e-a348-fc8fb9e78a2c" providerId="ADAL" clId="{BED82364-A664-4568-A1AE-D5F50239BA76}" dt="2021-04-23T19:29:07.308" v="1103" actId="20577"/>
+          <ac:spMkLst>
+            <pc:docMk/>
+            <pc:sldMk cId="282399625" sldId="274"/>
+            <ac:spMk id="2" creationId="{00000000-0000-0000-0000-000000000000}"/>
+          </ac:spMkLst>
+        </pc:spChg>
+      </pc:sldChg>
+      <pc:sldChg chg="modSp mod">
+        <pc:chgData name="Emily Carlow" userId="bb5c094f-4815-4b8e-a348-fc8fb9e78a2c" providerId="ADAL" clId="{BED82364-A664-4568-A1AE-D5F50239BA76}" dt="2021-04-23T19:08:39.529" v="871" actId="313"/>
+        <pc:sldMkLst>
+          <pc:docMk/>
+          <pc:sldMk cId="2164231458" sldId="275"/>
+        </pc:sldMkLst>
+        <pc:spChg chg="mod">
+          <ac:chgData name="Emily Carlow" userId="bb5c094f-4815-4b8e-a348-fc8fb9e78a2c" providerId="ADAL" clId="{BED82364-A664-4568-A1AE-D5F50239BA76}" dt="2021-04-23T19:08:39.529" v="871" actId="313"/>
+          <ac:spMkLst>
+            <pc:docMk/>
+            <pc:sldMk cId="2164231458" sldId="275"/>
+            <ac:spMk id="5" creationId="{B7729788-EDA3-49B2-8B56-03671CD73C7E}"/>
+          </ac:spMkLst>
+        </pc:spChg>
+      </pc:sldChg>
+      <pc:sldChg chg="addSp delSp modSp mod">
+        <pc:chgData name="Emily Carlow" userId="bb5c094f-4815-4b8e-a348-fc8fb9e78a2c" providerId="ADAL" clId="{BED82364-A664-4568-A1AE-D5F50239BA76}" dt="2021-04-23T19:49:32.056" v="1240" actId="20577"/>
+        <pc:sldMkLst>
+          <pc:docMk/>
+          <pc:sldMk cId="2089004303" sldId="276"/>
+        </pc:sldMkLst>
+        <pc:spChg chg="mod">
+          <ac:chgData name="Emily Carlow" userId="bb5c094f-4815-4b8e-a348-fc8fb9e78a2c" providerId="ADAL" clId="{BED82364-A664-4568-A1AE-D5F50239BA76}" dt="2021-04-23T19:49:32.056" v="1240" actId="20577"/>
+          <ac:spMkLst>
+            <pc:docMk/>
+            <pc:sldMk cId="2089004303" sldId="276"/>
+            <ac:spMk id="2" creationId="{00000000-0000-0000-0000-000000000000}"/>
+          </ac:spMkLst>
+        </pc:spChg>
+        <pc:picChg chg="del">
+          <ac:chgData name="Emily Carlow" userId="bb5c094f-4815-4b8e-a348-fc8fb9e78a2c" providerId="ADAL" clId="{BED82364-A664-4568-A1AE-D5F50239BA76}" dt="2021-04-23T19:46:34.972" v="1194" actId="478"/>
+          <ac:picMkLst>
+            <pc:docMk/>
+            <pc:sldMk cId="2089004303" sldId="276"/>
+            <ac:picMk id="5" creationId="{ECB2D493-0FDB-48AF-9683-998A73869A24}"/>
+          </ac:picMkLst>
+        </pc:picChg>
+        <pc:picChg chg="add mod">
+          <ac:chgData name="Emily Carlow" userId="bb5c094f-4815-4b8e-a348-fc8fb9e78a2c" providerId="ADAL" clId="{BED82364-A664-4568-A1AE-D5F50239BA76}" dt="2021-04-23T19:49:16.181" v="1224" actId="1076"/>
+          <ac:picMkLst>
+            <pc:docMk/>
+            <pc:sldMk cId="2089004303" sldId="276"/>
+            <ac:picMk id="7" creationId="{74D20F2F-B45F-4D66-8218-E02F49333A39}"/>
+          </ac:picMkLst>
+        </pc:picChg>
+      </pc:sldChg>
+      <pc:sldChg chg="addSp delSp modSp mod">
+        <pc:chgData name="Emily Carlow" userId="bb5c094f-4815-4b8e-a348-fc8fb9e78a2c" providerId="ADAL" clId="{BED82364-A664-4568-A1AE-D5F50239BA76}" dt="2021-04-23T19:49:51.287" v="1265" actId="20577"/>
         <pc:sldMkLst>
           <pc:docMk/>
           <pc:sldMk cId="1191759795" sldId="277"/>
         </pc:sldMkLst>
-        <pc:picChg chg="mod">
-          <ac:chgData name="Guest User" userId="S::urn:spo:anon#17b95426adc48bc05f69827c2e0e010044f0a7857336a498d3cb5c753835f8d3::" providerId="AD" clId="Web-{6087CAA7-8866-1C7C-94F5-6BAD65C8A832}" dt="2021-04-20T00:32:31.662" v="1" actId="1076"/>
+        <pc:spChg chg="mod">
+          <ac:chgData name="Emily Carlow" userId="bb5c094f-4815-4b8e-a348-fc8fb9e78a2c" providerId="ADAL" clId="{BED82364-A664-4568-A1AE-D5F50239BA76}" dt="2021-04-23T19:49:51.287" v="1265" actId="20577"/>
+          <ac:spMkLst>
+            <pc:docMk/>
+            <pc:sldMk cId="1191759795" sldId="277"/>
+            <ac:spMk id="2" creationId="{00000000-0000-0000-0000-000000000000}"/>
+          </ac:spMkLst>
+        </pc:spChg>
+        <pc:spChg chg="mod">
+          <ac:chgData name="Emily Carlow" userId="bb5c094f-4815-4b8e-a348-fc8fb9e78a2c" providerId="ADAL" clId="{BED82364-A664-4568-A1AE-D5F50239BA76}" dt="2021-04-23T19:37:55.200" v="1182" actId="1076"/>
+          <ac:spMkLst>
+            <pc:docMk/>
+            <pc:sldMk cId="1191759795" sldId="277"/>
+            <ac:spMk id="3" creationId="{629BD0FC-F0AC-44DF-A144-925A89056A36}"/>
+          </ac:spMkLst>
+        </pc:spChg>
+        <pc:picChg chg="add del mod">
+          <ac:chgData name="Emily Carlow" userId="bb5c094f-4815-4b8e-a348-fc8fb9e78a2c" providerId="ADAL" clId="{BED82364-A664-4568-A1AE-D5F50239BA76}" dt="2021-04-23T19:38:30.237" v="1186" actId="478"/>
+          <ac:picMkLst>
+            <pc:docMk/>
+            <pc:sldMk cId="1191759795" sldId="277"/>
+            <ac:picMk id="6" creationId="{E8CD67AB-6F68-489B-9C2F-8AD76258BDFD}"/>
+          </ac:picMkLst>
+        </pc:picChg>
+        <pc:picChg chg="add del mod">
+          <ac:chgData name="Emily Carlow" userId="bb5c094f-4815-4b8e-a348-fc8fb9e78a2c" providerId="ADAL" clId="{BED82364-A664-4568-A1AE-D5F50239BA76}" dt="2021-04-23T19:46:15.006" v="1190" actId="478"/>
+          <ac:picMkLst>
+            <pc:docMk/>
+            <pc:sldMk cId="1191759795" sldId="277"/>
+            <ac:picMk id="7" creationId="{8B485A5E-29D2-4178-92B7-32BE5BADA48F}"/>
+          </ac:picMkLst>
+        </pc:picChg>
+        <pc:picChg chg="del">
+          <ac:chgData name="Emily Carlow" userId="bb5c094f-4815-4b8e-a348-fc8fb9e78a2c" providerId="ADAL" clId="{BED82364-A664-4568-A1AE-D5F50239BA76}" dt="2021-04-23T19:37:30.040" v="1156" actId="21"/>
           <ac:picMkLst>
             <pc:docMk/>
             <pc:sldMk cId="1191759795" sldId="277"/>
             <ac:picMk id="9" creationId="{D869B9C3-427D-466F-A403-659B5AAC7DDE}"/>
           </ac:picMkLst>
         </pc:picChg>
+        <pc:picChg chg="add mod">
+          <ac:chgData name="Emily Carlow" userId="bb5c094f-4815-4b8e-a348-fc8fb9e78a2c" providerId="ADAL" clId="{BED82364-A664-4568-A1AE-D5F50239BA76}" dt="2021-04-23T19:46:26.514" v="1193" actId="1076"/>
+          <ac:picMkLst>
+            <pc:docMk/>
+            <pc:sldMk cId="1191759795" sldId="277"/>
+            <ac:picMk id="10" creationId="{A1C4FA63-631E-4B53-BA77-F1983449E409}"/>
+          </ac:picMkLst>
+        </pc:picChg>
       </pc:sldChg>
-      <pc:sldChg chg="modSp">
-        <pc:chgData name="Guest User" userId="S::urn:spo:anon#17b95426adc48bc05f69827c2e0e010044f0a7857336a498d3cb5c753835f8d3::" providerId="AD" clId="Web-{6087CAA7-8866-1C7C-94F5-6BAD65C8A832}" dt="2021-04-20T00:50:26.353" v="79"/>
+      <pc:sldChg chg="addSp delSp modSp mod">
+        <pc:chgData name="Emily Carlow" userId="bb5c094f-4815-4b8e-a348-fc8fb9e78a2c" providerId="ADAL" clId="{BED82364-A664-4568-A1AE-D5F50239BA76}" dt="2021-04-23T19:37:14.928" v="1155" actId="1076"/>
         <pc:sldMkLst>
           <pc:docMk/>
           <pc:sldMk cId="197608093" sldId="278"/>
         </pc:sldMkLst>
-        <pc:graphicFrameChg chg="mod modGraphic">
-          <ac:chgData name="Guest User" userId="S::urn:spo:anon#17b95426adc48bc05f69827c2e0e010044f0a7857336a498d3cb5c753835f8d3::" providerId="AD" clId="Web-{6087CAA7-8866-1C7C-94F5-6BAD65C8A832}" dt="2021-04-20T00:50:26.353" v="79"/>
+        <pc:spChg chg="mod">
+          <ac:chgData name="Emily Carlow" userId="bb5c094f-4815-4b8e-a348-fc8fb9e78a2c" providerId="ADAL" clId="{BED82364-A664-4568-A1AE-D5F50239BA76}" dt="2021-04-23T19:30:29.448" v="1131" actId="20577"/>
+          <ac:spMkLst>
+            <pc:docMk/>
+            <pc:sldMk cId="197608093" sldId="278"/>
+            <ac:spMk id="2" creationId="{00000000-0000-0000-0000-000000000000}"/>
+          </ac:spMkLst>
+        </pc:spChg>
+        <pc:graphicFrameChg chg="del">
+          <ac:chgData name="Emily Carlow" userId="bb5c094f-4815-4b8e-a348-fc8fb9e78a2c" providerId="ADAL" clId="{BED82364-A664-4568-A1AE-D5F50239BA76}" dt="2021-04-23T19:30:21.083" v="1106" actId="478"/>
           <ac:graphicFrameMkLst>
             <pc:docMk/>
             <pc:sldMk cId="197608093" sldId="278"/>
             <ac:graphicFrameMk id="7" creationId="{A6724FFA-73F2-4731-B5C9-5E254B003D30}"/>
           </ac:graphicFrameMkLst>
         </pc:graphicFrameChg>
+        <pc:picChg chg="add del mod">
+          <ac:chgData name="Emily Carlow" userId="bb5c094f-4815-4b8e-a348-fc8fb9e78a2c" providerId="ADAL" clId="{BED82364-A664-4568-A1AE-D5F50239BA76}" dt="2021-04-23T19:34:07.172" v="1137" actId="478"/>
+          <ac:picMkLst>
+            <pc:docMk/>
+            <pc:sldMk cId="197608093" sldId="278"/>
+            <ac:picMk id="5" creationId="{F948F525-BF93-4CA5-B1F9-99105A9FC9BA}"/>
+          </ac:picMkLst>
+        </pc:picChg>
+        <pc:picChg chg="add del mod">
+          <ac:chgData name="Emily Carlow" userId="bb5c094f-4815-4b8e-a348-fc8fb9e78a2c" providerId="ADAL" clId="{BED82364-A664-4568-A1AE-D5F50239BA76}" dt="2021-04-23T19:35:11.500" v="1144" actId="21"/>
+          <ac:picMkLst>
+            <pc:docMk/>
+            <pc:sldMk cId="197608093" sldId="278"/>
+            <ac:picMk id="6" creationId="{DD3A46DD-711E-4F8D-B29F-81877636624C}"/>
+          </ac:picMkLst>
+        </pc:picChg>
+        <pc:picChg chg="add del mod">
+          <ac:chgData name="Emily Carlow" userId="bb5c094f-4815-4b8e-a348-fc8fb9e78a2c" providerId="ADAL" clId="{BED82364-A664-4568-A1AE-D5F50239BA76}" dt="2021-04-23T19:36:55.866" v="1150" actId="478"/>
+          <ac:picMkLst>
+            <pc:docMk/>
+            <pc:sldMk cId="197608093" sldId="278"/>
+            <ac:picMk id="8" creationId="{A1E81085-67D8-4F59-AE16-105630FDBA39}"/>
+          </ac:picMkLst>
+        </pc:picChg>
+        <pc:picChg chg="add mod">
+          <ac:chgData name="Emily Carlow" userId="bb5c094f-4815-4b8e-a348-fc8fb9e78a2c" providerId="ADAL" clId="{BED82364-A664-4568-A1AE-D5F50239BA76}" dt="2021-04-23T19:37:14.928" v="1155" actId="1076"/>
+          <ac:picMkLst>
+            <pc:docMk/>
+            <pc:sldMk cId="197608093" sldId="278"/>
+            <ac:picMk id="10" creationId="{875E4A3A-8C9E-4279-95DB-F6D6FF457F5C}"/>
+          </ac:picMkLst>
+        </pc:picChg>
       </pc:sldChg>
-    </pc:docChg>
-  </pc:docChgLst>
-  <pc:docChgLst>
-    <pc:chgData name="Platt, Nathan A" userId="S::nplat2@unh.newhaven.edu::3f443501-7343-4074-b3f9-85f94b5e318f" providerId="AD" clId="Web-{2E2C830F-E56D-49CF-B1B3-A01707161BFD}"/>
-    <pc:docChg chg="modSld">
-      <pc:chgData name="Platt, Nathan A" userId="S::nplat2@unh.newhaven.edu::3f443501-7343-4074-b3f9-85f94b5e318f" providerId="AD" clId="Web-{2E2C830F-E56D-49CF-B1B3-A01707161BFD}" dt="2021-04-23T19:34:47.065" v="90" actId="20577"/>
-      <pc:docMkLst>
-        <pc:docMk/>
-      </pc:docMkLst>
-      <pc:sldChg chg="modSp">
-        <pc:chgData name="Platt, Nathan A" userId="S::nplat2@unh.newhaven.edu::3f443501-7343-4074-b3f9-85f94b5e318f" providerId="AD" clId="Web-{2E2C830F-E56D-49CF-B1B3-A01707161BFD}" dt="2021-04-23T19:34:47.065" v="90" actId="20577"/>
+      <pc:sldChg chg="modSp mod">
+        <pc:chgData name="Emily Carlow" userId="bb5c094f-4815-4b8e-a348-fc8fb9e78a2c" providerId="ADAL" clId="{BED82364-A664-4568-A1AE-D5F50239BA76}" dt="2021-04-23T19:20:40.013" v="1074" actId="20577"/>
+        <pc:sldMkLst>
+          <pc:docMk/>
+          <pc:sldMk cId="3460058106" sldId="279"/>
+        </pc:sldMkLst>
+        <pc:spChg chg="mod">
+          <ac:chgData name="Emily Carlow" userId="bb5c094f-4815-4b8e-a348-fc8fb9e78a2c" providerId="ADAL" clId="{BED82364-A664-4568-A1AE-D5F50239BA76}" dt="2021-04-23T19:19:00.560" v="1007" actId="20577"/>
+          <ac:spMkLst>
+            <pc:docMk/>
+            <pc:sldMk cId="3460058106" sldId="279"/>
+            <ac:spMk id="2" creationId="{00000000-0000-0000-0000-000000000000}"/>
+          </ac:spMkLst>
+        </pc:spChg>
+        <pc:spChg chg="mod">
+          <ac:chgData name="Emily Carlow" userId="bb5c094f-4815-4b8e-a348-fc8fb9e78a2c" providerId="ADAL" clId="{BED82364-A664-4568-A1AE-D5F50239BA76}" dt="2021-04-23T19:20:40.013" v="1074" actId="20577"/>
+          <ac:spMkLst>
+            <pc:docMk/>
+            <pc:sldMk cId="3460058106" sldId="279"/>
+            <ac:spMk id="3" creationId="{17F4F961-8ACA-4E2C-A444-8150EECC4DFB}"/>
+          </ac:spMkLst>
+        </pc:spChg>
+      </pc:sldChg>
+      <pc:sldChg chg="modSp new mod">
+        <pc:chgData name="Emily Carlow" userId="bb5c094f-4815-4b8e-a348-fc8fb9e78a2c" providerId="ADAL" clId="{BED82364-A664-4568-A1AE-D5F50239BA76}" dt="2021-04-23T19:29:29.706" v="1105" actId="122"/>
         <pc:sldMkLst>
           <pc:docMk/>
           <pc:sldMk cId="1179845280" sldId="280"/>
         </pc:sldMkLst>
         <pc:spChg chg="mod">
-          <ac:chgData name="Platt, Nathan A" userId="S::nplat2@unh.newhaven.edu::3f443501-7343-4074-b3f9-85f94b5e318f" providerId="AD" clId="Web-{2E2C830F-E56D-49CF-B1B3-A01707161BFD}" dt="2021-04-23T19:31:40.295" v="26" actId="20577"/>
+          <ac:chgData name="Emily Carlow" userId="bb5c094f-4815-4b8e-a348-fc8fb9e78a2c" providerId="ADAL" clId="{BED82364-A664-4568-A1AE-D5F50239BA76}" dt="2021-04-23T19:29:29.706" v="1105" actId="122"/>
           <ac:spMkLst>
             <pc:docMk/>
             <pc:sldMk cId="1179845280" sldId="280"/>
             <ac:spMk id="2" creationId="{CF115AAF-4D07-4F39-91BE-111C793C8062}"/>
           </ac:spMkLst>
         </pc:spChg>
+      </pc:sldChg>
+      <pc:sldChg chg="addSp delSp modSp new mod">
+        <pc:chgData name="Emily Carlow" userId="bb5c094f-4815-4b8e-a348-fc8fb9e78a2c" providerId="ADAL" clId="{BED82364-A664-4568-A1AE-D5F50239BA76}" dt="2021-04-25T21:53:12.471" v="2020" actId="208"/>
+        <pc:sldMkLst>
+          <pc:docMk/>
+          <pc:sldMk cId="1593732696" sldId="281"/>
+        </pc:sldMkLst>
         <pc:spChg chg="mod">
-          <ac:chgData name="Platt, Nathan A" userId="S::nplat2@unh.newhaven.edu::3f443501-7343-4074-b3f9-85f94b5e318f" providerId="AD" clId="Web-{2E2C830F-E56D-49CF-B1B3-A01707161BFD}" dt="2021-04-23T19:34:47.065" v="90" actId="20577"/>
-          <ac:spMkLst>
-            <pc:docMk/>
-            <pc:sldMk cId="1179845280" sldId="280"/>
-            <ac:spMk id="3" creationId="{FC128248-315A-454F-A237-D423786702DD}"/>
+          <ac:chgData name="Emily Carlow" userId="bb5c094f-4815-4b8e-a348-fc8fb9e78a2c" providerId="ADAL" clId="{BED82364-A664-4568-A1AE-D5F50239BA76}" dt="2021-04-25T21:45:21.876" v="1553" actId="113"/>
+          <ac:spMkLst>
+            <pc:docMk/>
+            <pc:sldMk cId="1593732696" sldId="281"/>
+            <ac:spMk id="2" creationId="{E003CEDC-D2F0-49D7-AC0C-A2466B8E5E81}"/>
+          </ac:spMkLst>
+        </pc:spChg>
+        <pc:spChg chg="del">
+          <ac:chgData name="Emily Carlow" userId="bb5c094f-4815-4b8e-a348-fc8fb9e78a2c" providerId="ADAL" clId="{BED82364-A664-4568-A1AE-D5F50239BA76}" dt="2021-04-25T21:14:18.065" v="1327"/>
+          <ac:spMkLst>
+            <pc:docMk/>
+            <pc:sldMk cId="1593732696" sldId="281"/>
+            <ac:spMk id="3" creationId="{DB569820-D912-46B4-AAF0-1EEF9B8218EE}"/>
+          </ac:spMkLst>
+        </pc:spChg>
+        <pc:picChg chg="add mod">
+          <ac:chgData name="Emily Carlow" userId="bb5c094f-4815-4b8e-a348-fc8fb9e78a2c" providerId="ADAL" clId="{BED82364-A664-4568-A1AE-D5F50239BA76}" dt="2021-04-25T21:53:05.353" v="2018" actId="208"/>
+          <ac:picMkLst>
+            <pc:docMk/>
+            <pc:sldMk cId="1593732696" sldId="281"/>
+            <ac:picMk id="6" creationId="{06D178FE-B038-4B8D-BE00-C60324F8262C}"/>
+          </ac:picMkLst>
+        </pc:picChg>
+        <pc:picChg chg="add mod">
+          <ac:chgData name="Emily Carlow" userId="bb5c094f-4815-4b8e-a348-fc8fb9e78a2c" providerId="ADAL" clId="{BED82364-A664-4568-A1AE-D5F50239BA76}" dt="2021-04-25T21:53:09.726" v="2019" actId="208"/>
+          <ac:picMkLst>
+            <pc:docMk/>
+            <pc:sldMk cId="1593732696" sldId="281"/>
+            <ac:picMk id="8" creationId="{56C25118-C8C2-46C1-B358-AF68BC4C9CC8}"/>
+          </ac:picMkLst>
+        </pc:picChg>
+        <pc:picChg chg="add mod">
+          <ac:chgData name="Emily Carlow" userId="bb5c094f-4815-4b8e-a348-fc8fb9e78a2c" providerId="ADAL" clId="{BED82364-A664-4568-A1AE-D5F50239BA76}" dt="2021-04-25T21:53:12.471" v="2020" actId="208"/>
+          <ac:picMkLst>
+            <pc:docMk/>
+            <pc:sldMk cId="1593732696" sldId="281"/>
+            <ac:picMk id="10" creationId="{21167DEB-8980-486A-94D4-45806CE20AB4}"/>
+          </ac:picMkLst>
+        </pc:picChg>
+      </pc:sldChg>
+      <pc:sldChg chg="addSp delSp modSp mod">
+        <pc:chgData name="Emily Carlow" userId="bb5c094f-4815-4b8e-a348-fc8fb9e78a2c" providerId="ADAL" clId="{BED82364-A664-4568-A1AE-D5F50239BA76}" dt="2021-04-25T21:53:26.793" v="2023" actId="208"/>
+        <pc:sldMkLst>
+          <pc:docMk/>
+          <pc:sldMk cId="3021861622" sldId="284"/>
+        </pc:sldMkLst>
+        <pc:spChg chg="mod">
+          <ac:chgData name="Emily Carlow" userId="bb5c094f-4815-4b8e-a348-fc8fb9e78a2c" providerId="ADAL" clId="{BED82364-A664-4568-A1AE-D5F50239BA76}" dt="2021-04-25T21:46:07.394" v="1611" actId="113"/>
+          <ac:spMkLst>
+            <pc:docMk/>
+            <pc:sldMk cId="3021861622" sldId="284"/>
+            <ac:spMk id="2" creationId="{998775C5-9AA5-4C9F-8672-A35B621FF713}"/>
+          </ac:spMkLst>
+        </pc:spChg>
+        <pc:spChg chg="del">
+          <ac:chgData name="Emily Carlow" userId="bb5c094f-4815-4b8e-a348-fc8fb9e78a2c" providerId="ADAL" clId="{BED82364-A664-4568-A1AE-D5F50239BA76}" dt="2021-04-25T21:18:02.426" v="1342"/>
+          <ac:spMkLst>
+            <pc:docMk/>
+            <pc:sldMk cId="3021861622" sldId="284"/>
+            <ac:spMk id="3" creationId="{BC320C24-6C8F-41FC-9658-FC38FBBD298C}"/>
+          </ac:spMkLst>
+        </pc:spChg>
+        <pc:picChg chg="add mod">
+          <ac:chgData name="Emily Carlow" userId="bb5c094f-4815-4b8e-a348-fc8fb9e78a2c" providerId="ADAL" clId="{BED82364-A664-4568-A1AE-D5F50239BA76}" dt="2021-04-25T21:53:21.110" v="2021" actId="208"/>
+          <ac:picMkLst>
+            <pc:docMk/>
+            <pc:sldMk cId="3021861622" sldId="284"/>
+            <ac:picMk id="6" creationId="{1F6957B5-5243-440C-BC65-1ED8DBD49C61}"/>
+          </ac:picMkLst>
+        </pc:picChg>
+        <pc:picChg chg="add mod">
+          <ac:chgData name="Emily Carlow" userId="bb5c094f-4815-4b8e-a348-fc8fb9e78a2c" providerId="ADAL" clId="{BED82364-A664-4568-A1AE-D5F50239BA76}" dt="2021-04-25T21:53:26.793" v="2023" actId="208"/>
+          <ac:picMkLst>
+            <pc:docMk/>
+            <pc:sldMk cId="3021861622" sldId="284"/>
+            <ac:picMk id="8" creationId="{420147DC-7B10-4D43-94C2-13EDA354C9E0}"/>
+          </ac:picMkLst>
+        </pc:picChg>
+        <pc:picChg chg="add del mod">
+          <ac:chgData name="Emily Carlow" userId="bb5c094f-4815-4b8e-a348-fc8fb9e78a2c" providerId="ADAL" clId="{BED82364-A664-4568-A1AE-D5F50239BA76}" dt="2021-04-25T21:29:01.797" v="1426" actId="21"/>
+          <ac:picMkLst>
+            <pc:docMk/>
+            <pc:sldMk cId="3021861622" sldId="284"/>
+            <ac:picMk id="10" creationId="{333F1A78-CDB1-472D-88E6-39558C3089AF}"/>
+          </ac:picMkLst>
+        </pc:picChg>
+        <pc:picChg chg="add mod">
+          <ac:chgData name="Emily Carlow" userId="bb5c094f-4815-4b8e-a348-fc8fb9e78a2c" providerId="ADAL" clId="{BED82364-A664-4568-A1AE-D5F50239BA76}" dt="2021-04-25T21:53:23.570" v="2022" actId="208"/>
+          <ac:picMkLst>
+            <pc:docMk/>
+            <pc:sldMk cId="3021861622" sldId="284"/>
+            <ac:picMk id="12" creationId="{D99DF7C3-65ED-4E85-80E9-9EFDCC7E4876}"/>
+          </ac:picMkLst>
+        </pc:picChg>
+      </pc:sldChg>
+      <pc:sldChg chg="addSp delSp modSp mod">
+        <pc:chgData name="Emily Carlow" userId="bb5c094f-4815-4b8e-a348-fc8fb9e78a2c" providerId="ADAL" clId="{BED82364-A664-4568-A1AE-D5F50239BA76}" dt="2021-04-25T22:00:42.161" v="2060" actId="122"/>
+        <pc:sldMkLst>
+          <pc:docMk/>
+          <pc:sldMk cId="3573308736" sldId="285"/>
+        </pc:sldMkLst>
+        <pc:spChg chg="mod">
+          <ac:chgData name="Emily Carlow" userId="bb5c094f-4815-4b8e-a348-fc8fb9e78a2c" providerId="ADAL" clId="{BED82364-A664-4568-A1AE-D5F50239BA76}" dt="2021-04-25T22:00:42.161" v="2060" actId="122"/>
+          <ac:spMkLst>
+            <pc:docMk/>
+            <pc:sldMk cId="3573308736" sldId="285"/>
+            <ac:spMk id="2" creationId="{F091B9D3-398A-4CBF-8F23-2D58D80D0582}"/>
+          </ac:spMkLst>
+        </pc:spChg>
+        <pc:spChg chg="del">
+          <ac:chgData name="Emily Carlow" userId="bb5c094f-4815-4b8e-a348-fc8fb9e78a2c" providerId="ADAL" clId="{BED82364-A664-4568-A1AE-D5F50239BA76}" dt="2021-04-25T21:19:23.607" v="1356"/>
+          <ac:spMkLst>
+            <pc:docMk/>
+            <pc:sldMk cId="3573308736" sldId="285"/>
+            <ac:spMk id="3" creationId="{A4CC0A17-918C-4EB9-877E-2004FC2DA655}"/>
+          </ac:spMkLst>
+        </pc:spChg>
+        <pc:picChg chg="add mod">
+          <ac:chgData name="Emily Carlow" userId="bb5c094f-4815-4b8e-a348-fc8fb9e78a2c" providerId="ADAL" clId="{BED82364-A664-4568-A1AE-D5F50239BA76}" dt="2021-04-25T21:53:34.803" v="2025" actId="208"/>
+          <ac:picMkLst>
+            <pc:docMk/>
+            <pc:sldMk cId="3573308736" sldId="285"/>
+            <ac:picMk id="6" creationId="{19B35369-AF97-4F33-8B6D-E78B95595001}"/>
+          </ac:picMkLst>
+        </pc:picChg>
+        <pc:picChg chg="add mod">
+          <ac:chgData name="Emily Carlow" userId="bb5c094f-4815-4b8e-a348-fc8fb9e78a2c" providerId="ADAL" clId="{BED82364-A664-4568-A1AE-D5F50239BA76}" dt="2021-04-25T21:53:37.141" v="2026" actId="208"/>
+          <ac:picMkLst>
+            <pc:docMk/>
+            <pc:sldMk cId="3573308736" sldId="285"/>
+            <ac:picMk id="8" creationId="{4A3C218D-8A2C-4C7A-A63C-85839C7D4444}"/>
+          </ac:picMkLst>
+        </pc:picChg>
+        <pc:picChg chg="add del mod">
+          <ac:chgData name="Emily Carlow" userId="bb5c094f-4815-4b8e-a348-fc8fb9e78a2c" providerId="ADAL" clId="{BED82364-A664-4568-A1AE-D5F50239BA76}" dt="2021-04-25T21:28:20.843" v="1418" actId="21"/>
+          <ac:picMkLst>
+            <pc:docMk/>
+            <pc:sldMk cId="3573308736" sldId="285"/>
+            <ac:picMk id="10" creationId="{B10B2E6D-8161-43B9-B14D-683E77911FD5}"/>
+          </ac:picMkLst>
+        </pc:picChg>
+        <pc:picChg chg="add mod">
+          <ac:chgData name="Emily Carlow" userId="bb5c094f-4815-4b8e-a348-fc8fb9e78a2c" providerId="ADAL" clId="{BED82364-A664-4568-A1AE-D5F50239BA76}" dt="2021-04-25T21:53:32.486" v="2024" actId="208"/>
+          <ac:picMkLst>
+            <pc:docMk/>
+            <pc:sldMk cId="3573308736" sldId="285"/>
+            <ac:picMk id="12" creationId="{863A51B8-0984-490E-9B4E-97F308DEFC58}"/>
+          </ac:picMkLst>
+        </pc:picChg>
+      </pc:sldChg>
+      <pc:sldChg chg="addSp delSp modSp mod">
+        <pc:chgData name="Emily Carlow" userId="bb5c094f-4815-4b8e-a348-fc8fb9e78a2c" providerId="ADAL" clId="{BED82364-A664-4568-A1AE-D5F50239BA76}" dt="2021-04-25T22:00:49.846" v="2061" actId="122"/>
+        <pc:sldMkLst>
+          <pc:docMk/>
+          <pc:sldMk cId="2700944323" sldId="286"/>
+        </pc:sldMkLst>
+        <pc:spChg chg="mod">
+          <ac:chgData name="Emily Carlow" userId="bb5c094f-4815-4b8e-a348-fc8fb9e78a2c" providerId="ADAL" clId="{BED82364-A664-4568-A1AE-D5F50239BA76}" dt="2021-04-25T22:00:49.846" v="2061" actId="122"/>
+          <ac:spMkLst>
+            <pc:docMk/>
+            <pc:sldMk cId="2700944323" sldId="286"/>
+            <ac:spMk id="2" creationId="{6A072D96-A22E-4D61-8630-6370AD8F914C}"/>
+          </ac:spMkLst>
+        </pc:spChg>
+        <pc:spChg chg="del">
+          <ac:chgData name="Emily Carlow" userId="bb5c094f-4815-4b8e-a348-fc8fb9e78a2c" providerId="ADAL" clId="{BED82364-A664-4568-A1AE-D5F50239BA76}" dt="2021-04-25T21:22:37.701" v="1377"/>
+          <ac:spMkLst>
+            <pc:docMk/>
+            <pc:sldMk cId="2700944323" sldId="286"/>
+            <ac:spMk id="3" creationId="{7FF03339-43F9-4E29-A40B-5E8C54FCFF0C}"/>
+          </ac:spMkLst>
+        </pc:spChg>
+        <pc:picChg chg="add mod">
+          <ac:chgData name="Emily Carlow" userId="bb5c094f-4815-4b8e-a348-fc8fb9e78a2c" providerId="ADAL" clId="{BED82364-A664-4568-A1AE-D5F50239BA76}" dt="2021-04-25T21:53:48.593" v="2028" actId="208"/>
+          <ac:picMkLst>
+            <pc:docMk/>
+            <pc:sldMk cId="2700944323" sldId="286"/>
+            <ac:picMk id="6" creationId="{5A6D4244-6FFE-4B32-B1C0-D3ECAC39C871}"/>
+          </ac:picMkLst>
+        </pc:picChg>
+        <pc:picChg chg="add del mod">
+          <ac:chgData name="Emily Carlow" userId="bb5c094f-4815-4b8e-a348-fc8fb9e78a2c" providerId="ADAL" clId="{BED82364-A664-4568-A1AE-D5F50239BA76}" dt="2021-04-25T21:37:13.787" v="1488" actId="21"/>
+          <ac:picMkLst>
+            <pc:docMk/>
+            <pc:sldMk cId="2700944323" sldId="286"/>
+            <ac:picMk id="8" creationId="{67A9D8C2-A2E5-40E8-8864-58095C0D94F5}"/>
+          </ac:picMkLst>
+        </pc:picChg>
+        <pc:picChg chg="add mod">
+          <ac:chgData name="Emily Carlow" userId="bb5c094f-4815-4b8e-a348-fc8fb9e78a2c" providerId="ADAL" clId="{BED82364-A664-4568-A1AE-D5F50239BA76}" dt="2021-04-25T21:53:46.385" v="2027" actId="208"/>
+          <ac:picMkLst>
+            <pc:docMk/>
+            <pc:sldMk cId="2700944323" sldId="286"/>
+            <ac:picMk id="10" creationId="{2747FD32-1ECA-4AEB-90BA-8BFEBD4B039B}"/>
+          </ac:picMkLst>
+        </pc:picChg>
+      </pc:sldChg>
+      <pc:sldChg chg="addSp delSp modSp mod">
+        <pc:chgData name="Emily Carlow" userId="bb5c094f-4815-4b8e-a348-fc8fb9e78a2c" providerId="ADAL" clId="{BED82364-A664-4568-A1AE-D5F50239BA76}" dt="2021-04-25T22:00:58.928" v="2063" actId="122"/>
+        <pc:sldMkLst>
+          <pc:docMk/>
+          <pc:sldMk cId="1961738167" sldId="287"/>
+        </pc:sldMkLst>
+        <pc:spChg chg="mod">
+          <ac:chgData name="Emily Carlow" userId="bb5c094f-4815-4b8e-a348-fc8fb9e78a2c" providerId="ADAL" clId="{BED82364-A664-4568-A1AE-D5F50239BA76}" dt="2021-04-25T22:00:58.928" v="2063" actId="122"/>
+          <ac:spMkLst>
+            <pc:docMk/>
+            <pc:sldMk cId="1961738167" sldId="287"/>
+            <ac:spMk id="2" creationId="{CDD8454F-1BA4-4D22-8CB0-15921309D9D0}"/>
+          </ac:spMkLst>
+        </pc:spChg>
+        <pc:spChg chg="del">
+          <ac:chgData name="Emily Carlow" userId="bb5c094f-4815-4b8e-a348-fc8fb9e78a2c" providerId="ADAL" clId="{BED82364-A664-4568-A1AE-D5F50239BA76}" dt="2021-04-25T21:24:45.138" v="1389"/>
+          <ac:spMkLst>
+            <pc:docMk/>
+            <pc:sldMk cId="1961738167" sldId="287"/>
+            <ac:spMk id="3" creationId="{6DA60F21-B3B5-41C7-9021-2CE8B8F92B10}"/>
+          </ac:spMkLst>
+        </pc:spChg>
+        <pc:picChg chg="add mod">
+          <ac:chgData name="Emily Carlow" userId="bb5c094f-4815-4b8e-a348-fc8fb9e78a2c" providerId="ADAL" clId="{BED82364-A664-4568-A1AE-D5F50239BA76}" dt="2021-04-25T21:54:02.630" v="2031" actId="208"/>
+          <ac:picMkLst>
+            <pc:docMk/>
+            <pc:sldMk cId="1961738167" sldId="287"/>
+            <ac:picMk id="6" creationId="{C646F734-EF59-4014-AEDC-EA015651F133}"/>
+          </ac:picMkLst>
+        </pc:picChg>
+      </pc:sldChg>
+      <pc:sldChg chg="addSp delSp modSp mod">
+        <pc:chgData name="Emily Carlow" userId="bb5c094f-4815-4b8e-a348-fc8fb9e78a2c" providerId="ADAL" clId="{BED82364-A664-4568-A1AE-D5F50239BA76}" dt="2021-04-25T22:01:02.826" v="2064" actId="122"/>
+        <pc:sldMkLst>
+          <pc:docMk/>
+          <pc:sldMk cId="2452216149" sldId="288"/>
+        </pc:sldMkLst>
+        <pc:spChg chg="mod">
+          <ac:chgData name="Emily Carlow" userId="bb5c094f-4815-4b8e-a348-fc8fb9e78a2c" providerId="ADAL" clId="{BED82364-A664-4568-A1AE-D5F50239BA76}" dt="2021-04-25T22:01:02.826" v="2064" actId="122"/>
+          <ac:spMkLst>
+            <pc:docMk/>
+            <pc:sldMk cId="2452216149" sldId="288"/>
+            <ac:spMk id="2" creationId="{84138CB8-D939-45A8-9B15-75B6F08453A4}"/>
+          </ac:spMkLst>
+        </pc:spChg>
+        <pc:spChg chg="del">
+          <ac:chgData name="Emily Carlow" userId="bb5c094f-4815-4b8e-a348-fc8fb9e78a2c" providerId="ADAL" clId="{BED82364-A664-4568-A1AE-D5F50239BA76}" dt="2021-04-25T21:25:17.119" v="1392"/>
+          <ac:spMkLst>
+            <pc:docMk/>
+            <pc:sldMk cId="2452216149" sldId="288"/>
+            <ac:spMk id="3" creationId="{9364F5A5-3CD5-486E-AD7C-CAA9F0EAED8B}"/>
+          </ac:spMkLst>
+        </pc:spChg>
+        <pc:picChg chg="add mod">
+          <ac:chgData name="Emily Carlow" userId="bb5c094f-4815-4b8e-a348-fc8fb9e78a2c" providerId="ADAL" clId="{BED82364-A664-4568-A1AE-D5F50239BA76}" dt="2021-04-25T21:54:08.189" v="2032" actId="208"/>
+          <ac:picMkLst>
+            <pc:docMk/>
+            <pc:sldMk cId="2452216149" sldId="288"/>
+            <ac:picMk id="6" creationId="{4405882F-C4C4-4974-97CF-602AD6F001FF}"/>
+          </ac:picMkLst>
+        </pc:picChg>
+      </pc:sldChg>
+      <pc:sldChg chg="addSp delSp modSp mod">
+        <pc:chgData name="Emily Carlow" userId="bb5c094f-4815-4b8e-a348-fc8fb9e78a2c" providerId="ADAL" clId="{BED82364-A664-4568-A1AE-D5F50239BA76}" dt="2021-04-25T22:01:08.549" v="2065" actId="122"/>
+        <pc:sldMkLst>
+          <pc:docMk/>
+          <pc:sldMk cId="270580670" sldId="289"/>
+        </pc:sldMkLst>
+        <pc:spChg chg="mod">
+          <ac:chgData name="Emily Carlow" userId="bb5c094f-4815-4b8e-a348-fc8fb9e78a2c" providerId="ADAL" clId="{BED82364-A664-4568-A1AE-D5F50239BA76}" dt="2021-04-25T22:01:08.549" v="2065" actId="122"/>
+          <ac:spMkLst>
+            <pc:docMk/>
+            <pc:sldMk cId="270580670" sldId="289"/>
+            <ac:spMk id="2" creationId="{4EFFE6E9-3E84-4EE1-B00E-CCA393AFAAE4}"/>
+          </ac:spMkLst>
+        </pc:spChg>
+        <pc:spChg chg="del">
+          <ac:chgData name="Emily Carlow" userId="bb5c094f-4815-4b8e-a348-fc8fb9e78a2c" providerId="ADAL" clId="{BED82364-A664-4568-A1AE-D5F50239BA76}" dt="2021-04-25T21:25:27.221" v="1395"/>
+          <ac:spMkLst>
+            <pc:docMk/>
+            <pc:sldMk cId="270580670" sldId="289"/>
+            <ac:spMk id="3" creationId="{6025D1C1-C2AA-4350-B9E0-922764108B63}"/>
+          </ac:spMkLst>
+        </pc:spChg>
+        <pc:picChg chg="add mod">
+          <ac:chgData name="Emily Carlow" userId="bb5c094f-4815-4b8e-a348-fc8fb9e78a2c" providerId="ADAL" clId="{BED82364-A664-4568-A1AE-D5F50239BA76}" dt="2021-04-25T21:54:12.607" v="2033" actId="208"/>
+          <ac:picMkLst>
+            <pc:docMk/>
+            <pc:sldMk cId="270580670" sldId="289"/>
+            <ac:picMk id="6" creationId="{5E57BEFD-9299-4933-9CF3-E4A0DE26F976}"/>
+          </ac:picMkLst>
+        </pc:picChg>
+      </pc:sldChg>
+      <pc:sldChg chg="addSp delSp modSp mod">
+        <pc:chgData name="Emily Carlow" userId="bb5c094f-4815-4b8e-a348-fc8fb9e78a2c" providerId="ADAL" clId="{BED82364-A664-4568-A1AE-D5F50239BA76}" dt="2021-04-25T22:01:17.712" v="2066" actId="122"/>
+        <pc:sldMkLst>
+          <pc:docMk/>
+          <pc:sldMk cId="3593942489" sldId="290"/>
+        </pc:sldMkLst>
+        <pc:spChg chg="mod">
+          <ac:chgData name="Emily Carlow" userId="bb5c094f-4815-4b8e-a348-fc8fb9e78a2c" providerId="ADAL" clId="{BED82364-A664-4568-A1AE-D5F50239BA76}" dt="2021-04-25T22:01:17.712" v="2066" actId="122"/>
+          <ac:spMkLst>
+            <pc:docMk/>
+            <pc:sldMk cId="3593942489" sldId="290"/>
+            <ac:spMk id="2" creationId="{92902F1D-6CC4-433E-A24A-388F1A32DD98}"/>
+          </ac:spMkLst>
+        </pc:spChg>
+        <pc:spChg chg="del">
+          <ac:chgData name="Emily Carlow" userId="bb5c094f-4815-4b8e-a348-fc8fb9e78a2c" providerId="ADAL" clId="{BED82364-A664-4568-A1AE-D5F50239BA76}" dt="2021-04-25T21:25:53.135" v="1398"/>
+          <ac:spMkLst>
+            <pc:docMk/>
+            <pc:sldMk cId="3593942489" sldId="290"/>
+            <ac:spMk id="3" creationId="{7FDC6D83-484F-444B-81EF-5EF5B640751D}"/>
+          </ac:spMkLst>
+        </pc:spChg>
+        <pc:spChg chg="add del mod">
+          <ac:chgData name="Emily Carlow" userId="bb5c094f-4815-4b8e-a348-fc8fb9e78a2c" providerId="ADAL" clId="{BED82364-A664-4568-A1AE-D5F50239BA76}" dt="2021-04-25T21:30:48.045" v="1441"/>
+          <ac:spMkLst>
+            <pc:docMk/>
+            <pc:sldMk cId="3593942489" sldId="290"/>
+            <ac:spMk id="10" creationId="{814DA5DE-3DAA-419A-83A6-D8E34EB7BD97}"/>
+          </ac:spMkLst>
+        </pc:spChg>
+        <pc:picChg chg="add del mod">
+          <ac:chgData name="Emily Carlow" userId="bb5c094f-4815-4b8e-a348-fc8fb9e78a2c" providerId="ADAL" clId="{BED82364-A664-4568-A1AE-D5F50239BA76}" dt="2021-04-25T21:30:35.596" v="1440" actId="21"/>
+          <ac:picMkLst>
+            <pc:docMk/>
+            <pc:sldMk cId="3593942489" sldId="290"/>
+            <ac:picMk id="6" creationId="{6832F6F7-91C2-465A-AD50-EFBA90F81749}"/>
+          </ac:picMkLst>
+        </pc:picChg>
+        <pc:picChg chg="add del mod">
+          <ac:chgData name="Emily Carlow" userId="bb5c094f-4815-4b8e-a348-fc8fb9e78a2c" providerId="ADAL" clId="{BED82364-A664-4568-A1AE-D5F50239BA76}" dt="2021-04-25T21:30:30.803" v="1439" actId="21"/>
+          <ac:picMkLst>
+            <pc:docMk/>
+            <pc:sldMk cId="3593942489" sldId="290"/>
+            <ac:picMk id="8" creationId="{29F5A6EE-B4C4-4497-A5EA-96A4EB99858C}"/>
+          </ac:picMkLst>
+        </pc:picChg>
+        <pc:picChg chg="add mod">
+          <ac:chgData name="Emily Carlow" userId="bb5c094f-4815-4b8e-a348-fc8fb9e78a2c" providerId="ADAL" clId="{BED82364-A664-4568-A1AE-D5F50239BA76}" dt="2021-04-25T21:54:21.667" v="2034" actId="208"/>
+          <ac:picMkLst>
+            <pc:docMk/>
+            <pc:sldMk cId="3593942489" sldId="290"/>
+            <ac:picMk id="12" creationId="{FD136C77-A090-4EE3-92DF-A78F9E78E31A}"/>
+          </ac:picMkLst>
+        </pc:picChg>
+      </pc:sldChg>
+      <pc:sldChg chg="addSp delSp modSp mod">
+        <pc:chgData name="Emily Carlow" userId="bb5c094f-4815-4b8e-a348-fc8fb9e78a2c" providerId="ADAL" clId="{BED82364-A664-4568-A1AE-D5F50239BA76}" dt="2021-04-25T22:01:53.109" v="2074" actId="122"/>
+        <pc:sldMkLst>
+          <pc:docMk/>
+          <pc:sldMk cId="3208458485" sldId="291"/>
+        </pc:sldMkLst>
+        <pc:spChg chg="mod">
+          <ac:chgData name="Emily Carlow" userId="bb5c094f-4815-4b8e-a348-fc8fb9e78a2c" providerId="ADAL" clId="{BED82364-A664-4568-A1AE-D5F50239BA76}" dt="2021-04-25T22:01:53.109" v="2074" actId="122"/>
+          <ac:spMkLst>
+            <pc:docMk/>
+            <pc:sldMk cId="3208458485" sldId="291"/>
+            <ac:spMk id="2" creationId="{3B4EE159-927B-4716-AB09-61377B9445A8}"/>
+          </ac:spMkLst>
+        </pc:spChg>
+        <pc:spChg chg="del">
+          <ac:chgData name="Emily Carlow" userId="bb5c094f-4815-4b8e-a348-fc8fb9e78a2c" providerId="ADAL" clId="{BED82364-A664-4568-A1AE-D5F50239BA76}" dt="2021-04-25T21:31:07.135" v="1444"/>
+          <ac:spMkLst>
+            <pc:docMk/>
+            <pc:sldMk cId="3208458485" sldId="291"/>
+            <ac:spMk id="3" creationId="{355A31BA-3361-40EC-88F4-2516B3957E16}"/>
+          </ac:spMkLst>
+        </pc:spChg>
+        <pc:spChg chg="add del mod">
+          <ac:chgData name="Emily Carlow" userId="bb5c094f-4815-4b8e-a348-fc8fb9e78a2c" providerId="ADAL" clId="{BED82364-A664-4568-A1AE-D5F50239BA76}" dt="2021-04-25T21:43:26.144" v="1500" actId="21"/>
+          <ac:spMkLst>
+            <pc:docMk/>
+            <pc:sldMk cId="3208458485" sldId="291"/>
+            <ac:spMk id="10" creationId="{CBA26E07-4DE9-490F-A7AB-8A5016605AF2}"/>
+          </ac:spMkLst>
+        </pc:spChg>
+        <pc:picChg chg="add del mod">
+          <ac:chgData name="Emily Carlow" userId="bb5c094f-4815-4b8e-a348-fc8fb9e78a2c" providerId="ADAL" clId="{BED82364-A664-4568-A1AE-D5F50239BA76}" dt="2021-04-25T21:54:25.986" v="2035" actId="208"/>
+          <ac:picMkLst>
+            <pc:docMk/>
+            <pc:sldMk cId="3208458485" sldId="291"/>
+            <ac:picMk id="6" creationId="{9BDB2A12-8936-4985-848E-947E706E7056}"/>
+          </ac:picMkLst>
+        </pc:picChg>
+        <pc:picChg chg="add mod">
+          <ac:chgData name="Emily Carlow" userId="bb5c094f-4815-4b8e-a348-fc8fb9e78a2c" providerId="ADAL" clId="{BED82364-A664-4568-A1AE-D5F50239BA76}" dt="2021-04-25T21:54:28.593" v="2036" actId="208"/>
+          <ac:picMkLst>
+            <pc:docMk/>
+            <pc:sldMk cId="3208458485" sldId="291"/>
+            <ac:picMk id="8" creationId="{F71B6E9F-8BC9-4378-A92F-EC67589936DE}"/>
+          </ac:picMkLst>
+        </pc:picChg>
+      </pc:sldChg>
+      <pc:sldChg chg="addSp delSp modSp mod">
+        <pc:chgData name="Emily Carlow" userId="bb5c094f-4815-4b8e-a348-fc8fb9e78a2c" providerId="ADAL" clId="{BED82364-A664-4568-A1AE-D5F50239BA76}" dt="2021-04-25T22:03:16.461" v="2083" actId="122"/>
+        <pc:sldMkLst>
+          <pc:docMk/>
+          <pc:sldMk cId="2542923075" sldId="292"/>
+        </pc:sldMkLst>
+        <pc:spChg chg="mod">
+          <ac:chgData name="Emily Carlow" userId="bb5c094f-4815-4b8e-a348-fc8fb9e78a2c" providerId="ADAL" clId="{BED82364-A664-4568-A1AE-D5F50239BA76}" dt="2021-04-25T22:03:16.461" v="2083" actId="122"/>
+          <ac:spMkLst>
+            <pc:docMk/>
+            <pc:sldMk cId="2542923075" sldId="292"/>
+            <ac:spMk id="2" creationId="{DFC43F2D-F323-4874-8778-3FE324AAC89B}"/>
+          </ac:spMkLst>
+        </pc:spChg>
+        <pc:spChg chg="del">
+          <ac:chgData name="Emily Carlow" userId="bb5c094f-4815-4b8e-a348-fc8fb9e78a2c" providerId="ADAL" clId="{BED82364-A664-4568-A1AE-D5F50239BA76}" dt="2021-04-25T21:32:02.663" v="1452"/>
+          <ac:spMkLst>
+            <pc:docMk/>
+            <pc:sldMk cId="2542923075" sldId="292"/>
+            <ac:spMk id="3" creationId="{1046A19D-73F0-4601-B41C-4936F5A243D3}"/>
+          </ac:spMkLst>
+        </pc:spChg>
+        <pc:picChg chg="add mod">
+          <ac:chgData name="Emily Carlow" userId="bb5c094f-4815-4b8e-a348-fc8fb9e78a2c" providerId="ADAL" clId="{BED82364-A664-4568-A1AE-D5F50239BA76}" dt="2021-04-25T21:54:35.202" v="2037" actId="208"/>
+          <ac:picMkLst>
+            <pc:docMk/>
+            <pc:sldMk cId="2542923075" sldId="292"/>
+            <ac:picMk id="6" creationId="{508320F9-C18B-4D33-8F23-208493367975}"/>
+          </ac:picMkLst>
+        </pc:picChg>
+        <pc:picChg chg="add mod">
+          <ac:chgData name="Emily Carlow" userId="bb5c094f-4815-4b8e-a348-fc8fb9e78a2c" providerId="ADAL" clId="{BED82364-A664-4568-A1AE-D5F50239BA76}" dt="2021-04-25T21:54:37.974" v="2038" actId="208"/>
+          <ac:picMkLst>
+            <pc:docMk/>
+            <pc:sldMk cId="2542923075" sldId="292"/>
+            <ac:picMk id="8" creationId="{F709A23B-B966-4512-9768-68434A774576}"/>
+          </ac:picMkLst>
+        </pc:picChg>
+        <pc:picChg chg="add mod">
+          <ac:chgData name="Emily Carlow" userId="bb5c094f-4815-4b8e-a348-fc8fb9e78a2c" providerId="ADAL" clId="{BED82364-A664-4568-A1AE-D5F50239BA76}" dt="2021-04-25T21:54:40.497" v="2039" actId="208"/>
+          <ac:picMkLst>
+            <pc:docMk/>
+            <pc:sldMk cId="2542923075" sldId="292"/>
+            <ac:picMk id="10" creationId="{9ED370BF-B35E-42B1-B7EF-9B58CD8EDFFA}"/>
+          </ac:picMkLst>
+        </pc:picChg>
+      </pc:sldChg>
+      <pc:sldChg chg="addSp delSp modSp mod">
+        <pc:chgData name="Emily Carlow" userId="bb5c094f-4815-4b8e-a348-fc8fb9e78a2c" providerId="ADAL" clId="{BED82364-A664-4568-A1AE-D5F50239BA76}" dt="2021-04-25T22:00:06.242" v="2057" actId="122"/>
+        <pc:sldMkLst>
+          <pc:docMk/>
+          <pc:sldMk cId="1648754576" sldId="293"/>
+        </pc:sldMkLst>
+        <pc:spChg chg="mod">
+          <ac:chgData name="Emily Carlow" userId="bb5c094f-4815-4b8e-a348-fc8fb9e78a2c" providerId="ADAL" clId="{BED82364-A664-4568-A1AE-D5F50239BA76}" dt="2021-04-25T22:00:06.242" v="2057" actId="122"/>
+          <ac:spMkLst>
+            <pc:docMk/>
+            <pc:sldMk cId="1648754576" sldId="293"/>
+            <ac:spMk id="2" creationId="{EBD2F68E-1AE0-4358-8322-8CE0513913BA}"/>
+          </ac:spMkLst>
+        </pc:spChg>
+        <pc:spChg chg="del">
+          <ac:chgData name="Emily Carlow" userId="bb5c094f-4815-4b8e-a348-fc8fb9e78a2c" providerId="ADAL" clId="{BED82364-A664-4568-A1AE-D5F50239BA76}" dt="2021-04-25T21:32:47.517" v="1465"/>
+          <ac:spMkLst>
+            <pc:docMk/>
+            <pc:sldMk cId="1648754576" sldId="293"/>
+            <ac:spMk id="3" creationId="{F3A0E757-8FA5-4D85-A460-6A5B98EAB945}"/>
+          </ac:spMkLst>
+        </pc:spChg>
+        <pc:picChg chg="add mod">
+          <ac:chgData name="Emily Carlow" userId="bb5c094f-4815-4b8e-a348-fc8fb9e78a2c" providerId="ADAL" clId="{BED82364-A664-4568-A1AE-D5F50239BA76}" dt="2021-04-25T21:54:45.301" v="2040" actId="208"/>
+          <ac:picMkLst>
+            <pc:docMk/>
+            <pc:sldMk cId="1648754576" sldId="293"/>
+            <ac:picMk id="6" creationId="{2FB881AF-E5EA-421D-820C-8802746C1FFE}"/>
+          </ac:picMkLst>
+        </pc:picChg>
+        <pc:picChg chg="add mod">
+          <ac:chgData name="Emily Carlow" userId="bb5c094f-4815-4b8e-a348-fc8fb9e78a2c" providerId="ADAL" clId="{BED82364-A664-4568-A1AE-D5F50239BA76}" dt="2021-04-25T21:54:47.605" v="2041" actId="208"/>
+          <ac:picMkLst>
+            <pc:docMk/>
+            <pc:sldMk cId="1648754576" sldId="293"/>
+            <ac:picMk id="8" creationId="{39DDD687-F0E0-4224-830A-3E7BE48D8231}"/>
+          </ac:picMkLst>
+        </pc:picChg>
+      </pc:sldChg>
+      <pc:sldChg chg="addSp delSp modSp mod">
+        <pc:chgData name="Emily Carlow" userId="bb5c094f-4815-4b8e-a348-fc8fb9e78a2c" providerId="ADAL" clId="{BED82364-A664-4568-A1AE-D5F50239BA76}" dt="2021-04-25T21:59:53.875" v="2052" actId="20577"/>
+        <pc:sldMkLst>
+          <pc:docMk/>
+          <pc:sldMk cId="2667266159" sldId="294"/>
+        </pc:sldMkLst>
+        <pc:spChg chg="mod">
+          <ac:chgData name="Emily Carlow" userId="bb5c094f-4815-4b8e-a348-fc8fb9e78a2c" providerId="ADAL" clId="{BED82364-A664-4568-A1AE-D5F50239BA76}" dt="2021-04-25T21:59:53.875" v="2052" actId="20577"/>
+          <ac:spMkLst>
+            <pc:docMk/>
+            <pc:sldMk cId="2667266159" sldId="294"/>
+            <ac:spMk id="2" creationId="{47E96022-37D1-4CCC-AB95-8311855A4F84}"/>
+          </ac:spMkLst>
+        </pc:spChg>
+        <pc:spChg chg="del">
+          <ac:chgData name="Emily Carlow" userId="bb5c094f-4815-4b8e-a348-fc8fb9e78a2c" providerId="ADAL" clId="{BED82364-A664-4568-A1AE-D5F50239BA76}" dt="2021-04-25T21:32:59.487" v="1468"/>
+          <ac:spMkLst>
+            <pc:docMk/>
+            <pc:sldMk cId="2667266159" sldId="294"/>
+            <ac:spMk id="3" creationId="{83BDAE79-D087-4D58-8189-A13743395EB9}"/>
+          </ac:spMkLst>
+        </pc:spChg>
+        <pc:spChg chg="add del mod">
+          <ac:chgData name="Emily Carlow" userId="bb5c094f-4815-4b8e-a348-fc8fb9e78a2c" providerId="ADAL" clId="{BED82364-A664-4568-A1AE-D5F50239BA76}" dt="2021-04-25T21:34:00.474" v="1478"/>
+          <ac:spMkLst>
+            <pc:docMk/>
+            <pc:sldMk cId="2667266159" sldId="294"/>
+            <ac:spMk id="8" creationId="{BEF7E6F7-8464-4C37-9264-437CD0871786}"/>
+          </ac:spMkLst>
+        </pc:spChg>
+        <pc:picChg chg="add del mod">
+          <ac:chgData name="Emily Carlow" userId="bb5c094f-4815-4b8e-a348-fc8fb9e78a2c" providerId="ADAL" clId="{BED82364-A664-4568-A1AE-D5F50239BA76}" dt="2021-04-25T21:33:09.488" v="1471" actId="21"/>
+          <ac:picMkLst>
+            <pc:docMk/>
+            <pc:sldMk cId="2667266159" sldId="294"/>
+            <ac:picMk id="6" creationId="{6C9DB822-F106-4BC8-940C-5333B4478FE0}"/>
+          </ac:picMkLst>
+        </pc:picChg>
+        <pc:picChg chg="add mod">
+          <ac:chgData name="Emily Carlow" userId="bb5c094f-4815-4b8e-a348-fc8fb9e78a2c" providerId="ADAL" clId="{BED82364-A664-4568-A1AE-D5F50239BA76}" dt="2021-04-25T21:54:54.153" v="2042" actId="208"/>
+          <ac:picMkLst>
+            <pc:docMk/>
+            <pc:sldMk cId="2667266159" sldId="294"/>
+            <ac:picMk id="10" creationId="{9B119D82-8A99-4012-8959-E052A96E60AF}"/>
+          </ac:picMkLst>
+        </pc:picChg>
+        <pc:picChg chg="add mod">
+          <ac:chgData name="Emily Carlow" userId="bb5c094f-4815-4b8e-a348-fc8fb9e78a2c" providerId="ADAL" clId="{BED82364-A664-4568-A1AE-D5F50239BA76}" dt="2021-04-25T21:54:57.143" v="2043" actId="208"/>
+          <ac:picMkLst>
+            <pc:docMk/>
+            <pc:sldMk cId="2667266159" sldId="294"/>
+            <ac:picMk id="12" creationId="{CA560BDE-6E7B-4E79-B71C-39665B51E20E}"/>
+          </ac:picMkLst>
+        </pc:picChg>
+        <pc:picChg chg="add del mod">
+          <ac:chgData name="Emily Carlow" userId="bb5c094f-4815-4b8e-a348-fc8fb9e78a2c" providerId="ADAL" clId="{BED82364-A664-4568-A1AE-D5F50239BA76}" dt="2021-04-25T21:59:42.801" v="2045"/>
+          <ac:picMkLst>
+            <pc:docMk/>
+            <pc:sldMk cId="2667266159" sldId="294"/>
+            <ac:picMk id="13" creationId="{6F47844D-4D93-4207-B3ED-B6A7037987AC}"/>
+          </ac:picMkLst>
+        </pc:picChg>
+      </pc:sldChg>
+      <pc:sldChg chg="addSp delSp modSp new mod">
+        <pc:chgData name="Emily Carlow" userId="bb5c094f-4815-4b8e-a348-fc8fb9e78a2c" providerId="ADAL" clId="{BED82364-A664-4568-A1AE-D5F50239BA76}" dt="2021-04-25T22:00:55.191" v="2062" actId="122"/>
+        <pc:sldMkLst>
+          <pc:docMk/>
+          <pc:sldMk cId="1304346500" sldId="301"/>
+        </pc:sldMkLst>
+        <pc:spChg chg="mod">
+          <ac:chgData name="Emily Carlow" userId="bb5c094f-4815-4b8e-a348-fc8fb9e78a2c" providerId="ADAL" clId="{BED82364-A664-4568-A1AE-D5F50239BA76}" dt="2021-04-25T22:00:55.191" v="2062" actId="122"/>
+          <ac:spMkLst>
+            <pc:docMk/>
+            <pc:sldMk cId="1304346500" sldId="301"/>
+            <ac:spMk id="2" creationId="{649D78B0-FA5F-4C74-B172-92D1EFCB7098}"/>
+          </ac:spMkLst>
+        </pc:spChg>
+        <pc:spChg chg="del">
+          <ac:chgData name="Emily Carlow" userId="bb5c094f-4815-4b8e-a348-fc8fb9e78a2c" providerId="ADAL" clId="{BED82364-A664-4568-A1AE-D5F50239BA76}" dt="2021-04-25T21:37:48.428" v="1492"/>
+          <ac:spMkLst>
+            <pc:docMk/>
+            <pc:sldMk cId="1304346500" sldId="301"/>
+            <ac:spMk id="3" creationId="{4886F167-ED55-4E5F-B300-DC3C4CA11A1E}"/>
+          </ac:spMkLst>
+        </pc:spChg>
+        <pc:picChg chg="add mod">
+          <ac:chgData name="Emily Carlow" userId="bb5c094f-4815-4b8e-a348-fc8fb9e78a2c" providerId="ADAL" clId="{BED82364-A664-4568-A1AE-D5F50239BA76}" dt="2021-04-25T21:53:54.324" v="2029" actId="208"/>
+          <ac:picMkLst>
+            <pc:docMk/>
+            <pc:sldMk cId="1304346500" sldId="301"/>
+            <ac:picMk id="6" creationId="{80270BF1-1542-4FC3-B9DE-0F9AAC568FFE}"/>
+          </ac:picMkLst>
+        </pc:picChg>
+        <pc:picChg chg="add mod">
+          <ac:chgData name="Emily Carlow" userId="bb5c094f-4815-4b8e-a348-fc8fb9e78a2c" providerId="ADAL" clId="{BED82364-A664-4568-A1AE-D5F50239BA76}" dt="2021-04-25T21:53:57.977" v="2030" actId="208"/>
+          <ac:picMkLst>
+            <pc:docMk/>
+            <pc:sldMk cId="1304346500" sldId="301"/>
+            <ac:picMk id="8" creationId="{F51EC2FC-853A-4F27-AE32-AC7206E2C101}"/>
+          </ac:picMkLst>
+        </pc:picChg>
+      </pc:sldChg>
+    </pc:docChg>
+  </pc:docChgLst>
+  <pc:docChgLst>
+    <pc:chgData name="Guest User" userId="S::urn:spo:anon#17b95426adc48bc05f69827c2e0e010044f0a7857336a498d3cb5c753835f8d3::" providerId="AD" clId="Web-{00000000-0000-0000-0000-000000000000}"/>
+    <pc:docChg chg="modSld">
+      <pc:chgData name="Guest User" userId="S::urn:spo:anon#17b95426adc48bc05f69827c2e0e010044f0a7857336a498d3cb5c753835f8d3::" providerId="AD" clId="Web-{00000000-0000-0000-0000-000000000000}" dt="2021-04-20T00:23:47.127" v="120" actId="20577"/>
+      <pc:docMkLst>
+        <pc:docMk/>
+      </pc:docMkLst>
+      <pc:sldChg chg="modSp">
+        <pc:chgData name="Guest User" userId="S::urn:spo:anon#17b95426adc48bc05f69827c2e0e010044f0a7857336a498d3cb5c753835f8d3::" providerId="AD" clId="Web-{00000000-0000-0000-0000-000000000000}" dt="2021-04-20T00:23:47.127" v="120" actId="20577"/>
+        <pc:sldMkLst>
+          <pc:docMk/>
+          <pc:sldMk cId="2682829407" sldId="273"/>
+        </pc:sldMkLst>
+        <pc:spChg chg="mod">
+          <ac:chgData name="Guest User" userId="S::urn:spo:anon#17b95426adc48bc05f69827c2e0e010044f0a7857336a498d3cb5c753835f8d3::" providerId="AD" clId="Web-{00000000-0000-0000-0000-000000000000}" dt="2021-04-20T00:23:47.127" v="120" actId="20577"/>
+          <ac:spMkLst>
+            <pc:docMk/>
+            <pc:sldMk cId="2682829407" sldId="273"/>
+            <ac:spMk id="3" creationId="{0BC41A26-87E9-4C1B-A52D-982E24596471}"/>
           </ac:spMkLst>
         </pc:spChg>
       </pc:sldChg>
@@ -351,1574 +1702,214 @@
     </pc:docChg>
   </pc:docChgLst>
   <pc:docChgLst>
-    <pc:chgData name="Guest User" userId="S::urn:spo:anon#17b95426adc48bc05f69827c2e0e010044f0a7857336a498d3cb5c753835f8d3::" providerId="AD" clId="Web-{2523CC42-2871-170C-152D-7ABFCE7281DA}"/>
+    <pc:chgData name="Carlow, Emily R" userId="S::ecarl3@unh.newhaven.edu::bb5c094f-4815-4b8e-a348-fc8fb9e78a2c" providerId="AD" clId="Web-{236100E4-D804-4EF3-B8B4-B2C40073F122}"/>
     <pc:docChg chg="modSld">
-      <pc:chgData name="Guest User" userId="S::urn:spo:anon#17b95426adc48bc05f69827c2e0e010044f0a7857336a498d3cb5c753835f8d3::" providerId="AD" clId="Web-{2523CC42-2871-170C-152D-7ABFCE7281DA}" dt="2021-04-20T00:53:28.455" v="263" actId="1076"/>
+      <pc:chgData name="Carlow, Emily R" userId="S::ecarl3@unh.newhaven.edu::bb5c094f-4815-4b8e-a348-fc8fb9e78a2c" providerId="AD" clId="Web-{236100E4-D804-4EF3-B8B4-B2C40073F122}" dt="2021-04-25T19:28:43.196" v="45" actId="20577"/>
       <pc:docMkLst>
         <pc:docMk/>
       </pc:docMkLst>
       <pc:sldChg chg="modSp">
-        <pc:chgData name="Guest User" userId="S::urn:spo:anon#17b95426adc48bc05f69827c2e0e010044f0a7857336a498d3cb5c753835f8d3::" providerId="AD" clId="Web-{2523CC42-2871-170C-152D-7ABFCE7281DA}" dt="2021-04-20T00:53:28.455" v="263" actId="1076"/>
+        <pc:chgData name="Carlow, Emily R" userId="S::ecarl3@unh.newhaven.edu::bb5c094f-4815-4b8e-a348-fc8fb9e78a2c" providerId="AD" clId="Web-{236100E4-D804-4EF3-B8B4-B2C40073F122}" dt="2021-04-25T19:25:55.879" v="5" actId="20577"/>
+        <pc:sldMkLst>
+          <pc:docMk/>
+          <pc:sldMk cId="4044548724" sldId="262"/>
+        </pc:sldMkLst>
+        <pc:spChg chg="mod">
+          <ac:chgData name="Carlow, Emily R" userId="S::ecarl3@unh.newhaven.edu::bb5c094f-4815-4b8e-a348-fc8fb9e78a2c" providerId="AD" clId="Web-{236100E4-D804-4EF3-B8B4-B2C40073F122}" dt="2021-04-25T19:25:55.879" v="5" actId="20577"/>
+          <ac:spMkLst>
+            <pc:docMk/>
+            <pc:sldMk cId="4044548724" sldId="262"/>
+            <ac:spMk id="5" creationId="{97499803-59AC-435A-99BE-7D5D8297A4AC}"/>
+          </ac:spMkLst>
+        </pc:spChg>
+      </pc:sldChg>
+      <pc:sldChg chg="modSp">
+        <pc:chgData name="Carlow, Emily R" userId="S::ecarl3@unh.newhaven.edu::bb5c094f-4815-4b8e-a348-fc8fb9e78a2c" providerId="AD" clId="Web-{236100E4-D804-4EF3-B8B4-B2C40073F122}" dt="2021-04-25T19:28:43.196" v="45" actId="20577"/>
+        <pc:sldMkLst>
+          <pc:docMk/>
+          <pc:sldMk cId="1281802549" sldId="270"/>
+        </pc:sldMkLst>
+        <pc:spChg chg="mod">
+          <ac:chgData name="Carlow, Emily R" userId="S::ecarl3@unh.newhaven.edu::bb5c094f-4815-4b8e-a348-fc8fb9e78a2c" providerId="AD" clId="Web-{236100E4-D804-4EF3-B8B4-B2C40073F122}" dt="2021-04-25T19:28:43.196" v="45" actId="20577"/>
+          <ac:spMkLst>
+            <pc:docMk/>
+            <pc:sldMk cId="1281802549" sldId="270"/>
+            <ac:spMk id="3" creationId="{5296EFA9-A5F6-44B1-A7AF-996B131ECF20}"/>
+          </ac:spMkLst>
+        </pc:spChg>
+      </pc:sldChg>
+      <pc:sldChg chg="modSp">
+        <pc:chgData name="Carlow, Emily R" userId="S::ecarl3@unh.newhaven.edu::bb5c094f-4815-4b8e-a348-fc8fb9e78a2c" providerId="AD" clId="Web-{236100E4-D804-4EF3-B8B4-B2C40073F122}" dt="2021-04-25T19:26:37.302" v="11" actId="20577"/>
+        <pc:sldMkLst>
+          <pc:docMk/>
+          <pc:sldMk cId="2528755128" sldId="271"/>
+        </pc:sldMkLst>
+        <pc:spChg chg="mod">
+          <ac:chgData name="Carlow, Emily R" userId="S::ecarl3@unh.newhaven.edu::bb5c094f-4815-4b8e-a348-fc8fb9e78a2c" providerId="AD" clId="Web-{236100E4-D804-4EF3-B8B4-B2C40073F122}" dt="2021-04-25T19:26:37.302" v="11" actId="20577"/>
+          <ac:spMkLst>
+            <pc:docMk/>
+            <pc:sldMk cId="2528755128" sldId="271"/>
+            <ac:spMk id="4" creationId="{65C62BE1-8EBA-41AE-9EF7-038D204609C9}"/>
+          </ac:spMkLst>
+        </pc:spChg>
+      </pc:sldChg>
+      <pc:sldChg chg="modSp">
+        <pc:chgData name="Carlow, Emily R" userId="S::ecarl3@unh.newhaven.edu::bb5c094f-4815-4b8e-a348-fc8fb9e78a2c" providerId="AD" clId="Web-{236100E4-D804-4EF3-B8B4-B2C40073F122}" dt="2021-04-25T19:27:11.693" v="15" actId="20577"/>
+        <pc:sldMkLst>
+          <pc:docMk/>
+          <pc:sldMk cId="4024084921" sldId="272"/>
+        </pc:sldMkLst>
+        <pc:spChg chg="mod">
+          <ac:chgData name="Carlow, Emily R" userId="S::ecarl3@unh.newhaven.edu::bb5c094f-4815-4b8e-a348-fc8fb9e78a2c" providerId="AD" clId="Web-{236100E4-D804-4EF3-B8B4-B2C40073F122}" dt="2021-04-25T19:27:11.693" v="15" actId="20577"/>
+          <ac:spMkLst>
+            <pc:docMk/>
+            <pc:sldMk cId="4024084921" sldId="272"/>
+            <ac:spMk id="3" creationId="{73E2E4F8-E89F-492F-A71A-4F86F1484437}"/>
+          </ac:spMkLst>
+        </pc:spChg>
+      </pc:sldChg>
+      <pc:sldChg chg="modSp">
+        <pc:chgData name="Carlow, Emily R" userId="S::ecarl3@unh.newhaven.edu::bb5c094f-4815-4b8e-a348-fc8fb9e78a2c" providerId="AD" clId="Web-{236100E4-D804-4EF3-B8B4-B2C40073F122}" dt="2021-04-25T19:28:19.977" v="38" actId="20577"/>
         <pc:sldMkLst>
           <pc:docMk/>
           <pc:sldMk cId="2682829407" sldId="273"/>
         </pc:sldMkLst>
         <pc:spChg chg="mod">
-          <ac:chgData name="Guest User" userId="S::urn:spo:anon#17b95426adc48bc05f69827c2e0e010044f0a7857336a498d3cb5c753835f8d3::" providerId="AD" clId="Web-{2523CC42-2871-170C-152D-7ABFCE7281DA}" dt="2021-04-20T00:53:28.455" v="263" actId="1076"/>
+          <ac:chgData name="Carlow, Emily R" userId="S::ecarl3@unh.newhaven.edu::bb5c094f-4815-4b8e-a348-fc8fb9e78a2c" providerId="AD" clId="Web-{236100E4-D804-4EF3-B8B4-B2C40073F122}" dt="2021-04-25T19:28:19.977" v="38" actId="20577"/>
           <ac:spMkLst>
             <pc:docMk/>
             <pc:sldMk cId="2682829407" sldId="273"/>
-            <ac:spMk id="3" creationId="{0BC41A26-87E9-4C1B-A52D-982E24596471}"/>
+            <ac:spMk id="4" creationId="{0CF8C109-EEFA-4270-ABB4-0544C88C79F1}"/>
           </ac:spMkLst>
         </pc:spChg>
       </pc:sldChg>
       <pc:sldChg chg="modSp">
-        <pc:chgData name="Guest User" userId="S::urn:spo:anon#17b95426adc48bc05f69827c2e0e010044f0a7857336a498d3cb5c753835f8d3::" providerId="AD" clId="Web-{2523CC42-2871-170C-152D-7ABFCE7281DA}" dt="2021-04-20T00:30:33.879" v="36" actId="1076"/>
+        <pc:chgData name="Carlow, Emily R" userId="S::ecarl3@unh.newhaven.edu::bb5c094f-4815-4b8e-a348-fc8fb9e78a2c" providerId="AD" clId="Web-{236100E4-D804-4EF3-B8B4-B2C40073F122}" dt="2021-04-25T19:28:35.306" v="43" actId="20577"/>
         <pc:sldMkLst>
           <pc:docMk/>
           <pc:sldMk cId="282399625" sldId="274"/>
         </pc:sldMkLst>
         <pc:spChg chg="mod">
-          <ac:chgData name="Guest User" userId="S::urn:spo:anon#17b95426adc48bc05f69827c2e0e010044f0a7857336a498d3cb5c753835f8d3::" providerId="AD" clId="Web-{2523CC42-2871-170C-152D-7ABFCE7281DA}" dt="2021-04-20T00:30:33.879" v="36" actId="1076"/>
+          <ac:chgData name="Carlow, Emily R" userId="S::ecarl3@unh.newhaven.edu::bb5c094f-4815-4b8e-a348-fc8fb9e78a2c" providerId="AD" clId="Web-{236100E4-D804-4EF3-B8B4-B2C40073F122}" dt="2021-04-25T19:28:35.306" v="43" actId="20577"/>
           <ac:spMkLst>
             <pc:docMk/>
             <pc:sldMk cId="282399625" sldId="274"/>
-            <ac:spMk id="3" creationId="{F6907438-1ACA-40BD-B23D-692F73F42930}"/>
+            <ac:spMk id="3" creationId="{8DB99081-4A4A-45FC-905D-58CEE8DE6B81}"/>
           </ac:spMkLst>
         </pc:spChg>
       </pc:sldChg>
       <pc:sldChg chg="modSp">
-        <pc:chgData name="Guest User" userId="S::urn:spo:anon#17b95426adc48bc05f69827c2e0e010044f0a7857336a498d3cb5c753835f8d3::" providerId="AD" clId="Web-{2523CC42-2871-170C-152D-7ABFCE7281DA}" dt="2021-04-20T00:40:40.789" v="261"/>
-        <pc:sldMkLst>
-          <pc:docMk/>
-          <pc:sldMk cId="197608093" sldId="278"/>
-        </pc:sldMkLst>
-        <pc:graphicFrameChg chg="mod modGraphic">
-          <ac:chgData name="Guest User" userId="S::urn:spo:anon#17b95426adc48bc05f69827c2e0e010044f0a7857336a498d3cb5c753835f8d3::" providerId="AD" clId="Web-{2523CC42-2871-170C-152D-7ABFCE7281DA}" dt="2021-04-20T00:40:40.789" v="261"/>
-          <ac:graphicFrameMkLst>
-            <pc:docMk/>
-            <pc:sldMk cId="197608093" sldId="278"/>
-            <ac:graphicFrameMk id="7" creationId="{A6724FFA-73F2-4731-B5C9-5E254B003D30}"/>
-          </ac:graphicFrameMkLst>
-        </pc:graphicFrameChg>
-      </pc:sldChg>
-    </pc:docChg>
-  </pc:docChgLst>
-  <pc:docChgLst>
-    <pc:chgData name="Justin Hollman" userId="7bef1f1b6e933fd2" providerId="LiveId" clId="{C028B677-1ACE-42DF-A084-943D4681FEE7}"/>
-    <pc:docChg chg="undo custSel addSld delSld modSld">
-      <pc:chgData name="Justin Hollman" userId="7bef1f1b6e933fd2" providerId="LiveId" clId="{C028B677-1ACE-42DF-A084-943D4681FEE7}" dt="2021-04-17T18:11:10.019" v="202" actId="14100"/>
-      <pc:docMkLst>
-        <pc:docMk/>
-      </pc:docMkLst>
-      <pc:sldChg chg="modSp mod">
-        <pc:chgData name="Justin Hollman" userId="7bef1f1b6e933fd2" providerId="LiveId" clId="{C028B677-1ACE-42DF-A084-943D4681FEE7}" dt="2021-04-17T17:58:47.104" v="98" actId="1076"/>
-        <pc:sldMkLst>
-          <pc:docMk/>
-          <pc:sldMk cId="4044548724" sldId="262"/>
-        </pc:sldMkLst>
-        <pc:spChg chg="mod">
-          <ac:chgData name="Justin Hollman" userId="7bef1f1b6e933fd2" providerId="LiveId" clId="{C028B677-1ACE-42DF-A084-943D4681FEE7}" dt="2021-04-17T17:58:47.104" v="98" actId="1076"/>
-          <ac:spMkLst>
-            <pc:docMk/>
-            <pc:sldMk cId="4044548724" sldId="262"/>
-            <ac:spMk id="2" creationId="{E19DDF95-2D63-5141-80AB-441389C607B9}"/>
-          </ac:spMkLst>
-        </pc:spChg>
-        <pc:spChg chg="mod">
-          <ac:chgData name="Justin Hollman" userId="7bef1f1b6e933fd2" providerId="LiveId" clId="{C028B677-1ACE-42DF-A084-943D4681FEE7}" dt="2021-04-17T17:39:22.532" v="0" actId="20577"/>
-          <ac:spMkLst>
-            <pc:docMk/>
-            <pc:sldMk cId="4044548724" sldId="262"/>
-            <ac:spMk id="3" creationId="{F223CC21-09F0-AA48-BF20-B6B3C674C6AF}"/>
-          </ac:spMkLst>
-        </pc:spChg>
-      </pc:sldChg>
-      <pc:sldChg chg="addSp delSp modSp add del mod">
-        <pc:chgData name="Justin Hollman" userId="7bef1f1b6e933fd2" providerId="LiveId" clId="{C028B677-1ACE-42DF-A084-943D4681FEE7}" dt="2021-04-17T18:10:20.933" v="199" actId="1076"/>
-        <pc:sldMkLst>
-          <pc:docMk/>
-          <pc:sldMk cId="1281802549" sldId="270"/>
-        </pc:sldMkLst>
-        <pc:spChg chg="mod">
-          <ac:chgData name="Justin Hollman" userId="7bef1f1b6e933fd2" providerId="LiveId" clId="{C028B677-1ACE-42DF-A084-943D4681FEE7}" dt="2021-04-17T18:10:20.933" v="199" actId="1076"/>
-          <ac:spMkLst>
-            <pc:docMk/>
-            <pc:sldMk cId="1281802549" sldId="270"/>
-            <ac:spMk id="2" creationId="{9E35E629-13DC-4249-9A05-CA64BFBFE190}"/>
-          </ac:spMkLst>
-        </pc:spChg>
-        <pc:spChg chg="add del mod">
-          <ac:chgData name="Justin Hollman" userId="7bef1f1b6e933fd2" providerId="LiveId" clId="{C028B677-1ACE-42DF-A084-943D4681FEE7}" dt="2021-04-17T18:10:17.363" v="198" actId="478"/>
-          <ac:spMkLst>
-            <pc:docMk/>
-            <pc:sldMk cId="1281802549" sldId="270"/>
-            <ac:spMk id="3" creationId="{8DD7486B-C144-467A-8C4E-DF58C9731ECA}"/>
-          </ac:spMkLst>
-        </pc:spChg>
-      </pc:sldChg>
-      <pc:sldChg chg="modSp mod">
-        <pc:chgData name="Justin Hollman" userId="7bef1f1b6e933fd2" providerId="LiveId" clId="{C028B677-1ACE-42DF-A084-943D4681FEE7}" dt="2021-04-17T18:04:21.296" v="120" actId="20577"/>
-        <pc:sldMkLst>
-          <pc:docMk/>
-          <pc:sldMk cId="2528755128" sldId="271"/>
-        </pc:sldMkLst>
-        <pc:spChg chg="mod">
-          <ac:chgData name="Justin Hollman" userId="7bef1f1b6e933fd2" providerId="LiveId" clId="{C028B677-1ACE-42DF-A084-943D4681FEE7}" dt="2021-04-17T18:04:21.296" v="120" actId="20577"/>
-          <ac:spMkLst>
-            <pc:docMk/>
-            <pc:sldMk cId="2528755128" sldId="271"/>
-            <ac:spMk id="2" creationId="{00000000-0000-0000-0000-000000000000}"/>
-          </ac:spMkLst>
-        </pc:spChg>
-      </pc:sldChg>
-      <pc:sldChg chg="addSp modSp mod">
-        <pc:chgData name="Justin Hollman" userId="7bef1f1b6e933fd2" providerId="LiveId" clId="{C028B677-1ACE-42DF-A084-943D4681FEE7}" dt="2021-04-17T18:11:10.019" v="202" actId="14100"/>
-        <pc:sldMkLst>
-          <pc:docMk/>
-          <pc:sldMk cId="4024084921" sldId="272"/>
-        </pc:sldMkLst>
-        <pc:spChg chg="mod">
-          <ac:chgData name="Justin Hollman" userId="7bef1f1b6e933fd2" providerId="LiveId" clId="{C028B677-1ACE-42DF-A084-943D4681FEE7}" dt="2021-04-17T18:04:41.991" v="145" actId="20577"/>
-          <ac:spMkLst>
-            <pc:docMk/>
-            <pc:sldMk cId="4024084921" sldId="272"/>
-            <ac:spMk id="2" creationId="{00000000-0000-0000-0000-000000000000}"/>
-          </ac:spMkLst>
-        </pc:spChg>
-        <pc:spChg chg="add mod">
-          <ac:chgData name="Justin Hollman" userId="7bef1f1b6e933fd2" providerId="LiveId" clId="{C028B677-1ACE-42DF-A084-943D4681FEE7}" dt="2021-04-17T18:11:10.019" v="202" actId="14100"/>
-          <ac:spMkLst>
-            <pc:docMk/>
-            <pc:sldMk cId="4024084921" sldId="272"/>
-            <ac:spMk id="3" creationId="{629BD0FC-F0AC-44DF-A144-925A89056A36}"/>
-          </ac:spMkLst>
-        </pc:spChg>
-      </pc:sldChg>
-      <pc:sldChg chg="modSp mod">
-        <pc:chgData name="Justin Hollman" userId="7bef1f1b6e933fd2" providerId="LiveId" clId="{C028B677-1ACE-42DF-A084-943D4681FEE7}" dt="2021-04-17T18:04:59.003" v="180" actId="20577"/>
-        <pc:sldMkLst>
-          <pc:docMk/>
-          <pc:sldMk cId="2682829407" sldId="273"/>
-        </pc:sldMkLst>
-        <pc:spChg chg="mod">
-          <ac:chgData name="Justin Hollman" userId="7bef1f1b6e933fd2" providerId="LiveId" clId="{C028B677-1ACE-42DF-A084-943D4681FEE7}" dt="2021-04-17T18:04:59.003" v="180" actId="20577"/>
-          <ac:spMkLst>
-            <pc:docMk/>
-            <pc:sldMk cId="2682829407" sldId="273"/>
-            <ac:spMk id="2" creationId="{00000000-0000-0000-0000-000000000000}"/>
-          </ac:spMkLst>
-        </pc:spChg>
-      </pc:sldChg>
-      <pc:sldChg chg="modSp mod">
-        <pc:chgData name="Justin Hollman" userId="7bef1f1b6e933fd2" providerId="LiveId" clId="{C028B677-1ACE-42DF-A084-943D4681FEE7}" dt="2021-04-17T18:05:06.754" v="193" actId="20577"/>
-        <pc:sldMkLst>
-          <pc:docMk/>
-          <pc:sldMk cId="282399625" sldId="274"/>
-        </pc:sldMkLst>
-        <pc:spChg chg="mod">
-          <ac:chgData name="Justin Hollman" userId="7bef1f1b6e933fd2" providerId="LiveId" clId="{C028B677-1ACE-42DF-A084-943D4681FEE7}" dt="2021-04-17T18:05:06.754" v="193" actId="20577"/>
-          <ac:spMkLst>
-            <pc:docMk/>
-            <pc:sldMk cId="282399625" sldId="274"/>
-            <ac:spMk id="2" creationId="{00000000-0000-0000-0000-000000000000}"/>
-          </ac:spMkLst>
-        </pc:spChg>
-      </pc:sldChg>
-      <pc:sldChg chg="modSp mod">
-        <pc:chgData name="Justin Hollman" userId="7bef1f1b6e933fd2" providerId="LiveId" clId="{C028B677-1ACE-42DF-A084-943D4681FEE7}" dt="2021-04-17T18:04:10.060" v="112" actId="20577"/>
+        <pc:chgData name="Carlow, Emily R" userId="S::ecarl3@unh.newhaven.edu::bb5c094f-4815-4b8e-a348-fc8fb9e78a2c" providerId="AD" clId="Web-{236100E4-D804-4EF3-B8B4-B2C40073F122}" dt="2021-04-25T19:26:28.051" v="9" actId="20577"/>
         <pc:sldMkLst>
           <pc:docMk/>
           <pc:sldMk cId="2164231458" sldId="275"/>
         </pc:sldMkLst>
         <pc:spChg chg="mod">
-          <ac:chgData name="Justin Hollman" userId="7bef1f1b6e933fd2" providerId="LiveId" clId="{C028B677-1ACE-42DF-A084-943D4681FEE7}" dt="2021-04-17T18:04:10.060" v="112" actId="20577"/>
+          <ac:chgData name="Carlow, Emily R" userId="S::ecarl3@unh.newhaven.edu::bb5c094f-4815-4b8e-a348-fc8fb9e78a2c" providerId="AD" clId="Web-{236100E4-D804-4EF3-B8B4-B2C40073F122}" dt="2021-04-25T19:26:28.051" v="9" actId="20577"/>
           <ac:spMkLst>
             <pc:docMk/>
             <pc:sldMk cId="2164231458" sldId="275"/>
-            <ac:spMk id="2" creationId="{00000000-0000-0000-0000-000000000000}"/>
-          </ac:spMkLst>
-        </pc:spChg>
-      </pc:sldChg>
-      <pc:sldChg chg="del">
-        <pc:chgData name="Justin Hollman" userId="7bef1f1b6e933fd2" providerId="LiveId" clId="{C028B677-1ACE-42DF-A084-943D4681FEE7}" dt="2021-04-17T18:05:30.205" v="194" actId="47"/>
-        <pc:sldMkLst>
-          <pc:docMk/>
-          <pc:sldMk cId="3570453547" sldId="276"/>
-        </pc:sldMkLst>
-      </pc:sldChg>
-      <pc:sldChg chg="del">
-        <pc:chgData name="Justin Hollman" userId="7bef1f1b6e933fd2" providerId="LiveId" clId="{C028B677-1ACE-42DF-A084-943D4681FEE7}" dt="2021-04-17T18:05:31.691" v="195" actId="47"/>
-        <pc:sldMkLst>
-          <pc:docMk/>
-          <pc:sldMk cId="2459397248" sldId="278"/>
-        </pc:sldMkLst>
-      </pc:sldChg>
-    </pc:docChg>
-  </pc:docChgLst>
-  <pc:docChgLst>
-    <pc:chgData name="Carlow, Emily R" userId="S::ecarl3@unh.newhaven.edu::bb5c094f-4815-4b8e-a348-fc8fb9e78a2c" providerId="AD" clId="Web-{C4DA7330-1223-446F-8A2F-83B4E1B53F4E}"/>
-    <pc:docChg chg="modSld">
-      <pc:chgData name="Carlow, Emily R" userId="S::ecarl3@unh.newhaven.edu::bb5c094f-4815-4b8e-a348-fc8fb9e78a2c" providerId="AD" clId="Web-{C4DA7330-1223-446F-8A2F-83B4E1B53F4E}" dt="2021-04-26T20:51:58.554" v="218" actId="20577"/>
-      <pc:docMkLst>
-        <pc:docMk/>
-      </pc:docMkLst>
-      <pc:sldChg chg="modSp">
-        <pc:chgData name="Carlow, Emily R" userId="S::ecarl3@unh.newhaven.edu::bb5c094f-4815-4b8e-a348-fc8fb9e78a2c" providerId="AD" clId="Web-{C4DA7330-1223-446F-8A2F-83B4E1B53F4E}" dt="2021-04-26T20:45:21.373" v="137" actId="20577"/>
-        <pc:sldMkLst>
-          <pc:docMk/>
-          <pc:sldMk cId="4151170546" sldId="305"/>
-        </pc:sldMkLst>
-        <pc:spChg chg="mod">
-          <ac:chgData name="Carlow, Emily R" userId="S::ecarl3@unh.newhaven.edu::bb5c094f-4815-4b8e-a348-fc8fb9e78a2c" providerId="AD" clId="Web-{C4DA7330-1223-446F-8A2F-83B4E1B53F4E}" dt="2021-04-26T20:45:21.373" v="137" actId="20577"/>
-          <ac:spMkLst>
-            <pc:docMk/>
-            <pc:sldMk cId="4151170546" sldId="305"/>
-            <ac:spMk id="4" creationId="{9ECF545B-B5B8-4C50-9226-7B991A1CF1A3}"/>
+            <ac:spMk id="3" creationId="{B11B4A5E-8576-4D8C-B6C5-3B34CD338821}"/>
           </ac:spMkLst>
         </pc:spChg>
       </pc:sldChg>
       <pc:sldChg chg="modSp">
-        <pc:chgData name="Carlow, Emily R" userId="S::ecarl3@unh.newhaven.edu::bb5c094f-4815-4b8e-a348-fc8fb9e78a2c" providerId="AD" clId="Web-{C4DA7330-1223-446F-8A2F-83B4E1B53F4E}" dt="2021-04-26T20:51:58.554" v="218" actId="20577"/>
-        <pc:sldMkLst>
-          <pc:docMk/>
-          <pc:sldMk cId="1797361430" sldId="306"/>
-        </pc:sldMkLst>
-        <pc:spChg chg="mod">
-          <ac:chgData name="Carlow, Emily R" userId="S::ecarl3@unh.newhaven.edu::bb5c094f-4815-4b8e-a348-fc8fb9e78a2c" providerId="AD" clId="Web-{C4DA7330-1223-446F-8A2F-83B4E1B53F4E}" dt="2021-04-26T20:46:41.531" v="146" actId="20577"/>
-          <ac:spMkLst>
-            <pc:docMk/>
-            <pc:sldMk cId="1797361430" sldId="306"/>
-            <ac:spMk id="2" creationId="{FB1A5A22-30B6-4685-B691-97F97226BAF2}"/>
-          </ac:spMkLst>
-        </pc:spChg>
-        <pc:spChg chg="mod">
-          <ac:chgData name="Carlow, Emily R" userId="S::ecarl3@unh.newhaven.edu::bb5c094f-4815-4b8e-a348-fc8fb9e78a2c" providerId="AD" clId="Web-{C4DA7330-1223-446F-8A2F-83B4E1B53F4E}" dt="2021-04-26T20:51:58.554" v="218" actId="20577"/>
-          <ac:spMkLst>
-            <pc:docMk/>
-            <pc:sldMk cId="1797361430" sldId="306"/>
-            <ac:spMk id="3" creationId="{FCF9AFB3-1EDB-4898-BA54-6E6ECE03E8E2}"/>
-          </ac:spMkLst>
-        </pc:spChg>
-      </pc:sldChg>
-    </pc:docChg>
-  </pc:docChgLst>
-  <pc:docChgLst>
-    <pc:chgData name="Guest User" userId="S::urn:spo:anon#17b95426adc48bc05f69827c2e0e010044f0a7857336a498d3cb5c753835f8d3::" providerId="AD" clId="Web-{00000000-0000-0000-0000-000000000000}"/>
-    <pc:docChg chg="modSld">
-      <pc:chgData name="Guest User" userId="S::urn:spo:anon#17b95426adc48bc05f69827c2e0e010044f0a7857336a498d3cb5c753835f8d3::" providerId="AD" clId="Web-{00000000-0000-0000-0000-000000000000}" dt="2021-04-20T00:23:47.127" v="120" actId="20577"/>
-      <pc:docMkLst>
-        <pc:docMk/>
-      </pc:docMkLst>
-      <pc:sldChg chg="modSp">
-        <pc:chgData name="Guest User" userId="S::urn:spo:anon#17b95426adc48bc05f69827c2e0e010044f0a7857336a498d3cb5c753835f8d3::" providerId="AD" clId="Web-{00000000-0000-0000-0000-000000000000}" dt="2021-04-20T00:23:47.127" v="120" actId="20577"/>
-        <pc:sldMkLst>
-          <pc:docMk/>
-          <pc:sldMk cId="2682829407" sldId="273"/>
-        </pc:sldMkLst>
-        <pc:spChg chg="mod">
-          <ac:chgData name="Guest User" userId="S::urn:spo:anon#17b95426adc48bc05f69827c2e0e010044f0a7857336a498d3cb5c753835f8d3::" providerId="AD" clId="Web-{00000000-0000-0000-0000-000000000000}" dt="2021-04-20T00:23:47.127" v="120" actId="20577"/>
-          <ac:spMkLst>
-            <pc:docMk/>
-            <pc:sldMk cId="2682829407" sldId="273"/>
-            <ac:spMk id="3" creationId="{0BC41A26-87E9-4C1B-A52D-982E24596471}"/>
-          </ac:spMkLst>
-        </pc:spChg>
-      </pc:sldChg>
-    </pc:docChg>
-  </pc:docChgLst>
-  <pc:docChgLst>
-    <pc:chgData name="Hossain, Ahmed Muntasir" userId="256dcaa3-c318-45c7-891d-75ee5ae60a08" providerId="ADAL" clId="{3064D9E0-771A-475D-AF52-AB52EE24A73B}"/>
-    <pc:docChg chg="undo redo custSel addSld modSld">
-      <pc:chgData name="Hossain, Ahmed Muntasir" userId="256dcaa3-c318-45c7-891d-75ee5ae60a08" providerId="ADAL" clId="{3064D9E0-771A-475D-AF52-AB52EE24A73B}" dt="2021-04-20T01:22:04.291" v="3257" actId="478"/>
-      <pc:docMkLst>
-        <pc:docMk/>
-      </pc:docMkLst>
-      <pc:sldChg chg="modSp mod">
-        <pc:chgData name="Hossain, Ahmed Muntasir" userId="256dcaa3-c318-45c7-891d-75ee5ae60a08" providerId="ADAL" clId="{3064D9E0-771A-475D-AF52-AB52EE24A73B}" dt="2021-04-20T00:51:50.839" v="1594" actId="20577"/>
-        <pc:sldMkLst>
-          <pc:docMk/>
-          <pc:sldMk cId="4044548724" sldId="262"/>
-        </pc:sldMkLst>
-        <pc:spChg chg="mod">
-          <ac:chgData name="Hossain, Ahmed Muntasir" userId="256dcaa3-c318-45c7-891d-75ee5ae60a08" providerId="ADAL" clId="{3064D9E0-771A-475D-AF52-AB52EE24A73B}" dt="2021-04-20T00:51:50.839" v="1594" actId="20577"/>
-          <ac:spMkLst>
-            <pc:docMk/>
-            <pc:sldMk cId="4044548724" sldId="262"/>
-            <ac:spMk id="2" creationId="{E19DDF95-2D63-5141-80AB-441389C607B9}"/>
-          </ac:spMkLst>
-        </pc:spChg>
-        <pc:spChg chg="mod">
-          <ac:chgData name="Hossain, Ahmed Muntasir" userId="256dcaa3-c318-45c7-891d-75ee5ae60a08" providerId="ADAL" clId="{3064D9E0-771A-475D-AF52-AB52EE24A73B}" dt="2021-04-20T00:01:21.165" v="6" actId="14100"/>
-          <ac:spMkLst>
-            <pc:docMk/>
-            <pc:sldMk cId="4044548724" sldId="262"/>
-            <ac:spMk id="3" creationId="{F223CC21-09F0-AA48-BF20-B6B3C674C6AF}"/>
-          </ac:spMkLst>
-        </pc:spChg>
-      </pc:sldChg>
-      <pc:sldChg chg="addSp modSp mod">
-        <pc:chgData name="Hossain, Ahmed Muntasir" userId="256dcaa3-c318-45c7-891d-75ee5ae60a08" providerId="ADAL" clId="{3064D9E0-771A-475D-AF52-AB52EE24A73B}" dt="2021-04-20T01:20:33.093" v="3254" actId="1076"/>
-        <pc:sldMkLst>
-          <pc:docMk/>
-          <pc:sldMk cId="2528755128" sldId="271"/>
-        </pc:sldMkLst>
-        <pc:spChg chg="mod">
-          <ac:chgData name="Hossain, Ahmed Muntasir" userId="256dcaa3-c318-45c7-891d-75ee5ae60a08" providerId="ADAL" clId="{3064D9E0-771A-475D-AF52-AB52EE24A73B}" dt="2021-04-20T01:15:43.816" v="2992" actId="20577"/>
-          <ac:spMkLst>
-            <pc:docMk/>
-            <pc:sldMk cId="2528755128" sldId="271"/>
-            <ac:spMk id="2" creationId="{00000000-0000-0000-0000-000000000000}"/>
-          </ac:spMkLst>
-        </pc:spChg>
-        <pc:spChg chg="add mod">
-          <ac:chgData name="Hossain, Ahmed Muntasir" userId="256dcaa3-c318-45c7-891d-75ee5ae60a08" providerId="ADAL" clId="{3064D9E0-771A-475D-AF52-AB52EE24A73B}" dt="2021-04-20T01:20:33.093" v="3254" actId="1076"/>
-          <ac:spMkLst>
-            <pc:docMk/>
-            <pc:sldMk cId="2528755128" sldId="271"/>
-            <ac:spMk id="3" creationId="{17F4F961-8ACA-4E2C-A444-8150EECC4DFB}"/>
-          </ac:spMkLst>
-        </pc:spChg>
-      </pc:sldChg>
-      <pc:sldChg chg="addSp delSp modSp mod">
-        <pc:chgData name="Hossain, Ahmed Muntasir" userId="256dcaa3-c318-45c7-891d-75ee5ae60a08" providerId="ADAL" clId="{3064D9E0-771A-475D-AF52-AB52EE24A73B}" dt="2021-04-20T00:44:03.426" v="1117" actId="2164"/>
-        <pc:sldMkLst>
-          <pc:docMk/>
-          <pc:sldMk cId="4024084921" sldId="272"/>
-        </pc:sldMkLst>
-        <pc:spChg chg="mod">
-          <ac:chgData name="Hossain, Ahmed Muntasir" userId="256dcaa3-c318-45c7-891d-75ee5ae60a08" providerId="ADAL" clId="{3064D9E0-771A-475D-AF52-AB52EE24A73B}" dt="2021-04-20T00:40:01.237" v="1046" actId="20577"/>
-          <ac:spMkLst>
-            <pc:docMk/>
-            <pc:sldMk cId="4024084921" sldId="272"/>
-            <ac:spMk id="2" creationId="{00000000-0000-0000-0000-000000000000}"/>
-          </ac:spMkLst>
-        </pc:spChg>
-        <pc:spChg chg="del mod">
-          <ac:chgData name="Hossain, Ahmed Muntasir" userId="256dcaa3-c318-45c7-891d-75ee5ae60a08" providerId="ADAL" clId="{3064D9E0-771A-475D-AF52-AB52EE24A73B}" dt="2021-04-20T00:26:49.085" v="821" actId="478"/>
-          <ac:spMkLst>
-            <pc:docMk/>
-            <pc:sldMk cId="4024084921" sldId="272"/>
-            <ac:spMk id="3" creationId="{629BD0FC-F0AC-44DF-A144-925A89056A36}"/>
-          </ac:spMkLst>
-        </pc:spChg>
-        <pc:spChg chg="add del mod">
-          <ac:chgData name="Hossain, Ahmed Muntasir" userId="256dcaa3-c318-45c7-891d-75ee5ae60a08" providerId="ADAL" clId="{3064D9E0-771A-475D-AF52-AB52EE24A73B}" dt="2021-04-20T00:07:13.358" v="321"/>
-          <ac:spMkLst>
-            <pc:docMk/>
-            <pc:sldMk cId="4024084921" sldId="272"/>
-            <ac:spMk id="4" creationId="{CE815F87-9AF2-482F-8B5F-CD7C7E808495}"/>
-          </ac:spMkLst>
-        </pc:spChg>
-        <pc:graphicFrameChg chg="add mod modGraphic">
-          <ac:chgData name="Hossain, Ahmed Muntasir" userId="256dcaa3-c318-45c7-891d-75ee5ae60a08" providerId="ADAL" clId="{3064D9E0-771A-475D-AF52-AB52EE24A73B}" dt="2021-04-20T00:43:16.529" v="1096" actId="2164"/>
-          <ac:graphicFrameMkLst>
-            <pc:docMk/>
-            <pc:sldMk cId="4024084921" sldId="272"/>
-            <ac:graphicFrameMk id="5" creationId="{F7963100-83F3-4825-A473-005AC1740D51}"/>
-          </ac:graphicFrameMkLst>
-        </pc:graphicFrameChg>
-        <pc:graphicFrameChg chg="add mod modGraphic">
-          <ac:chgData name="Hossain, Ahmed Muntasir" userId="256dcaa3-c318-45c7-891d-75ee5ae60a08" providerId="ADAL" clId="{3064D9E0-771A-475D-AF52-AB52EE24A73B}" dt="2021-04-20T00:44:03.426" v="1117" actId="2164"/>
-          <ac:graphicFrameMkLst>
-            <pc:docMk/>
-            <pc:sldMk cId="4024084921" sldId="272"/>
-            <ac:graphicFrameMk id="7" creationId="{A6724FFA-73F2-4731-B5C9-5E254B003D30}"/>
-          </ac:graphicFrameMkLst>
-        </pc:graphicFrameChg>
-        <pc:picChg chg="del">
-          <ac:chgData name="Hossain, Ahmed Muntasir" userId="256dcaa3-c318-45c7-891d-75ee5ae60a08" providerId="ADAL" clId="{3064D9E0-771A-475D-AF52-AB52EE24A73B}" dt="2021-04-20T00:06:34.338" v="306" actId="478"/>
-          <ac:picMkLst>
-            <pc:docMk/>
-            <pc:sldMk cId="4024084921" sldId="272"/>
-            <ac:picMk id="9" creationId="{D869B9C3-427D-466F-A403-659B5AAC7DDE}"/>
-          </ac:picMkLst>
-        </pc:picChg>
-      </pc:sldChg>
-      <pc:sldChg chg="addSp modSp mod modNotesTx">
-        <pc:chgData name="Hossain, Ahmed Muntasir" userId="256dcaa3-c318-45c7-891d-75ee5ae60a08" providerId="ADAL" clId="{3064D9E0-771A-475D-AF52-AB52EE24A73B}" dt="2021-04-20T00:23:30.725" v="719" actId="20577"/>
-        <pc:sldMkLst>
-          <pc:docMk/>
-          <pc:sldMk cId="2682829407" sldId="273"/>
-        </pc:sldMkLst>
-        <pc:spChg chg="mod">
-          <ac:chgData name="Hossain, Ahmed Muntasir" userId="256dcaa3-c318-45c7-891d-75ee5ae60a08" providerId="ADAL" clId="{3064D9E0-771A-475D-AF52-AB52EE24A73B}" dt="2021-04-20T00:02:27.401" v="13" actId="255"/>
-          <ac:spMkLst>
-            <pc:docMk/>
-            <pc:sldMk cId="2682829407" sldId="273"/>
-            <ac:spMk id="2" creationId="{00000000-0000-0000-0000-000000000000}"/>
-          </ac:spMkLst>
-        </pc:spChg>
-        <pc:spChg chg="add mod">
-          <ac:chgData name="Hossain, Ahmed Muntasir" userId="256dcaa3-c318-45c7-891d-75ee5ae60a08" providerId="ADAL" clId="{3064D9E0-771A-475D-AF52-AB52EE24A73B}" dt="2021-04-20T00:23:30.725" v="719" actId="20577"/>
-          <ac:spMkLst>
-            <pc:docMk/>
-            <pc:sldMk cId="2682829407" sldId="273"/>
-            <ac:spMk id="3" creationId="{0BC41A26-87E9-4C1B-A52D-982E24596471}"/>
-          </ac:spMkLst>
-        </pc:spChg>
-      </pc:sldChg>
-      <pc:sldChg chg="delSp modSp mod">
-        <pc:chgData name="Hossain, Ahmed Muntasir" userId="256dcaa3-c318-45c7-891d-75ee5ae60a08" providerId="ADAL" clId="{3064D9E0-771A-475D-AF52-AB52EE24A73B}" dt="2021-04-20T01:22:04.291" v="3257" actId="478"/>
-        <pc:sldMkLst>
-          <pc:docMk/>
-          <pc:sldMk cId="282399625" sldId="274"/>
-        </pc:sldMkLst>
-        <pc:spChg chg="mod">
-          <ac:chgData name="Hossain, Ahmed Muntasir" userId="256dcaa3-c318-45c7-891d-75ee5ae60a08" providerId="ADAL" clId="{3064D9E0-771A-475D-AF52-AB52EE24A73B}" dt="2021-04-20T00:02:32.536" v="14" actId="255"/>
-          <ac:spMkLst>
-            <pc:docMk/>
-            <pc:sldMk cId="282399625" sldId="274"/>
-            <ac:spMk id="2" creationId="{00000000-0000-0000-0000-000000000000}"/>
-          </ac:spMkLst>
-        </pc:spChg>
-        <pc:spChg chg="del">
-          <ac:chgData name="Hossain, Ahmed Muntasir" userId="256dcaa3-c318-45c7-891d-75ee5ae60a08" providerId="ADAL" clId="{3064D9E0-771A-475D-AF52-AB52EE24A73B}" dt="2021-04-20T01:22:04.291" v="3257" actId="478"/>
-          <ac:spMkLst>
-            <pc:docMk/>
-            <pc:sldMk cId="282399625" sldId="274"/>
-            <ac:spMk id="3" creationId="{F6907438-1ACA-40BD-B23D-692F73F42930}"/>
-          </ac:spMkLst>
-        </pc:spChg>
-      </pc:sldChg>
-      <pc:sldChg chg="modSp mod">
-        <pc:chgData name="Hossain, Ahmed Muntasir" userId="256dcaa3-c318-45c7-891d-75ee5ae60a08" providerId="ADAL" clId="{3064D9E0-771A-475D-AF52-AB52EE24A73B}" dt="2021-04-20T01:04:02.482" v="2197" actId="1076"/>
-        <pc:sldMkLst>
-          <pc:docMk/>
-          <pc:sldMk cId="2164231458" sldId="275"/>
-        </pc:sldMkLst>
-        <pc:spChg chg="mod">
-          <ac:chgData name="Hossain, Ahmed Muntasir" userId="256dcaa3-c318-45c7-891d-75ee5ae60a08" providerId="ADAL" clId="{3064D9E0-771A-475D-AF52-AB52EE24A73B}" dt="2021-04-20T00:02:57.885" v="18" actId="255"/>
-          <ac:spMkLst>
-            <pc:docMk/>
-            <pc:sldMk cId="2164231458" sldId="275"/>
-            <ac:spMk id="2" creationId="{00000000-0000-0000-0000-000000000000}"/>
-          </ac:spMkLst>
-        </pc:spChg>
-        <pc:spChg chg="mod">
-          <ac:chgData name="Hossain, Ahmed Muntasir" userId="256dcaa3-c318-45c7-891d-75ee5ae60a08" providerId="ADAL" clId="{3064D9E0-771A-475D-AF52-AB52EE24A73B}" dt="2021-04-20T01:04:02.482" v="2197" actId="1076"/>
-          <ac:spMkLst>
-            <pc:docMk/>
-            <pc:sldMk cId="2164231458" sldId="275"/>
-            <ac:spMk id="5" creationId="{B7729788-EDA3-49B2-8B56-03671CD73C7E}"/>
-          </ac:spMkLst>
-        </pc:spChg>
-      </pc:sldChg>
-      <pc:sldChg chg="modSp mod">
-        <pc:chgData name="Hossain, Ahmed Muntasir" userId="256dcaa3-c318-45c7-891d-75ee5ae60a08" providerId="ADAL" clId="{3064D9E0-771A-475D-AF52-AB52EE24A73B}" dt="2021-04-20T00:45:30.580" v="1272" actId="20577"/>
+        <pc:chgData name="Carlow, Emily R" userId="S::ecarl3@unh.newhaven.edu::bb5c094f-4815-4b8e-a348-fc8fb9e78a2c" providerId="AD" clId="Web-{236100E4-D804-4EF3-B8B4-B2C40073F122}" dt="2021-04-25T19:28:04.367" v="36" actId="20577"/>
         <pc:sldMkLst>
           <pc:docMk/>
           <pc:sldMk cId="2089004303" sldId="276"/>
         </pc:sldMkLst>
         <pc:spChg chg="mod">
-          <ac:chgData name="Hossain, Ahmed Muntasir" userId="256dcaa3-c318-45c7-891d-75ee5ae60a08" providerId="ADAL" clId="{3064D9E0-771A-475D-AF52-AB52EE24A73B}" dt="2021-04-20T00:45:30.580" v="1272" actId="20577"/>
+          <ac:chgData name="Carlow, Emily R" userId="S::ecarl3@unh.newhaven.edu::bb5c094f-4815-4b8e-a348-fc8fb9e78a2c" providerId="AD" clId="Web-{236100E4-D804-4EF3-B8B4-B2C40073F122}" dt="2021-04-25T19:28:04.367" v="36" actId="20577"/>
           <ac:spMkLst>
             <pc:docMk/>
             <pc:sldMk cId="2089004303" sldId="276"/>
-            <ac:spMk id="2" creationId="{00000000-0000-0000-0000-000000000000}"/>
+            <ac:spMk id="4" creationId="{A22F7163-2727-46FF-A68C-83A40ADA9F19}"/>
           </ac:spMkLst>
         </pc:spChg>
       </pc:sldChg>
-      <pc:sldChg chg="modSp add mod">
-        <pc:chgData name="Hossain, Ahmed Muntasir" userId="256dcaa3-c318-45c7-891d-75ee5ae60a08" providerId="ADAL" clId="{3064D9E0-771A-475D-AF52-AB52EE24A73B}" dt="2021-04-20T00:45:17.719" v="1239" actId="20577"/>
+      <pc:sldChg chg="modSp">
+        <pc:chgData name="Carlow, Emily R" userId="S::ecarl3@unh.newhaven.edu::bb5c094f-4815-4b8e-a348-fc8fb9e78a2c" providerId="AD" clId="Web-{236100E4-D804-4EF3-B8B4-B2C40073F122}" dt="2021-04-25T19:27:56.242" v="34" actId="20577"/>
         <pc:sldMkLst>
           <pc:docMk/>
           <pc:sldMk cId="1191759795" sldId="277"/>
         </pc:sldMkLst>
         <pc:spChg chg="mod">
-          <ac:chgData name="Hossain, Ahmed Muntasir" userId="256dcaa3-c318-45c7-891d-75ee5ae60a08" providerId="ADAL" clId="{3064D9E0-771A-475D-AF52-AB52EE24A73B}" dt="2021-04-20T00:45:17.719" v="1239" actId="20577"/>
+          <ac:chgData name="Carlow, Emily R" userId="S::ecarl3@unh.newhaven.edu::bb5c094f-4815-4b8e-a348-fc8fb9e78a2c" providerId="AD" clId="Web-{236100E4-D804-4EF3-B8B4-B2C40073F122}" dt="2021-04-25T19:27:56.242" v="34" actId="20577"/>
           <ac:spMkLst>
             <pc:docMk/>
             <pc:sldMk cId="1191759795" sldId="277"/>
-            <ac:spMk id="2" creationId="{00000000-0000-0000-0000-000000000000}"/>
-          </ac:spMkLst>
-        </pc:spChg>
-        <pc:picChg chg="mod">
-          <ac:chgData name="Hossain, Ahmed Muntasir" userId="256dcaa3-c318-45c7-891d-75ee5ae60a08" providerId="ADAL" clId="{3064D9E0-771A-475D-AF52-AB52EE24A73B}" dt="2021-04-20T00:33:33.353" v="887" actId="1076"/>
-          <ac:picMkLst>
-            <pc:docMk/>
-            <pc:sldMk cId="1191759795" sldId="277"/>
-            <ac:picMk id="9" creationId="{D869B9C3-427D-466F-A403-659B5AAC7DDE}"/>
-          </ac:picMkLst>
-        </pc:picChg>
+            <ac:spMk id="4" creationId="{F0DD0574-39CB-46FC-AA76-3B55CFBD109B}"/>
+          </ac:spMkLst>
+        </pc:spChg>
       </pc:sldChg>
-      <pc:sldChg chg="delSp modSp add mod">
-        <pc:chgData name="Hossain, Ahmed Muntasir" userId="256dcaa3-c318-45c7-891d-75ee5ae60a08" providerId="ADAL" clId="{3064D9E0-771A-475D-AF52-AB52EE24A73B}" dt="2021-04-20T00:44:39.700" v="1127" actId="2164"/>
+      <pc:sldChg chg="modSp">
+        <pc:chgData name="Carlow, Emily R" userId="S::ecarl3@unh.newhaven.edu::bb5c094f-4815-4b8e-a348-fc8fb9e78a2c" providerId="AD" clId="Web-{236100E4-D804-4EF3-B8B4-B2C40073F122}" dt="2021-04-25T19:27:43.226" v="32" actId="20577"/>
         <pc:sldMkLst>
           <pc:docMk/>
           <pc:sldMk cId="197608093" sldId="278"/>
         </pc:sldMkLst>
         <pc:spChg chg="mod">
-          <ac:chgData name="Hossain, Ahmed Muntasir" userId="256dcaa3-c318-45c7-891d-75ee5ae60a08" providerId="ADAL" clId="{3064D9E0-771A-475D-AF52-AB52EE24A73B}" dt="2021-04-20T00:40:12.005" v="1077" actId="20577"/>
+          <ac:chgData name="Carlow, Emily R" userId="S::ecarl3@unh.newhaven.edu::bb5c094f-4815-4b8e-a348-fc8fb9e78a2c" providerId="AD" clId="Web-{236100E4-D804-4EF3-B8B4-B2C40073F122}" dt="2021-04-25T19:27:43.226" v="32" actId="20577"/>
           <ac:spMkLst>
             <pc:docMk/>
             <pc:sldMk cId="197608093" sldId="278"/>
             <ac:spMk id="2" creationId="{00000000-0000-0000-0000-000000000000}"/>
           </ac:spMkLst>
         </pc:spChg>
-        <pc:graphicFrameChg chg="del modGraphic">
-          <ac:chgData name="Hossain, Ahmed Muntasir" userId="256dcaa3-c318-45c7-891d-75ee5ae60a08" providerId="ADAL" clId="{3064D9E0-771A-475D-AF52-AB52EE24A73B}" dt="2021-04-20T00:35:58.792" v="931" actId="478"/>
-          <ac:graphicFrameMkLst>
+        <pc:spChg chg="mod">
+          <ac:chgData name="Carlow, Emily R" userId="S::ecarl3@unh.newhaven.edu::bb5c094f-4815-4b8e-a348-fc8fb9e78a2c" providerId="AD" clId="Web-{236100E4-D804-4EF3-B8B4-B2C40073F122}" dt="2021-04-25T19:27:22.256" v="17" actId="20577"/>
+          <ac:spMkLst>
             <pc:docMk/>
             <pc:sldMk cId="197608093" sldId="278"/>
-            <ac:graphicFrameMk id="5" creationId="{F7963100-83F3-4825-A473-005AC1740D51}"/>
-          </ac:graphicFrameMkLst>
-        </pc:graphicFrameChg>
-        <pc:graphicFrameChg chg="mod modGraphic">
-          <ac:chgData name="Hossain, Ahmed Muntasir" userId="256dcaa3-c318-45c7-891d-75ee5ae60a08" providerId="ADAL" clId="{3064D9E0-771A-475D-AF52-AB52EE24A73B}" dt="2021-04-20T00:44:39.700" v="1127" actId="2164"/>
-          <ac:graphicFrameMkLst>
-            <pc:docMk/>
-            <pc:sldMk cId="197608093" sldId="278"/>
-            <ac:graphicFrameMk id="7" creationId="{A6724FFA-73F2-4731-B5C9-5E254B003D30}"/>
-          </ac:graphicFrameMkLst>
-        </pc:graphicFrameChg>
+            <ac:spMk id="3" creationId="{7EE19A41-D7C9-4FD7-8323-B6108835F429}"/>
+          </ac:spMkLst>
+        </pc:spChg>
       </pc:sldChg>
-      <pc:sldChg chg="modSp add mod">
-        <pc:chgData name="Hossain, Ahmed Muntasir" userId="256dcaa3-c318-45c7-891d-75ee5ae60a08" providerId="ADAL" clId="{3064D9E0-771A-475D-AF52-AB52EE24A73B}" dt="2021-04-20T01:20:55.771" v="3256" actId="1076"/>
+      <pc:sldChg chg="modSp">
+        <pc:chgData name="Carlow, Emily R" userId="S::ecarl3@unh.newhaven.edu::bb5c094f-4815-4b8e-a348-fc8fb9e78a2c" providerId="AD" clId="Web-{236100E4-D804-4EF3-B8B4-B2C40073F122}" dt="2021-04-25T19:27:02.536" v="13" actId="20577"/>
         <pc:sldMkLst>
           <pc:docMk/>
           <pc:sldMk cId="3460058106" sldId="279"/>
         </pc:sldMkLst>
         <pc:spChg chg="mod">
-          <ac:chgData name="Hossain, Ahmed Muntasir" userId="256dcaa3-c318-45c7-891d-75ee5ae60a08" providerId="ADAL" clId="{3064D9E0-771A-475D-AF52-AB52EE24A73B}" dt="2021-04-20T01:15:51.717" v="2999" actId="20577"/>
+          <ac:chgData name="Carlow, Emily R" userId="S::ecarl3@unh.newhaven.edu::bb5c094f-4815-4b8e-a348-fc8fb9e78a2c" providerId="AD" clId="Web-{236100E4-D804-4EF3-B8B4-B2C40073F122}" dt="2021-04-25T19:27:02.536" v="13" actId="20577"/>
           <ac:spMkLst>
             <pc:docMk/>
             <pc:sldMk cId="3460058106" sldId="279"/>
-            <ac:spMk id="2" creationId="{00000000-0000-0000-0000-000000000000}"/>
-          </ac:spMkLst>
-        </pc:spChg>
-        <pc:spChg chg="mod">
-          <ac:chgData name="Hossain, Ahmed Muntasir" userId="256dcaa3-c318-45c7-891d-75ee5ae60a08" providerId="ADAL" clId="{3064D9E0-771A-475D-AF52-AB52EE24A73B}" dt="2021-04-20T01:20:55.771" v="3256" actId="1076"/>
-          <ac:spMkLst>
-            <pc:docMk/>
-            <pc:sldMk cId="3460058106" sldId="279"/>
-            <ac:spMk id="3" creationId="{17F4F961-8ACA-4E2C-A444-8150EECC4DFB}"/>
+            <ac:spMk id="4" creationId="{371B3585-DB57-414A-9B0E-128DDB80E860}"/>
           </ac:spMkLst>
         </pc:spChg>
       </pc:sldChg>
-    </pc:docChg>
-  </pc:docChgLst>
-  <pc:docChgLst>
-    <pc:chgData name="Carlow, Emily R" userId="S::ecarl3@unh.newhaven.edu::bb5c094f-4815-4b8e-a348-fc8fb9e78a2c" providerId="AD" clId="Web-{58F212C0-7ADB-4042-AA40-62719F2CDAE8}"/>
-    <pc:docChg chg="addSld modSld">
-      <pc:chgData name="Carlow, Emily R" userId="S::ecarl3@unh.newhaven.edu::bb5c094f-4815-4b8e-a348-fc8fb9e78a2c" providerId="AD" clId="Web-{58F212C0-7ADB-4042-AA40-62719F2CDAE8}" dt="2021-04-26T20:34:52.351" v="776" actId="20577"/>
-      <pc:docMkLst>
-        <pc:docMk/>
-      </pc:docMkLst>
       <pc:sldChg chg="modSp">
-        <pc:chgData name="Carlow, Emily R" userId="S::ecarl3@unh.newhaven.edu::bb5c094f-4815-4b8e-a348-fc8fb9e78a2c" providerId="AD" clId="Web-{58F212C0-7ADB-4042-AA40-62719F2CDAE8}" dt="2021-04-26T20:21:28.280" v="325" actId="20577"/>
-        <pc:sldMkLst>
-          <pc:docMk/>
-          <pc:sldMk cId="4151170546" sldId="305"/>
-        </pc:sldMkLst>
-        <pc:spChg chg="mod">
-          <ac:chgData name="Carlow, Emily R" userId="S::ecarl3@unh.newhaven.edu::bb5c094f-4815-4b8e-a348-fc8fb9e78a2c" providerId="AD" clId="Web-{58F212C0-7ADB-4042-AA40-62719F2CDAE8}" dt="2021-04-26T20:21:28.280" v="325" actId="20577"/>
-          <ac:spMkLst>
-            <pc:docMk/>
-            <pc:sldMk cId="4151170546" sldId="305"/>
-            <ac:spMk id="4" creationId="{9ECF545B-B5B8-4C50-9226-7B991A1CF1A3}"/>
-          </ac:spMkLst>
-        </pc:spChg>
-      </pc:sldChg>
-      <pc:sldChg chg="modSp new">
-        <pc:chgData name="Carlow, Emily R" userId="S::ecarl3@unh.newhaven.edu::bb5c094f-4815-4b8e-a348-fc8fb9e78a2c" providerId="AD" clId="Web-{58F212C0-7ADB-4042-AA40-62719F2CDAE8}" dt="2021-04-26T20:34:52.351" v="776" actId="20577"/>
-        <pc:sldMkLst>
-          <pc:docMk/>
-          <pc:sldMk cId="1797361430" sldId="306"/>
-        </pc:sldMkLst>
-        <pc:spChg chg="mod">
-          <ac:chgData name="Carlow, Emily R" userId="S::ecarl3@unh.newhaven.edu::bb5c094f-4815-4b8e-a348-fc8fb9e78a2c" providerId="AD" clId="Web-{58F212C0-7ADB-4042-AA40-62719F2CDAE8}" dt="2021-04-26T20:22:24.047" v="330" actId="14100"/>
-          <ac:spMkLst>
-            <pc:docMk/>
-            <pc:sldMk cId="1797361430" sldId="306"/>
-            <ac:spMk id="2" creationId="{FB1A5A22-30B6-4685-B691-97F97226BAF2}"/>
-          </ac:spMkLst>
-        </pc:spChg>
-        <pc:spChg chg="mod">
-          <ac:chgData name="Carlow, Emily R" userId="S::ecarl3@unh.newhaven.edu::bb5c094f-4815-4b8e-a348-fc8fb9e78a2c" providerId="AD" clId="Web-{58F212C0-7ADB-4042-AA40-62719F2CDAE8}" dt="2021-04-26T20:34:52.351" v="776" actId="20577"/>
-          <ac:spMkLst>
-            <pc:docMk/>
-            <pc:sldMk cId="1797361430" sldId="306"/>
-            <ac:spMk id="3" creationId="{FCF9AFB3-1EDB-4898-BA54-6E6ECE03E8E2}"/>
-          </ac:spMkLst>
-        </pc:spChg>
-      </pc:sldChg>
-    </pc:docChg>
-  </pc:docChgLst>
-  <pc:docChgLst>
-    <pc:chgData name="Fall, Anta R" userId="S::afall2@unh.newhaven.edu::97fabe0b-8c53-4c35-a529-70aaaa2d6f72" providerId="AD" clId="Web-{CC2C0DEC-262E-48F0-9525-FB1C60BBC9D7}"/>
-    <pc:docChg chg="modSld">
-      <pc:chgData name="Fall, Anta R" userId="S::afall2@unh.newhaven.edu::97fabe0b-8c53-4c35-a529-70aaaa2d6f72" providerId="AD" clId="Web-{CC2C0DEC-262E-48F0-9525-FB1C60BBC9D7}" dt="2021-04-26T00:29:43.848" v="13" actId="20577"/>
-      <pc:docMkLst>
-        <pc:docMk/>
-      </pc:docMkLst>
-      <pc:sldChg chg="addSp modSp">
-        <pc:chgData name="Fall, Anta R" userId="S::afall2@unh.newhaven.edu::97fabe0b-8c53-4c35-a529-70aaaa2d6f72" providerId="AD" clId="Web-{CC2C0DEC-262E-48F0-9525-FB1C60BBC9D7}" dt="2021-04-26T00:29:43.848" v="13" actId="20577"/>
-        <pc:sldMkLst>
-          <pc:docMk/>
-          <pc:sldMk cId="282399625" sldId="274"/>
-        </pc:sldMkLst>
-        <pc:spChg chg="add mod">
-          <ac:chgData name="Fall, Anta R" userId="S::afall2@unh.newhaven.edu::97fabe0b-8c53-4c35-a529-70aaaa2d6f72" providerId="AD" clId="Web-{CC2C0DEC-262E-48F0-9525-FB1C60BBC9D7}" dt="2021-04-26T00:29:43.848" v="13" actId="20577"/>
-          <ac:spMkLst>
-            <pc:docMk/>
-            <pc:sldMk cId="282399625" sldId="274"/>
-            <ac:spMk id="4" creationId="{9ECF545B-B5B8-4C50-9226-7B991A1CF1A3}"/>
-          </ac:spMkLst>
-        </pc:spChg>
-      </pc:sldChg>
-    </pc:docChg>
-  </pc:docChgLst>
-  <pc:docChgLst>
-    <pc:chgData name="Guest User" userId="S::urn:spo:anon#17b95426adc48bc05f69827c2e0e010044f0a7857336a498d3cb5c753835f8d3::" providerId="AD" clId="Web-{41FE55CF-1DB5-4041-B1F6-4C3ACB009EE5}"/>
-    <pc:docChg chg="modSld">
-      <pc:chgData name="Guest User" userId="S::urn:spo:anon#17b95426adc48bc05f69827c2e0e010044f0a7857336a498d3cb5c753835f8d3::" providerId="AD" clId="Web-{41FE55CF-1DB5-4041-B1F6-4C3ACB009EE5}" dt="2021-04-20T00:23:59.368" v="10" actId="20577"/>
-      <pc:docMkLst>
-        <pc:docMk/>
-      </pc:docMkLst>
-      <pc:sldChg chg="addSp modSp">
-        <pc:chgData name="Guest User" userId="S::urn:spo:anon#17b95426adc48bc05f69827c2e0e010044f0a7857336a498d3cb5c753835f8d3::" providerId="AD" clId="Web-{41FE55CF-1DB5-4041-B1F6-4C3ACB009EE5}" dt="2021-04-20T00:23:59.368" v="10" actId="20577"/>
-        <pc:sldMkLst>
-          <pc:docMk/>
-          <pc:sldMk cId="282399625" sldId="274"/>
-        </pc:sldMkLst>
-        <pc:spChg chg="add mod">
-          <ac:chgData name="Guest User" userId="S::urn:spo:anon#17b95426adc48bc05f69827c2e0e010044f0a7857336a498d3cb5c753835f8d3::" providerId="AD" clId="Web-{41FE55CF-1DB5-4041-B1F6-4C3ACB009EE5}" dt="2021-04-20T00:23:59.368" v="10" actId="20577"/>
-          <ac:spMkLst>
-            <pc:docMk/>
-            <pc:sldMk cId="282399625" sldId="274"/>
-            <ac:spMk id="3" creationId="{F6907438-1ACA-40BD-B23D-692F73F42930}"/>
-          </ac:spMkLst>
-        </pc:spChg>
-      </pc:sldChg>
-    </pc:docChg>
-  </pc:docChgLst>
-  <pc:docChgLst>
-    <pc:chgData name="Emily Carlow" userId="bb5c094f-4815-4b8e-a348-fc8fb9e78a2c" providerId="ADAL" clId="{BED82364-A664-4568-A1AE-D5F50239BA76}"/>
-    <pc:docChg chg="undo custSel addSld modSld">
-      <pc:chgData name="Emily Carlow" userId="bb5c094f-4815-4b8e-a348-fc8fb9e78a2c" providerId="ADAL" clId="{BED82364-A664-4568-A1AE-D5F50239BA76}" dt="2021-04-25T22:03:16.461" v="2083" actId="122"/>
-      <pc:docMkLst>
-        <pc:docMk/>
-      </pc:docMkLst>
-      <pc:sldChg chg="modSp mod">
-        <pc:chgData name="Emily Carlow" userId="bb5c094f-4815-4b8e-a348-fc8fb9e78a2c" providerId="ADAL" clId="{BED82364-A664-4568-A1AE-D5F50239BA76}" dt="2021-04-23T18:58:00.093" v="206" actId="20577"/>
-        <pc:sldMkLst>
-          <pc:docMk/>
-          <pc:sldMk cId="4044548724" sldId="262"/>
-        </pc:sldMkLst>
-        <pc:spChg chg="mod">
-          <ac:chgData name="Emily Carlow" userId="bb5c094f-4815-4b8e-a348-fc8fb9e78a2c" providerId="ADAL" clId="{BED82364-A664-4568-A1AE-D5F50239BA76}" dt="2021-04-23T18:58:00.093" v="206" actId="20577"/>
-          <ac:spMkLst>
-            <pc:docMk/>
-            <pc:sldMk cId="4044548724" sldId="262"/>
-            <ac:spMk id="2" creationId="{E19DDF95-2D63-5141-80AB-441389C607B9}"/>
-          </ac:spMkLst>
-        </pc:spChg>
-        <pc:spChg chg="mod">
-          <ac:chgData name="Emily Carlow" userId="bb5c094f-4815-4b8e-a348-fc8fb9e78a2c" providerId="ADAL" clId="{BED82364-A664-4568-A1AE-D5F50239BA76}" dt="2021-04-23T18:55:04.370" v="92" actId="14100"/>
-          <ac:spMkLst>
-            <pc:docMk/>
-            <pc:sldMk cId="4044548724" sldId="262"/>
-            <ac:spMk id="3" creationId="{F223CC21-09F0-AA48-BF20-B6B3C674C6AF}"/>
-          </ac:spMkLst>
-        </pc:spChg>
-      </pc:sldChg>
-      <pc:sldChg chg="modSp mod">
-        <pc:chgData name="Emily Carlow" userId="bb5c094f-4815-4b8e-a348-fc8fb9e78a2c" providerId="ADAL" clId="{BED82364-A664-4568-A1AE-D5F50239BA76}" dt="2021-04-23T19:20:06.991" v="1069" actId="20577"/>
-        <pc:sldMkLst>
-          <pc:docMk/>
-          <pc:sldMk cId="2528755128" sldId="271"/>
-        </pc:sldMkLst>
-        <pc:spChg chg="mod">
-          <ac:chgData name="Emily Carlow" userId="bb5c094f-4815-4b8e-a348-fc8fb9e78a2c" providerId="ADAL" clId="{BED82364-A664-4568-A1AE-D5F50239BA76}" dt="2021-04-23T19:18:48.513" v="989" actId="20577"/>
-          <ac:spMkLst>
-            <pc:docMk/>
-            <pc:sldMk cId="2528755128" sldId="271"/>
-            <ac:spMk id="2" creationId="{00000000-0000-0000-0000-000000000000}"/>
-          </ac:spMkLst>
-        </pc:spChg>
-        <pc:spChg chg="mod">
-          <ac:chgData name="Emily Carlow" userId="bb5c094f-4815-4b8e-a348-fc8fb9e78a2c" providerId="ADAL" clId="{BED82364-A664-4568-A1AE-D5F50239BA76}" dt="2021-04-23T19:20:06.991" v="1069" actId="20577"/>
-          <ac:spMkLst>
-            <pc:docMk/>
-            <pc:sldMk cId="2528755128" sldId="271"/>
-            <ac:spMk id="3" creationId="{17F4F961-8ACA-4E2C-A444-8150EECC4DFB}"/>
-          </ac:spMkLst>
-        </pc:spChg>
-      </pc:sldChg>
-      <pc:sldChg chg="addSp delSp modSp mod">
-        <pc:chgData name="Emily Carlow" userId="bb5c094f-4815-4b8e-a348-fc8fb9e78a2c" providerId="ADAL" clId="{BED82364-A664-4568-A1AE-D5F50239BA76}" dt="2021-04-23T19:21:13.800" v="1082" actId="20577"/>
-        <pc:sldMkLst>
-          <pc:docMk/>
-          <pc:sldMk cId="4024084921" sldId="272"/>
-        </pc:sldMkLst>
-        <pc:spChg chg="mod">
-          <ac:chgData name="Emily Carlow" userId="bb5c094f-4815-4b8e-a348-fc8fb9e78a2c" providerId="ADAL" clId="{BED82364-A664-4568-A1AE-D5F50239BA76}" dt="2021-04-23T19:19:32.584" v="1065" actId="20577"/>
-          <ac:spMkLst>
-            <pc:docMk/>
-            <pc:sldMk cId="4024084921" sldId="272"/>
-            <ac:spMk id="2" creationId="{00000000-0000-0000-0000-000000000000}"/>
-          </ac:spMkLst>
-        </pc:spChg>
-        <pc:spChg chg="add del mod">
-          <ac:chgData name="Emily Carlow" userId="bb5c094f-4815-4b8e-a348-fc8fb9e78a2c" providerId="ADAL" clId="{BED82364-A664-4568-A1AE-D5F50239BA76}" dt="2021-04-23T19:17:07.440" v="953" actId="767"/>
-          <ac:spMkLst>
-            <pc:docMk/>
-            <pc:sldMk cId="4024084921" sldId="272"/>
-            <ac:spMk id="4" creationId="{778720AA-CEF5-498A-8CDF-0B984B9B4E3C}"/>
-          </ac:spMkLst>
-        </pc:spChg>
-        <pc:spChg chg="add mod">
-          <ac:chgData name="Emily Carlow" userId="bb5c094f-4815-4b8e-a348-fc8fb9e78a2c" providerId="ADAL" clId="{BED82364-A664-4568-A1AE-D5F50239BA76}" dt="2021-04-23T19:21:13.800" v="1082" actId="20577"/>
-          <ac:spMkLst>
-            <pc:docMk/>
-            <pc:sldMk cId="4024084921" sldId="272"/>
-            <ac:spMk id="6" creationId="{31C99836-6619-4EB5-B2ED-A9B1E7384BBE}"/>
-          </ac:spMkLst>
-        </pc:spChg>
-        <pc:graphicFrameChg chg="del">
-          <ac:chgData name="Emily Carlow" userId="bb5c094f-4815-4b8e-a348-fc8fb9e78a2c" providerId="ADAL" clId="{BED82364-A664-4568-A1AE-D5F50239BA76}" dt="2021-04-23T19:16:30.246" v="950" actId="478"/>
-          <ac:graphicFrameMkLst>
-            <pc:docMk/>
-            <pc:sldMk cId="4024084921" sldId="272"/>
-            <ac:graphicFrameMk id="5" creationId="{F7963100-83F3-4825-A473-005AC1740D51}"/>
-          </ac:graphicFrameMkLst>
-        </pc:graphicFrameChg>
-        <pc:graphicFrameChg chg="del">
-          <ac:chgData name="Emily Carlow" userId="bb5c094f-4815-4b8e-a348-fc8fb9e78a2c" providerId="ADAL" clId="{BED82364-A664-4568-A1AE-D5F50239BA76}" dt="2021-04-23T19:16:35.380" v="951" actId="478"/>
-          <ac:graphicFrameMkLst>
-            <pc:docMk/>
-            <pc:sldMk cId="4024084921" sldId="272"/>
-            <ac:graphicFrameMk id="7" creationId="{A6724FFA-73F2-4731-B5C9-5E254B003D30}"/>
-          </ac:graphicFrameMkLst>
-        </pc:graphicFrameChg>
-      </pc:sldChg>
-      <pc:sldChg chg="addSp delSp modSp mod">
-        <pc:chgData name="Emily Carlow" userId="bb5c094f-4815-4b8e-a348-fc8fb9e78a2c" providerId="ADAL" clId="{BED82364-A664-4568-A1AE-D5F50239BA76}" dt="2021-04-23T19:54:19.900" v="1325" actId="14100"/>
-        <pc:sldMkLst>
-          <pc:docMk/>
-          <pc:sldMk cId="2682829407" sldId="273"/>
-        </pc:sldMkLst>
-        <pc:spChg chg="mod">
-          <ac:chgData name="Emily Carlow" userId="bb5c094f-4815-4b8e-a348-fc8fb9e78a2c" providerId="ADAL" clId="{BED82364-A664-4568-A1AE-D5F50239BA76}" dt="2021-04-23T19:53:35.888" v="1316" actId="20577"/>
-          <ac:spMkLst>
-            <pc:docMk/>
-            <pc:sldMk cId="2682829407" sldId="273"/>
-            <ac:spMk id="2" creationId="{00000000-0000-0000-0000-000000000000}"/>
-          </ac:spMkLst>
-        </pc:spChg>
-        <pc:spChg chg="del mod">
-          <ac:chgData name="Emily Carlow" userId="bb5c094f-4815-4b8e-a348-fc8fb9e78a2c" providerId="ADAL" clId="{BED82364-A664-4568-A1AE-D5F50239BA76}" dt="2021-04-23T19:53:38.748" v="1318"/>
-          <ac:spMkLst>
-            <pc:docMk/>
-            <pc:sldMk cId="2682829407" sldId="273"/>
-            <ac:spMk id="3" creationId="{0BC41A26-87E9-4C1B-A52D-982E24596471}"/>
-          </ac:spMkLst>
-        </pc:spChg>
-        <pc:picChg chg="add mod">
-          <ac:chgData name="Emily Carlow" userId="bb5c094f-4815-4b8e-a348-fc8fb9e78a2c" providerId="ADAL" clId="{BED82364-A664-4568-A1AE-D5F50239BA76}" dt="2021-04-23T19:54:19.900" v="1325" actId="14100"/>
-          <ac:picMkLst>
-            <pc:docMk/>
-            <pc:sldMk cId="2682829407" sldId="273"/>
-            <ac:picMk id="6" creationId="{5A6DA704-C48C-4041-B089-6333932EAF5F}"/>
-          </ac:picMkLst>
-        </pc:picChg>
-      </pc:sldChg>
-      <pc:sldChg chg="modSp mod">
-        <pc:chgData name="Emily Carlow" userId="bb5c094f-4815-4b8e-a348-fc8fb9e78a2c" providerId="ADAL" clId="{BED82364-A664-4568-A1AE-D5F50239BA76}" dt="2021-04-23T19:29:07.308" v="1103" actId="20577"/>
-        <pc:sldMkLst>
-          <pc:docMk/>
-          <pc:sldMk cId="282399625" sldId="274"/>
-        </pc:sldMkLst>
-        <pc:spChg chg="mod">
-          <ac:chgData name="Emily Carlow" userId="bb5c094f-4815-4b8e-a348-fc8fb9e78a2c" providerId="ADAL" clId="{BED82364-A664-4568-A1AE-D5F50239BA76}" dt="2021-04-23T19:29:07.308" v="1103" actId="20577"/>
-          <ac:spMkLst>
-            <pc:docMk/>
-            <pc:sldMk cId="282399625" sldId="274"/>
-            <ac:spMk id="2" creationId="{00000000-0000-0000-0000-000000000000}"/>
-          </ac:spMkLst>
-        </pc:spChg>
-      </pc:sldChg>
-      <pc:sldChg chg="modSp mod">
-        <pc:chgData name="Emily Carlow" userId="bb5c094f-4815-4b8e-a348-fc8fb9e78a2c" providerId="ADAL" clId="{BED82364-A664-4568-A1AE-D5F50239BA76}" dt="2021-04-23T19:08:39.529" v="871" actId="313"/>
-        <pc:sldMkLst>
-          <pc:docMk/>
-          <pc:sldMk cId="2164231458" sldId="275"/>
-        </pc:sldMkLst>
-        <pc:spChg chg="mod">
-          <ac:chgData name="Emily Carlow" userId="bb5c094f-4815-4b8e-a348-fc8fb9e78a2c" providerId="ADAL" clId="{BED82364-A664-4568-A1AE-D5F50239BA76}" dt="2021-04-23T19:08:39.529" v="871" actId="313"/>
-          <ac:spMkLst>
-            <pc:docMk/>
-            <pc:sldMk cId="2164231458" sldId="275"/>
-            <ac:spMk id="5" creationId="{B7729788-EDA3-49B2-8B56-03671CD73C7E}"/>
-          </ac:spMkLst>
-        </pc:spChg>
-      </pc:sldChg>
-      <pc:sldChg chg="addSp delSp modSp mod">
-        <pc:chgData name="Emily Carlow" userId="bb5c094f-4815-4b8e-a348-fc8fb9e78a2c" providerId="ADAL" clId="{BED82364-A664-4568-A1AE-D5F50239BA76}" dt="2021-04-23T19:49:32.056" v="1240" actId="20577"/>
-        <pc:sldMkLst>
-          <pc:docMk/>
-          <pc:sldMk cId="2089004303" sldId="276"/>
-        </pc:sldMkLst>
-        <pc:spChg chg="mod">
-          <ac:chgData name="Emily Carlow" userId="bb5c094f-4815-4b8e-a348-fc8fb9e78a2c" providerId="ADAL" clId="{BED82364-A664-4568-A1AE-D5F50239BA76}" dt="2021-04-23T19:49:32.056" v="1240" actId="20577"/>
-          <ac:spMkLst>
-            <pc:docMk/>
-            <pc:sldMk cId="2089004303" sldId="276"/>
-            <ac:spMk id="2" creationId="{00000000-0000-0000-0000-000000000000}"/>
-          </ac:spMkLst>
-        </pc:spChg>
-        <pc:picChg chg="del">
-          <ac:chgData name="Emily Carlow" userId="bb5c094f-4815-4b8e-a348-fc8fb9e78a2c" providerId="ADAL" clId="{BED82364-A664-4568-A1AE-D5F50239BA76}" dt="2021-04-23T19:46:34.972" v="1194" actId="478"/>
-          <ac:picMkLst>
-            <pc:docMk/>
-            <pc:sldMk cId="2089004303" sldId="276"/>
-            <ac:picMk id="5" creationId="{ECB2D493-0FDB-48AF-9683-998A73869A24}"/>
-          </ac:picMkLst>
-        </pc:picChg>
-        <pc:picChg chg="add mod">
-          <ac:chgData name="Emily Carlow" userId="bb5c094f-4815-4b8e-a348-fc8fb9e78a2c" providerId="ADAL" clId="{BED82364-A664-4568-A1AE-D5F50239BA76}" dt="2021-04-23T19:49:16.181" v="1224" actId="1076"/>
-          <ac:picMkLst>
-            <pc:docMk/>
-            <pc:sldMk cId="2089004303" sldId="276"/>
-            <ac:picMk id="7" creationId="{74D20F2F-B45F-4D66-8218-E02F49333A39}"/>
-          </ac:picMkLst>
-        </pc:picChg>
-      </pc:sldChg>
-      <pc:sldChg chg="addSp delSp modSp mod">
-        <pc:chgData name="Emily Carlow" userId="bb5c094f-4815-4b8e-a348-fc8fb9e78a2c" providerId="ADAL" clId="{BED82364-A664-4568-A1AE-D5F50239BA76}" dt="2021-04-23T19:49:51.287" v="1265" actId="20577"/>
-        <pc:sldMkLst>
-          <pc:docMk/>
-          <pc:sldMk cId="1191759795" sldId="277"/>
-        </pc:sldMkLst>
-        <pc:spChg chg="mod">
-          <ac:chgData name="Emily Carlow" userId="bb5c094f-4815-4b8e-a348-fc8fb9e78a2c" providerId="ADAL" clId="{BED82364-A664-4568-A1AE-D5F50239BA76}" dt="2021-04-23T19:49:51.287" v="1265" actId="20577"/>
-          <ac:spMkLst>
-            <pc:docMk/>
-            <pc:sldMk cId="1191759795" sldId="277"/>
-            <ac:spMk id="2" creationId="{00000000-0000-0000-0000-000000000000}"/>
-          </ac:spMkLst>
-        </pc:spChg>
-        <pc:spChg chg="mod">
-          <ac:chgData name="Emily Carlow" userId="bb5c094f-4815-4b8e-a348-fc8fb9e78a2c" providerId="ADAL" clId="{BED82364-A664-4568-A1AE-D5F50239BA76}" dt="2021-04-23T19:37:55.200" v="1182" actId="1076"/>
-          <ac:spMkLst>
-            <pc:docMk/>
-            <pc:sldMk cId="1191759795" sldId="277"/>
-            <ac:spMk id="3" creationId="{629BD0FC-F0AC-44DF-A144-925A89056A36}"/>
-          </ac:spMkLst>
-        </pc:spChg>
-        <pc:picChg chg="add del mod">
-          <ac:chgData name="Emily Carlow" userId="bb5c094f-4815-4b8e-a348-fc8fb9e78a2c" providerId="ADAL" clId="{BED82364-A664-4568-A1AE-D5F50239BA76}" dt="2021-04-23T19:38:30.237" v="1186" actId="478"/>
-          <ac:picMkLst>
-            <pc:docMk/>
-            <pc:sldMk cId="1191759795" sldId="277"/>
-            <ac:picMk id="6" creationId="{E8CD67AB-6F68-489B-9C2F-8AD76258BDFD}"/>
-          </ac:picMkLst>
-        </pc:picChg>
-        <pc:picChg chg="add del mod">
-          <ac:chgData name="Emily Carlow" userId="bb5c094f-4815-4b8e-a348-fc8fb9e78a2c" providerId="ADAL" clId="{BED82364-A664-4568-A1AE-D5F50239BA76}" dt="2021-04-23T19:46:15.006" v="1190" actId="478"/>
-          <ac:picMkLst>
-            <pc:docMk/>
-            <pc:sldMk cId="1191759795" sldId="277"/>
-            <ac:picMk id="7" creationId="{8B485A5E-29D2-4178-92B7-32BE5BADA48F}"/>
-          </ac:picMkLst>
-        </pc:picChg>
-        <pc:picChg chg="del">
-          <ac:chgData name="Emily Carlow" userId="bb5c094f-4815-4b8e-a348-fc8fb9e78a2c" providerId="ADAL" clId="{BED82364-A664-4568-A1AE-D5F50239BA76}" dt="2021-04-23T19:37:30.040" v="1156" actId="21"/>
-          <ac:picMkLst>
-            <pc:docMk/>
-            <pc:sldMk cId="1191759795" sldId="277"/>
-            <ac:picMk id="9" creationId="{D869B9C3-427D-466F-A403-659B5AAC7DDE}"/>
-          </ac:picMkLst>
-        </pc:picChg>
-        <pc:picChg chg="add mod">
-          <ac:chgData name="Emily Carlow" userId="bb5c094f-4815-4b8e-a348-fc8fb9e78a2c" providerId="ADAL" clId="{BED82364-A664-4568-A1AE-D5F50239BA76}" dt="2021-04-23T19:46:26.514" v="1193" actId="1076"/>
-          <ac:picMkLst>
-            <pc:docMk/>
-            <pc:sldMk cId="1191759795" sldId="277"/>
-            <ac:picMk id="10" creationId="{A1C4FA63-631E-4B53-BA77-F1983449E409}"/>
-          </ac:picMkLst>
-        </pc:picChg>
-      </pc:sldChg>
-      <pc:sldChg chg="addSp delSp modSp mod">
-        <pc:chgData name="Emily Carlow" userId="bb5c094f-4815-4b8e-a348-fc8fb9e78a2c" providerId="ADAL" clId="{BED82364-A664-4568-A1AE-D5F50239BA76}" dt="2021-04-23T19:37:14.928" v="1155" actId="1076"/>
-        <pc:sldMkLst>
-          <pc:docMk/>
-          <pc:sldMk cId="197608093" sldId="278"/>
-        </pc:sldMkLst>
-        <pc:spChg chg="mod">
-          <ac:chgData name="Emily Carlow" userId="bb5c094f-4815-4b8e-a348-fc8fb9e78a2c" providerId="ADAL" clId="{BED82364-A664-4568-A1AE-D5F50239BA76}" dt="2021-04-23T19:30:29.448" v="1131" actId="20577"/>
-          <ac:spMkLst>
-            <pc:docMk/>
-            <pc:sldMk cId="197608093" sldId="278"/>
-            <ac:spMk id="2" creationId="{00000000-0000-0000-0000-000000000000}"/>
-          </ac:spMkLst>
-        </pc:spChg>
-        <pc:graphicFrameChg chg="del">
-          <ac:chgData name="Emily Carlow" userId="bb5c094f-4815-4b8e-a348-fc8fb9e78a2c" providerId="ADAL" clId="{BED82364-A664-4568-A1AE-D5F50239BA76}" dt="2021-04-23T19:30:21.083" v="1106" actId="478"/>
-          <ac:graphicFrameMkLst>
-            <pc:docMk/>
-            <pc:sldMk cId="197608093" sldId="278"/>
-            <ac:graphicFrameMk id="7" creationId="{A6724FFA-73F2-4731-B5C9-5E254B003D30}"/>
-          </ac:graphicFrameMkLst>
-        </pc:graphicFrameChg>
-        <pc:picChg chg="add del mod">
-          <ac:chgData name="Emily Carlow" userId="bb5c094f-4815-4b8e-a348-fc8fb9e78a2c" providerId="ADAL" clId="{BED82364-A664-4568-A1AE-D5F50239BA76}" dt="2021-04-23T19:34:07.172" v="1137" actId="478"/>
-          <ac:picMkLst>
-            <pc:docMk/>
-            <pc:sldMk cId="197608093" sldId="278"/>
-            <ac:picMk id="5" creationId="{F948F525-BF93-4CA5-B1F9-99105A9FC9BA}"/>
-          </ac:picMkLst>
-        </pc:picChg>
-        <pc:picChg chg="add del mod">
-          <ac:chgData name="Emily Carlow" userId="bb5c094f-4815-4b8e-a348-fc8fb9e78a2c" providerId="ADAL" clId="{BED82364-A664-4568-A1AE-D5F50239BA76}" dt="2021-04-23T19:35:11.500" v="1144" actId="21"/>
-          <ac:picMkLst>
-            <pc:docMk/>
-            <pc:sldMk cId="197608093" sldId="278"/>
-            <ac:picMk id="6" creationId="{DD3A46DD-711E-4F8D-B29F-81877636624C}"/>
-          </ac:picMkLst>
-        </pc:picChg>
-        <pc:picChg chg="add del mod">
-          <ac:chgData name="Emily Carlow" userId="bb5c094f-4815-4b8e-a348-fc8fb9e78a2c" providerId="ADAL" clId="{BED82364-A664-4568-A1AE-D5F50239BA76}" dt="2021-04-23T19:36:55.866" v="1150" actId="478"/>
-          <ac:picMkLst>
-            <pc:docMk/>
-            <pc:sldMk cId="197608093" sldId="278"/>
-            <ac:picMk id="8" creationId="{A1E81085-67D8-4F59-AE16-105630FDBA39}"/>
-          </ac:picMkLst>
-        </pc:picChg>
-        <pc:picChg chg="add mod">
-          <ac:chgData name="Emily Carlow" userId="bb5c094f-4815-4b8e-a348-fc8fb9e78a2c" providerId="ADAL" clId="{BED82364-A664-4568-A1AE-D5F50239BA76}" dt="2021-04-23T19:37:14.928" v="1155" actId="1076"/>
-          <ac:picMkLst>
-            <pc:docMk/>
-            <pc:sldMk cId="197608093" sldId="278"/>
-            <ac:picMk id="10" creationId="{875E4A3A-8C9E-4279-95DB-F6D6FF457F5C}"/>
-          </ac:picMkLst>
-        </pc:picChg>
-      </pc:sldChg>
-      <pc:sldChg chg="modSp mod">
-        <pc:chgData name="Emily Carlow" userId="bb5c094f-4815-4b8e-a348-fc8fb9e78a2c" providerId="ADAL" clId="{BED82364-A664-4568-A1AE-D5F50239BA76}" dt="2021-04-23T19:20:40.013" v="1074" actId="20577"/>
-        <pc:sldMkLst>
-          <pc:docMk/>
-          <pc:sldMk cId="3460058106" sldId="279"/>
-        </pc:sldMkLst>
-        <pc:spChg chg="mod">
-          <ac:chgData name="Emily Carlow" userId="bb5c094f-4815-4b8e-a348-fc8fb9e78a2c" providerId="ADAL" clId="{BED82364-A664-4568-A1AE-D5F50239BA76}" dt="2021-04-23T19:19:00.560" v="1007" actId="20577"/>
-          <ac:spMkLst>
-            <pc:docMk/>
-            <pc:sldMk cId="3460058106" sldId="279"/>
-            <ac:spMk id="2" creationId="{00000000-0000-0000-0000-000000000000}"/>
-          </ac:spMkLst>
-        </pc:spChg>
-        <pc:spChg chg="mod">
-          <ac:chgData name="Emily Carlow" userId="bb5c094f-4815-4b8e-a348-fc8fb9e78a2c" providerId="ADAL" clId="{BED82364-A664-4568-A1AE-D5F50239BA76}" dt="2021-04-23T19:20:40.013" v="1074" actId="20577"/>
-          <ac:spMkLst>
-            <pc:docMk/>
-            <pc:sldMk cId="3460058106" sldId="279"/>
-            <ac:spMk id="3" creationId="{17F4F961-8ACA-4E2C-A444-8150EECC4DFB}"/>
-          </ac:spMkLst>
-        </pc:spChg>
-      </pc:sldChg>
-      <pc:sldChg chg="modSp new mod">
-        <pc:chgData name="Emily Carlow" userId="bb5c094f-4815-4b8e-a348-fc8fb9e78a2c" providerId="ADAL" clId="{BED82364-A664-4568-A1AE-D5F50239BA76}" dt="2021-04-23T19:29:29.706" v="1105" actId="122"/>
+        <pc:chgData name="Carlow, Emily R" userId="S::ecarl3@unh.newhaven.edu::bb5c094f-4815-4b8e-a348-fc8fb9e78a2c" providerId="AD" clId="Web-{236100E4-D804-4EF3-B8B4-B2C40073F122}" dt="2021-04-25T19:26:19.098" v="7" actId="20577"/>
         <pc:sldMkLst>
           <pc:docMk/>
           <pc:sldMk cId="1179845280" sldId="280"/>
         </pc:sldMkLst>
         <pc:spChg chg="mod">
-          <ac:chgData name="Emily Carlow" userId="bb5c094f-4815-4b8e-a348-fc8fb9e78a2c" providerId="ADAL" clId="{BED82364-A664-4568-A1AE-D5F50239BA76}" dt="2021-04-23T19:29:29.706" v="1105" actId="122"/>
+          <ac:chgData name="Carlow, Emily R" userId="S::ecarl3@unh.newhaven.edu::bb5c094f-4815-4b8e-a348-fc8fb9e78a2c" providerId="AD" clId="Web-{236100E4-D804-4EF3-B8B4-B2C40073F122}" dt="2021-04-25T19:26:19.098" v="7" actId="20577"/>
           <ac:spMkLst>
             <pc:docMk/>
             <pc:sldMk cId="1179845280" sldId="280"/>
-            <ac:spMk id="2" creationId="{CF115AAF-4D07-4F39-91BE-111C793C8062}"/>
+            <ac:spMk id="4" creationId="{4BA15660-0A3D-4EE2-AAC5-E6C9D851AD5C}"/>
           </ac:spMkLst>
         </pc:spChg>
       </pc:sldChg>
-      <pc:sldChg chg="addSp delSp modSp new mod">
-        <pc:chgData name="Emily Carlow" userId="bb5c094f-4815-4b8e-a348-fc8fb9e78a2c" providerId="ADAL" clId="{BED82364-A664-4568-A1AE-D5F50239BA76}" dt="2021-04-25T21:53:12.471" v="2020" actId="208"/>
+      <pc:sldChg chg="modSp">
+        <pc:chgData name="Carlow, Emily R" userId="S::ecarl3@unh.newhaven.edu::bb5c094f-4815-4b8e-a348-fc8fb9e78a2c" providerId="AD" clId="Web-{236100E4-D804-4EF3-B8B4-B2C40073F122}" dt="2021-04-25T19:28:28.509" v="41" actId="20577"/>
         <pc:sldMkLst>
           <pc:docMk/>
           <pc:sldMk cId="1593732696" sldId="281"/>
         </pc:sldMkLst>
         <pc:spChg chg="mod">
-          <ac:chgData name="Emily Carlow" userId="bb5c094f-4815-4b8e-a348-fc8fb9e78a2c" providerId="ADAL" clId="{BED82364-A664-4568-A1AE-D5F50239BA76}" dt="2021-04-25T21:45:21.876" v="1553" actId="113"/>
+          <ac:chgData name="Carlow, Emily R" userId="S::ecarl3@unh.newhaven.edu::bb5c094f-4815-4b8e-a348-fc8fb9e78a2c" providerId="AD" clId="Web-{236100E4-D804-4EF3-B8B4-B2C40073F122}" dt="2021-04-25T19:28:28.509" v="41" actId="20577"/>
           <ac:spMkLst>
             <pc:docMk/>
             <pc:sldMk cId="1593732696" sldId="281"/>
-            <ac:spMk id="2" creationId="{E003CEDC-D2F0-49D7-AC0C-A2466B8E5E81}"/>
-          </ac:spMkLst>
-        </pc:spChg>
-        <pc:spChg chg="del">
-          <ac:chgData name="Emily Carlow" userId="bb5c094f-4815-4b8e-a348-fc8fb9e78a2c" providerId="ADAL" clId="{BED82364-A664-4568-A1AE-D5F50239BA76}" dt="2021-04-25T21:14:18.065" v="1327"/>
-          <ac:spMkLst>
-            <pc:docMk/>
-            <pc:sldMk cId="1593732696" sldId="281"/>
-            <ac:spMk id="3" creationId="{DB569820-D912-46B4-AAF0-1EEF9B8218EE}"/>
-          </ac:spMkLst>
-        </pc:spChg>
-        <pc:picChg chg="add mod">
-          <ac:chgData name="Emily Carlow" userId="bb5c094f-4815-4b8e-a348-fc8fb9e78a2c" providerId="ADAL" clId="{BED82364-A664-4568-A1AE-D5F50239BA76}" dt="2021-04-25T21:53:05.353" v="2018" actId="208"/>
-          <ac:picMkLst>
-            <pc:docMk/>
-            <pc:sldMk cId="1593732696" sldId="281"/>
-            <ac:picMk id="6" creationId="{06D178FE-B038-4B8D-BE00-C60324F8262C}"/>
-          </ac:picMkLst>
-        </pc:picChg>
-        <pc:picChg chg="add mod">
-          <ac:chgData name="Emily Carlow" userId="bb5c094f-4815-4b8e-a348-fc8fb9e78a2c" providerId="ADAL" clId="{BED82364-A664-4568-A1AE-D5F50239BA76}" dt="2021-04-25T21:53:09.726" v="2019" actId="208"/>
-          <ac:picMkLst>
-            <pc:docMk/>
-            <pc:sldMk cId="1593732696" sldId="281"/>
-            <ac:picMk id="8" creationId="{56C25118-C8C2-46C1-B358-AF68BC4C9CC8}"/>
-          </ac:picMkLst>
-        </pc:picChg>
-        <pc:picChg chg="add mod">
-          <ac:chgData name="Emily Carlow" userId="bb5c094f-4815-4b8e-a348-fc8fb9e78a2c" providerId="ADAL" clId="{BED82364-A664-4568-A1AE-D5F50239BA76}" dt="2021-04-25T21:53:12.471" v="2020" actId="208"/>
-          <ac:picMkLst>
-            <pc:docMk/>
-            <pc:sldMk cId="1593732696" sldId="281"/>
-            <ac:picMk id="10" creationId="{21167DEB-8980-486A-94D4-45806CE20AB4}"/>
-          </ac:picMkLst>
-        </pc:picChg>
-      </pc:sldChg>
-      <pc:sldChg chg="addSp delSp modSp mod">
-        <pc:chgData name="Emily Carlow" userId="bb5c094f-4815-4b8e-a348-fc8fb9e78a2c" providerId="ADAL" clId="{BED82364-A664-4568-A1AE-D5F50239BA76}" dt="2021-04-25T21:53:26.793" v="2023" actId="208"/>
-        <pc:sldMkLst>
-          <pc:docMk/>
-          <pc:sldMk cId="3021861622" sldId="284"/>
-        </pc:sldMkLst>
-        <pc:spChg chg="mod">
-          <ac:chgData name="Emily Carlow" userId="bb5c094f-4815-4b8e-a348-fc8fb9e78a2c" providerId="ADAL" clId="{BED82364-A664-4568-A1AE-D5F50239BA76}" dt="2021-04-25T21:46:07.394" v="1611" actId="113"/>
-          <ac:spMkLst>
-            <pc:docMk/>
-            <pc:sldMk cId="3021861622" sldId="284"/>
-            <ac:spMk id="2" creationId="{998775C5-9AA5-4C9F-8672-A35B621FF713}"/>
-          </ac:spMkLst>
-        </pc:spChg>
-        <pc:spChg chg="del">
-          <ac:chgData name="Emily Carlow" userId="bb5c094f-4815-4b8e-a348-fc8fb9e78a2c" providerId="ADAL" clId="{BED82364-A664-4568-A1AE-D5F50239BA76}" dt="2021-04-25T21:18:02.426" v="1342"/>
-          <ac:spMkLst>
-            <pc:docMk/>
-            <pc:sldMk cId="3021861622" sldId="284"/>
-            <ac:spMk id="3" creationId="{BC320C24-6C8F-41FC-9658-FC38FBBD298C}"/>
-          </ac:spMkLst>
-        </pc:spChg>
-        <pc:picChg chg="add mod">
-          <ac:chgData name="Emily Carlow" userId="bb5c094f-4815-4b8e-a348-fc8fb9e78a2c" providerId="ADAL" clId="{BED82364-A664-4568-A1AE-D5F50239BA76}" dt="2021-04-25T21:53:21.110" v="2021" actId="208"/>
-          <ac:picMkLst>
-            <pc:docMk/>
-            <pc:sldMk cId="3021861622" sldId="284"/>
-            <ac:picMk id="6" creationId="{1F6957B5-5243-440C-BC65-1ED8DBD49C61}"/>
-          </ac:picMkLst>
-        </pc:picChg>
-        <pc:picChg chg="add mod">
-          <ac:chgData name="Emily Carlow" userId="bb5c094f-4815-4b8e-a348-fc8fb9e78a2c" providerId="ADAL" clId="{BED82364-A664-4568-A1AE-D5F50239BA76}" dt="2021-04-25T21:53:26.793" v="2023" actId="208"/>
-          <ac:picMkLst>
-            <pc:docMk/>
-            <pc:sldMk cId="3021861622" sldId="284"/>
-            <ac:picMk id="8" creationId="{420147DC-7B10-4D43-94C2-13EDA354C9E0}"/>
-          </ac:picMkLst>
-        </pc:picChg>
-        <pc:picChg chg="add del mod">
-          <ac:chgData name="Emily Carlow" userId="bb5c094f-4815-4b8e-a348-fc8fb9e78a2c" providerId="ADAL" clId="{BED82364-A664-4568-A1AE-D5F50239BA76}" dt="2021-04-25T21:29:01.797" v="1426" actId="21"/>
-          <ac:picMkLst>
-            <pc:docMk/>
-            <pc:sldMk cId="3021861622" sldId="284"/>
-            <ac:picMk id="10" creationId="{333F1A78-CDB1-472D-88E6-39558C3089AF}"/>
-          </ac:picMkLst>
-        </pc:picChg>
-        <pc:picChg chg="add mod">
-          <ac:chgData name="Emily Carlow" userId="bb5c094f-4815-4b8e-a348-fc8fb9e78a2c" providerId="ADAL" clId="{BED82364-A664-4568-A1AE-D5F50239BA76}" dt="2021-04-25T21:53:23.570" v="2022" actId="208"/>
-          <ac:picMkLst>
-            <pc:docMk/>
-            <pc:sldMk cId="3021861622" sldId="284"/>
-            <ac:picMk id="12" creationId="{D99DF7C3-65ED-4E85-80E9-9EFDCC7E4876}"/>
-          </ac:picMkLst>
-        </pc:picChg>
-      </pc:sldChg>
-      <pc:sldChg chg="addSp delSp modSp mod">
-        <pc:chgData name="Emily Carlow" userId="bb5c094f-4815-4b8e-a348-fc8fb9e78a2c" providerId="ADAL" clId="{BED82364-A664-4568-A1AE-D5F50239BA76}" dt="2021-04-25T22:00:42.161" v="2060" actId="122"/>
-        <pc:sldMkLst>
-          <pc:docMk/>
-          <pc:sldMk cId="3573308736" sldId="285"/>
-        </pc:sldMkLst>
-        <pc:spChg chg="mod">
-          <ac:chgData name="Emily Carlow" userId="bb5c094f-4815-4b8e-a348-fc8fb9e78a2c" providerId="ADAL" clId="{BED82364-A664-4568-A1AE-D5F50239BA76}" dt="2021-04-25T22:00:42.161" v="2060" actId="122"/>
-          <ac:spMkLst>
-            <pc:docMk/>
-            <pc:sldMk cId="3573308736" sldId="285"/>
-            <ac:spMk id="2" creationId="{F091B9D3-398A-4CBF-8F23-2D58D80D0582}"/>
-          </ac:spMkLst>
-        </pc:spChg>
-        <pc:spChg chg="del">
-          <ac:chgData name="Emily Carlow" userId="bb5c094f-4815-4b8e-a348-fc8fb9e78a2c" providerId="ADAL" clId="{BED82364-A664-4568-A1AE-D5F50239BA76}" dt="2021-04-25T21:19:23.607" v="1356"/>
-          <ac:spMkLst>
-            <pc:docMk/>
-            <pc:sldMk cId="3573308736" sldId="285"/>
-            <ac:spMk id="3" creationId="{A4CC0A17-918C-4EB9-877E-2004FC2DA655}"/>
-          </ac:spMkLst>
-        </pc:spChg>
-        <pc:picChg chg="add mod">
-          <ac:chgData name="Emily Carlow" userId="bb5c094f-4815-4b8e-a348-fc8fb9e78a2c" providerId="ADAL" clId="{BED82364-A664-4568-A1AE-D5F50239BA76}" dt="2021-04-25T21:53:34.803" v="2025" actId="208"/>
-          <ac:picMkLst>
-            <pc:docMk/>
-            <pc:sldMk cId="3573308736" sldId="285"/>
-            <ac:picMk id="6" creationId="{19B35369-AF97-4F33-8B6D-E78B95595001}"/>
-          </ac:picMkLst>
-        </pc:picChg>
-        <pc:picChg chg="add mod">
-          <ac:chgData name="Emily Carlow" userId="bb5c094f-4815-4b8e-a348-fc8fb9e78a2c" providerId="ADAL" clId="{BED82364-A664-4568-A1AE-D5F50239BA76}" dt="2021-04-25T21:53:37.141" v="2026" actId="208"/>
-          <ac:picMkLst>
-            <pc:docMk/>
-            <pc:sldMk cId="3573308736" sldId="285"/>
-            <ac:picMk id="8" creationId="{4A3C218D-8A2C-4C7A-A63C-85839C7D4444}"/>
-          </ac:picMkLst>
-        </pc:picChg>
-        <pc:picChg chg="add del mod">
-          <ac:chgData name="Emily Carlow" userId="bb5c094f-4815-4b8e-a348-fc8fb9e78a2c" providerId="ADAL" clId="{BED82364-A664-4568-A1AE-D5F50239BA76}" dt="2021-04-25T21:28:20.843" v="1418" actId="21"/>
-          <ac:picMkLst>
-            <pc:docMk/>
-            <pc:sldMk cId="3573308736" sldId="285"/>
-            <ac:picMk id="10" creationId="{B10B2E6D-8161-43B9-B14D-683E77911FD5}"/>
-          </ac:picMkLst>
-        </pc:picChg>
-        <pc:picChg chg="add mod">
-          <ac:chgData name="Emily Carlow" userId="bb5c094f-4815-4b8e-a348-fc8fb9e78a2c" providerId="ADAL" clId="{BED82364-A664-4568-A1AE-D5F50239BA76}" dt="2021-04-25T21:53:32.486" v="2024" actId="208"/>
-          <ac:picMkLst>
-            <pc:docMk/>
-            <pc:sldMk cId="3573308736" sldId="285"/>
-            <ac:picMk id="12" creationId="{863A51B8-0984-490E-9B4E-97F308DEFC58}"/>
-          </ac:picMkLst>
-        </pc:picChg>
-      </pc:sldChg>
-      <pc:sldChg chg="addSp delSp modSp mod">
-        <pc:chgData name="Emily Carlow" userId="bb5c094f-4815-4b8e-a348-fc8fb9e78a2c" providerId="ADAL" clId="{BED82364-A664-4568-A1AE-D5F50239BA76}" dt="2021-04-25T22:00:49.846" v="2061" actId="122"/>
-        <pc:sldMkLst>
-          <pc:docMk/>
-          <pc:sldMk cId="2700944323" sldId="286"/>
-        </pc:sldMkLst>
-        <pc:spChg chg="mod">
-          <ac:chgData name="Emily Carlow" userId="bb5c094f-4815-4b8e-a348-fc8fb9e78a2c" providerId="ADAL" clId="{BED82364-A664-4568-A1AE-D5F50239BA76}" dt="2021-04-25T22:00:49.846" v="2061" actId="122"/>
-          <ac:spMkLst>
-            <pc:docMk/>
-            <pc:sldMk cId="2700944323" sldId="286"/>
-            <ac:spMk id="2" creationId="{6A072D96-A22E-4D61-8630-6370AD8F914C}"/>
-          </ac:spMkLst>
-        </pc:spChg>
-        <pc:spChg chg="del">
-          <ac:chgData name="Emily Carlow" userId="bb5c094f-4815-4b8e-a348-fc8fb9e78a2c" providerId="ADAL" clId="{BED82364-A664-4568-A1AE-D5F50239BA76}" dt="2021-04-25T21:22:37.701" v="1377"/>
-          <ac:spMkLst>
-            <pc:docMk/>
-            <pc:sldMk cId="2700944323" sldId="286"/>
-            <ac:spMk id="3" creationId="{7FF03339-43F9-4E29-A40B-5E8C54FCFF0C}"/>
-          </ac:spMkLst>
-        </pc:spChg>
-        <pc:picChg chg="add mod">
-          <ac:chgData name="Emily Carlow" userId="bb5c094f-4815-4b8e-a348-fc8fb9e78a2c" providerId="ADAL" clId="{BED82364-A664-4568-A1AE-D5F50239BA76}" dt="2021-04-25T21:53:48.593" v="2028" actId="208"/>
-          <ac:picMkLst>
-            <pc:docMk/>
-            <pc:sldMk cId="2700944323" sldId="286"/>
-            <ac:picMk id="6" creationId="{5A6D4244-6FFE-4B32-B1C0-D3ECAC39C871}"/>
-          </ac:picMkLst>
-        </pc:picChg>
-        <pc:picChg chg="add del mod">
-          <ac:chgData name="Emily Carlow" userId="bb5c094f-4815-4b8e-a348-fc8fb9e78a2c" providerId="ADAL" clId="{BED82364-A664-4568-A1AE-D5F50239BA76}" dt="2021-04-25T21:37:13.787" v="1488" actId="21"/>
-          <ac:picMkLst>
-            <pc:docMk/>
-            <pc:sldMk cId="2700944323" sldId="286"/>
-            <ac:picMk id="8" creationId="{67A9D8C2-A2E5-40E8-8864-58095C0D94F5}"/>
-          </ac:picMkLst>
-        </pc:picChg>
-        <pc:picChg chg="add mod">
-          <ac:chgData name="Emily Carlow" userId="bb5c094f-4815-4b8e-a348-fc8fb9e78a2c" providerId="ADAL" clId="{BED82364-A664-4568-A1AE-D5F50239BA76}" dt="2021-04-25T21:53:46.385" v="2027" actId="208"/>
-          <ac:picMkLst>
-            <pc:docMk/>
-            <pc:sldMk cId="2700944323" sldId="286"/>
-            <ac:picMk id="10" creationId="{2747FD32-1ECA-4AEB-90BA-8BFEBD4B039B}"/>
-          </ac:picMkLst>
-        </pc:picChg>
-      </pc:sldChg>
-      <pc:sldChg chg="addSp delSp modSp mod">
-        <pc:chgData name="Emily Carlow" userId="bb5c094f-4815-4b8e-a348-fc8fb9e78a2c" providerId="ADAL" clId="{BED82364-A664-4568-A1AE-D5F50239BA76}" dt="2021-04-25T22:00:58.928" v="2063" actId="122"/>
-        <pc:sldMkLst>
-          <pc:docMk/>
-          <pc:sldMk cId="1961738167" sldId="287"/>
-        </pc:sldMkLst>
-        <pc:spChg chg="mod">
-          <ac:chgData name="Emily Carlow" userId="bb5c094f-4815-4b8e-a348-fc8fb9e78a2c" providerId="ADAL" clId="{BED82364-A664-4568-A1AE-D5F50239BA76}" dt="2021-04-25T22:00:58.928" v="2063" actId="122"/>
-          <ac:spMkLst>
-            <pc:docMk/>
-            <pc:sldMk cId="1961738167" sldId="287"/>
-            <ac:spMk id="2" creationId="{CDD8454F-1BA4-4D22-8CB0-15921309D9D0}"/>
-          </ac:spMkLst>
-        </pc:spChg>
-        <pc:spChg chg="del">
-          <ac:chgData name="Emily Carlow" userId="bb5c094f-4815-4b8e-a348-fc8fb9e78a2c" providerId="ADAL" clId="{BED82364-A664-4568-A1AE-D5F50239BA76}" dt="2021-04-25T21:24:45.138" v="1389"/>
-          <ac:spMkLst>
-            <pc:docMk/>
-            <pc:sldMk cId="1961738167" sldId="287"/>
-            <ac:spMk id="3" creationId="{6DA60F21-B3B5-41C7-9021-2CE8B8F92B10}"/>
-          </ac:spMkLst>
-        </pc:spChg>
-        <pc:picChg chg="add mod">
-          <ac:chgData name="Emily Carlow" userId="bb5c094f-4815-4b8e-a348-fc8fb9e78a2c" providerId="ADAL" clId="{BED82364-A664-4568-A1AE-D5F50239BA76}" dt="2021-04-25T21:54:02.630" v="2031" actId="208"/>
-          <ac:picMkLst>
-            <pc:docMk/>
-            <pc:sldMk cId="1961738167" sldId="287"/>
-            <ac:picMk id="6" creationId="{C646F734-EF59-4014-AEDC-EA015651F133}"/>
-          </ac:picMkLst>
-        </pc:picChg>
-      </pc:sldChg>
-      <pc:sldChg chg="addSp delSp modSp mod">
-        <pc:chgData name="Emily Carlow" userId="bb5c094f-4815-4b8e-a348-fc8fb9e78a2c" providerId="ADAL" clId="{BED82364-A664-4568-A1AE-D5F50239BA76}" dt="2021-04-25T22:01:02.826" v="2064" actId="122"/>
-        <pc:sldMkLst>
-          <pc:docMk/>
-          <pc:sldMk cId="2452216149" sldId="288"/>
-        </pc:sldMkLst>
-        <pc:spChg chg="mod">
-          <ac:chgData name="Emily Carlow" userId="bb5c094f-4815-4b8e-a348-fc8fb9e78a2c" providerId="ADAL" clId="{BED82364-A664-4568-A1AE-D5F50239BA76}" dt="2021-04-25T22:01:02.826" v="2064" actId="122"/>
-          <ac:spMkLst>
-            <pc:docMk/>
-            <pc:sldMk cId="2452216149" sldId="288"/>
-            <ac:spMk id="2" creationId="{84138CB8-D939-45A8-9B15-75B6F08453A4}"/>
-          </ac:spMkLst>
-        </pc:spChg>
-        <pc:spChg chg="del">
-          <ac:chgData name="Emily Carlow" userId="bb5c094f-4815-4b8e-a348-fc8fb9e78a2c" providerId="ADAL" clId="{BED82364-A664-4568-A1AE-D5F50239BA76}" dt="2021-04-25T21:25:17.119" v="1392"/>
-          <ac:spMkLst>
-            <pc:docMk/>
-            <pc:sldMk cId="2452216149" sldId="288"/>
-            <ac:spMk id="3" creationId="{9364F5A5-3CD5-486E-AD7C-CAA9F0EAED8B}"/>
-          </ac:spMkLst>
-        </pc:spChg>
-        <pc:picChg chg="add mod">
-          <ac:chgData name="Emily Carlow" userId="bb5c094f-4815-4b8e-a348-fc8fb9e78a2c" providerId="ADAL" clId="{BED82364-A664-4568-A1AE-D5F50239BA76}" dt="2021-04-25T21:54:08.189" v="2032" actId="208"/>
-          <ac:picMkLst>
-            <pc:docMk/>
-            <pc:sldMk cId="2452216149" sldId="288"/>
-            <ac:picMk id="6" creationId="{4405882F-C4C4-4974-97CF-602AD6F001FF}"/>
-          </ac:picMkLst>
-        </pc:picChg>
-      </pc:sldChg>
-      <pc:sldChg chg="addSp delSp modSp mod">
-        <pc:chgData name="Emily Carlow" userId="bb5c094f-4815-4b8e-a348-fc8fb9e78a2c" providerId="ADAL" clId="{BED82364-A664-4568-A1AE-D5F50239BA76}" dt="2021-04-25T22:01:08.549" v="2065" actId="122"/>
-        <pc:sldMkLst>
-          <pc:docMk/>
-          <pc:sldMk cId="270580670" sldId="289"/>
-        </pc:sldMkLst>
-        <pc:spChg chg="mod">
-          <ac:chgData name="Emily Carlow" userId="bb5c094f-4815-4b8e-a348-fc8fb9e78a2c" providerId="ADAL" clId="{BED82364-A664-4568-A1AE-D5F50239BA76}" dt="2021-04-25T22:01:08.549" v="2065" actId="122"/>
-          <ac:spMkLst>
-            <pc:docMk/>
-            <pc:sldMk cId="270580670" sldId="289"/>
-            <ac:spMk id="2" creationId="{4EFFE6E9-3E84-4EE1-B00E-CCA393AFAAE4}"/>
-          </ac:spMkLst>
-        </pc:spChg>
-        <pc:spChg chg="del">
-          <ac:chgData name="Emily Carlow" userId="bb5c094f-4815-4b8e-a348-fc8fb9e78a2c" providerId="ADAL" clId="{BED82364-A664-4568-A1AE-D5F50239BA76}" dt="2021-04-25T21:25:27.221" v="1395"/>
-          <ac:spMkLst>
-            <pc:docMk/>
-            <pc:sldMk cId="270580670" sldId="289"/>
-            <ac:spMk id="3" creationId="{6025D1C1-C2AA-4350-B9E0-922764108B63}"/>
-          </ac:spMkLst>
-        </pc:spChg>
-        <pc:picChg chg="add mod">
-          <ac:chgData name="Emily Carlow" userId="bb5c094f-4815-4b8e-a348-fc8fb9e78a2c" providerId="ADAL" clId="{BED82364-A664-4568-A1AE-D5F50239BA76}" dt="2021-04-25T21:54:12.607" v="2033" actId="208"/>
-          <ac:picMkLst>
-            <pc:docMk/>
-            <pc:sldMk cId="270580670" sldId="289"/>
-            <ac:picMk id="6" creationId="{5E57BEFD-9299-4933-9CF3-E4A0DE26F976}"/>
-          </ac:picMkLst>
-        </pc:picChg>
-      </pc:sldChg>
-      <pc:sldChg chg="addSp delSp modSp mod">
-        <pc:chgData name="Emily Carlow" userId="bb5c094f-4815-4b8e-a348-fc8fb9e78a2c" providerId="ADAL" clId="{BED82364-A664-4568-A1AE-D5F50239BA76}" dt="2021-04-25T22:01:17.712" v="2066" actId="122"/>
-        <pc:sldMkLst>
-          <pc:docMk/>
-          <pc:sldMk cId="3593942489" sldId="290"/>
-        </pc:sldMkLst>
-        <pc:spChg chg="mod">
-          <ac:chgData name="Emily Carlow" userId="bb5c094f-4815-4b8e-a348-fc8fb9e78a2c" providerId="ADAL" clId="{BED82364-A664-4568-A1AE-D5F50239BA76}" dt="2021-04-25T22:01:17.712" v="2066" actId="122"/>
-          <ac:spMkLst>
-            <pc:docMk/>
-            <pc:sldMk cId="3593942489" sldId="290"/>
-            <ac:spMk id="2" creationId="{92902F1D-6CC4-433E-A24A-388F1A32DD98}"/>
-          </ac:spMkLst>
-        </pc:spChg>
-        <pc:spChg chg="del">
-          <ac:chgData name="Emily Carlow" userId="bb5c094f-4815-4b8e-a348-fc8fb9e78a2c" providerId="ADAL" clId="{BED82364-A664-4568-A1AE-D5F50239BA76}" dt="2021-04-25T21:25:53.135" v="1398"/>
-          <ac:spMkLst>
-            <pc:docMk/>
-            <pc:sldMk cId="3593942489" sldId="290"/>
-            <ac:spMk id="3" creationId="{7FDC6D83-484F-444B-81EF-5EF5B640751D}"/>
-          </ac:spMkLst>
-        </pc:spChg>
-        <pc:spChg chg="add del mod">
-          <ac:chgData name="Emily Carlow" userId="bb5c094f-4815-4b8e-a348-fc8fb9e78a2c" providerId="ADAL" clId="{BED82364-A664-4568-A1AE-D5F50239BA76}" dt="2021-04-25T21:30:48.045" v="1441"/>
-          <ac:spMkLst>
-            <pc:docMk/>
-            <pc:sldMk cId="3593942489" sldId="290"/>
-            <ac:spMk id="10" creationId="{814DA5DE-3DAA-419A-83A6-D8E34EB7BD97}"/>
-          </ac:spMkLst>
-        </pc:spChg>
-        <pc:picChg chg="add del mod">
-          <ac:chgData name="Emily Carlow" userId="bb5c094f-4815-4b8e-a348-fc8fb9e78a2c" providerId="ADAL" clId="{BED82364-A664-4568-A1AE-D5F50239BA76}" dt="2021-04-25T21:30:35.596" v="1440" actId="21"/>
-          <ac:picMkLst>
-            <pc:docMk/>
-            <pc:sldMk cId="3593942489" sldId="290"/>
-            <ac:picMk id="6" creationId="{6832F6F7-91C2-465A-AD50-EFBA90F81749}"/>
-          </ac:picMkLst>
-        </pc:picChg>
-        <pc:picChg chg="add del mod">
-          <ac:chgData name="Emily Carlow" userId="bb5c094f-4815-4b8e-a348-fc8fb9e78a2c" providerId="ADAL" clId="{BED82364-A664-4568-A1AE-D5F50239BA76}" dt="2021-04-25T21:30:30.803" v="1439" actId="21"/>
-          <ac:picMkLst>
-            <pc:docMk/>
-            <pc:sldMk cId="3593942489" sldId="290"/>
-            <ac:picMk id="8" creationId="{29F5A6EE-B4C4-4497-A5EA-96A4EB99858C}"/>
-          </ac:picMkLst>
-        </pc:picChg>
-        <pc:picChg chg="add mod">
-          <ac:chgData name="Emily Carlow" userId="bb5c094f-4815-4b8e-a348-fc8fb9e78a2c" providerId="ADAL" clId="{BED82364-A664-4568-A1AE-D5F50239BA76}" dt="2021-04-25T21:54:21.667" v="2034" actId="208"/>
-          <ac:picMkLst>
-            <pc:docMk/>
-            <pc:sldMk cId="3593942489" sldId="290"/>
-            <ac:picMk id="12" creationId="{FD136C77-A090-4EE3-92DF-A78F9E78E31A}"/>
-          </ac:picMkLst>
-        </pc:picChg>
-      </pc:sldChg>
-      <pc:sldChg chg="addSp delSp modSp mod">
-        <pc:chgData name="Emily Carlow" userId="bb5c094f-4815-4b8e-a348-fc8fb9e78a2c" providerId="ADAL" clId="{BED82364-A664-4568-A1AE-D5F50239BA76}" dt="2021-04-25T22:01:53.109" v="2074" actId="122"/>
-        <pc:sldMkLst>
-          <pc:docMk/>
-          <pc:sldMk cId="3208458485" sldId="291"/>
-        </pc:sldMkLst>
-        <pc:spChg chg="mod">
-          <ac:chgData name="Emily Carlow" userId="bb5c094f-4815-4b8e-a348-fc8fb9e78a2c" providerId="ADAL" clId="{BED82364-A664-4568-A1AE-D5F50239BA76}" dt="2021-04-25T22:01:53.109" v="2074" actId="122"/>
-          <ac:spMkLst>
-            <pc:docMk/>
-            <pc:sldMk cId="3208458485" sldId="291"/>
-            <ac:spMk id="2" creationId="{3B4EE159-927B-4716-AB09-61377B9445A8}"/>
-          </ac:spMkLst>
-        </pc:spChg>
-        <pc:spChg chg="del">
-          <ac:chgData name="Emily Carlow" userId="bb5c094f-4815-4b8e-a348-fc8fb9e78a2c" providerId="ADAL" clId="{BED82364-A664-4568-A1AE-D5F50239BA76}" dt="2021-04-25T21:31:07.135" v="1444"/>
-          <ac:spMkLst>
-            <pc:docMk/>
-            <pc:sldMk cId="3208458485" sldId="291"/>
-            <ac:spMk id="3" creationId="{355A31BA-3361-40EC-88F4-2516B3957E16}"/>
-          </ac:spMkLst>
-        </pc:spChg>
-        <pc:spChg chg="add del mod">
-          <ac:chgData name="Emily Carlow" userId="bb5c094f-4815-4b8e-a348-fc8fb9e78a2c" providerId="ADAL" clId="{BED82364-A664-4568-A1AE-D5F50239BA76}" dt="2021-04-25T21:43:26.144" v="1500" actId="21"/>
-          <ac:spMkLst>
-            <pc:docMk/>
-            <pc:sldMk cId="3208458485" sldId="291"/>
-            <ac:spMk id="10" creationId="{CBA26E07-4DE9-490F-A7AB-8A5016605AF2}"/>
-          </ac:spMkLst>
-        </pc:spChg>
-        <pc:picChg chg="add del mod">
-          <ac:chgData name="Emily Carlow" userId="bb5c094f-4815-4b8e-a348-fc8fb9e78a2c" providerId="ADAL" clId="{BED82364-A664-4568-A1AE-D5F50239BA76}" dt="2021-04-25T21:54:25.986" v="2035" actId="208"/>
-          <ac:picMkLst>
-            <pc:docMk/>
-            <pc:sldMk cId="3208458485" sldId="291"/>
-            <ac:picMk id="6" creationId="{9BDB2A12-8936-4985-848E-947E706E7056}"/>
-          </ac:picMkLst>
-        </pc:picChg>
-        <pc:picChg chg="add mod">
-          <ac:chgData name="Emily Carlow" userId="bb5c094f-4815-4b8e-a348-fc8fb9e78a2c" providerId="ADAL" clId="{BED82364-A664-4568-A1AE-D5F50239BA76}" dt="2021-04-25T21:54:28.593" v="2036" actId="208"/>
-          <ac:picMkLst>
-            <pc:docMk/>
-            <pc:sldMk cId="3208458485" sldId="291"/>
-            <ac:picMk id="8" creationId="{F71B6E9F-8BC9-4378-A92F-EC67589936DE}"/>
-          </ac:picMkLst>
-        </pc:picChg>
-      </pc:sldChg>
-      <pc:sldChg chg="addSp delSp modSp mod">
-        <pc:chgData name="Emily Carlow" userId="bb5c094f-4815-4b8e-a348-fc8fb9e78a2c" providerId="ADAL" clId="{BED82364-A664-4568-A1AE-D5F50239BA76}" dt="2021-04-25T22:03:16.461" v="2083" actId="122"/>
-        <pc:sldMkLst>
-          <pc:docMk/>
-          <pc:sldMk cId="2542923075" sldId="292"/>
-        </pc:sldMkLst>
-        <pc:spChg chg="mod">
-          <ac:chgData name="Emily Carlow" userId="bb5c094f-4815-4b8e-a348-fc8fb9e78a2c" providerId="ADAL" clId="{BED82364-A664-4568-A1AE-D5F50239BA76}" dt="2021-04-25T22:03:16.461" v="2083" actId="122"/>
-          <ac:spMkLst>
-            <pc:docMk/>
-            <pc:sldMk cId="2542923075" sldId="292"/>
-            <ac:spMk id="2" creationId="{DFC43F2D-F323-4874-8778-3FE324AAC89B}"/>
-          </ac:spMkLst>
-        </pc:spChg>
-        <pc:spChg chg="del">
-          <ac:chgData name="Emily Carlow" userId="bb5c094f-4815-4b8e-a348-fc8fb9e78a2c" providerId="ADAL" clId="{BED82364-A664-4568-A1AE-D5F50239BA76}" dt="2021-04-25T21:32:02.663" v="1452"/>
-          <ac:spMkLst>
-            <pc:docMk/>
-            <pc:sldMk cId="2542923075" sldId="292"/>
-            <ac:spMk id="3" creationId="{1046A19D-73F0-4601-B41C-4936F5A243D3}"/>
-          </ac:spMkLst>
-        </pc:spChg>
-        <pc:picChg chg="add mod">
-          <ac:chgData name="Emily Carlow" userId="bb5c094f-4815-4b8e-a348-fc8fb9e78a2c" providerId="ADAL" clId="{BED82364-A664-4568-A1AE-D5F50239BA76}" dt="2021-04-25T21:54:35.202" v="2037" actId="208"/>
-          <ac:picMkLst>
-            <pc:docMk/>
-            <pc:sldMk cId="2542923075" sldId="292"/>
-            <ac:picMk id="6" creationId="{508320F9-C18B-4D33-8F23-208493367975}"/>
-          </ac:picMkLst>
-        </pc:picChg>
-        <pc:picChg chg="add mod">
-          <ac:chgData name="Emily Carlow" userId="bb5c094f-4815-4b8e-a348-fc8fb9e78a2c" providerId="ADAL" clId="{BED82364-A664-4568-A1AE-D5F50239BA76}" dt="2021-04-25T21:54:37.974" v="2038" actId="208"/>
-          <ac:picMkLst>
-            <pc:docMk/>
-            <pc:sldMk cId="2542923075" sldId="292"/>
-            <ac:picMk id="8" creationId="{F709A23B-B966-4512-9768-68434A774576}"/>
-          </ac:picMkLst>
-        </pc:picChg>
-        <pc:picChg chg="add mod">
-          <ac:chgData name="Emily Carlow" userId="bb5c094f-4815-4b8e-a348-fc8fb9e78a2c" providerId="ADAL" clId="{BED82364-A664-4568-A1AE-D5F50239BA76}" dt="2021-04-25T21:54:40.497" v="2039" actId="208"/>
-          <ac:picMkLst>
-            <pc:docMk/>
-            <pc:sldMk cId="2542923075" sldId="292"/>
-            <ac:picMk id="10" creationId="{9ED370BF-B35E-42B1-B7EF-9B58CD8EDFFA}"/>
-          </ac:picMkLst>
-        </pc:picChg>
-      </pc:sldChg>
-      <pc:sldChg chg="addSp delSp modSp mod">
-        <pc:chgData name="Emily Carlow" userId="bb5c094f-4815-4b8e-a348-fc8fb9e78a2c" providerId="ADAL" clId="{BED82364-A664-4568-A1AE-D5F50239BA76}" dt="2021-04-25T22:00:06.242" v="2057" actId="122"/>
-        <pc:sldMkLst>
-          <pc:docMk/>
-          <pc:sldMk cId="1648754576" sldId="293"/>
-        </pc:sldMkLst>
-        <pc:spChg chg="mod">
-          <ac:chgData name="Emily Carlow" userId="bb5c094f-4815-4b8e-a348-fc8fb9e78a2c" providerId="ADAL" clId="{BED82364-A664-4568-A1AE-D5F50239BA76}" dt="2021-04-25T22:00:06.242" v="2057" actId="122"/>
-          <ac:spMkLst>
-            <pc:docMk/>
-            <pc:sldMk cId="1648754576" sldId="293"/>
-            <ac:spMk id="2" creationId="{EBD2F68E-1AE0-4358-8322-8CE0513913BA}"/>
-          </ac:spMkLst>
-        </pc:spChg>
-        <pc:spChg chg="del">
-          <ac:chgData name="Emily Carlow" userId="bb5c094f-4815-4b8e-a348-fc8fb9e78a2c" providerId="ADAL" clId="{BED82364-A664-4568-A1AE-D5F50239BA76}" dt="2021-04-25T21:32:47.517" v="1465"/>
-          <ac:spMkLst>
-            <pc:docMk/>
-            <pc:sldMk cId="1648754576" sldId="293"/>
-            <ac:spMk id="3" creationId="{F3A0E757-8FA5-4D85-A460-6A5B98EAB945}"/>
-          </ac:spMkLst>
-        </pc:spChg>
-        <pc:picChg chg="add mod">
-          <ac:chgData name="Emily Carlow" userId="bb5c094f-4815-4b8e-a348-fc8fb9e78a2c" providerId="ADAL" clId="{BED82364-A664-4568-A1AE-D5F50239BA76}" dt="2021-04-25T21:54:45.301" v="2040" actId="208"/>
-          <ac:picMkLst>
-            <pc:docMk/>
-            <pc:sldMk cId="1648754576" sldId="293"/>
-            <ac:picMk id="6" creationId="{2FB881AF-E5EA-421D-820C-8802746C1FFE}"/>
-          </ac:picMkLst>
-        </pc:picChg>
-        <pc:picChg chg="add mod">
-          <ac:chgData name="Emily Carlow" userId="bb5c094f-4815-4b8e-a348-fc8fb9e78a2c" providerId="ADAL" clId="{BED82364-A664-4568-A1AE-D5F50239BA76}" dt="2021-04-25T21:54:47.605" v="2041" actId="208"/>
-          <ac:picMkLst>
-            <pc:docMk/>
-            <pc:sldMk cId="1648754576" sldId="293"/>
-            <ac:picMk id="8" creationId="{39DDD687-F0E0-4224-830A-3E7BE48D8231}"/>
-          </ac:picMkLst>
-        </pc:picChg>
-      </pc:sldChg>
-      <pc:sldChg chg="addSp delSp modSp mod">
-        <pc:chgData name="Emily Carlow" userId="bb5c094f-4815-4b8e-a348-fc8fb9e78a2c" providerId="ADAL" clId="{BED82364-A664-4568-A1AE-D5F50239BA76}" dt="2021-04-25T21:59:53.875" v="2052" actId="20577"/>
-        <pc:sldMkLst>
-          <pc:docMk/>
-          <pc:sldMk cId="2667266159" sldId="294"/>
-        </pc:sldMkLst>
-        <pc:spChg chg="mod">
-          <ac:chgData name="Emily Carlow" userId="bb5c094f-4815-4b8e-a348-fc8fb9e78a2c" providerId="ADAL" clId="{BED82364-A664-4568-A1AE-D5F50239BA76}" dt="2021-04-25T21:59:53.875" v="2052" actId="20577"/>
-          <ac:spMkLst>
-            <pc:docMk/>
-            <pc:sldMk cId="2667266159" sldId="294"/>
-            <ac:spMk id="2" creationId="{47E96022-37D1-4CCC-AB95-8311855A4F84}"/>
-          </ac:spMkLst>
-        </pc:spChg>
-        <pc:spChg chg="del">
-          <ac:chgData name="Emily Carlow" userId="bb5c094f-4815-4b8e-a348-fc8fb9e78a2c" providerId="ADAL" clId="{BED82364-A664-4568-A1AE-D5F50239BA76}" dt="2021-04-25T21:32:59.487" v="1468"/>
-          <ac:spMkLst>
-            <pc:docMk/>
-            <pc:sldMk cId="2667266159" sldId="294"/>
-            <ac:spMk id="3" creationId="{83BDAE79-D087-4D58-8189-A13743395EB9}"/>
-          </ac:spMkLst>
-        </pc:spChg>
-        <pc:spChg chg="add del mod">
-          <ac:chgData name="Emily Carlow" userId="bb5c094f-4815-4b8e-a348-fc8fb9e78a2c" providerId="ADAL" clId="{BED82364-A664-4568-A1AE-D5F50239BA76}" dt="2021-04-25T21:34:00.474" v="1478"/>
-          <ac:spMkLst>
-            <pc:docMk/>
-            <pc:sldMk cId="2667266159" sldId="294"/>
-            <ac:spMk id="8" creationId="{BEF7E6F7-8464-4C37-9264-437CD0871786}"/>
-          </ac:spMkLst>
-        </pc:spChg>
-        <pc:picChg chg="add del mod">
-          <ac:chgData name="Emily Carlow" userId="bb5c094f-4815-4b8e-a348-fc8fb9e78a2c" providerId="ADAL" clId="{BED82364-A664-4568-A1AE-D5F50239BA76}" dt="2021-04-25T21:33:09.488" v="1471" actId="21"/>
-          <ac:picMkLst>
-            <pc:docMk/>
-            <pc:sldMk cId="2667266159" sldId="294"/>
-            <ac:picMk id="6" creationId="{6C9DB822-F106-4BC8-940C-5333B4478FE0}"/>
-          </ac:picMkLst>
-        </pc:picChg>
-        <pc:picChg chg="add mod">
-          <ac:chgData name="Emily Carlow" userId="bb5c094f-4815-4b8e-a348-fc8fb9e78a2c" providerId="ADAL" clId="{BED82364-A664-4568-A1AE-D5F50239BA76}" dt="2021-04-25T21:54:54.153" v="2042" actId="208"/>
-          <ac:picMkLst>
-            <pc:docMk/>
-            <pc:sldMk cId="2667266159" sldId="294"/>
-            <ac:picMk id="10" creationId="{9B119D82-8A99-4012-8959-E052A96E60AF}"/>
-          </ac:picMkLst>
-        </pc:picChg>
-        <pc:picChg chg="add mod">
-          <ac:chgData name="Emily Carlow" userId="bb5c094f-4815-4b8e-a348-fc8fb9e78a2c" providerId="ADAL" clId="{BED82364-A664-4568-A1AE-D5F50239BA76}" dt="2021-04-25T21:54:57.143" v="2043" actId="208"/>
-          <ac:picMkLst>
-            <pc:docMk/>
-            <pc:sldMk cId="2667266159" sldId="294"/>
-            <ac:picMk id="12" creationId="{CA560BDE-6E7B-4E79-B71C-39665B51E20E}"/>
-          </ac:picMkLst>
-        </pc:picChg>
-        <pc:picChg chg="add del mod">
-          <ac:chgData name="Emily Carlow" userId="bb5c094f-4815-4b8e-a348-fc8fb9e78a2c" providerId="ADAL" clId="{BED82364-A664-4568-A1AE-D5F50239BA76}" dt="2021-04-25T21:59:42.801" v="2045"/>
-          <ac:picMkLst>
-            <pc:docMk/>
-            <pc:sldMk cId="2667266159" sldId="294"/>
-            <ac:picMk id="13" creationId="{6F47844D-4D93-4207-B3ED-B6A7037987AC}"/>
-          </ac:picMkLst>
-        </pc:picChg>
-      </pc:sldChg>
-      <pc:sldChg chg="addSp delSp modSp new mod">
-        <pc:chgData name="Emily Carlow" userId="bb5c094f-4815-4b8e-a348-fc8fb9e78a2c" providerId="ADAL" clId="{BED82364-A664-4568-A1AE-D5F50239BA76}" dt="2021-04-25T22:00:55.191" v="2062" actId="122"/>
-        <pc:sldMkLst>
-          <pc:docMk/>
-          <pc:sldMk cId="1304346500" sldId="301"/>
-        </pc:sldMkLst>
-        <pc:spChg chg="mod">
-          <ac:chgData name="Emily Carlow" userId="bb5c094f-4815-4b8e-a348-fc8fb9e78a2c" providerId="ADAL" clId="{BED82364-A664-4568-A1AE-D5F50239BA76}" dt="2021-04-25T22:00:55.191" v="2062" actId="122"/>
-          <ac:spMkLst>
-            <pc:docMk/>
-            <pc:sldMk cId="1304346500" sldId="301"/>
-            <ac:spMk id="2" creationId="{649D78B0-FA5F-4C74-B172-92D1EFCB7098}"/>
-          </ac:spMkLst>
-        </pc:spChg>
-        <pc:spChg chg="del">
-          <ac:chgData name="Emily Carlow" userId="bb5c094f-4815-4b8e-a348-fc8fb9e78a2c" providerId="ADAL" clId="{BED82364-A664-4568-A1AE-D5F50239BA76}" dt="2021-04-25T21:37:48.428" v="1492"/>
-          <ac:spMkLst>
-            <pc:docMk/>
-            <pc:sldMk cId="1304346500" sldId="301"/>
-            <ac:spMk id="3" creationId="{4886F167-ED55-4E5F-B300-DC3C4CA11A1E}"/>
-          </ac:spMkLst>
-        </pc:spChg>
-        <pc:picChg chg="add mod">
-          <ac:chgData name="Emily Carlow" userId="bb5c094f-4815-4b8e-a348-fc8fb9e78a2c" providerId="ADAL" clId="{BED82364-A664-4568-A1AE-D5F50239BA76}" dt="2021-04-25T21:53:54.324" v="2029" actId="208"/>
-          <ac:picMkLst>
-            <pc:docMk/>
-            <pc:sldMk cId="1304346500" sldId="301"/>
-            <ac:picMk id="6" creationId="{80270BF1-1542-4FC3-B9DE-0F9AAC568FFE}"/>
-          </ac:picMkLst>
-        </pc:picChg>
-        <pc:picChg chg="add mod">
-          <ac:chgData name="Emily Carlow" userId="bb5c094f-4815-4b8e-a348-fc8fb9e78a2c" providerId="ADAL" clId="{BED82364-A664-4568-A1AE-D5F50239BA76}" dt="2021-04-25T21:53:57.977" v="2030" actId="208"/>
-          <ac:picMkLst>
-            <pc:docMk/>
-            <pc:sldMk cId="1304346500" sldId="301"/>
-            <ac:picMk id="8" creationId="{F51EC2FC-853A-4F27-AE32-AC7206E2C101}"/>
-          </ac:picMkLst>
-        </pc:picChg>
+            <ac:spMk id="4" creationId="{05D7D9DA-0D15-4A09-9035-C5EFF400295A}"/>
+          </ac:spMkLst>
+        </pc:spChg>
       </pc:sldChg>
     </pc:docChg>
   </pc:docChgLst>
@@ -3111,305 +3102,6 @@
     </pc:docChg>
   </pc:docChgLst>
   <pc:docChgLst>
-    <pc:chgData name="Muntasir Hossain" userId="e9bb82767b352303" providerId="LiveId" clId="{FFCEE4F4-AB03-46F4-A46D-65CBEF0F03F8}"/>
-    <pc:docChg chg="modSld">
-      <pc:chgData name="Muntasir Hossain" userId="e9bb82767b352303" providerId="LiveId" clId="{FFCEE4F4-AB03-46F4-A46D-65CBEF0F03F8}" dt="2021-04-26T21:05:45.030" v="20" actId="20577"/>
-      <pc:docMkLst>
-        <pc:docMk/>
-      </pc:docMkLst>
-      <pc:sldChg chg="modNotesTx">
-        <pc:chgData name="Muntasir Hossain" userId="e9bb82767b352303" providerId="LiveId" clId="{FFCEE4F4-AB03-46F4-A46D-65CBEF0F03F8}" dt="2021-04-26T21:04:34.979" v="5" actId="20577"/>
-        <pc:sldMkLst>
-          <pc:docMk/>
-          <pc:sldMk cId="4024084921" sldId="272"/>
-        </pc:sldMkLst>
-      </pc:sldChg>
-      <pc:sldChg chg="modNotesTx">
-        <pc:chgData name="Muntasir Hossain" userId="e9bb82767b352303" providerId="LiveId" clId="{FFCEE4F4-AB03-46F4-A46D-65CBEF0F03F8}" dt="2021-04-26T21:04:21.509" v="3" actId="20577"/>
-        <pc:sldMkLst>
-          <pc:docMk/>
-          <pc:sldMk cId="2089004303" sldId="276"/>
-        </pc:sldMkLst>
-      </pc:sldChg>
-      <pc:sldChg chg="modNotesTx">
-        <pc:chgData name="Muntasir Hossain" userId="e9bb82767b352303" providerId="LiveId" clId="{FFCEE4F4-AB03-46F4-A46D-65CBEF0F03F8}" dt="2021-04-26T21:04:37.429" v="6" actId="20577"/>
-        <pc:sldMkLst>
-          <pc:docMk/>
-          <pc:sldMk cId="1191759795" sldId="277"/>
-        </pc:sldMkLst>
-      </pc:sldChg>
-      <pc:sldChg chg="modNotesTx">
-        <pc:chgData name="Muntasir Hossain" userId="e9bb82767b352303" providerId="LiveId" clId="{FFCEE4F4-AB03-46F4-A46D-65CBEF0F03F8}" dt="2021-04-26T21:04:45.875" v="7" actId="20577"/>
-        <pc:sldMkLst>
-          <pc:docMk/>
-          <pc:sldMk cId="197608093" sldId="278"/>
-        </pc:sldMkLst>
-      </pc:sldChg>
-      <pc:sldChg chg="modNotesTx">
-        <pc:chgData name="Muntasir Hossain" userId="e9bb82767b352303" providerId="LiveId" clId="{FFCEE4F4-AB03-46F4-A46D-65CBEF0F03F8}" dt="2021-04-26T21:04:25.509" v="4" actId="20577"/>
-        <pc:sldMkLst>
-          <pc:docMk/>
-          <pc:sldMk cId="3318988121" sldId="283"/>
-        </pc:sldMkLst>
-      </pc:sldChg>
-      <pc:sldChg chg="modNotesTx">
-        <pc:chgData name="Muntasir Hossain" userId="e9bb82767b352303" providerId="LiveId" clId="{FFCEE4F4-AB03-46F4-A46D-65CBEF0F03F8}" dt="2021-04-26T21:04:48.785" v="8" actId="20577"/>
-        <pc:sldMkLst>
-          <pc:docMk/>
-          <pc:sldMk cId="3918642659" sldId="298"/>
-        </pc:sldMkLst>
-      </pc:sldChg>
-      <pc:sldChg chg="modNotesTx">
-        <pc:chgData name="Muntasir Hossain" userId="e9bb82767b352303" providerId="LiveId" clId="{FFCEE4F4-AB03-46F4-A46D-65CBEF0F03F8}" dt="2021-04-26T21:04:58.024" v="11" actId="20577"/>
-        <pc:sldMkLst>
-          <pc:docMk/>
-          <pc:sldMk cId="3711320849" sldId="300"/>
-        </pc:sldMkLst>
-      </pc:sldChg>
-      <pc:sldChg chg="modNotesTx">
-        <pc:chgData name="Muntasir Hossain" userId="e9bb82767b352303" providerId="LiveId" clId="{FFCEE4F4-AB03-46F4-A46D-65CBEF0F03F8}" dt="2021-04-26T21:04:51.925" v="9" actId="20577"/>
-        <pc:sldMkLst>
-          <pc:docMk/>
-          <pc:sldMk cId="3002629799" sldId="302"/>
-        </pc:sldMkLst>
-      </pc:sldChg>
-      <pc:sldChg chg="modNotesTx">
-        <pc:chgData name="Muntasir Hossain" userId="e9bb82767b352303" providerId="LiveId" clId="{FFCEE4F4-AB03-46F4-A46D-65CBEF0F03F8}" dt="2021-04-26T21:04:55.109" v="10" actId="20577"/>
-        <pc:sldMkLst>
-          <pc:docMk/>
-          <pc:sldMk cId="665784133" sldId="303"/>
-        </pc:sldMkLst>
-      </pc:sldChg>
-      <pc:sldChg chg="modSp mod modNotesTx">
-        <pc:chgData name="Muntasir Hossain" userId="e9bb82767b352303" providerId="LiveId" clId="{FFCEE4F4-AB03-46F4-A46D-65CBEF0F03F8}" dt="2021-04-26T21:05:45.030" v="20" actId="20577"/>
-        <pc:sldMkLst>
-          <pc:docMk/>
-          <pc:sldMk cId="1484505591" sldId="304"/>
-        </pc:sldMkLst>
-        <pc:spChg chg="mod">
-          <ac:chgData name="Muntasir Hossain" userId="e9bb82767b352303" providerId="LiveId" clId="{FFCEE4F4-AB03-46F4-A46D-65CBEF0F03F8}" dt="2021-04-26T21:05:45.030" v="20" actId="20577"/>
-          <ac:spMkLst>
-            <pc:docMk/>
-            <pc:sldMk cId="1484505591" sldId="304"/>
-            <ac:spMk id="2" creationId="{00000000-0000-0000-0000-000000000000}"/>
-          </ac:spMkLst>
-        </pc:spChg>
-      </pc:sldChg>
-    </pc:docChg>
-  </pc:docChgLst>
-  <pc:docChgLst>
-    <pc:chgData name="Carlow, Emily R" userId="S::ecarl3@unh.newhaven.edu::bb5c094f-4815-4b8e-a348-fc8fb9e78a2c" providerId="AD" clId="Web-{236100E4-D804-4EF3-B8B4-B2C40073F122}"/>
-    <pc:docChg chg="modSld">
-      <pc:chgData name="Carlow, Emily R" userId="S::ecarl3@unh.newhaven.edu::bb5c094f-4815-4b8e-a348-fc8fb9e78a2c" providerId="AD" clId="Web-{236100E4-D804-4EF3-B8B4-B2C40073F122}" dt="2021-04-25T19:28:43.196" v="45" actId="20577"/>
-      <pc:docMkLst>
-        <pc:docMk/>
-      </pc:docMkLst>
-      <pc:sldChg chg="modSp">
-        <pc:chgData name="Carlow, Emily R" userId="S::ecarl3@unh.newhaven.edu::bb5c094f-4815-4b8e-a348-fc8fb9e78a2c" providerId="AD" clId="Web-{236100E4-D804-4EF3-B8B4-B2C40073F122}" dt="2021-04-25T19:25:55.879" v="5" actId="20577"/>
-        <pc:sldMkLst>
-          <pc:docMk/>
-          <pc:sldMk cId="4044548724" sldId="262"/>
-        </pc:sldMkLst>
-        <pc:spChg chg="mod">
-          <ac:chgData name="Carlow, Emily R" userId="S::ecarl3@unh.newhaven.edu::bb5c094f-4815-4b8e-a348-fc8fb9e78a2c" providerId="AD" clId="Web-{236100E4-D804-4EF3-B8B4-B2C40073F122}" dt="2021-04-25T19:25:55.879" v="5" actId="20577"/>
-          <ac:spMkLst>
-            <pc:docMk/>
-            <pc:sldMk cId="4044548724" sldId="262"/>
-            <ac:spMk id="5" creationId="{97499803-59AC-435A-99BE-7D5D8297A4AC}"/>
-          </ac:spMkLst>
-        </pc:spChg>
-      </pc:sldChg>
-      <pc:sldChg chg="modSp">
-        <pc:chgData name="Carlow, Emily R" userId="S::ecarl3@unh.newhaven.edu::bb5c094f-4815-4b8e-a348-fc8fb9e78a2c" providerId="AD" clId="Web-{236100E4-D804-4EF3-B8B4-B2C40073F122}" dt="2021-04-25T19:28:43.196" v="45" actId="20577"/>
-        <pc:sldMkLst>
-          <pc:docMk/>
-          <pc:sldMk cId="1281802549" sldId="270"/>
-        </pc:sldMkLst>
-        <pc:spChg chg="mod">
-          <ac:chgData name="Carlow, Emily R" userId="S::ecarl3@unh.newhaven.edu::bb5c094f-4815-4b8e-a348-fc8fb9e78a2c" providerId="AD" clId="Web-{236100E4-D804-4EF3-B8B4-B2C40073F122}" dt="2021-04-25T19:28:43.196" v="45" actId="20577"/>
-          <ac:spMkLst>
-            <pc:docMk/>
-            <pc:sldMk cId="1281802549" sldId="270"/>
-            <ac:spMk id="3" creationId="{5296EFA9-A5F6-44B1-A7AF-996B131ECF20}"/>
-          </ac:spMkLst>
-        </pc:spChg>
-      </pc:sldChg>
-      <pc:sldChg chg="modSp">
-        <pc:chgData name="Carlow, Emily R" userId="S::ecarl3@unh.newhaven.edu::bb5c094f-4815-4b8e-a348-fc8fb9e78a2c" providerId="AD" clId="Web-{236100E4-D804-4EF3-B8B4-B2C40073F122}" dt="2021-04-25T19:26:37.302" v="11" actId="20577"/>
-        <pc:sldMkLst>
-          <pc:docMk/>
-          <pc:sldMk cId="2528755128" sldId="271"/>
-        </pc:sldMkLst>
-        <pc:spChg chg="mod">
-          <ac:chgData name="Carlow, Emily R" userId="S::ecarl3@unh.newhaven.edu::bb5c094f-4815-4b8e-a348-fc8fb9e78a2c" providerId="AD" clId="Web-{236100E4-D804-4EF3-B8B4-B2C40073F122}" dt="2021-04-25T19:26:37.302" v="11" actId="20577"/>
-          <ac:spMkLst>
-            <pc:docMk/>
-            <pc:sldMk cId="2528755128" sldId="271"/>
-            <ac:spMk id="4" creationId="{65C62BE1-8EBA-41AE-9EF7-038D204609C9}"/>
-          </ac:spMkLst>
-        </pc:spChg>
-      </pc:sldChg>
-      <pc:sldChg chg="modSp">
-        <pc:chgData name="Carlow, Emily R" userId="S::ecarl3@unh.newhaven.edu::bb5c094f-4815-4b8e-a348-fc8fb9e78a2c" providerId="AD" clId="Web-{236100E4-D804-4EF3-B8B4-B2C40073F122}" dt="2021-04-25T19:27:11.693" v="15" actId="20577"/>
-        <pc:sldMkLst>
-          <pc:docMk/>
-          <pc:sldMk cId="4024084921" sldId="272"/>
-        </pc:sldMkLst>
-        <pc:spChg chg="mod">
-          <ac:chgData name="Carlow, Emily R" userId="S::ecarl3@unh.newhaven.edu::bb5c094f-4815-4b8e-a348-fc8fb9e78a2c" providerId="AD" clId="Web-{236100E4-D804-4EF3-B8B4-B2C40073F122}" dt="2021-04-25T19:27:11.693" v="15" actId="20577"/>
-          <ac:spMkLst>
-            <pc:docMk/>
-            <pc:sldMk cId="4024084921" sldId="272"/>
-            <ac:spMk id="3" creationId="{73E2E4F8-E89F-492F-A71A-4F86F1484437}"/>
-          </ac:spMkLst>
-        </pc:spChg>
-      </pc:sldChg>
-      <pc:sldChg chg="modSp">
-        <pc:chgData name="Carlow, Emily R" userId="S::ecarl3@unh.newhaven.edu::bb5c094f-4815-4b8e-a348-fc8fb9e78a2c" providerId="AD" clId="Web-{236100E4-D804-4EF3-B8B4-B2C40073F122}" dt="2021-04-25T19:28:19.977" v="38" actId="20577"/>
-        <pc:sldMkLst>
-          <pc:docMk/>
-          <pc:sldMk cId="2682829407" sldId="273"/>
-        </pc:sldMkLst>
-        <pc:spChg chg="mod">
-          <ac:chgData name="Carlow, Emily R" userId="S::ecarl3@unh.newhaven.edu::bb5c094f-4815-4b8e-a348-fc8fb9e78a2c" providerId="AD" clId="Web-{236100E4-D804-4EF3-B8B4-B2C40073F122}" dt="2021-04-25T19:28:19.977" v="38" actId="20577"/>
-          <ac:spMkLst>
-            <pc:docMk/>
-            <pc:sldMk cId="2682829407" sldId="273"/>
-            <ac:spMk id="4" creationId="{0CF8C109-EEFA-4270-ABB4-0544C88C79F1}"/>
-          </ac:spMkLst>
-        </pc:spChg>
-      </pc:sldChg>
-      <pc:sldChg chg="modSp">
-        <pc:chgData name="Carlow, Emily R" userId="S::ecarl3@unh.newhaven.edu::bb5c094f-4815-4b8e-a348-fc8fb9e78a2c" providerId="AD" clId="Web-{236100E4-D804-4EF3-B8B4-B2C40073F122}" dt="2021-04-25T19:28:35.306" v="43" actId="20577"/>
-        <pc:sldMkLst>
-          <pc:docMk/>
-          <pc:sldMk cId="282399625" sldId="274"/>
-        </pc:sldMkLst>
-        <pc:spChg chg="mod">
-          <ac:chgData name="Carlow, Emily R" userId="S::ecarl3@unh.newhaven.edu::bb5c094f-4815-4b8e-a348-fc8fb9e78a2c" providerId="AD" clId="Web-{236100E4-D804-4EF3-B8B4-B2C40073F122}" dt="2021-04-25T19:28:35.306" v="43" actId="20577"/>
-          <ac:spMkLst>
-            <pc:docMk/>
-            <pc:sldMk cId="282399625" sldId="274"/>
-            <ac:spMk id="3" creationId="{8DB99081-4A4A-45FC-905D-58CEE8DE6B81}"/>
-          </ac:spMkLst>
-        </pc:spChg>
-      </pc:sldChg>
-      <pc:sldChg chg="modSp">
-        <pc:chgData name="Carlow, Emily R" userId="S::ecarl3@unh.newhaven.edu::bb5c094f-4815-4b8e-a348-fc8fb9e78a2c" providerId="AD" clId="Web-{236100E4-D804-4EF3-B8B4-B2C40073F122}" dt="2021-04-25T19:26:28.051" v="9" actId="20577"/>
-        <pc:sldMkLst>
-          <pc:docMk/>
-          <pc:sldMk cId="2164231458" sldId="275"/>
-        </pc:sldMkLst>
-        <pc:spChg chg="mod">
-          <ac:chgData name="Carlow, Emily R" userId="S::ecarl3@unh.newhaven.edu::bb5c094f-4815-4b8e-a348-fc8fb9e78a2c" providerId="AD" clId="Web-{236100E4-D804-4EF3-B8B4-B2C40073F122}" dt="2021-04-25T19:26:28.051" v="9" actId="20577"/>
-          <ac:spMkLst>
-            <pc:docMk/>
-            <pc:sldMk cId="2164231458" sldId="275"/>
-            <ac:spMk id="3" creationId="{B11B4A5E-8576-4D8C-B6C5-3B34CD338821}"/>
-          </ac:spMkLst>
-        </pc:spChg>
-      </pc:sldChg>
-      <pc:sldChg chg="modSp">
-        <pc:chgData name="Carlow, Emily R" userId="S::ecarl3@unh.newhaven.edu::bb5c094f-4815-4b8e-a348-fc8fb9e78a2c" providerId="AD" clId="Web-{236100E4-D804-4EF3-B8B4-B2C40073F122}" dt="2021-04-25T19:28:04.367" v="36" actId="20577"/>
-        <pc:sldMkLst>
-          <pc:docMk/>
-          <pc:sldMk cId="2089004303" sldId="276"/>
-        </pc:sldMkLst>
-        <pc:spChg chg="mod">
-          <ac:chgData name="Carlow, Emily R" userId="S::ecarl3@unh.newhaven.edu::bb5c094f-4815-4b8e-a348-fc8fb9e78a2c" providerId="AD" clId="Web-{236100E4-D804-4EF3-B8B4-B2C40073F122}" dt="2021-04-25T19:28:04.367" v="36" actId="20577"/>
-          <ac:spMkLst>
-            <pc:docMk/>
-            <pc:sldMk cId="2089004303" sldId="276"/>
-            <ac:spMk id="4" creationId="{A22F7163-2727-46FF-A68C-83A40ADA9F19}"/>
-          </ac:spMkLst>
-        </pc:spChg>
-      </pc:sldChg>
-      <pc:sldChg chg="modSp">
-        <pc:chgData name="Carlow, Emily R" userId="S::ecarl3@unh.newhaven.edu::bb5c094f-4815-4b8e-a348-fc8fb9e78a2c" providerId="AD" clId="Web-{236100E4-D804-4EF3-B8B4-B2C40073F122}" dt="2021-04-25T19:27:56.242" v="34" actId="20577"/>
-        <pc:sldMkLst>
-          <pc:docMk/>
-          <pc:sldMk cId="1191759795" sldId="277"/>
-        </pc:sldMkLst>
-        <pc:spChg chg="mod">
-          <ac:chgData name="Carlow, Emily R" userId="S::ecarl3@unh.newhaven.edu::bb5c094f-4815-4b8e-a348-fc8fb9e78a2c" providerId="AD" clId="Web-{236100E4-D804-4EF3-B8B4-B2C40073F122}" dt="2021-04-25T19:27:56.242" v="34" actId="20577"/>
-          <ac:spMkLst>
-            <pc:docMk/>
-            <pc:sldMk cId="1191759795" sldId="277"/>
-            <ac:spMk id="4" creationId="{F0DD0574-39CB-46FC-AA76-3B55CFBD109B}"/>
-          </ac:spMkLst>
-        </pc:spChg>
-      </pc:sldChg>
-      <pc:sldChg chg="modSp">
-        <pc:chgData name="Carlow, Emily R" userId="S::ecarl3@unh.newhaven.edu::bb5c094f-4815-4b8e-a348-fc8fb9e78a2c" providerId="AD" clId="Web-{236100E4-D804-4EF3-B8B4-B2C40073F122}" dt="2021-04-25T19:27:43.226" v="32" actId="20577"/>
-        <pc:sldMkLst>
-          <pc:docMk/>
-          <pc:sldMk cId="197608093" sldId="278"/>
-        </pc:sldMkLst>
-        <pc:spChg chg="mod">
-          <ac:chgData name="Carlow, Emily R" userId="S::ecarl3@unh.newhaven.edu::bb5c094f-4815-4b8e-a348-fc8fb9e78a2c" providerId="AD" clId="Web-{236100E4-D804-4EF3-B8B4-B2C40073F122}" dt="2021-04-25T19:27:43.226" v="32" actId="20577"/>
-          <ac:spMkLst>
-            <pc:docMk/>
-            <pc:sldMk cId="197608093" sldId="278"/>
-            <ac:spMk id="2" creationId="{00000000-0000-0000-0000-000000000000}"/>
-          </ac:spMkLst>
-        </pc:spChg>
-        <pc:spChg chg="mod">
-          <ac:chgData name="Carlow, Emily R" userId="S::ecarl3@unh.newhaven.edu::bb5c094f-4815-4b8e-a348-fc8fb9e78a2c" providerId="AD" clId="Web-{236100E4-D804-4EF3-B8B4-B2C40073F122}" dt="2021-04-25T19:27:22.256" v="17" actId="20577"/>
-          <ac:spMkLst>
-            <pc:docMk/>
-            <pc:sldMk cId="197608093" sldId="278"/>
-            <ac:spMk id="3" creationId="{7EE19A41-D7C9-4FD7-8323-B6108835F429}"/>
-          </ac:spMkLst>
-        </pc:spChg>
-      </pc:sldChg>
-      <pc:sldChg chg="modSp">
-        <pc:chgData name="Carlow, Emily R" userId="S::ecarl3@unh.newhaven.edu::bb5c094f-4815-4b8e-a348-fc8fb9e78a2c" providerId="AD" clId="Web-{236100E4-D804-4EF3-B8B4-B2C40073F122}" dt="2021-04-25T19:27:02.536" v="13" actId="20577"/>
-        <pc:sldMkLst>
-          <pc:docMk/>
-          <pc:sldMk cId="3460058106" sldId="279"/>
-        </pc:sldMkLst>
-        <pc:spChg chg="mod">
-          <ac:chgData name="Carlow, Emily R" userId="S::ecarl3@unh.newhaven.edu::bb5c094f-4815-4b8e-a348-fc8fb9e78a2c" providerId="AD" clId="Web-{236100E4-D804-4EF3-B8B4-B2C40073F122}" dt="2021-04-25T19:27:02.536" v="13" actId="20577"/>
-          <ac:spMkLst>
-            <pc:docMk/>
-            <pc:sldMk cId="3460058106" sldId="279"/>
-            <ac:spMk id="4" creationId="{371B3585-DB57-414A-9B0E-128DDB80E860}"/>
-          </ac:spMkLst>
-        </pc:spChg>
-      </pc:sldChg>
-      <pc:sldChg chg="modSp">
-        <pc:chgData name="Carlow, Emily R" userId="S::ecarl3@unh.newhaven.edu::bb5c094f-4815-4b8e-a348-fc8fb9e78a2c" providerId="AD" clId="Web-{236100E4-D804-4EF3-B8B4-B2C40073F122}" dt="2021-04-25T19:26:19.098" v="7" actId="20577"/>
-        <pc:sldMkLst>
-          <pc:docMk/>
-          <pc:sldMk cId="1179845280" sldId="280"/>
-        </pc:sldMkLst>
-        <pc:spChg chg="mod">
-          <ac:chgData name="Carlow, Emily R" userId="S::ecarl3@unh.newhaven.edu::bb5c094f-4815-4b8e-a348-fc8fb9e78a2c" providerId="AD" clId="Web-{236100E4-D804-4EF3-B8B4-B2C40073F122}" dt="2021-04-25T19:26:19.098" v="7" actId="20577"/>
-          <ac:spMkLst>
-            <pc:docMk/>
-            <pc:sldMk cId="1179845280" sldId="280"/>
-            <ac:spMk id="4" creationId="{4BA15660-0A3D-4EE2-AAC5-E6C9D851AD5C}"/>
-          </ac:spMkLst>
-        </pc:spChg>
-      </pc:sldChg>
-      <pc:sldChg chg="modSp">
-        <pc:chgData name="Carlow, Emily R" userId="S::ecarl3@unh.newhaven.edu::bb5c094f-4815-4b8e-a348-fc8fb9e78a2c" providerId="AD" clId="Web-{236100E4-D804-4EF3-B8B4-B2C40073F122}" dt="2021-04-25T19:28:28.509" v="41" actId="20577"/>
-        <pc:sldMkLst>
-          <pc:docMk/>
-          <pc:sldMk cId="1593732696" sldId="281"/>
-        </pc:sldMkLst>
-        <pc:spChg chg="mod">
-          <ac:chgData name="Carlow, Emily R" userId="S::ecarl3@unh.newhaven.edu::bb5c094f-4815-4b8e-a348-fc8fb9e78a2c" providerId="AD" clId="Web-{236100E4-D804-4EF3-B8B4-B2C40073F122}" dt="2021-04-25T19:28:28.509" v="41" actId="20577"/>
-          <ac:spMkLst>
-            <pc:docMk/>
-            <pc:sldMk cId="1593732696" sldId="281"/>
-            <ac:spMk id="4" creationId="{05D7D9DA-0D15-4A09-9035-C5EFF400295A}"/>
-          </ac:spMkLst>
-        </pc:spChg>
-      </pc:sldChg>
-    </pc:docChg>
-  </pc:docChgLst>
-  <pc:docChgLst>
     <pc:chgData name="Hossain, Ahmed Muntasir" userId="S::ahoss1@unh.newhaven.edu::256dcaa3-c318-45c7-891d-75ee5ae60a08" providerId="AD" clId="Web-{C6988CB4-7676-480B-9701-E09E2B77D949}"/>
     <pc:docChg chg="modSld">
       <pc:chgData name="Hossain, Ahmed Muntasir" userId="S::ahoss1@unh.newhaven.edu::256dcaa3-c318-45c7-891d-75ee5ae60a08" providerId="AD" clId="Web-{C6988CB4-7676-480B-9701-E09E2B77D949}" dt="2021-04-26T20:51:13.240" v="100" actId="20577"/>
@@ -3430,6 +3122,1240 @@
             <ac:spMk id="4" creationId="{9ECF545B-B5B8-4C50-9226-7B991A1CF1A3}"/>
           </ac:spMkLst>
         </pc:spChg>
+      </pc:sldChg>
+    </pc:docChg>
+  </pc:docChgLst>
+  <pc:docChgLst>
+    <pc:chgData name="Platt, Nathan A" userId="S::nplat2@unh.newhaven.edu::3f443501-7343-4074-b3f9-85f94b5e318f" providerId="AD" clId="Web-{D4736657-BFF5-461F-83B8-D44A377EE5D3}"/>
+    <pc:docChg chg="modSld">
+      <pc:chgData name="Platt, Nathan A" userId="S::nplat2@unh.newhaven.edu::3f443501-7343-4074-b3f9-85f94b5e318f" providerId="AD" clId="Web-{D4736657-BFF5-461F-83B8-D44A377EE5D3}" dt="2021-04-27T23:19:23.496" v="30" actId="20577"/>
+      <pc:docMkLst>
+        <pc:docMk/>
+      </pc:docMkLst>
+      <pc:sldChg chg="modSp">
+        <pc:chgData name="Platt, Nathan A" userId="S::nplat2@unh.newhaven.edu::3f443501-7343-4074-b3f9-85f94b5e318f" providerId="AD" clId="Web-{D4736657-BFF5-461F-83B8-D44A377EE5D3}" dt="2021-04-27T23:17:20.010" v="0" actId="20577"/>
+        <pc:sldMkLst>
+          <pc:docMk/>
+          <pc:sldMk cId="1281802549" sldId="270"/>
+        </pc:sldMkLst>
+        <pc:spChg chg="mod">
+          <ac:chgData name="Platt, Nathan A" userId="S::nplat2@unh.newhaven.edu::3f443501-7343-4074-b3f9-85f94b5e318f" providerId="AD" clId="Web-{D4736657-BFF5-461F-83B8-D44A377EE5D3}" dt="2021-04-27T23:17:20.010" v="0" actId="20577"/>
+          <ac:spMkLst>
+            <pc:docMk/>
+            <pc:sldMk cId="1281802549" sldId="270"/>
+            <ac:spMk id="3" creationId="{5296EFA9-A5F6-44B1-A7AF-996B131ECF20}"/>
+          </ac:spMkLst>
+        </pc:spChg>
+      </pc:sldChg>
+      <pc:sldChg chg="modSp">
+        <pc:chgData name="Platt, Nathan A" userId="S::nplat2@unh.newhaven.edu::3f443501-7343-4074-b3f9-85f94b5e318f" providerId="AD" clId="Web-{D4736657-BFF5-461F-83B8-D44A377EE5D3}" dt="2021-04-27T23:18:51.261" v="19" actId="20577"/>
+        <pc:sldMkLst>
+          <pc:docMk/>
+          <pc:sldMk cId="197608093" sldId="278"/>
+        </pc:sldMkLst>
+        <pc:spChg chg="mod">
+          <ac:chgData name="Platt, Nathan A" userId="S::nplat2@unh.newhaven.edu::3f443501-7343-4074-b3f9-85f94b5e318f" providerId="AD" clId="Web-{D4736657-BFF5-461F-83B8-D44A377EE5D3}" dt="2021-04-27T23:18:51.261" v="19" actId="20577"/>
+          <ac:spMkLst>
+            <pc:docMk/>
+            <pc:sldMk cId="197608093" sldId="278"/>
+            <ac:spMk id="3" creationId="{7EE19A41-D7C9-4FD7-8323-B6108835F429}"/>
+          </ac:spMkLst>
+        </pc:spChg>
+      </pc:sldChg>
+      <pc:sldChg chg="modSp">
+        <pc:chgData name="Platt, Nathan A" userId="S::nplat2@unh.newhaven.edu::3f443501-7343-4074-b3f9-85f94b5e318f" providerId="AD" clId="Web-{D4736657-BFF5-461F-83B8-D44A377EE5D3}" dt="2021-04-27T23:19:23.496" v="30" actId="20577"/>
+        <pc:sldMkLst>
+          <pc:docMk/>
+          <pc:sldMk cId="3573308736" sldId="285"/>
+        </pc:sldMkLst>
+        <pc:spChg chg="mod">
+          <ac:chgData name="Platt, Nathan A" userId="S::nplat2@unh.newhaven.edu::3f443501-7343-4074-b3f9-85f94b5e318f" providerId="AD" clId="Web-{D4736657-BFF5-461F-83B8-D44A377EE5D3}" dt="2021-04-27T23:19:23.496" v="30" actId="20577"/>
+          <ac:spMkLst>
+            <pc:docMk/>
+            <pc:sldMk cId="3573308736" sldId="285"/>
+            <ac:spMk id="4" creationId="{03886AAD-D34A-43E3-B38D-3EC9E064F41D}"/>
+          </ac:spMkLst>
+        </pc:spChg>
+      </pc:sldChg>
+      <pc:sldChg chg="modSp">
+        <pc:chgData name="Platt, Nathan A" userId="S::nplat2@unh.newhaven.edu::3f443501-7343-4074-b3f9-85f94b5e318f" providerId="AD" clId="Web-{D4736657-BFF5-461F-83B8-D44A377EE5D3}" dt="2021-04-27T23:19:15.355" v="28" actId="20577"/>
+        <pc:sldMkLst>
+          <pc:docMk/>
+          <pc:sldMk cId="2700944323" sldId="286"/>
+        </pc:sldMkLst>
+        <pc:spChg chg="mod">
+          <ac:chgData name="Platt, Nathan A" userId="S::nplat2@unh.newhaven.edu::3f443501-7343-4074-b3f9-85f94b5e318f" providerId="AD" clId="Web-{D4736657-BFF5-461F-83B8-D44A377EE5D3}" dt="2021-04-27T23:19:15.355" v="28" actId="20577"/>
+          <ac:spMkLst>
+            <pc:docMk/>
+            <pc:sldMk cId="2700944323" sldId="286"/>
+            <ac:spMk id="4" creationId="{D5BD011F-6ACC-49EC-AAA1-F7C0B41BA889}"/>
+          </ac:spMkLst>
+        </pc:spChg>
+      </pc:sldChg>
+      <pc:sldChg chg="modSp">
+        <pc:chgData name="Platt, Nathan A" userId="S::nplat2@unh.newhaven.edu::3f443501-7343-4074-b3f9-85f94b5e318f" providerId="AD" clId="Web-{D4736657-BFF5-461F-83B8-D44A377EE5D3}" dt="2021-04-27T23:19:05.073" v="22" actId="20577"/>
+        <pc:sldMkLst>
+          <pc:docMk/>
+          <pc:sldMk cId="3593942489" sldId="290"/>
+        </pc:sldMkLst>
+        <pc:spChg chg="mod">
+          <ac:chgData name="Platt, Nathan A" userId="S::nplat2@unh.newhaven.edu::3f443501-7343-4074-b3f9-85f94b5e318f" providerId="AD" clId="Web-{D4736657-BFF5-461F-83B8-D44A377EE5D3}" dt="2021-04-27T23:19:05.073" v="22" actId="20577"/>
+          <ac:spMkLst>
+            <pc:docMk/>
+            <pc:sldMk cId="3593942489" sldId="290"/>
+            <ac:spMk id="4" creationId="{25CB230C-8AA8-4F41-8C23-B549FC589B5F}"/>
+          </ac:spMkLst>
+        </pc:spChg>
+      </pc:sldChg>
+      <pc:sldChg chg="modSp">
+        <pc:chgData name="Platt, Nathan A" userId="S::nplat2@unh.newhaven.edu::3f443501-7343-4074-b3f9-85f94b5e318f" providerId="AD" clId="Web-{D4736657-BFF5-461F-83B8-D44A377EE5D3}" dt="2021-04-27T23:19:02.355" v="21" actId="20577"/>
+        <pc:sldMkLst>
+          <pc:docMk/>
+          <pc:sldMk cId="3208458485" sldId="291"/>
+        </pc:sldMkLst>
+        <pc:spChg chg="mod">
+          <ac:chgData name="Platt, Nathan A" userId="S::nplat2@unh.newhaven.edu::3f443501-7343-4074-b3f9-85f94b5e318f" providerId="AD" clId="Web-{D4736657-BFF5-461F-83B8-D44A377EE5D3}" dt="2021-04-27T23:19:02.355" v="21" actId="20577"/>
+          <ac:spMkLst>
+            <pc:docMk/>
+            <pc:sldMk cId="3208458485" sldId="291"/>
+            <ac:spMk id="4" creationId="{2D23E13F-B233-4857-96A4-D3FE240E3BC0}"/>
+          </ac:spMkLst>
+        </pc:spChg>
+      </pc:sldChg>
+      <pc:sldChg chg="addSp delSp modSp">
+        <pc:chgData name="Platt, Nathan A" userId="S::nplat2@unh.newhaven.edu::3f443501-7343-4074-b3f9-85f94b5e318f" providerId="AD" clId="Web-{D4736657-BFF5-461F-83B8-D44A377EE5D3}" dt="2021-04-27T23:18:47.526" v="18" actId="20577"/>
+        <pc:sldMkLst>
+          <pc:docMk/>
+          <pc:sldMk cId="3918642659" sldId="298"/>
+        </pc:sldMkLst>
+        <pc:spChg chg="add del mod">
+          <ac:chgData name="Platt, Nathan A" userId="S::nplat2@unh.newhaven.edu::3f443501-7343-4074-b3f9-85f94b5e318f" providerId="AD" clId="Web-{D4736657-BFF5-461F-83B8-D44A377EE5D3}" dt="2021-04-27T23:18:47.526" v="18" actId="20577"/>
+          <ac:spMkLst>
+            <pc:docMk/>
+            <pc:sldMk cId="3918642659" sldId="298"/>
+            <ac:spMk id="3" creationId="{73E2E4F8-E89F-492F-A71A-4F86F1484437}"/>
+          </ac:spMkLst>
+        </pc:spChg>
+      </pc:sldChg>
+      <pc:sldChg chg="modSp">
+        <pc:chgData name="Platt, Nathan A" userId="S::nplat2@unh.newhaven.edu::3f443501-7343-4074-b3f9-85f94b5e318f" providerId="AD" clId="Web-{D4736657-BFF5-461F-83B8-D44A377EE5D3}" dt="2021-04-27T23:18:03.823" v="8" actId="20577"/>
+        <pc:sldMkLst>
+          <pc:docMk/>
+          <pc:sldMk cId="3711320849" sldId="300"/>
+        </pc:sldMkLst>
+        <pc:spChg chg="mod">
+          <ac:chgData name="Platt, Nathan A" userId="S::nplat2@unh.newhaven.edu::3f443501-7343-4074-b3f9-85f94b5e318f" providerId="AD" clId="Web-{D4736657-BFF5-461F-83B8-D44A377EE5D3}" dt="2021-04-27T23:18:03.823" v="8" actId="20577"/>
+          <ac:spMkLst>
+            <pc:docMk/>
+            <pc:sldMk cId="3711320849" sldId="300"/>
+            <ac:spMk id="3" creationId="{73E2E4F8-E89F-492F-A71A-4F86F1484437}"/>
+          </ac:spMkLst>
+        </pc:spChg>
+      </pc:sldChg>
+      <pc:sldChg chg="modSp">
+        <pc:chgData name="Platt, Nathan A" userId="S::nplat2@unh.newhaven.edu::3f443501-7343-4074-b3f9-85f94b5e318f" providerId="AD" clId="Web-{D4736657-BFF5-461F-83B8-D44A377EE5D3}" dt="2021-04-27T23:19:10.402" v="27" actId="20577"/>
+        <pc:sldMkLst>
+          <pc:docMk/>
+          <pc:sldMk cId="1304346500" sldId="301"/>
+        </pc:sldMkLst>
+        <pc:spChg chg="mod">
+          <ac:chgData name="Platt, Nathan A" userId="S::nplat2@unh.newhaven.edu::3f443501-7343-4074-b3f9-85f94b5e318f" providerId="AD" clId="Web-{D4736657-BFF5-461F-83B8-D44A377EE5D3}" dt="2021-04-27T23:19:10.402" v="27" actId="20577"/>
+          <ac:spMkLst>
+            <pc:docMk/>
+            <pc:sldMk cId="1304346500" sldId="301"/>
+            <ac:spMk id="4" creationId="{A4C9F6C3-D099-47D5-A3E7-F11BA13D6846}"/>
+          </ac:spMkLst>
+        </pc:spChg>
+      </pc:sldChg>
+      <pc:sldChg chg="modSp">
+        <pc:chgData name="Platt, Nathan A" userId="S::nplat2@unh.newhaven.edu::3f443501-7343-4074-b3f9-85f94b5e318f" providerId="AD" clId="Web-{D4736657-BFF5-461F-83B8-D44A377EE5D3}" dt="2021-04-27T23:18:18.698" v="14" actId="20577"/>
+        <pc:sldMkLst>
+          <pc:docMk/>
+          <pc:sldMk cId="3002629799" sldId="302"/>
+        </pc:sldMkLst>
+        <pc:spChg chg="mod">
+          <ac:chgData name="Platt, Nathan A" userId="S::nplat2@unh.newhaven.edu::3f443501-7343-4074-b3f9-85f94b5e318f" providerId="AD" clId="Web-{D4736657-BFF5-461F-83B8-D44A377EE5D3}" dt="2021-04-27T23:18:18.698" v="14" actId="20577"/>
+          <ac:spMkLst>
+            <pc:docMk/>
+            <pc:sldMk cId="3002629799" sldId="302"/>
+            <ac:spMk id="3" creationId="{73E2E4F8-E89F-492F-A71A-4F86F1484437}"/>
+          </ac:spMkLst>
+        </pc:spChg>
+      </pc:sldChg>
+      <pc:sldChg chg="modSp">
+        <pc:chgData name="Platt, Nathan A" userId="S::nplat2@unh.newhaven.edu::3f443501-7343-4074-b3f9-85f94b5e318f" providerId="AD" clId="Web-{D4736657-BFF5-461F-83B8-D44A377EE5D3}" dt="2021-04-27T23:18:08.604" v="11" actId="20577"/>
+        <pc:sldMkLst>
+          <pc:docMk/>
+          <pc:sldMk cId="665784133" sldId="303"/>
+        </pc:sldMkLst>
+        <pc:spChg chg="mod">
+          <ac:chgData name="Platt, Nathan A" userId="S::nplat2@unh.newhaven.edu::3f443501-7343-4074-b3f9-85f94b5e318f" providerId="AD" clId="Web-{D4736657-BFF5-461F-83B8-D44A377EE5D3}" dt="2021-04-27T23:18:08.604" v="11" actId="20577"/>
+          <ac:spMkLst>
+            <pc:docMk/>
+            <pc:sldMk cId="665784133" sldId="303"/>
+            <ac:spMk id="3" creationId="{73E2E4F8-E89F-492F-A71A-4F86F1484437}"/>
+          </ac:spMkLst>
+        </pc:spChg>
+      </pc:sldChg>
+      <pc:sldChg chg="modSp">
+        <pc:chgData name="Platt, Nathan A" userId="S::nplat2@unh.newhaven.edu::3f443501-7343-4074-b3f9-85f94b5e318f" providerId="AD" clId="Web-{D4736657-BFF5-461F-83B8-D44A377EE5D3}" dt="2021-04-27T23:17:57.979" v="6" actId="20577"/>
+        <pc:sldMkLst>
+          <pc:docMk/>
+          <pc:sldMk cId="1484505591" sldId="304"/>
+        </pc:sldMkLst>
+        <pc:spChg chg="mod">
+          <ac:chgData name="Platt, Nathan A" userId="S::nplat2@unh.newhaven.edu::3f443501-7343-4074-b3f9-85f94b5e318f" providerId="AD" clId="Web-{D4736657-BFF5-461F-83B8-D44A377EE5D3}" dt="2021-04-27T23:17:57.979" v="6" actId="20577"/>
+          <ac:spMkLst>
+            <pc:docMk/>
+            <pc:sldMk cId="1484505591" sldId="304"/>
+            <ac:spMk id="3" creationId="{73E2E4F8-E89F-492F-A71A-4F86F1484437}"/>
+          </ac:spMkLst>
+        </pc:spChg>
+      </pc:sldChg>
+      <pc:sldChg chg="modSp">
+        <pc:chgData name="Platt, Nathan A" userId="S::nplat2@unh.newhaven.edu::3f443501-7343-4074-b3f9-85f94b5e318f" providerId="AD" clId="Web-{D4736657-BFF5-461F-83B8-D44A377EE5D3}" dt="2021-04-27T23:17:54.635" v="4" actId="20577"/>
+        <pc:sldMkLst>
+          <pc:docMk/>
+          <pc:sldMk cId="4151170546" sldId="305"/>
+        </pc:sldMkLst>
+        <pc:spChg chg="mod">
+          <ac:chgData name="Platt, Nathan A" userId="S::nplat2@unh.newhaven.edu::3f443501-7343-4074-b3f9-85f94b5e318f" providerId="AD" clId="Web-{D4736657-BFF5-461F-83B8-D44A377EE5D3}" dt="2021-04-27T23:17:54.635" v="4" actId="20577"/>
+          <ac:spMkLst>
+            <pc:docMk/>
+            <pc:sldMk cId="4151170546" sldId="305"/>
+            <ac:spMk id="3" creationId="{8DB99081-4A4A-45FC-905D-58CEE8DE6B81}"/>
+          </ac:spMkLst>
+        </pc:spChg>
+      </pc:sldChg>
+      <pc:sldChg chg="modSp">
+        <pc:chgData name="Platt, Nathan A" userId="S::nplat2@unh.newhaven.edu::3f443501-7343-4074-b3f9-85f94b5e318f" providerId="AD" clId="Web-{D4736657-BFF5-461F-83B8-D44A377EE5D3}" dt="2021-04-27T23:17:23.775" v="2" actId="20577"/>
+        <pc:sldMkLst>
+          <pc:docMk/>
+          <pc:sldMk cId="1797361430" sldId="306"/>
+        </pc:sldMkLst>
+        <pc:spChg chg="mod">
+          <ac:chgData name="Platt, Nathan A" userId="S::nplat2@unh.newhaven.edu::3f443501-7343-4074-b3f9-85f94b5e318f" providerId="AD" clId="Web-{D4736657-BFF5-461F-83B8-D44A377EE5D3}" dt="2021-04-27T23:17:23.775" v="2" actId="20577"/>
+          <ac:spMkLst>
+            <pc:docMk/>
+            <pc:sldMk cId="1797361430" sldId="306"/>
+            <ac:spMk id="4" creationId="{7E51A19D-B318-4DDD-B3F7-51FF39009DC7}"/>
+          </ac:spMkLst>
+        </pc:spChg>
+      </pc:sldChg>
+    </pc:docChg>
+  </pc:docChgLst>
+  <pc:docChgLst>
+    <pc:chgData name="Carlow, Emily R" userId="bb5c094f-4815-4b8e-a348-fc8fb9e78a2c" providerId="ADAL" clId="{BB529CD4-4DFC-4DBD-98B4-F6CB1580D380}"/>
+    <pc:docChg chg="modSld">
+      <pc:chgData name="Carlow, Emily R" userId="bb5c094f-4815-4b8e-a348-fc8fb9e78a2c" providerId="ADAL" clId="{BB529CD4-4DFC-4DBD-98B4-F6CB1580D380}" dt="2021-04-27T23:44:37.381" v="1" actId="1076"/>
+      <pc:docMkLst>
+        <pc:docMk/>
+      </pc:docMkLst>
+      <pc:sldChg chg="modSp mod">
+        <pc:chgData name="Carlow, Emily R" userId="bb5c094f-4815-4b8e-a348-fc8fb9e78a2c" providerId="ADAL" clId="{BB529CD4-4DFC-4DBD-98B4-F6CB1580D380}" dt="2021-04-27T23:44:37.381" v="1" actId="1076"/>
+        <pc:sldMkLst>
+          <pc:docMk/>
+          <pc:sldMk cId="197608093" sldId="278"/>
+        </pc:sldMkLst>
+        <pc:picChg chg="mod">
+          <ac:chgData name="Carlow, Emily R" userId="bb5c094f-4815-4b8e-a348-fc8fb9e78a2c" providerId="ADAL" clId="{BB529CD4-4DFC-4DBD-98B4-F6CB1580D380}" dt="2021-04-27T23:44:37.381" v="1" actId="1076"/>
+          <ac:picMkLst>
+            <pc:docMk/>
+            <pc:sldMk cId="197608093" sldId="278"/>
+            <ac:picMk id="5" creationId="{2E77CA67-3AE6-4133-B76B-FAD7DB8B9242}"/>
+          </ac:picMkLst>
+        </pc:picChg>
+      </pc:sldChg>
+    </pc:docChg>
+  </pc:docChgLst>
+  <pc:docChgLst>
+    <pc:chgData name="Platt, Nathan A" userId="S::nplat2@unh.newhaven.edu::3f443501-7343-4074-b3f9-85f94b5e318f" providerId="AD" clId="Web-{2E2C830F-E56D-49CF-B1B3-A01707161BFD}"/>
+    <pc:docChg chg="modSld">
+      <pc:chgData name="Platt, Nathan A" userId="S::nplat2@unh.newhaven.edu::3f443501-7343-4074-b3f9-85f94b5e318f" providerId="AD" clId="Web-{2E2C830F-E56D-49CF-B1B3-A01707161BFD}" dt="2021-04-23T19:34:47.065" v="90" actId="20577"/>
+      <pc:docMkLst>
+        <pc:docMk/>
+      </pc:docMkLst>
+      <pc:sldChg chg="modSp">
+        <pc:chgData name="Platt, Nathan A" userId="S::nplat2@unh.newhaven.edu::3f443501-7343-4074-b3f9-85f94b5e318f" providerId="AD" clId="Web-{2E2C830F-E56D-49CF-B1B3-A01707161BFD}" dt="2021-04-23T19:34:47.065" v="90" actId="20577"/>
+        <pc:sldMkLst>
+          <pc:docMk/>
+          <pc:sldMk cId="1179845280" sldId="280"/>
+        </pc:sldMkLst>
+        <pc:spChg chg="mod">
+          <ac:chgData name="Platt, Nathan A" userId="S::nplat2@unh.newhaven.edu::3f443501-7343-4074-b3f9-85f94b5e318f" providerId="AD" clId="Web-{2E2C830F-E56D-49CF-B1B3-A01707161BFD}" dt="2021-04-23T19:31:40.295" v="26" actId="20577"/>
+          <ac:spMkLst>
+            <pc:docMk/>
+            <pc:sldMk cId="1179845280" sldId="280"/>
+            <ac:spMk id="2" creationId="{CF115AAF-4D07-4F39-91BE-111C793C8062}"/>
+          </ac:spMkLst>
+        </pc:spChg>
+        <pc:spChg chg="mod">
+          <ac:chgData name="Platt, Nathan A" userId="S::nplat2@unh.newhaven.edu::3f443501-7343-4074-b3f9-85f94b5e318f" providerId="AD" clId="Web-{2E2C830F-E56D-49CF-B1B3-A01707161BFD}" dt="2021-04-23T19:34:47.065" v="90" actId="20577"/>
+          <ac:spMkLst>
+            <pc:docMk/>
+            <pc:sldMk cId="1179845280" sldId="280"/>
+            <ac:spMk id="3" creationId="{FC128248-315A-454F-A237-D423786702DD}"/>
+          </ac:spMkLst>
+        </pc:spChg>
+      </pc:sldChg>
+    </pc:docChg>
+  </pc:docChgLst>
+  <pc:docChgLst>
+    <pc:chgData name="Carlow, Emily R" userId="S::ecarl3@unh.newhaven.edu::bb5c094f-4815-4b8e-a348-fc8fb9e78a2c" providerId="AD" clId="Web-{58F212C0-7ADB-4042-AA40-62719F2CDAE8}"/>
+    <pc:docChg chg="addSld modSld">
+      <pc:chgData name="Carlow, Emily R" userId="S::ecarl3@unh.newhaven.edu::bb5c094f-4815-4b8e-a348-fc8fb9e78a2c" providerId="AD" clId="Web-{58F212C0-7ADB-4042-AA40-62719F2CDAE8}" dt="2021-04-26T20:34:52.351" v="776" actId="20577"/>
+      <pc:docMkLst>
+        <pc:docMk/>
+      </pc:docMkLst>
+      <pc:sldChg chg="modSp">
+        <pc:chgData name="Carlow, Emily R" userId="S::ecarl3@unh.newhaven.edu::bb5c094f-4815-4b8e-a348-fc8fb9e78a2c" providerId="AD" clId="Web-{58F212C0-7ADB-4042-AA40-62719F2CDAE8}" dt="2021-04-26T20:21:28.280" v="325" actId="20577"/>
+        <pc:sldMkLst>
+          <pc:docMk/>
+          <pc:sldMk cId="4151170546" sldId="305"/>
+        </pc:sldMkLst>
+        <pc:spChg chg="mod">
+          <ac:chgData name="Carlow, Emily R" userId="S::ecarl3@unh.newhaven.edu::bb5c094f-4815-4b8e-a348-fc8fb9e78a2c" providerId="AD" clId="Web-{58F212C0-7ADB-4042-AA40-62719F2CDAE8}" dt="2021-04-26T20:21:28.280" v="325" actId="20577"/>
+          <ac:spMkLst>
+            <pc:docMk/>
+            <pc:sldMk cId="4151170546" sldId="305"/>
+            <ac:spMk id="4" creationId="{9ECF545B-B5B8-4C50-9226-7B991A1CF1A3}"/>
+          </ac:spMkLst>
+        </pc:spChg>
+      </pc:sldChg>
+      <pc:sldChg chg="modSp new">
+        <pc:chgData name="Carlow, Emily R" userId="S::ecarl3@unh.newhaven.edu::bb5c094f-4815-4b8e-a348-fc8fb9e78a2c" providerId="AD" clId="Web-{58F212C0-7ADB-4042-AA40-62719F2CDAE8}" dt="2021-04-26T20:34:52.351" v="776" actId="20577"/>
+        <pc:sldMkLst>
+          <pc:docMk/>
+          <pc:sldMk cId="1797361430" sldId="306"/>
+        </pc:sldMkLst>
+        <pc:spChg chg="mod">
+          <ac:chgData name="Carlow, Emily R" userId="S::ecarl3@unh.newhaven.edu::bb5c094f-4815-4b8e-a348-fc8fb9e78a2c" providerId="AD" clId="Web-{58F212C0-7ADB-4042-AA40-62719F2CDAE8}" dt="2021-04-26T20:22:24.047" v="330" actId="14100"/>
+          <ac:spMkLst>
+            <pc:docMk/>
+            <pc:sldMk cId="1797361430" sldId="306"/>
+            <ac:spMk id="2" creationId="{FB1A5A22-30B6-4685-B691-97F97226BAF2}"/>
+          </ac:spMkLst>
+        </pc:spChg>
+        <pc:spChg chg="mod">
+          <ac:chgData name="Carlow, Emily R" userId="S::ecarl3@unh.newhaven.edu::bb5c094f-4815-4b8e-a348-fc8fb9e78a2c" providerId="AD" clId="Web-{58F212C0-7ADB-4042-AA40-62719F2CDAE8}" dt="2021-04-26T20:34:52.351" v="776" actId="20577"/>
+          <ac:spMkLst>
+            <pc:docMk/>
+            <pc:sldMk cId="1797361430" sldId="306"/>
+            <ac:spMk id="3" creationId="{FCF9AFB3-1EDB-4898-BA54-6E6ECE03E8E2}"/>
+          </ac:spMkLst>
+        </pc:spChg>
+      </pc:sldChg>
+    </pc:docChg>
+  </pc:docChgLst>
+  <pc:docChgLst>
+    <pc:chgData name="Hossain, Ahmed Muntasir" userId="256dcaa3-c318-45c7-891d-75ee5ae60a08" providerId="ADAL" clId="{8413FA2F-6758-4782-A0DC-A1DC28597E5B}"/>
+    <pc:docChg chg="undo custSel modSld">
+      <pc:chgData name="Hossain, Ahmed Muntasir" userId="256dcaa3-c318-45c7-891d-75ee5ae60a08" providerId="ADAL" clId="{8413FA2F-6758-4782-A0DC-A1DC28597E5B}" dt="2021-04-27T23:22:34.059" v="104" actId="20577"/>
+      <pc:docMkLst>
+        <pc:docMk/>
+      </pc:docMkLst>
+      <pc:sldChg chg="delSp mod">
+        <pc:chgData name="Hossain, Ahmed Muntasir" userId="256dcaa3-c318-45c7-891d-75ee5ae60a08" providerId="ADAL" clId="{8413FA2F-6758-4782-A0DC-A1DC28597E5B}" dt="2021-04-27T23:17:02.808" v="4" actId="478"/>
+        <pc:sldMkLst>
+          <pc:docMk/>
+          <pc:sldMk cId="4044548724" sldId="262"/>
+        </pc:sldMkLst>
+        <pc:spChg chg="del">
+          <ac:chgData name="Hossain, Ahmed Muntasir" userId="256dcaa3-c318-45c7-891d-75ee5ae60a08" providerId="ADAL" clId="{8413FA2F-6758-4782-A0DC-A1DC28597E5B}" dt="2021-04-27T23:17:02.808" v="4" actId="478"/>
+          <ac:spMkLst>
+            <pc:docMk/>
+            <pc:sldMk cId="4044548724" sldId="262"/>
+            <ac:spMk id="5" creationId="{97499803-59AC-435A-99BE-7D5D8297A4AC}"/>
+          </ac:spMkLst>
+        </pc:spChg>
+      </pc:sldChg>
+      <pc:sldChg chg="modSp mod">
+        <pc:chgData name="Hossain, Ahmed Muntasir" userId="256dcaa3-c318-45c7-891d-75ee5ae60a08" providerId="ADAL" clId="{8413FA2F-6758-4782-A0DC-A1DC28597E5B}" dt="2021-04-27T23:22:34.059" v="104" actId="20577"/>
+        <pc:sldMkLst>
+          <pc:docMk/>
+          <pc:sldMk cId="1281802549" sldId="270"/>
+        </pc:sldMkLst>
+        <pc:spChg chg="mod">
+          <ac:chgData name="Hossain, Ahmed Muntasir" userId="256dcaa3-c318-45c7-891d-75ee5ae60a08" providerId="ADAL" clId="{8413FA2F-6758-4782-A0DC-A1DC28597E5B}" dt="2021-04-27T23:22:34.059" v="104" actId="20577"/>
+          <ac:spMkLst>
+            <pc:docMk/>
+            <pc:sldMk cId="1281802549" sldId="270"/>
+            <ac:spMk id="3" creationId="{5296EFA9-A5F6-44B1-A7AF-996B131ECF20}"/>
+          </ac:spMkLst>
+        </pc:spChg>
+      </pc:sldChg>
+      <pc:sldChg chg="modSp mod">
+        <pc:chgData name="Hossain, Ahmed Muntasir" userId="256dcaa3-c318-45c7-891d-75ee5ae60a08" providerId="ADAL" clId="{8413FA2F-6758-4782-A0DC-A1DC28597E5B}" dt="2021-04-27T23:17:52.327" v="10" actId="20577"/>
+        <pc:sldMkLst>
+          <pc:docMk/>
+          <pc:sldMk cId="2528755128" sldId="271"/>
+        </pc:sldMkLst>
+        <pc:spChg chg="mod">
+          <ac:chgData name="Hossain, Ahmed Muntasir" userId="256dcaa3-c318-45c7-891d-75ee5ae60a08" providerId="ADAL" clId="{8413FA2F-6758-4782-A0DC-A1DC28597E5B}" dt="2021-04-27T23:17:52.327" v="10" actId="20577"/>
+          <ac:spMkLst>
+            <pc:docMk/>
+            <pc:sldMk cId="2528755128" sldId="271"/>
+            <ac:spMk id="4" creationId="{65C62BE1-8EBA-41AE-9EF7-038D204609C9}"/>
+          </ac:spMkLst>
+        </pc:spChg>
+      </pc:sldChg>
+      <pc:sldChg chg="modSp mod">
+        <pc:chgData name="Hossain, Ahmed Muntasir" userId="256dcaa3-c318-45c7-891d-75ee5ae60a08" providerId="ADAL" clId="{8413FA2F-6758-4782-A0DC-A1DC28597E5B}" dt="2021-04-27T23:18:52.366" v="29" actId="1076"/>
+        <pc:sldMkLst>
+          <pc:docMk/>
+          <pc:sldMk cId="4024084921" sldId="272"/>
+        </pc:sldMkLst>
+        <pc:spChg chg="mod">
+          <ac:chgData name="Hossain, Ahmed Muntasir" userId="256dcaa3-c318-45c7-891d-75ee5ae60a08" providerId="ADAL" clId="{8413FA2F-6758-4782-A0DC-A1DC28597E5B}" dt="2021-04-27T23:18:44.557" v="28" actId="20577"/>
+          <ac:spMkLst>
+            <pc:docMk/>
+            <pc:sldMk cId="4024084921" sldId="272"/>
+            <ac:spMk id="3" creationId="{73E2E4F8-E89F-492F-A71A-4F86F1484437}"/>
+          </ac:spMkLst>
+        </pc:spChg>
+        <pc:spChg chg="mod">
+          <ac:chgData name="Hossain, Ahmed Muntasir" userId="256dcaa3-c318-45c7-891d-75ee5ae60a08" providerId="ADAL" clId="{8413FA2F-6758-4782-A0DC-A1DC28597E5B}" dt="2021-04-27T23:18:52.366" v="29" actId="1076"/>
+          <ac:spMkLst>
+            <pc:docMk/>
+            <pc:sldMk cId="4024084921" sldId="272"/>
+            <ac:spMk id="4" creationId="{CE89AE68-8584-4C58-8DAD-583C73B9566B}"/>
+          </ac:spMkLst>
+        </pc:spChg>
+      </pc:sldChg>
+      <pc:sldChg chg="modSp mod">
+        <pc:chgData name="Hossain, Ahmed Muntasir" userId="256dcaa3-c318-45c7-891d-75ee5ae60a08" providerId="ADAL" clId="{8413FA2F-6758-4782-A0DC-A1DC28597E5B}" dt="2021-04-27T23:20:21.082" v="40" actId="20577"/>
+        <pc:sldMkLst>
+          <pc:docMk/>
+          <pc:sldMk cId="2682829407" sldId="273"/>
+        </pc:sldMkLst>
+        <pc:spChg chg="mod">
+          <ac:chgData name="Hossain, Ahmed Muntasir" userId="256dcaa3-c318-45c7-891d-75ee5ae60a08" providerId="ADAL" clId="{8413FA2F-6758-4782-A0DC-A1DC28597E5B}" dt="2021-04-27T23:20:21.082" v="40" actId="20577"/>
+          <ac:spMkLst>
+            <pc:docMk/>
+            <pc:sldMk cId="2682829407" sldId="273"/>
+            <ac:spMk id="4" creationId="{0CF8C109-EEFA-4270-ABB4-0544C88C79F1}"/>
+          </ac:spMkLst>
+        </pc:spChg>
+      </pc:sldChg>
+      <pc:sldChg chg="modSp mod">
+        <pc:chgData name="Hossain, Ahmed Muntasir" userId="256dcaa3-c318-45c7-891d-75ee5ae60a08" providerId="ADAL" clId="{8413FA2F-6758-4782-A0DC-A1DC28597E5B}" dt="2021-04-27T23:17:45.316" v="8" actId="20577"/>
+        <pc:sldMkLst>
+          <pc:docMk/>
+          <pc:sldMk cId="2164231458" sldId="275"/>
+        </pc:sldMkLst>
+        <pc:spChg chg="mod">
+          <ac:chgData name="Hossain, Ahmed Muntasir" userId="256dcaa3-c318-45c7-891d-75ee5ae60a08" providerId="ADAL" clId="{8413FA2F-6758-4782-A0DC-A1DC28597E5B}" dt="2021-04-27T23:17:45.316" v="8" actId="20577"/>
+          <ac:spMkLst>
+            <pc:docMk/>
+            <pc:sldMk cId="2164231458" sldId="275"/>
+            <ac:spMk id="3" creationId="{B11B4A5E-8576-4D8C-B6C5-3B34CD338821}"/>
+          </ac:spMkLst>
+        </pc:spChg>
+      </pc:sldChg>
+      <pc:sldChg chg="modSp mod modNotesTx">
+        <pc:chgData name="Hossain, Ahmed Muntasir" userId="256dcaa3-c318-45c7-891d-75ee5ae60a08" providerId="ADAL" clId="{8413FA2F-6758-4782-A0DC-A1DC28597E5B}" dt="2021-04-27T23:17:56.137" v="12" actId="20577"/>
+        <pc:sldMkLst>
+          <pc:docMk/>
+          <pc:sldMk cId="2089004303" sldId="276"/>
+        </pc:sldMkLst>
+        <pc:spChg chg="mod">
+          <ac:chgData name="Hossain, Ahmed Muntasir" userId="256dcaa3-c318-45c7-891d-75ee5ae60a08" providerId="ADAL" clId="{8413FA2F-6758-4782-A0DC-A1DC28597E5B}" dt="2021-04-27T23:17:56.137" v="12" actId="20577"/>
+          <ac:spMkLst>
+            <pc:docMk/>
+            <pc:sldMk cId="2089004303" sldId="276"/>
+            <ac:spMk id="4" creationId="{A22F7163-2727-46FF-A68C-83A40ADA9F19}"/>
+          </ac:spMkLst>
+        </pc:spChg>
+      </pc:sldChg>
+      <pc:sldChg chg="modSp mod">
+        <pc:chgData name="Hossain, Ahmed Muntasir" userId="256dcaa3-c318-45c7-891d-75ee5ae60a08" providerId="ADAL" clId="{8413FA2F-6758-4782-A0DC-A1DC28597E5B}" dt="2021-04-27T23:20:00.216" v="33" actId="20577"/>
+        <pc:sldMkLst>
+          <pc:docMk/>
+          <pc:sldMk cId="1191759795" sldId="277"/>
+        </pc:sldMkLst>
+        <pc:spChg chg="mod">
+          <ac:chgData name="Hossain, Ahmed Muntasir" userId="256dcaa3-c318-45c7-891d-75ee5ae60a08" providerId="ADAL" clId="{8413FA2F-6758-4782-A0DC-A1DC28597E5B}" dt="2021-04-27T23:20:00.216" v="33" actId="20577"/>
+          <ac:spMkLst>
+            <pc:docMk/>
+            <pc:sldMk cId="1191759795" sldId="277"/>
+            <ac:spMk id="4" creationId="{F0DD0574-39CB-46FC-AA76-3B55CFBD109B}"/>
+          </ac:spMkLst>
+        </pc:spChg>
+      </pc:sldChg>
+      <pc:sldChg chg="modSp mod">
+        <pc:chgData name="Hossain, Ahmed Muntasir" userId="256dcaa3-c318-45c7-891d-75ee5ae60a08" providerId="ADAL" clId="{8413FA2F-6758-4782-A0DC-A1DC28597E5B}" dt="2021-04-27T23:21:22.158" v="80" actId="20577"/>
+        <pc:sldMkLst>
+          <pc:docMk/>
+          <pc:sldMk cId="197608093" sldId="278"/>
+        </pc:sldMkLst>
+        <pc:spChg chg="mod">
+          <ac:chgData name="Hossain, Ahmed Muntasir" userId="256dcaa3-c318-45c7-891d-75ee5ae60a08" providerId="ADAL" clId="{8413FA2F-6758-4782-A0DC-A1DC28597E5B}" dt="2021-04-27T23:21:22.158" v="80" actId="20577"/>
+          <ac:spMkLst>
+            <pc:docMk/>
+            <pc:sldMk cId="197608093" sldId="278"/>
+            <ac:spMk id="3" creationId="{7EE19A41-D7C9-4FD7-8323-B6108835F429}"/>
+          </ac:spMkLst>
+        </pc:spChg>
+      </pc:sldChg>
+      <pc:sldChg chg="modSp mod">
+        <pc:chgData name="Hossain, Ahmed Muntasir" userId="256dcaa3-c318-45c7-891d-75ee5ae60a08" providerId="ADAL" clId="{8413FA2F-6758-4782-A0DC-A1DC28597E5B}" dt="2021-04-27T23:18:23.937" v="21" actId="20577"/>
+        <pc:sldMkLst>
+          <pc:docMk/>
+          <pc:sldMk cId="3460058106" sldId="279"/>
+        </pc:sldMkLst>
+        <pc:spChg chg="mod">
+          <ac:chgData name="Hossain, Ahmed Muntasir" userId="256dcaa3-c318-45c7-891d-75ee5ae60a08" providerId="ADAL" clId="{8413FA2F-6758-4782-A0DC-A1DC28597E5B}" dt="2021-04-27T23:18:23.937" v="21" actId="20577"/>
+          <ac:spMkLst>
+            <pc:docMk/>
+            <pc:sldMk cId="3460058106" sldId="279"/>
+            <ac:spMk id="4" creationId="{371B3585-DB57-414A-9B0E-128DDB80E860}"/>
+          </ac:spMkLst>
+        </pc:spChg>
+      </pc:sldChg>
+      <pc:sldChg chg="modSp mod">
+        <pc:chgData name="Hossain, Ahmed Muntasir" userId="256dcaa3-c318-45c7-891d-75ee5ae60a08" providerId="ADAL" clId="{8413FA2F-6758-4782-A0DC-A1DC28597E5B}" dt="2021-04-27T23:17:10.101" v="6" actId="20577"/>
+        <pc:sldMkLst>
+          <pc:docMk/>
+          <pc:sldMk cId="1179845280" sldId="280"/>
+        </pc:sldMkLst>
+        <pc:spChg chg="mod">
+          <ac:chgData name="Hossain, Ahmed Muntasir" userId="256dcaa3-c318-45c7-891d-75ee5ae60a08" providerId="ADAL" clId="{8413FA2F-6758-4782-A0DC-A1DC28597E5B}" dt="2021-04-27T23:17:10.101" v="6" actId="20577"/>
+          <ac:spMkLst>
+            <pc:docMk/>
+            <pc:sldMk cId="1179845280" sldId="280"/>
+            <ac:spMk id="4" creationId="{4BA15660-0A3D-4EE2-AAC5-E6C9D851AD5C}"/>
+          </ac:spMkLst>
+        </pc:spChg>
+      </pc:sldChg>
+      <pc:sldChg chg="modSp mod">
+        <pc:chgData name="Hossain, Ahmed Muntasir" userId="256dcaa3-c318-45c7-891d-75ee5ae60a08" providerId="ADAL" clId="{8413FA2F-6758-4782-A0DC-A1DC28597E5B}" dt="2021-04-27T23:20:43.038" v="60" actId="20577"/>
+        <pc:sldMkLst>
+          <pc:docMk/>
+          <pc:sldMk cId="1593732696" sldId="281"/>
+        </pc:sldMkLst>
+        <pc:spChg chg="mod">
+          <ac:chgData name="Hossain, Ahmed Muntasir" userId="256dcaa3-c318-45c7-891d-75ee5ae60a08" providerId="ADAL" clId="{8413FA2F-6758-4782-A0DC-A1DC28597E5B}" dt="2021-04-27T23:20:43.038" v="60" actId="20577"/>
+          <ac:spMkLst>
+            <pc:docMk/>
+            <pc:sldMk cId="1593732696" sldId="281"/>
+            <ac:spMk id="4" creationId="{05D7D9DA-0D15-4A09-9035-C5EFF400295A}"/>
+          </ac:spMkLst>
+        </pc:spChg>
+      </pc:sldChg>
+      <pc:sldChg chg="modSp mod">
+        <pc:chgData name="Hossain, Ahmed Muntasir" userId="256dcaa3-c318-45c7-891d-75ee5ae60a08" providerId="ADAL" clId="{8413FA2F-6758-4782-A0DC-A1DC28597E5B}" dt="2021-04-27T23:20:26.937" v="43" actId="20577"/>
+        <pc:sldMkLst>
+          <pc:docMk/>
+          <pc:sldMk cId="3501706458" sldId="282"/>
+        </pc:sldMkLst>
+        <pc:spChg chg="mod">
+          <ac:chgData name="Hossain, Ahmed Muntasir" userId="256dcaa3-c318-45c7-891d-75ee5ae60a08" providerId="ADAL" clId="{8413FA2F-6758-4782-A0DC-A1DC28597E5B}" dt="2021-04-27T23:20:26.937" v="43" actId="20577"/>
+          <ac:spMkLst>
+            <pc:docMk/>
+            <pc:sldMk cId="3501706458" sldId="282"/>
+            <ac:spMk id="4" creationId="{0CF8C109-EEFA-4270-ABB4-0544C88C79F1}"/>
+          </ac:spMkLst>
+        </pc:spChg>
+      </pc:sldChg>
+      <pc:sldChg chg="modSp mod">
+        <pc:chgData name="Hossain, Ahmed Muntasir" userId="256dcaa3-c318-45c7-891d-75ee5ae60a08" providerId="ADAL" clId="{8413FA2F-6758-4782-A0DC-A1DC28597E5B}" dt="2021-04-27T23:18:00.967" v="14" actId="20577"/>
+        <pc:sldMkLst>
+          <pc:docMk/>
+          <pc:sldMk cId="3318988121" sldId="283"/>
+        </pc:sldMkLst>
+        <pc:spChg chg="mod">
+          <ac:chgData name="Hossain, Ahmed Muntasir" userId="256dcaa3-c318-45c7-891d-75ee5ae60a08" providerId="ADAL" clId="{8413FA2F-6758-4782-A0DC-A1DC28597E5B}" dt="2021-04-27T23:18:00.967" v="14" actId="20577"/>
+          <ac:spMkLst>
+            <pc:docMk/>
+            <pc:sldMk cId="3318988121" sldId="283"/>
+            <ac:spMk id="4" creationId="{A22F7163-2727-46FF-A68C-83A40ADA9F19}"/>
+          </ac:spMkLst>
+        </pc:spChg>
+      </pc:sldChg>
+      <pc:sldChg chg="modSp mod">
+        <pc:chgData name="Hossain, Ahmed Muntasir" userId="256dcaa3-c318-45c7-891d-75ee5ae60a08" providerId="ADAL" clId="{8413FA2F-6758-4782-A0DC-A1DC28597E5B}" dt="2021-04-27T23:20:47.696" v="62" actId="20577"/>
+        <pc:sldMkLst>
+          <pc:docMk/>
+          <pc:sldMk cId="3021861622" sldId="284"/>
+        </pc:sldMkLst>
+        <pc:spChg chg="mod">
+          <ac:chgData name="Hossain, Ahmed Muntasir" userId="256dcaa3-c318-45c7-891d-75ee5ae60a08" providerId="ADAL" clId="{8413FA2F-6758-4782-A0DC-A1DC28597E5B}" dt="2021-04-27T23:20:47.696" v="62" actId="20577"/>
+          <ac:spMkLst>
+            <pc:docMk/>
+            <pc:sldMk cId="3021861622" sldId="284"/>
+            <ac:spMk id="4" creationId="{EC64599A-0DB1-4305-847F-4014B9075142}"/>
+          </ac:spMkLst>
+        </pc:spChg>
+      </pc:sldChg>
+      <pc:sldChg chg="modSp mod">
+        <pc:chgData name="Hossain, Ahmed Muntasir" userId="256dcaa3-c318-45c7-891d-75ee5ae60a08" providerId="ADAL" clId="{8413FA2F-6758-4782-A0DC-A1DC28597E5B}" dt="2021-04-27T23:20:57.857" v="66" actId="20577"/>
+        <pc:sldMkLst>
+          <pc:docMk/>
+          <pc:sldMk cId="3573308736" sldId="285"/>
+        </pc:sldMkLst>
+        <pc:spChg chg="mod">
+          <ac:chgData name="Hossain, Ahmed Muntasir" userId="256dcaa3-c318-45c7-891d-75ee5ae60a08" providerId="ADAL" clId="{8413FA2F-6758-4782-A0DC-A1DC28597E5B}" dt="2021-04-27T23:20:57.857" v="66" actId="20577"/>
+          <ac:spMkLst>
+            <pc:docMk/>
+            <pc:sldMk cId="3573308736" sldId="285"/>
+            <ac:spMk id="4" creationId="{03886AAD-D34A-43E3-B38D-3EC9E064F41D}"/>
+          </ac:spMkLst>
+        </pc:spChg>
+      </pc:sldChg>
+      <pc:sldChg chg="modSp mod">
+        <pc:chgData name="Hossain, Ahmed Muntasir" userId="256dcaa3-c318-45c7-891d-75ee5ae60a08" providerId="ADAL" clId="{8413FA2F-6758-4782-A0DC-A1DC28597E5B}" dt="2021-04-27T23:21:02.648" v="68" actId="20577"/>
+        <pc:sldMkLst>
+          <pc:docMk/>
+          <pc:sldMk cId="2700944323" sldId="286"/>
+        </pc:sldMkLst>
+        <pc:spChg chg="mod">
+          <ac:chgData name="Hossain, Ahmed Muntasir" userId="256dcaa3-c318-45c7-891d-75ee5ae60a08" providerId="ADAL" clId="{8413FA2F-6758-4782-A0DC-A1DC28597E5B}" dt="2021-04-27T23:21:02.648" v="68" actId="20577"/>
+          <ac:spMkLst>
+            <pc:docMk/>
+            <pc:sldMk cId="2700944323" sldId="286"/>
+            <ac:spMk id="4" creationId="{D5BD011F-6ACC-49EC-AAA1-F7C0B41BA889}"/>
+          </ac:spMkLst>
+        </pc:spChg>
+      </pc:sldChg>
+      <pc:sldChg chg="modSp mod">
+        <pc:chgData name="Hossain, Ahmed Muntasir" userId="256dcaa3-c318-45c7-891d-75ee5ae60a08" providerId="ADAL" clId="{8413FA2F-6758-4782-A0DC-A1DC28597E5B}" dt="2021-04-27T23:21:13.547" v="76" actId="20577"/>
+        <pc:sldMkLst>
+          <pc:docMk/>
+          <pc:sldMk cId="3593942489" sldId="290"/>
+        </pc:sldMkLst>
+        <pc:spChg chg="mod">
+          <ac:chgData name="Hossain, Ahmed Muntasir" userId="256dcaa3-c318-45c7-891d-75ee5ae60a08" providerId="ADAL" clId="{8413FA2F-6758-4782-A0DC-A1DC28597E5B}" dt="2021-04-27T23:21:13.547" v="76" actId="20577"/>
+          <ac:spMkLst>
+            <pc:docMk/>
+            <pc:sldMk cId="3593942489" sldId="290"/>
+            <ac:spMk id="4" creationId="{25CB230C-8AA8-4F41-8C23-B549FC589B5F}"/>
+          </ac:spMkLst>
+        </pc:spChg>
+      </pc:sldChg>
+      <pc:sldChg chg="modSp mod">
+        <pc:chgData name="Hossain, Ahmed Muntasir" userId="256dcaa3-c318-45c7-891d-75ee5ae60a08" providerId="ADAL" clId="{8413FA2F-6758-4782-A0DC-A1DC28597E5B}" dt="2021-04-27T23:21:18.351" v="78" actId="20577"/>
+        <pc:sldMkLst>
+          <pc:docMk/>
+          <pc:sldMk cId="3208458485" sldId="291"/>
+        </pc:sldMkLst>
+        <pc:spChg chg="mod">
+          <ac:chgData name="Hossain, Ahmed Muntasir" userId="256dcaa3-c318-45c7-891d-75ee5ae60a08" providerId="ADAL" clId="{8413FA2F-6758-4782-A0DC-A1DC28597E5B}" dt="2021-04-27T23:21:18.351" v="78" actId="20577"/>
+          <ac:spMkLst>
+            <pc:docMk/>
+            <pc:sldMk cId="3208458485" sldId="291"/>
+            <ac:spMk id="4" creationId="{2D23E13F-B233-4857-96A4-D3FE240E3BC0}"/>
+          </ac:spMkLst>
+        </pc:spChg>
+      </pc:sldChg>
+      <pc:sldChg chg="modSp mod">
+        <pc:chgData name="Hossain, Ahmed Muntasir" userId="256dcaa3-c318-45c7-891d-75ee5ae60a08" providerId="ADAL" clId="{8413FA2F-6758-4782-A0DC-A1DC28597E5B}" dt="2021-04-27T23:18:08.346" v="16" actId="20577"/>
+        <pc:sldMkLst>
+          <pc:docMk/>
+          <pc:sldMk cId="2542923075" sldId="292"/>
+        </pc:sldMkLst>
+        <pc:spChg chg="mod">
+          <ac:chgData name="Hossain, Ahmed Muntasir" userId="256dcaa3-c318-45c7-891d-75ee5ae60a08" providerId="ADAL" clId="{8413FA2F-6758-4782-A0DC-A1DC28597E5B}" dt="2021-04-27T23:18:08.346" v="16" actId="20577"/>
+          <ac:spMkLst>
+            <pc:docMk/>
+            <pc:sldMk cId="2542923075" sldId="292"/>
+            <ac:spMk id="4" creationId="{C5E46A2D-18AB-4801-A961-E71B833E6F3F}"/>
+          </ac:spMkLst>
+        </pc:spChg>
+      </pc:sldChg>
+      <pc:sldChg chg="modSp mod">
+        <pc:chgData name="Hossain, Ahmed Muntasir" userId="256dcaa3-c318-45c7-891d-75ee5ae60a08" providerId="ADAL" clId="{8413FA2F-6758-4782-A0DC-A1DC28597E5B}" dt="2021-04-27T23:18:12.906" v="18" actId="20577"/>
+        <pc:sldMkLst>
+          <pc:docMk/>
+          <pc:sldMk cId="1648754576" sldId="293"/>
+        </pc:sldMkLst>
+        <pc:spChg chg="mod">
+          <ac:chgData name="Hossain, Ahmed Muntasir" userId="256dcaa3-c318-45c7-891d-75ee5ae60a08" providerId="ADAL" clId="{8413FA2F-6758-4782-A0DC-A1DC28597E5B}" dt="2021-04-27T23:18:12.906" v="18" actId="20577"/>
+          <ac:spMkLst>
+            <pc:docMk/>
+            <pc:sldMk cId="1648754576" sldId="293"/>
+            <ac:spMk id="4" creationId="{2226FBAB-9CD4-4442-B673-0310BCD3FC4B}"/>
+          </ac:spMkLst>
+        </pc:spChg>
+      </pc:sldChg>
+      <pc:sldChg chg="modSp mod">
+        <pc:chgData name="Hossain, Ahmed Muntasir" userId="256dcaa3-c318-45c7-891d-75ee5ae60a08" providerId="ADAL" clId="{8413FA2F-6758-4782-A0DC-A1DC28597E5B}" dt="2021-04-27T23:18:19.646" v="20" actId="20577"/>
+        <pc:sldMkLst>
+          <pc:docMk/>
+          <pc:sldMk cId="2667266159" sldId="294"/>
+        </pc:sldMkLst>
+        <pc:spChg chg="mod">
+          <ac:chgData name="Hossain, Ahmed Muntasir" userId="256dcaa3-c318-45c7-891d-75ee5ae60a08" providerId="ADAL" clId="{8413FA2F-6758-4782-A0DC-A1DC28597E5B}" dt="2021-04-27T23:18:19.646" v="20" actId="20577"/>
+          <ac:spMkLst>
+            <pc:docMk/>
+            <pc:sldMk cId="2667266159" sldId="294"/>
+            <ac:spMk id="4" creationId="{27E0A0AA-55BE-41ED-9028-E95698795E8B}"/>
+          </ac:spMkLst>
+        </pc:spChg>
+      </pc:sldChg>
+      <pc:sldChg chg="modSp mod">
+        <pc:chgData name="Hossain, Ahmed Muntasir" userId="256dcaa3-c318-45c7-891d-75ee5ae60a08" providerId="ADAL" clId="{8413FA2F-6758-4782-A0DC-A1DC28597E5B}" dt="2021-04-27T23:21:52.909" v="84" actId="1076"/>
+        <pc:sldMkLst>
+          <pc:docMk/>
+          <pc:sldMk cId="3918642659" sldId="298"/>
+        </pc:sldMkLst>
+        <pc:spChg chg="mod">
+          <ac:chgData name="Hossain, Ahmed Muntasir" userId="256dcaa3-c318-45c7-891d-75ee5ae60a08" providerId="ADAL" clId="{8413FA2F-6758-4782-A0DC-A1DC28597E5B}" dt="2021-04-27T23:21:42.969" v="83" actId="20577"/>
+          <ac:spMkLst>
+            <pc:docMk/>
+            <pc:sldMk cId="3918642659" sldId="298"/>
+            <ac:spMk id="3" creationId="{73E2E4F8-E89F-492F-A71A-4F86F1484437}"/>
+          </ac:spMkLst>
+        </pc:spChg>
+        <pc:spChg chg="mod">
+          <ac:chgData name="Hossain, Ahmed Muntasir" userId="256dcaa3-c318-45c7-891d-75ee5ae60a08" providerId="ADAL" clId="{8413FA2F-6758-4782-A0DC-A1DC28597E5B}" dt="2021-04-27T23:21:52.909" v="84" actId="1076"/>
+          <ac:spMkLst>
+            <pc:docMk/>
+            <pc:sldMk cId="3918642659" sldId="298"/>
+            <ac:spMk id="4" creationId="{4CD83833-7127-4426-8BE7-E5C60C3A55E7}"/>
+          </ac:spMkLst>
+        </pc:spChg>
+      </pc:sldChg>
+      <pc:sldChg chg="modSp mod">
+        <pc:chgData name="Hossain, Ahmed Muntasir" userId="256dcaa3-c318-45c7-891d-75ee5ae60a08" providerId="ADAL" clId="{8413FA2F-6758-4782-A0DC-A1DC28597E5B}" dt="2021-04-27T23:22:12.493" v="90" actId="20577"/>
+        <pc:sldMkLst>
+          <pc:docMk/>
+          <pc:sldMk cId="3711320849" sldId="300"/>
+        </pc:sldMkLst>
+        <pc:spChg chg="mod">
+          <ac:chgData name="Hossain, Ahmed Muntasir" userId="256dcaa3-c318-45c7-891d-75ee5ae60a08" providerId="ADAL" clId="{8413FA2F-6758-4782-A0DC-A1DC28597E5B}" dt="2021-04-27T23:22:12.493" v="90" actId="20577"/>
+          <ac:spMkLst>
+            <pc:docMk/>
+            <pc:sldMk cId="3711320849" sldId="300"/>
+            <ac:spMk id="3" creationId="{73E2E4F8-E89F-492F-A71A-4F86F1484437}"/>
+          </ac:spMkLst>
+        </pc:spChg>
+      </pc:sldChg>
+      <pc:sldChg chg="modSp mod">
+        <pc:chgData name="Hossain, Ahmed Muntasir" userId="256dcaa3-c318-45c7-891d-75ee5ae60a08" providerId="ADAL" clId="{8413FA2F-6758-4782-A0DC-A1DC28597E5B}" dt="2021-04-27T23:21:07.667" v="72" actId="20577"/>
+        <pc:sldMkLst>
+          <pc:docMk/>
+          <pc:sldMk cId="1304346500" sldId="301"/>
+        </pc:sldMkLst>
+        <pc:spChg chg="mod">
+          <ac:chgData name="Hossain, Ahmed Muntasir" userId="256dcaa3-c318-45c7-891d-75ee5ae60a08" providerId="ADAL" clId="{8413FA2F-6758-4782-A0DC-A1DC28597E5B}" dt="2021-04-27T23:21:07.667" v="72" actId="20577"/>
+          <ac:spMkLst>
+            <pc:docMk/>
+            <pc:sldMk cId="1304346500" sldId="301"/>
+            <ac:spMk id="4" creationId="{A4C9F6C3-D099-47D5-A3E7-F11BA13D6846}"/>
+          </ac:spMkLst>
+        </pc:spChg>
+      </pc:sldChg>
+      <pc:sldChg chg="modSp mod">
+        <pc:chgData name="Hossain, Ahmed Muntasir" userId="256dcaa3-c318-45c7-891d-75ee5ae60a08" providerId="ADAL" clId="{8413FA2F-6758-4782-A0DC-A1DC28597E5B}" dt="2021-04-27T23:21:58.368" v="86" actId="20577"/>
+        <pc:sldMkLst>
+          <pc:docMk/>
+          <pc:sldMk cId="3002629799" sldId="302"/>
+        </pc:sldMkLst>
+        <pc:spChg chg="mod">
+          <ac:chgData name="Hossain, Ahmed Muntasir" userId="256dcaa3-c318-45c7-891d-75ee5ae60a08" providerId="ADAL" clId="{8413FA2F-6758-4782-A0DC-A1DC28597E5B}" dt="2021-04-27T23:21:58.368" v="86" actId="20577"/>
+          <ac:spMkLst>
+            <pc:docMk/>
+            <pc:sldMk cId="3002629799" sldId="302"/>
+            <ac:spMk id="3" creationId="{73E2E4F8-E89F-492F-A71A-4F86F1484437}"/>
+          </ac:spMkLst>
+        </pc:spChg>
+      </pc:sldChg>
+      <pc:sldChg chg="modSp mod">
+        <pc:chgData name="Hossain, Ahmed Muntasir" userId="256dcaa3-c318-45c7-891d-75ee5ae60a08" providerId="ADAL" clId="{8413FA2F-6758-4782-A0DC-A1DC28597E5B}" dt="2021-04-27T23:22:05.009" v="88" actId="20577"/>
+        <pc:sldMkLst>
+          <pc:docMk/>
+          <pc:sldMk cId="665784133" sldId="303"/>
+        </pc:sldMkLst>
+        <pc:spChg chg="mod">
+          <ac:chgData name="Hossain, Ahmed Muntasir" userId="256dcaa3-c318-45c7-891d-75ee5ae60a08" providerId="ADAL" clId="{8413FA2F-6758-4782-A0DC-A1DC28597E5B}" dt="2021-04-27T23:22:05.009" v="88" actId="20577"/>
+          <ac:spMkLst>
+            <pc:docMk/>
+            <pc:sldMk cId="665784133" sldId="303"/>
+            <ac:spMk id="3" creationId="{73E2E4F8-E89F-492F-A71A-4F86F1484437}"/>
+          </ac:spMkLst>
+        </pc:spChg>
+      </pc:sldChg>
+      <pc:sldChg chg="modSp mod">
+        <pc:chgData name="Hossain, Ahmed Muntasir" userId="256dcaa3-c318-45c7-891d-75ee5ae60a08" providerId="ADAL" clId="{8413FA2F-6758-4782-A0DC-A1DC28597E5B}" dt="2021-04-27T23:22:17.147" v="92" actId="20577"/>
+        <pc:sldMkLst>
+          <pc:docMk/>
+          <pc:sldMk cId="1484505591" sldId="304"/>
+        </pc:sldMkLst>
+        <pc:spChg chg="mod">
+          <ac:chgData name="Hossain, Ahmed Muntasir" userId="256dcaa3-c318-45c7-891d-75ee5ae60a08" providerId="ADAL" clId="{8413FA2F-6758-4782-A0DC-A1DC28597E5B}" dt="2021-04-27T23:22:17.147" v="92" actId="20577"/>
+          <ac:spMkLst>
+            <pc:docMk/>
+            <pc:sldMk cId="1484505591" sldId="304"/>
+            <ac:spMk id="3" creationId="{73E2E4F8-E89F-492F-A71A-4F86F1484437}"/>
+          </ac:spMkLst>
+        </pc:spChg>
+      </pc:sldChg>
+      <pc:sldChg chg="modSp mod">
+        <pc:chgData name="Hossain, Ahmed Muntasir" userId="256dcaa3-c318-45c7-891d-75ee5ae60a08" providerId="ADAL" clId="{8413FA2F-6758-4782-A0DC-A1DC28597E5B}" dt="2021-04-27T23:22:22.837" v="94" actId="20577"/>
+        <pc:sldMkLst>
+          <pc:docMk/>
+          <pc:sldMk cId="4151170546" sldId="305"/>
+        </pc:sldMkLst>
+        <pc:spChg chg="mod">
+          <ac:chgData name="Hossain, Ahmed Muntasir" userId="256dcaa3-c318-45c7-891d-75ee5ae60a08" providerId="ADAL" clId="{8413FA2F-6758-4782-A0DC-A1DC28597E5B}" dt="2021-04-27T23:22:22.837" v="94" actId="20577"/>
+          <ac:spMkLst>
+            <pc:docMk/>
+            <pc:sldMk cId="4151170546" sldId="305"/>
+            <ac:spMk id="3" creationId="{8DB99081-4A4A-45FC-905D-58CEE8DE6B81}"/>
+          </ac:spMkLst>
+        </pc:spChg>
+      </pc:sldChg>
+      <pc:sldChg chg="modSp mod">
+        <pc:chgData name="Hossain, Ahmed Muntasir" userId="256dcaa3-c318-45c7-891d-75ee5ae60a08" providerId="ADAL" clId="{8413FA2F-6758-4782-A0DC-A1DC28597E5B}" dt="2021-04-27T23:22:28.717" v="100" actId="20577"/>
+        <pc:sldMkLst>
+          <pc:docMk/>
+          <pc:sldMk cId="1797361430" sldId="306"/>
+        </pc:sldMkLst>
+        <pc:spChg chg="mod">
+          <ac:chgData name="Hossain, Ahmed Muntasir" userId="256dcaa3-c318-45c7-891d-75ee5ae60a08" providerId="ADAL" clId="{8413FA2F-6758-4782-A0DC-A1DC28597E5B}" dt="2021-04-27T23:22:28.717" v="100" actId="20577"/>
+          <ac:spMkLst>
+            <pc:docMk/>
+            <pc:sldMk cId="1797361430" sldId="306"/>
+            <ac:spMk id="4" creationId="{7E51A19D-B318-4DDD-B3F7-51FF39009DC7}"/>
+          </ac:spMkLst>
+        </pc:spChg>
+      </pc:sldChg>
+    </pc:docChg>
+  </pc:docChgLst>
+  <pc:docChgLst>
+    <pc:chgData name="Hossain, Ahmed Muntasir" userId="S::ahoss1@unh.newhaven.edu::256dcaa3-c318-45c7-891d-75ee5ae60a08" providerId="AD" clId="Web-{25735D59-D399-4577-83A4-973FFDB2F61F}"/>
+    <pc:docChg chg="addSld delSld modSld">
+      <pc:chgData name="Hossain, Ahmed Muntasir" userId="S::ahoss1@unh.newhaven.edu::256dcaa3-c318-45c7-891d-75ee5ae60a08" providerId="AD" clId="Web-{25735D59-D399-4577-83A4-973FFDB2F61F}" dt="2021-04-28T20:52:58.836" v="17"/>
+      <pc:docMkLst>
+        <pc:docMk/>
+      </pc:docMkLst>
+      <pc:sldChg chg="addSp delSp modSp">
+        <pc:chgData name="Hossain, Ahmed Muntasir" userId="S::ahoss1@unh.newhaven.edu::256dcaa3-c318-45c7-891d-75ee5ae60a08" providerId="AD" clId="Web-{25735D59-D399-4577-83A4-973FFDB2F61F}" dt="2021-04-28T20:52:30.835" v="11"/>
+        <pc:sldMkLst>
+          <pc:docMk/>
+          <pc:sldMk cId="2164231458" sldId="275"/>
+        </pc:sldMkLst>
+        <pc:picChg chg="add del mod">
+          <ac:chgData name="Hossain, Ahmed Muntasir" userId="S::ahoss1@unh.newhaven.edu::256dcaa3-c318-45c7-891d-75ee5ae60a08" providerId="AD" clId="Web-{25735D59-D399-4577-83A4-973FFDB2F61F}" dt="2021-04-28T20:52:30.835" v="11"/>
+          <ac:picMkLst>
+            <pc:docMk/>
+            <pc:sldMk cId="2164231458" sldId="275"/>
+            <ac:picMk id="4" creationId="{7E3BC78C-4EDA-4AC4-B06E-2346509DB677}"/>
+          </ac:picMkLst>
+        </pc:picChg>
+      </pc:sldChg>
+      <pc:sldChg chg="addSp delSp modSp">
+        <pc:chgData name="Hossain, Ahmed Muntasir" userId="S::ahoss1@unh.newhaven.edu::256dcaa3-c318-45c7-891d-75ee5ae60a08" providerId="AD" clId="Web-{25735D59-D399-4577-83A4-973FFDB2F61F}" dt="2021-04-28T20:52:38.085" v="14"/>
+        <pc:sldMkLst>
+          <pc:docMk/>
+          <pc:sldMk cId="1179845280" sldId="280"/>
+        </pc:sldMkLst>
+        <pc:picChg chg="add del mod">
+          <ac:chgData name="Hossain, Ahmed Muntasir" userId="S::ahoss1@unh.newhaven.edu::256dcaa3-c318-45c7-891d-75ee5ae60a08" providerId="AD" clId="Web-{25735D59-D399-4577-83A4-973FFDB2F61F}" dt="2021-04-28T20:52:38.085" v="14"/>
+          <ac:picMkLst>
+            <pc:docMk/>
+            <pc:sldMk cId="1179845280" sldId="280"/>
+            <ac:picMk id="6" creationId="{F66C57EE-CC54-4D9A-B7C0-827BA94170F3}"/>
+          </ac:picMkLst>
+        </pc:picChg>
+      </pc:sldChg>
+      <pc:sldChg chg="modSp add del replId">
+        <pc:chgData name="Hossain, Ahmed Muntasir" userId="S::ahoss1@unh.newhaven.edu::256dcaa3-c318-45c7-891d-75ee5ae60a08" providerId="AD" clId="Web-{25735D59-D399-4577-83A4-973FFDB2F61F}" dt="2021-04-28T20:52:58.836" v="17"/>
+        <pc:sldMkLst>
+          <pc:docMk/>
+          <pc:sldMk cId="2191272407" sldId="307"/>
+        </pc:sldMkLst>
+        <pc:picChg chg="mod">
+          <ac:chgData name="Hossain, Ahmed Muntasir" userId="S::ahoss1@unh.newhaven.edu::256dcaa3-c318-45c7-891d-75ee5ae60a08" providerId="AD" clId="Web-{25735D59-D399-4577-83A4-973FFDB2F61F}" dt="2021-04-28T20:52:53.867" v="16" actId="1076"/>
+          <ac:picMkLst>
+            <pc:docMk/>
+            <pc:sldMk cId="2191272407" sldId="307"/>
+            <ac:picMk id="6" creationId="{5A6D4244-6FFE-4B32-B1C0-D3ECAC39C871}"/>
+          </ac:picMkLst>
+        </pc:picChg>
+      </pc:sldChg>
+    </pc:docChg>
+  </pc:docChgLst>
+  <pc:docChgLst>
+    <pc:chgData name="Guest User" userId="S::urn:spo:anon#17b95426adc48bc05f69827c2e0e010044f0a7857336a498d3cb5c753835f8d3::" providerId="AD" clId="Web-{2523CC42-2871-170C-152D-7ABFCE7281DA}"/>
+    <pc:docChg chg="modSld">
+      <pc:chgData name="Guest User" userId="S::urn:spo:anon#17b95426adc48bc05f69827c2e0e010044f0a7857336a498d3cb5c753835f8d3::" providerId="AD" clId="Web-{2523CC42-2871-170C-152D-7ABFCE7281DA}" dt="2021-04-20T00:53:28.455" v="263" actId="1076"/>
+      <pc:docMkLst>
+        <pc:docMk/>
+      </pc:docMkLst>
+      <pc:sldChg chg="modSp">
+        <pc:chgData name="Guest User" userId="S::urn:spo:anon#17b95426adc48bc05f69827c2e0e010044f0a7857336a498d3cb5c753835f8d3::" providerId="AD" clId="Web-{2523CC42-2871-170C-152D-7ABFCE7281DA}" dt="2021-04-20T00:53:28.455" v="263" actId="1076"/>
+        <pc:sldMkLst>
+          <pc:docMk/>
+          <pc:sldMk cId="2682829407" sldId="273"/>
+        </pc:sldMkLst>
+        <pc:spChg chg="mod">
+          <ac:chgData name="Guest User" userId="S::urn:spo:anon#17b95426adc48bc05f69827c2e0e010044f0a7857336a498d3cb5c753835f8d3::" providerId="AD" clId="Web-{2523CC42-2871-170C-152D-7ABFCE7281DA}" dt="2021-04-20T00:53:28.455" v="263" actId="1076"/>
+          <ac:spMkLst>
+            <pc:docMk/>
+            <pc:sldMk cId="2682829407" sldId="273"/>
+            <ac:spMk id="3" creationId="{0BC41A26-87E9-4C1B-A52D-982E24596471}"/>
+          </ac:spMkLst>
+        </pc:spChg>
+      </pc:sldChg>
+      <pc:sldChg chg="modSp">
+        <pc:chgData name="Guest User" userId="S::urn:spo:anon#17b95426adc48bc05f69827c2e0e010044f0a7857336a498d3cb5c753835f8d3::" providerId="AD" clId="Web-{2523CC42-2871-170C-152D-7ABFCE7281DA}" dt="2021-04-20T00:30:33.879" v="36" actId="1076"/>
+        <pc:sldMkLst>
+          <pc:docMk/>
+          <pc:sldMk cId="282399625" sldId="274"/>
+        </pc:sldMkLst>
+        <pc:spChg chg="mod">
+          <ac:chgData name="Guest User" userId="S::urn:spo:anon#17b95426adc48bc05f69827c2e0e010044f0a7857336a498d3cb5c753835f8d3::" providerId="AD" clId="Web-{2523CC42-2871-170C-152D-7ABFCE7281DA}" dt="2021-04-20T00:30:33.879" v="36" actId="1076"/>
+          <ac:spMkLst>
+            <pc:docMk/>
+            <pc:sldMk cId="282399625" sldId="274"/>
+            <ac:spMk id="3" creationId="{F6907438-1ACA-40BD-B23D-692F73F42930}"/>
+          </ac:spMkLst>
+        </pc:spChg>
+      </pc:sldChg>
+      <pc:sldChg chg="modSp">
+        <pc:chgData name="Guest User" userId="S::urn:spo:anon#17b95426adc48bc05f69827c2e0e010044f0a7857336a498d3cb5c753835f8d3::" providerId="AD" clId="Web-{2523CC42-2871-170C-152D-7ABFCE7281DA}" dt="2021-04-20T00:40:40.789" v="261"/>
+        <pc:sldMkLst>
+          <pc:docMk/>
+          <pc:sldMk cId="197608093" sldId="278"/>
+        </pc:sldMkLst>
+        <pc:graphicFrameChg chg="mod modGraphic">
+          <ac:chgData name="Guest User" userId="S::urn:spo:anon#17b95426adc48bc05f69827c2e0e010044f0a7857336a498d3cb5c753835f8d3::" providerId="AD" clId="Web-{2523CC42-2871-170C-152D-7ABFCE7281DA}" dt="2021-04-20T00:40:40.789" v="261"/>
+          <ac:graphicFrameMkLst>
+            <pc:docMk/>
+            <pc:sldMk cId="197608093" sldId="278"/>
+            <ac:graphicFrameMk id="7" creationId="{A6724FFA-73F2-4731-B5C9-5E254B003D30}"/>
+          </ac:graphicFrameMkLst>
+        </pc:graphicFrameChg>
+      </pc:sldChg>
+    </pc:docChg>
+  </pc:docChgLst>
+  <pc:docChgLst>
+    <pc:chgData name="Fall, Anta R" userId="S::afall2@unh.newhaven.edu::97fabe0b-8c53-4c35-a529-70aaaa2d6f72" providerId="AD" clId="Web-{CC2C0DEC-262E-48F0-9525-FB1C60BBC9D7}"/>
+    <pc:docChg chg="modSld">
+      <pc:chgData name="Fall, Anta R" userId="S::afall2@unh.newhaven.edu::97fabe0b-8c53-4c35-a529-70aaaa2d6f72" providerId="AD" clId="Web-{CC2C0DEC-262E-48F0-9525-FB1C60BBC9D7}" dt="2021-04-26T00:29:43.848" v="13" actId="20577"/>
+      <pc:docMkLst>
+        <pc:docMk/>
+      </pc:docMkLst>
+      <pc:sldChg chg="addSp modSp">
+        <pc:chgData name="Fall, Anta R" userId="S::afall2@unh.newhaven.edu::97fabe0b-8c53-4c35-a529-70aaaa2d6f72" providerId="AD" clId="Web-{CC2C0DEC-262E-48F0-9525-FB1C60BBC9D7}" dt="2021-04-26T00:29:43.848" v="13" actId="20577"/>
+        <pc:sldMkLst>
+          <pc:docMk/>
+          <pc:sldMk cId="282399625" sldId="274"/>
+        </pc:sldMkLst>
+        <pc:spChg chg="add mod">
+          <ac:chgData name="Fall, Anta R" userId="S::afall2@unh.newhaven.edu::97fabe0b-8c53-4c35-a529-70aaaa2d6f72" providerId="AD" clId="Web-{CC2C0DEC-262E-48F0-9525-FB1C60BBC9D7}" dt="2021-04-26T00:29:43.848" v="13" actId="20577"/>
+          <ac:spMkLst>
+            <pc:docMk/>
+            <pc:sldMk cId="282399625" sldId="274"/>
+            <ac:spMk id="4" creationId="{9ECF545B-B5B8-4C50-9226-7B991A1CF1A3}"/>
+          </ac:spMkLst>
+        </pc:spChg>
+      </pc:sldChg>
+    </pc:docChg>
+  </pc:docChgLst>
+  <pc:docChgLst>
+    <pc:chgData name="Muntasir Hossain" userId="e9bb82767b352303" providerId="LiveId" clId="{FFCEE4F4-AB03-46F4-A46D-65CBEF0F03F8}"/>
+    <pc:docChg chg="modSld">
+      <pc:chgData name="Muntasir Hossain" userId="e9bb82767b352303" providerId="LiveId" clId="{FFCEE4F4-AB03-46F4-A46D-65CBEF0F03F8}" dt="2021-04-26T22:18:08.346" v="284" actId="1076"/>
+      <pc:docMkLst>
+        <pc:docMk/>
+      </pc:docMkLst>
+      <pc:sldChg chg="modSp mod modNotesTx">
+        <pc:chgData name="Muntasir Hossain" userId="e9bb82767b352303" providerId="LiveId" clId="{FFCEE4F4-AB03-46F4-A46D-65CBEF0F03F8}" dt="2021-04-26T22:18:08.346" v="284" actId="1076"/>
+        <pc:sldMkLst>
+          <pc:docMk/>
+          <pc:sldMk cId="4044548724" sldId="262"/>
+        </pc:sldMkLst>
+        <pc:spChg chg="mod">
+          <ac:chgData name="Muntasir Hossain" userId="e9bb82767b352303" providerId="LiveId" clId="{FFCEE4F4-AB03-46F4-A46D-65CBEF0F03F8}" dt="2021-04-26T22:18:08.346" v="284" actId="1076"/>
+          <ac:spMkLst>
+            <pc:docMk/>
+            <pc:sldMk cId="4044548724" sldId="262"/>
+            <ac:spMk id="3" creationId="{F223CC21-09F0-AA48-BF20-B6B3C674C6AF}"/>
+          </ac:spMkLst>
+        </pc:spChg>
+      </pc:sldChg>
+      <pc:sldChg chg="modNotesTx">
+        <pc:chgData name="Muntasir Hossain" userId="e9bb82767b352303" providerId="LiveId" clId="{FFCEE4F4-AB03-46F4-A46D-65CBEF0F03F8}" dt="2021-04-26T22:00:02.043" v="259" actId="20577"/>
+        <pc:sldMkLst>
+          <pc:docMk/>
+          <pc:sldMk cId="1281802549" sldId="270"/>
+        </pc:sldMkLst>
+      </pc:sldChg>
+      <pc:sldChg chg="modNotesTx">
+        <pc:chgData name="Muntasir Hossain" userId="e9bb82767b352303" providerId="LiveId" clId="{FFCEE4F4-AB03-46F4-A46D-65CBEF0F03F8}" dt="2021-04-26T21:53:43.691" v="36" actId="20577"/>
+        <pc:sldMkLst>
+          <pc:docMk/>
+          <pc:sldMk cId="2528755128" sldId="271"/>
+        </pc:sldMkLst>
+      </pc:sldChg>
+      <pc:sldChg chg="modNotesTx">
+        <pc:chgData name="Muntasir Hossain" userId="e9bb82767b352303" providerId="LiveId" clId="{FFCEE4F4-AB03-46F4-A46D-65CBEF0F03F8}" dt="2021-04-26T21:56:50.172" v="63" actId="20577"/>
+        <pc:sldMkLst>
+          <pc:docMk/>
+          <pc:sldMk cId="4024084921" sldId="272"/>
+        </pc:sldMkLst>
+      </pc:sldChg>
+      <pc:sldChg chg="modNotesTx">
+        <pc:chgData name="Muntasir Hossain" userId="e9bb82767b352303" providerId="LiveId" clId="{FFCEE4F4-AB03-46F4-A46D-65CBEF0F03F8}" dt="2021-04-26T21:57:06.651" v="92" actId="20577"/>
+        <pc:sldMkLst>
+          <pc:docMk/>
+          <pc:sldMk cId="2682829407" sldId="273"/>
+        </pc:sldMkLst>
+      </pc:sldChg>
+      <pc:sldChg chg="modNotesTx">
+        <pc:chgData name="Muntasir Hossain" userId="e9bb82767b352303" providerId="LiveId" clId="{FFCEE4F4-AB03-46F4-A46D-65CBEF0F03F8}" dt="2021-04-26T21:53:16.898" v="32" actId="20577"/>
+        <pc:sldMkLst>
+          <pc:docMk/>
+          <pc:sldMk cId="2164231458" sldId="275"/>
+        </pc:sldMkLst>
+      </pc:sldChg>
+      <pc:sldChg chg="modNotesTx">
+        <pc:chgData name="Muntasir Hossain" userId="e9bb82767b352303" providerId="LiveId" clId="{FFCEE4F4-AB03-46F4-A46D-65CBEF0F03F8}" dt="2021-04-26T21:04:21.509" v="3" actId="20577"/>
+        <pc:sldMkLst>
+          <pc:docMk/>
+          <pc:sldMk cId="2089004303" sldId="276"/>
+        </pc:sldMkLst>
+      </pc:sldChg>
+      <pc:sldChg chg="modNotesTx">
+        <pc:chgData name="Muntasir Hossain" userId="e9bb82767b352303" providerId="LiveId" clId="{FFCEE4F4-AB03-46F4-A46D-65CBEF0F03F8}" dt="2021-04-26T21:56:59.432" v="83" actId="20577"/>
+        <pc:sldMkLst>
+          <pc:docMk/>
+          <pc:sldMk cId="1191759795" sldId="277"/>
+        </pc:sldMkLst>
+      </pc:sldChg>
+      <pc:sldChg chg="modSp mod modNotesTx">
+        <pc:chgData name="Muntasir Hossain" userId="e9bb82767b352303" providerId="LiveId" clId="{FFCEE4F4-AB03-46F4-A46D-65CBEF0F03F8}" dt="2021-04-26T22:07:53.526" v="267" actId="20577"/>
+        <pc:sldMkLst>
+          <pc:docMk/>
+          <pc:sldMk cId="197608093" sldId="278"/>
+        </pc:sldMkLst>
+        <pc:spChg chg="mod">
+          <ac:chgData name="Muntasir Hossain" userId="e9bb82767b352303" providerId="LiveId" clId="{FFCEE4F4-AB03-46F4-A46D-65CBEF0F03F8}" dt="2021-04-26T22:07:53.526" v="267" actId="20577"/>
+          <ac:spMkLst>
+            <pc:docMk/>
+            <pc:sldMk cId="197608093" sldId="278"/>
+            <ac:spMk id="2" creationId="{00000000-0000-0000-0000-000000000000}"/>
+          </ac:spMkLst>
+        </pc:spChg>
+      </pc:sldChg>
+      <pc:sldChg chg="modNotesTx">
+        <pc:chgData name="Muntasir Hossain" userId="e9bb82767b352303" providerId="LiveId" clId="{FFCEE4F4-AB03-46F4-A46D-65CBEF0F03F8}" dt="2021-04-26T21:56:47.321" v="59" actId="20577"/>
+        <pc:sldMkLst>
+          <pc:docMk/>
+          <pc:sldMk cId="3460058106" sldId="279"/>
+        </pc:sldMkLst>
+      </pc:sldChg>
+      <pc:sldChg chg="modNotesTx">
+        <pc:chgData name="Muntasir Hossain" userId="e9bb82767b352303" providerId="LiveId" clId="{FFCEE4F4-AB03-46F4-A46D-65CBEF0F03F8}" dt="2021-04-26T21:53:08.948" v="28" actId="20577"/>
+        <pc:sldMkLst>
+          <pc:docMk/>
+          <pc:sldMk cId="1179845280" sldId="280"/>
+        </pc:sldMkLst>
+      </pc:sldChg>
+      <pc:sldChg chg="modNotesTx">
+        <pc:chgData name="Muntasir Hossain" userId="e9bb82767b352303" providerId="LiveId" clId="{FFCEE4F4-AB03-46F4-A46D-65CBEF0F03F8}" dt="2021-04-26T21:57:18.542" v="105" actId="20577"/>
+        <pc:sldMkLst>
+          <pc:docMk/>
+          <pc:sldMk cId="1593732696" sldId="281"/>
+        </pc:sldMkLst>
+      </pc:sldChg>
+      <pc:sldChg chg="modNotesTx">
+        <pc:chgData name="Muntasir Hossain" userId="e9bb82767b352303" providerId="LiveId" clId="{FFCEE4F4-AB03-46F4-A46D-65CBEF0F03F8}" dt="2021-04-26T21:57:12.119" v="101" actId="20577"/>
+        <pc:sldMkLst>
+          <pc:docMk/>
+          <pc:sldMk cId="3501706458" sldId="282"/>
+        </pc:sldMkLst>
+      </pc:sldChg>
+      <pc:sldChg chg="modNotesTx">
+        <pc:chgData name="Muntasir Hossain" userId="e9bb82767b352303" providerId="LiveId" clId="{FFCEE4F4-AB03-46F4-A46D-65CBEF0F03F8}" dt="2021-04-26T21:55:07.710" v="41" actId="20577"/>
+        <pc:sldMkLst>
+          <pc:docMk/>
+          <pc:sldMk cId="3318988121" sldId="283"/>
+        </pc:sldMkLst>
+      </pc:sldChg>
+      <pc:sldChg chg="modNotesTx">
+        <pc:chgData name="Muntasir Hossain" userId="e9bb82767b352303" providerId="LiveId" clId="{FFCEE4F4-AB03-46F4-A46D-65CBEF0F03F8}" dt="2021-04-26T21:57:23.881" v="109" actId="20577"/>
+        <pc:sldMkLst>
+          <pc:docMk/>
+          <pc:sldMk cId="3021861622" sldId="284"/>
+        </pc:sldMkLst>
+      </pc:sldChg>
+      <pc:sldChg chg="modNotesTx">
+        <pc:chgData name="Muntasir Hossain" userId="e9bb82767b352303" providerId="LiveId" clId="{FFCEE4F4-AB03-46F4-A46D-65CBEF0F03F8}" dt="2021-04-26T21:59:04.899" v="167" actId="20577"/>
+        <pc:sldMkLst>
+          <pc:docMk/>
+          <pc:sldMk cId="3573308736" sldId="285"/>
+        </pc:sldMkLst>
+      </pc:sldChg>
+      <pc:sldChg chg="modNotesTx">
+        <pc:chgData name="Muntasir Hossain" userId="e9bb82767b352303" providerId="LiveId" clId="{FFCEE4F4-AB03-46F4-A46D-65CBEF0F03F8}" dt="2021-04-26T21:59:08.121" v="172" actId="20577"/>
+        <pc:sldMkLst>
+          <pc:docMk/>
+          <pc:sldMk cId="2700944323" sldId="286"/>
+        </pc:sldMkLst>
+      </pc:sldChg>
+      <pc:sldChg chg="modNotesTx">
+        <pc:chgData name="Muntasir Hossain" userId="e9bb82767b352303" providerId="LiveId" clId="{FFCEE4F4-AB03-46F4-A46D-65CBEF0F03F8}" dt="2021-04-26T21:59:23.093" v="183" actId="20577"/>
+        <pc:sldMkLst>
+          <pc:docMk/>
+          <pc:sldMk cId="3593942489" sldId="290"/>
+        </pc:sldMkLst>
+      </pc:sldChg>
+      <pc:sldChg chg="modNotesTx">
+        <pc:chgData name="Muntasir Hossain" userId="e9bb82767b352303" providerId="LiveId" clId="{FFCEE4F4-AB03-46F4-A46D-65CBEF0F03F8}" dt="2021-04-26T21:59:27.033" v="189" actId="20577"/>
+        <pc:sldMkLst>
+          <pc:docMk/>
+          <pc:sldMk cId="3208458485" sldId="291"/>
+        </pc:sldMkLst>
+      </pc:sldChg>
+      <pc:sldChg chg="modNotesTx">
+        <pc:chgData name="Muntasir Hossain" userId="e9bb82767b352303" providerId="LiveId" clId="{FFCEE4F4-AB03-46F4-A46D-65CBEF0F03F8}" dt="2021-04-26T21:55:56.720" v="45" actId="20577"/>
+        <pc:sldMkLst>
+          <pc:docMk/>
+          <pc:sldMk cId="2542923075" sldId="292"/>
+        </pc:sldMkLst>
+      </pc:sldChg>
+      <pc:sldChg chg="modNotesTx">
+        <pc:chgData name="Muntasir Hossain" userId="e9bb82767b352303" providerId="LiveId" clId="{FFCEE4F4-AB03-46F4-A46D-65CBEF0F03F8}" dt="2021-04-26T21:56:08.790" v="50" actId="20577"/>
+        <pc:sldMkLst>
+          <pc:docMk/>
+          <pc:sldMk cId="1648754576" sldId="293"/>
+        </pc:sldMkLst>
+      </pc:sldChg>
+      <pc:sldChg chg="modNotesTx">
+        <pc:chgData name="Muntasir Hossain" userId="e9bb82767b352303" providerId="LiveId" clId="{FFCEE4F4-AB03-46F4-A46D-65CBEF0F03F8}" dt="2021-04-26T21:56:13.301" v="55" actId="20577"/>
+        <pc:sldMkLst>
+          <pc:docMk/>
+          <pc:sldMk cId="2667266159" sldId="294"/>
+        </pc:sldMkLst>
+      </pc:sldChg>
+      <pc:sldChg chg="modNotesTx">
+        <pc:chgData name="Muntasir Hossain" userId="e9bb82767b352303" providerId="LiveId" clId="{FFCEE4F4-AB03-46F4-A46D-65CBEF0F03F8}" dt="2021-04-26T21:59:38.882" v="203" actId="20577"/>
+        <pc:sldMkLst>
+          <pc:docMk/>
+          <pc:sldMk cId="3918642659" sldId="298"/>
+        </pc:sldMkLst>
+      </pc:sldChg>
+      <pc:sldChg chg="modNotesTx">
+        <pc:chgData name="Muntasir Hossain" userId="e9bb82767b352303" providerId="LiveId" clId="{FFCEE4F4-AB03-46F4-A46D-65CBEF0F03F8}" dt="2021-04-26T21:59:48.933" v="234" actId="20577"/>
+        <pc:sldMkLst>
+          <pc:docMk/>
+          <pc:sldMk cId="3711320849" sldId="300"/>
+        </pc:sldMkLst>
+      </pc:sldChg>
+      <pc:sldChg chg="modNotesTx">
+        <pc:chgData name="Muntasir Hossain" userId="e9bb82767b352303" providerId="LiveId" clId="{FFCEE4F4-AB03-46F4-A46D-65CBEF0F03F8}" dt="2021-04-26T21:59:11.554" v="177" actId="20577"/>
+        <pc:sldMkLst>
+          <pc:docMk/>
+          <pc:sldMk cId="1304346500" sldId="301"/>
+        </pc:sldMkLst>
+      </pc:sldChg>
+      <pc:sldChg chg="modNotesTx">
+        <pc:chgData name="Muntasir Hossain" userId="e9bb82767b352303" providerId="LiveId" clId="{FFCEE4F4-AB03-46F4-A46D-65CBEF0F03F8}" dt="2021-04-26T21:59:41.593" v="212" actId="20577"/>
+        <pc:sldMkLst>
+          <pc:docMk/>
+          <pc:sldMk cId="3002629799" sldId="302"/>
+        </pc:sldMkLst>
+      </pc:sldChg>
+      <pc:sldChg chg="modNotesTx">
+        <pc:chgData name="Muntasir Hossain" userId="e9bb82767b352303" providerId="LiveId" clId="{FFCEE4F4-AB03-46F4-A46D-65CBEF0F03F8}" dt="2021-04-26T21:59:45.223" v="225" actId="20577"/>
+        <pc:sldMkLst>
+          <pc:docMk/>
+          <pc:sldMk cId="665784133" sldId="303"/>
+        </pc:sldMkLst>
+      </pc:sldChg>
+      <pc:sldChg chg="modSp mod modNotesTx">
+        <pc:chgData name="Muntasir Hossain" userId="e9bb82767b352303" providerId="LiveId" clId="{FFCEE4F4-AB03-46F4-A46D-65CBEF0F03F8}" dt="2021-04-26T21:59:51.753" v="243" actId="20577"/>
+        <pc:sldMkLst>
+          <pc:docMk/>
+          <pc:sldMk cId="1484505591" sldId="304"/>
+        </pc:sldMkLst>
+        <pc:spChg chg="mod">
+          <ac:chgData name="Muntasir Hossain" userId="e9bb82767b352303" providerId="LiveId" clId="{FFCEE4F4-AB03-46F4-A46D-65CBEF0F03F8}" dt="2021-04-26T21:05:45.030" v="20" actId="20577"/>
+          <ac:spMkLst>
+            <pc:docMk/>
+            <pc:sldMk cId="1484505591" sldId="304"/>
+            <ac:spMk id="2" creationId="{00000000-0000-0000-0000-000000000000}"/>
+          </ac:spMkLst>
+        </pc:spChg>
+      </pc:sldChg>
+      <pc:sldChg chg="modNotesTx">
+        <pc:chgData name="Muntasir Hossain" userId="e9bb82767b352303" providerId="LiveId" clId="{FFCEE4F4-AB03-46F4-A46D-65CBEF0F03F8}" dt="2021-04-26T21:59:56.502" v="247" actId="20577"/>
+        <pc:sldMkLst>
+          <pc:docMk/>
+          <pc:sldMk cId="4151170546" sldId="305"/>
+        </pc:sldMkLst>
+      </pc:sldChg>
+      <pc:sldChg chg="modNotesTx">
+        <pc:chgData name="Muntasir Hossain" userId="e9bb82767b352303" providerId="LiveId" clId="{FFCEE4F4-AB03-46F4-A46D-65CBEF0F03F8}" dt="2021-04-26T21:59:59.542" v="255" actId="20577"/>
+        <pc:sldMkLst>
+          <pc:docMk/>
+          <pc:sldMk cId="1797361430" sldId="306"/>
+        </pc:sldMkLst>
+      </pc:sldChg>
+    </pc:docChg>
+  </pc:docChgLst>
+  <pc:docChgLst>
+    <pc:chgData name="Guest User" userId="S::urn:spo:anon#17b95426adc48bc05f69827c2e0e010044f0a7857336a498d3cb5c753835f8d3::" providerId="AD" clId="Web-{6087CAA7-8866-1C7C-94F5-6BAD65C8A832}"/>
+    <pc:docChg chg="modSld">
+      <pc:chgData name="Guest User" userId="S::urn:spo:anon#17b95426adc48bc05f69827c2e0e010044f0a7857336a498d3cb5c753835f8d3::" providerId="AD" clId="Web-{6087CAA7-8866-1C7C-94F5-6BAD65C8A832}" dt="2021-04-20T00:50:26.353" v="79"/>
+      <pc:docMkLst>
+        <pc:docMk/>
+      </pc:docMkLst>
+      <pc:sldChg chg="modSp">
+        <pc:chgData name="Guest User" userId="S::urn:spo:anon#17b95426adc48bc05f69827c2e0e010044f0a7857336a498d3cb5c753835f8d3::" providerId="AD" clId="Web-{6087CAA7-8866-1C7C-94F5-6BAD65C8A832}" dt="2021-04-20T00:48:11.601" v="67"/>
+        <pc:sldMkLst>
+          <pc:docMk/>
+          <pc:sldMk cId="4024084921" sldId="272"/>
+        </pc:sldMkLst>
+        <pc:graphicFrameChg chg="mod modGraphic">
+          <ac:chgData name="Guest User" userId="S::urn:spo:anon#17b95426adc48bc05f69827c2e0e010044f0a7857336a498d3cb5c753835f8d3::" providerId="AD" clId="Web-{6087CAA7-8866-1C7C-94F5-6BAD65C8A832}" dt="2021-04-20T00:45:14.754" v="55"/>
+          <ac:graphicFrameMkLst>
+            <pc:docMk/>
+            <pc:sldMk cId="4024084921" sldId="272"/>
+            <ac:graphicFrameMk id="5" creationId="{F7963100-83F3-4825-A473-005AC1740D51}"/>
+          </ac:graphicFrameMkLst>
+        </pc:graphicFrameChg>
+        <pc:graphicFrameChg chg="mod modGraphic">
+          <ac:chgData name="Guest User" userId="S::urn:spo:anon#17b95426adc48bc05f69827c2e0e010044f0a7857336a498d3cb5c753835f8d3::" providerId="AD" clId="Web-{6087CAA7-8866-1C7C-94F5-6BAD65C8A832}" dt="2021-04-20T00:48:11.601" v="67"/>
+          <ac:graphicFrameMkLst>
+            <pc:docMk/>
+            <pc:sldMk cId="4024084921" sldId="272"/>
+            <ac:graphicFrameMk id="7" creationId="{A6724FFA-73F2-4731-B5C9-5E254B003D30}"/>
+          </ac:graphicFrameMkLst>
+        </pc:graphicFrameChg>
+      </pc:sldChg>
+      <pc:sldChg chg="modSp">
+        <pc:chgData name="Guest User" userId="S::urn:spo:anon#17b95426adc48bc05f69827c2e0e010044f0a7857336a498d3cb5c753835f8d3::" providerId="AD" clId="Web-{6087CAA7-8866-1C7C-94F5-6BAD65C8A832}" dt="2021-04-20T00:32:31.662" v="1" actId="1076"/>
+        <pc:sldMkLst>
+          <pc:docMk/>
+          <pc:sldMk cId="1191759795" sldId="277"/>
+        </pc:sldMkLst>
+        <pc:picChg chg="mod">
+          <ac:chgData name="Guest User" userId="S::urn:spo:anon#17b95426adc48bc05f69827c2e0e010044f0a7857336a498d3cb5c753835f8d3::" providerId="AD" clId="Web-{6087CAA7-8866-1C7C-94F5-6BAD65C8A832}" dt="2021-04-20T00:32:31.662" v="1" actId="1076"/>
+          <ac:picMkLst>
+            <pc:docMk/>
+            <pc:sldMk cId="1191759795" sldId="277"/>
+            <ac:picMk id="9" creationId="{D869B9C3-427D-466F-A403-659B5AAC7DDE}"/>
+          </ac:picMkLst>
+        </pc:picChg>
+      </pc:sldChg>
+      <pc:sldChg chg="modSp">
+        <pc:chgData name="Guest User" userId="S::urn:spo:anon#17b95426adc48bc05f69827c2e0e010044f0a7857336a498d3cb5c753835f8d3::" providerId="AD" clId="Web-{6087CAA7-8866-1C7C-94F5-6BAD65C8A832}" dt="2021-04-20T00:50:26.353" v="79"/>
+        <pc:sldMkLst>
+          <pc:docMk/>
+          <pc:sldMk cId="197608093" sldId="278"/>
+        </pc:sldMkLst>
+        <pc:graphicFrameChg chg="mod modGraphic">
+          <ac:chgData name="Guest User" userId="S::urn:spo:anon#17b95426adc48bc05f69827c2e0e010044f0a7857336a498d3cb5c753835f8d3::" providerId="AD" clId="Web-{6087CAA7-8866-1C7C-94F5-6BAD65C8A832}" dt="2021-04-20T00:50:26.353" v="79"/>
+          <ac:graphicFrameMkLst>
+            <pc:docMk/>
+            <pc:sldMk cId="197608093" sldId="278"/>
+            <ac:graphicFrameMk id="7" creationId="{A6724FFA-73F2-4731-B5C9-5E254B003D30}"/>
+          </ac:graphicFrameMkLst>
+        </pc:graphicFrameChg>
       </pc:sldChg>
     </pc:docChg>
   </pc:docChgLst>
@@ -3530,7 +4456,7 @@
           <a:p>
             <a:fld id="{EE538E14-6A6D-42E6-958E-68C9F0CF9AE5}" type="datetimeFigureOut">
               <a:rPr lang="en-US" smtClean="0"/>
-              <a:t>4/26/2021</a:t>
+              <a:t>4/28/2021</a:t>
             </a:fld>
             <a:endParaRPr lang="en-US"/>
           </a:p>
@@ -3707,7 +4633,7 @@
           <a:p>
             <a:fld id="{833223E8-E7BD-46E6-AC23-44098B358269}" type="datetimeFigureOut">
               <a:rPr lang="en-US" smtClean="0"/>
-              <a:t>4/26/2021</a:t>
+              <a:t>4/28/2021</a:t>
             </a:fld>
             <a:endParaRPr lang="en-US"/>
           </a:p>
@@ -4018,7 +4944,10 @@
           <a:bodyPr/>
           <a:lstStyle/>
           <a:p>
-            <a:endParaRPr lang="en-US"/>
+            <a:r>
+              <a:rPr lang="en-US"/>
+              <a:t>Anta</a:t>
+            </a:r>
           </a:p>
         </p:txBody>
       </p:sp>
@@ -4102,7 +5031,10 @@
           <a:bodyPr/>
           <a:lstStyle/>
           <a:p>
-            <a:endParaRPr lang="en-US" dirty="0"/>
+            <a:r>
+              <a:rPr lang="en-US"/>
+              <a:t>Nate</a:t>
+            </a:r>
           </a:p>
         </p:txBody>
       </p:sp>
@@ -4123,7 +5055,7 @@
           <a:p>
             <a:fld id="{EEA1ADC5-1110-4F59-A915-38EACC1EBEF9}" type="slidenum">
               <a:rPr lang="en-US" smtClean="0"/>
-              <a:t>23</a:t>
+              <a:t>10</a:t>
             </a:fld>
             <a:endParaRPr lang="en-US"/>
           </a:p>
@@ -4132,7 +5064,7 @@
     </p:spTree>
     <p:extLst>
       <p:ext uri="{BB962C8B-B14F-4D97-AF65-F5344CB8AC3E}">
-        <p14:creationId xmlns:p14="http://schemas.microsoft.com/office/powerpoint/2010/main" val="1816644617"/>
+        <p14:creationId xmlns:p14="http://schemas.microsoft.com/office/powerpoint/2010/main" val="2661971305"/>
       </p:ext>
     </p:extLst>
   </p:cSld>
@@ -4186,7 +5118,10 @@
           <a:bodyPr/>
           <a:lstStyle/>
           <a:p>
-            <a:endParaRPr lang="en-US" dirty="0"/>
+            <a:r>
+              <a:rPr lang="en-US"/>
+              <a:t>Nate</a:t>
+            </a:r>
           </a:p>
         </p:txBody>
       </p:sp>
@@ -4207,7 +5142,7 @@
           <a:p>
             <a:fld id="{EEA1ADC5-1110-4F59-A915-38EACC1EBEF9}" type="slidenum">
               <a:rPr lang="en-US" smtClean="0"/>
-              <a:t>24</a:t>
+              <a:t>11</a:t>
             </a:fld>
             <a:endParaRPr lang="en-US"/>
           </a:p>
@@ -4216,7 +5151,7 @@
     </p:spTree>
     <p:extLst>
       <p:ext uri="{BB962C8B-B14F-4D97-AF65-F5344CB8AC3E}">
-        <p14:creationId xmlns:p14="http://schemas.microsoft.com/office/powerpoint/2010/main" val="955537740"/>
+        <p14:creationId xmlns:p14="http://schemas.microsoft.com/office/powerpoint/2010/main" val="2376834583"/>
       </p:ext>
     </p:extLst>
   </p:cSld>
@@ -4270,7 +5205,10 @@
           <a:bodyPr/>
           <a:lstStyle/>
           <a:p>
-            <a:endParaRPr lang="en-US" dirty="0"/>
+            <a:r>
+              <a:rPr lang="en-US" dirty="0"/>
+              <a:t>Nate</a:t>
+            </a:r>
           </a:p>
         </p:txBody>
       </p:sp>
@@ -4291,7 +5229,7 @@
           <a:p>
             <a:fld id="{EEA1ADC5-1110-4F59-A915-38EACC1EBEF9}" type="slidenum">
               <a:rPr lang="en-US" smtClean="0"/>
-              <a:t>25</a:t>
+              <a:t>12</a:t>
             </a:fld>
             <a:endParaRPr lang="en-US"/>
           </a:p>
@@ -4300,7 +5238,7 @@
     </p:spTree>
     <p:extLst>
       <p:ext uri="{BB962C8B-B14F-4D97-AF65-F5344CB8AC3E}">
-        <p14:creationId xmlns:p14="http://schemas.microsoft.com/office/powerpoint/2010/main" val="3415255628"/>
+        <p14:creationId xmlns:p14="http://schemas.microsoft.com/office/powerpoint/2010/main" val="1917765731"/>
       </p:ext>
     </p:extLst>
   </p:cSld>
@@ -4354,7 +5292,10 @@
           <a:bodyPr/>
           <a:lstStyle/>
           <a:p>
-            <a:endParaRPr lang="en-US" dirty="0"/>
+            <a:r>
+              <a:rPr lang="en-US"/>
+              <a:t>Muntasir </a:t>
+            </a:r>
           </a:p>
         </p:txBody>
       </p:sp>
@@ -4375,7 +5316,7 @@
           <a:p>
             <a:fld id="{EEA1ADC5-1110-4F59-A915-38EACC1EBEF9}" type="slidenum">
               <a:rPr lang="en-US" smtClean="0"/>
-              <a:t>26</a:t>
+              <a:t>13</a:t>
             </a:fld>
             <a:endParaRPr lang="en-US"/>
           </a:p>
@@ -4384,7 +5325,7 @@
     </p:spTree>
     <p:extLst>
       <p:ext uri="{BB962C8B-B14F-4D97-AF65-F5344CB8AC3E}">
-        <p14:creationId xmlns:p14="http://schemas.microsoft.com/office/powerpoint/2010/main" val="1505043870"/>
+        <p14:creationId xmlns:p14="http://schemas.microsoft.com/office/powerpoint/2010/main" val="3508238649"/>
       </p:ext>
     </p:extLst>
   </p:cSld>
@@ -4438,7 +5379,10 @@
           <a:bodyPr/>
           <a:lstStyle/>
           <a:p>
-            <a:endParaRPr lang="en-US" dirty="0"/>
+            <a:r>
+              <a:rPr lang="en-US"/>
+              <a:t>Muntasir </a:t>
+            </a:r>
           </a:p>
         </p:txBody>
       </p:sp>
@@ -4459,7 +5403,7 @@
           <a:p>
             <a:fld id="{EEA1ADC5-1110-4F59-A915-38EACC1EBEF9}" type="slidenum">
               <a:rPr lang="en-US" smtClean="0"/>
-              <a:t>27</a:t>
+              <a:t>14</a:t>
             </a:fld>
             <a:endParaRPr lang="en-US"/>
           </a:p>
@@ -4468,7 +5412,7 @@
     </p:spTree>
     <p:extLst>
       <p:ext uri="{BB962C8B-B14F-4D97-AF65-F5344CB8AC3E}">
-        <p14:creationId xmlns:p14="http://schemas.microsoft.com/office/powerpoint/2010/main" val="1679541343"/>
+        <p14:creationId xmlns:p14="http://schemas.microsoft.com/office/powerpoint/2010/main" val="3259047238"/>
       </p:ext>
     </p:extLst>
   </p:cSld>
@@ -4522,7 +5466,10 @@
           <a:bodyPr/>
           <a:lstStyle/>
           <a:p>
-            <a:endParaRPr lang="en-US"/>
+            <a:r>
+              <a:rPr lang="en-US"/>
+              <a:t>Nate</a:t>
+            </a:r>
           </a:p>
         </p:txBody>
       </p:sp>
@@ -4543,7 +5490,7 @@
           <a:p>
             <a:fld id="{EEA1ADC5-1110-4F59-A915-38EACC1EBEF9}" type="slidenum">
               <a:rPr lang="en-US" smtClean="0"/>
-              <a:t>28</a:t>
+              <a:t>15</a:t>
             </a:fld>
             <a:endParaRPr lang="en-US"/>
           </a:p>
@@ -4552,7 +5499,355 @@
     </p:spTree>
     <p:extLst>
       <p:ext uri="{BB962C8B-B14F-4D97-AF65-F5344CB8AC3E}">
-        <p14:creationId xmlns:p14="http://schemas.microsoft.com/office/powerpoint/2010/main" val="2909105820"/>
+        <p14:creationId xmlns:p14="http://schemas.microsoft.com/office/powerpoint/2010/main" val="3680452221"/>
+      </p:ext>
+    </p:extLst>
+  </p:cSld>
+  <p:clrMapOvr>
+    <a:masterClrMapping/>
+  </p:clrMapOvr>
+</p:notes>
+</file>
+
+<file path=ppt/notesSlides/notesSlide16.xml><?xml version="1.0" encoding="utf-8"?>
+<p:notes xmlns:a="http://schemas.openxmlformats.org/drawingml/2006/main" xmlns:r="http://schemas.openxmlformats.org/officeDocument/2006/relationships" xmlns:p="http://schemas.openxmlformats.org/presentationml/2006/main">
+  <p:cSld>
+    <p:spTree>
+      <p:nvGrpSpPr>
+        <p:cNvPr id="1" name=""/>
+        <p:cNvGrpSpPr/>
+        <p:nvPr/>
+      </p:nvGrpSpPr>
+      <p:grpSpPr>
+        <a:xfrm>
+          <a:off x="0" y="0"/>
+          <a:ext cx="0" cy="0"/>
+          <a:chOff x="0" y="0"/>
+          <a:chExt cx="0" cy="0"/>
+        </a:xfrm>
+      </p:grpSpPr>
+      <p:sp>
+        <p:nvSpPr>
+          <p:cNvPr id="2" name="Slide Image Placeholder 1"/>
+          <p:cNvSpPr>
+            <a:spLocks noGrp="1" noRot="1" noChangeAspect="1"/>
+          </p:cNvSpPr>
+          <p:nvPr>
+            <p:ph type="sldImg"/>
+          </p:nvPr>
+        </p:nvSpPr>
+        <p:spPr/>
+      </p:sp>
+      <p:sp>
+        <p:nvSpPr>
+          <p:cNvPr id="3" name="Notes Placeholder 2"/>
+          <p:cNvSpPr>
+            <a:spLocks noGrp="1"/>
+          </p:cNvSpPr>
+          <p:nvPr>
+            <p:ph type="body" idx="1"/>
+          </p:nvPr>
+        </p:nvSpPr>
+        <p:spPr/>
+        <p:txBody>
+          <a:bodyPr/>
+          <a:lstStyle/>
+          <a:p>
+            <a:r>
+              <a:rPr lang="en-US"/>
+              <a:t>Nate</a:t>
+            </a:r>
+          </a:p>
+        </p:txBody>
+      </p:sp>
+      <p:sp>
+        <p:nvSpPr>
+          <p:cNvPr id="4" name="Slide Number Placeholder 3"/>
+          <p:cNvSpPr>
+            <a:spLocks noGrp="1"/>
+          </p:cNvSpPr>
+          <p:nvPr>
+            <p:ph type="sldNum" sz="quarter" idx="5"/>
+          </p:nvPr>
+        </p:nvSpPr>
+        <p:spPr/>
+        <p:txBody>
+          <a:bodyPr/>
+          <a:lstStyle/>
+          <a:p>
+            <a:fld id="{EEA1ADC5-1110-4F59-A915-38EACC1EBEF9}" type="slidenum">
+              <a:rPr lang="en-US" smtClean="0"/>
+              <a:t>16</a:t>
+            </a:fld>
+            <a:endParaRPr lang="en-US"/>
+          </a:p>
+        </p:txBody>
+      </p:sp>
+    </p:spTree>
+    <p:extLst>
+      <p:ext uri="{BB962C8B-B14F-4D97-AF65-F5344CB8AC3E}">
+        <p14:creationId xmlns:p14="http://schemas.microsoft.com/office/powerpoint/2010/main" val="1751566697"/>
+      </p:ext>
+    </p:extLst>
+  </p:cSld>
+  <p:clrMapOvr>
+    <a:masterClrMapping/>
+  </p:clrMapOvr>
+</p:notes>
+</file>
+
+<file path=ppt/notesSlides/notesSlide17.xml><?xml version="1.0" encoding="utf-8"?>
+<p:notes xmlns:a="http://schemas.openxmlformats.org/drawingml/2006/main" xmlns:r="http://schemas.openxmlformats.org/officeDocument/2006/relationships" xmlns:p="http://schemas.openxmlformats.org/presentationml/2006/main">
+  <p:cSld>
+    <p:spTree>
+      <p:nvGrpSpPr>
+        <p:cNvPr id="1" name=""/>
+        <p:cNvGrpSpPr/>
+        <p:nvPr/>
+      </p:nvGrpSpPr>
+      <p:grpSpPr>
+        <a:xfrm>
+          <a:off x="0" y="0"/>
+          <a:ext cx="0" cy="0"/>
+          <a:chOff x="0" y="0"/>
+          <a:chExt cx="0" cy="0"/>
+        </a:xfrm>
+      </p:grpSpPr>
+      <p:sp>
+        <p:nvSpPr>
+          <p:cNvPr id="2" name="Slide Image Placeholder 1"/>
+          <p:cNvSpPr>
+            <a:spLocks noGrp="1" noRot="1" noChangeAspect="1"/>
+          </p:cNvSpPr>
+          <p:nvPr>
+            <p:ph type="sldImg"/>
+          </p:nvPr>
+        </p:nvSpPr>
+        <p:spPr/>
+      </p:sp>
+      <p:sp>
+        <p:nvSpPr>
+          <p:cNvPr id="3" name="Notes Placeholder 2"/>
+          <p:cNvSpPr>
+            <a:spLocks noGrp="1"/>
+          </p:cNvSpPr>
+          <p:nvPr>
+            <p:ph type="body" idx="1"/>
+          </p:nvPr>
+        </p:nvSpPr>
+        <p:spPr/>
+        <p:txBody>
+          <a:bodyPr/>
+          <a:lstStyle/>
+          <a:p>
+            <a:r>
+              <a:rPr lang="en-US"/>
+              <a:t>Anta </a:t>
+            </a:r>
+          </a:p>
+        </p:txBody>
+      </p:sp>
+      <p:sp>
+        <p:nvSpPr>
+          <p:cNvPr id="4" name="Slide Number Placeholder 3"/>
+          <p:cNvSpPr>
+            <a:spLocks noGrp="1"/>
+          </p:cNvSpPr>
+          <p:nvPr>
+            <p:ph type="sldNum" sz="quarter" idx="5"/>
+          </p:nvPr>
+        </p:nvSpPr>
+        <p:spPr/>
+        <p:txBody>
+          <a:bodyPr/>
+          <a:lstStyle/>
+          <a:p>
+            <a:fld id="{EEA1ADC5-1110-4F59-A915-38EACC1EBEF9}" type="slidenum">
+              <a:rPr lang="en-US" smtClean="0"/>
+              <a:t>17</a:t>
+            </a:fld>
+            <a:endParaRPr lang="en-US"/>
+          </a:p>
+        </p:txBody>
+      </p:sp>
+    </p:spTree>
+    <p:extLst>
+      <p:ext uri="{BB962C8B-B14F-4D97-AF65-F5344CB8AC3E}">
+        <p14:creationId xmlns:p14="http://schemas.microsoft.com/office/powerpoint/2010/main" val="2917301655"/>
+      </p:ext>
+    </p:extLst>
+  </p:cSld>
+  <p:clrMapOvr>
+    <a:masterClrMapping/>
+  </p:clrMapOvr>
+</p:notes>
+</file>
+
+<file path=ppt/notesSlides/notesSlide18.xml><?xml version="1.0" encoding="utf-8"?>
+<p:notes xmlns:a="http://schemas.openxmlformats.org/drawingml/2006/main" xmlns:r="http://schemas.openxmlformats.org/officeDocument/2006/relationships" xmlns:p="http://schemas.openxmlformats.org/presentationml/2006/main">
+  <p:cSld>
+    <p:spTree>
+      <p:nvGrpSpPr>
+        <p:cNvPr id="1" name=""/>
+        <p:cNvGrpSpPr/>
+        <p:nvPr/>
+      </p:nvGrpSpPr>
+      <p:grpSpPr>
+        <a:xfrm>
+          <a:off x="0" y="0"/>
+          <a:ext cx="0" cy="0"/>
+          <a:chOff x="0" y="0"/>
+          <a:chExt cx="0" cy="0"/>
+        </a:xfrm>
+      </p:grpSpPr>
+      <p:sp>
+        <p:nvSpPr>
+          <p:cNvPr id="2" name="Slide Image Placeholder 1"/>
+          <p:cNvSpPr>
+            <a:spLocks noGrp="1" noRot="1" noChangeAspect="1"/>
+          </p:cNvSpPr>
+          <p:nvPr>
+            <p:ph type="sldImg"/>
+          </p:nvPr>
+        </p:nvSpPr>
+        <p:spPr/>
+      </p:sp>
+      <p:sp>
+        <p:nvSpPr>
+          <p:cNvPr id="3" name="Notes Placeholder 2"/>
+          <p:cNvSpPr>
+            <a:spLocks noGrp="1"/>
+          </p:cNvSpPr>
+          <p:nvPr>
+            <p:ph type="body" idx="1"/>
+          </p:nvPr>
+        </p:nvSpPr>
+        <p:spPr/>
+        <p:txBody>
+          <a:bodyPr/>
+          <a:lstStyle/>
+          <a:p>
+            <a:r>
+              <a:rPr lang="en-US"/>
+              <a:t>Anta</a:t>
+            </a:r>
+          </a:p>
+        </p:txBody>
+      </p:sp>
+      <p:sp>
+        <p:nvSpPr>
+          <p:cNvPr id="4" name="Slide Number Placeholder 3"/>
+          <p:cNvSpPr>
+            <a:spLocks noGrp="1"/>
+          </p:cNvSpPr>
+          <p:nvPr>
+            <p:ph type="sldNum" sz="quarter" idx="5"/>
+          </p:nvPr>
+        </p:nvSpPr>
+        <p:spPr/>
+        <p:txBody>
+          <a:bodyPr/>
+          <a:lstStyle/>
+          <a:p>
+            <a:fld id="{EEA1ADC5-1110-4F59-A915-38EACC1EBEF9}" type="slidenum">
+              <a:rPr lang="en-US" smtClean="0"/>
+              <a:t>18</a:t>
+            </a:fld>
+            <a:endParaRPr lang="en-US"/>
+          </a:p>
+        </p:txBody>
+      </p:sp>
+    </p:spTree>
+    <p:extLst>
+      <p:ext uri="{BB962C8B-B14F-4D97-AF65-F5344CB8AC3E}">
+        <p14:creationId xmlns:p14="http://schemas.microsoft.com/office/powerpoint/2010/main" val="2983843918"/>
+      </p:ext>
+    </p:extLst>
+  </p:cSld>
+  <p:clrMapOvr>
+    <a:masterClrMapping/>
+  </p:clrMapOvr>
+</p:notes>
+</file>
+
+<file path=ppt/notesSlides/notesSlide19.xml><?xml version="1.0" encoding="utf-8"?>
+<p:notes xmlns:a="http://schemas.openxmlformats.org/drawingml/2006/main" xmlns:r="http://schemas.openxmlformats.org/officeDocument/2006/relationships" xmlns:p="http://schemas.openxmlformats.org/presentationml/2006/main">
+  <p:cSld>
+    <p:spTree>
+      <p:nvGrpSpPr>
+        <p:cNvPr id="1" name=""/>
+        <p:cNvGrpSpPr/>
+        <p:nvPr/>
+      </p:nvGrpSpPr>
+      <p:grpSpPr>
+        <a:xfrm>
+          <a:off x="0" y="0"/>
+          <a:ext cx="0" cy="0"/>
+          <a:chOff x="0" y="0"/>
+          <a:chExt cx="0" cy="0"/>
+        </a:xfrm>
+      </p:grpSpPr>
+      <p:sp>
+        <p:nvSpPr>
+          <p:cNvPr id="2" name="Slide Image Placeholder 1"/>
+          <p:cNvSpPr>
+            <a:spLocks noGrp="1" noRot="1" noChangeAspect="1"/>
+          </p:cNvSpPr>
+          <p:nvPr>
+            <p:ph type="sldImg"/>
+          </p:nvPr>
+        </p:nvSpPr>
+        <p:spPr/>
+      </p:sp>
+      <p:sp>
+        <p:nvSpPr>
+          <p:cNvPr id="3" name="Notes Placeholder 2"/>
+          <p:cNvSpPr>
+            <a:spLocks noGrp="1"/>
+          </p:cNvSpPr>
+          <p:nvPr>
+            <p:ph type="body" idx="1"/>
+          </p:nvPr>
+        </p:nvSpPr>
+        <p:spPr/>
+        <p:txBody>
+          <a:bodyPr/>
+          <a:lstStyle/>
+          <a:p>
+            <a:r>
+              <a:rPr lang="en-US"/>
+              <a:t>Anta</a:t>
+            </a:r>
+          </a:p>
+        </p:txBody>
+      </p:sp>
+      <p:sp>
+        <p:nvSpPr>
+          <p:cNvPr id="4" name="Slide Number Placeholder 3"/>
+          <p:cNvSpPr>
+            <a:spLocks noGrp="1"/>
+          </p:cNvSpPr>
+          <p:nvPr>
+            <p:ph type="sldNum" sz="quarter" idx="5"/>
+          </p:nvPr>
+        </p:nvSpPr>
+        <p:spPr/>
+        <p:txBody>
+          <a:bodyPr/>
+          <a:lstStyle/>
+          <a:p>
+            <a:fld id="{EEA1ADC5-1110-4F59-A915-38EACC1EBEF9}" type="slidenum">
+              <a:rPr lang="en-US" smtClean="0"/>
+              <a:t>19</a:t>
+            </a:fld>
+            <a:endParaRPr lang="en-US"/>
+          </a:p>
+        </p:txBody>
+      </p:sp>
+    </p:spTree>
+    <p:extLst>
+      <p:ext uri="{BB962C8B-B14F-4D97-AF65-F5344CB8AC3E}">
+        <p14:creationId xmlns:p14="http://schemas.microsoft.com/office/powerpoint/2010/main" val="1320424663"/>
       </p:ext>
     </p:extLst>
   </p:cSld>
@@ -4606,7 +5901,10 @@
           <a:bodyPr/>
           <a:lstStyle/>
           <a:p>
-            <a:endParaRPr lang="en-US"/>
+            <a:r>
+              <a:rPr lang="en-US"/>
+              <a:t>Anta</a:t>
+            </a:r>
           </a:p>
         </p:txBody>
       </p:sp>
@@ -4627,7 +5925,7 @@
           <a:p>
             <a:fld id="{EEA1ADC5-1110-4F59-A915-38EACC1EBEF9}" type="slidenum">
               <a:rPr lang="en-US" smtClean="0"/>
-              <a:t>3</a:t>
+              <a:t>2</a:t>
             </a:fld>
             <a:endParaRPr lang="en-US"/>
           </a:p>
@@ -4636,7 +5934,877 @@
     </p:spTree>
     <p:extLst>
       <p:ext uri="{BB962C8B-B14F-4D97-AF65-F5344CB8AC3E}">
-        <p14:creationId xmlns:p14="http://schemas.microsoft.com/office/powerpoint/2010/main" val="3352067870"/>
+        <p14:creationId xmlns:p14="http://schemas.microsoft.com/office/powerpoint/2010/main" val="2461998183"/>
+      </p:ext>
+    </p:extLst>
+  </p:cSld>
+  <p:clrMapOvr>
+    <a:masterClrMapping/>
+  </p:clrMapOvr>
+</p:notes>
+</file>
+
+<file path=ppt/notesSlides/notesSlide20.xml><?xml version="1.0" encoding="utf-8"?>
+<p:notes xmlns:a="http://schemas.openxmlformats.org/drawingml/2006/main" xmlns:r="http://schemas.openxmlformats.org/officeDocument/2006/relationships" xmlns:p="http://schemas.openxmlformats.org/presentationml/2006/main">
+  <p:cSld>
+    <p:spTree>
+      <p:nvGrpSpPr>
+        <p:cNvPr id="1" name=""/>
+        <p:cNvGrpSpPr/>
+        <p:nvPr/>
+      </p:nvGrpSpPr>
+      <p:grpSpPr>
+        <a:xfrm>
+          <a:off x="0" y="0"/>
+          <a:ext cx="0" cy="0"/>
+          <a:chOff x="0" y="0"/>
+          <a:chExt cx="0" cy="0"/>
+        </a:xfrm>
+      </p:grpSpPr>
+      <p:sp>
+        <p:nvSpPr>
+          <p:cNvPr id="2" name="Slide Image Placeholder 1"/>
+          <p:cNvSpPr>
+            <a:spLocks noGrp="1" noRot="1" noChangeAspect="1"/>
+          </p:cNvSpPr>
+          <p:nvPr>
+            <p:ph type="sldImg"/>
+          </p:nvPr>
+        </p:nvSpPr>
+        <p:spPr/>
+      </p:sp>
+      <p:sp>
+        <p:nvSpPr>
+          <p:cNvPr id="3" name="Notes Placeholder 2"/>
+          <p:cNvSpPr>
+            <a:spLocks noGrp="1"/>
+          </p:cNvSpPr>
+          <p:nvPr>
+            <p:ph type="body" idx="1"/>
+          </p:nvPr>
+        </p:nvSpPr>
+        <p:spPr/>
+        <p:txBody>
+          <a:bodyPr/>
+          <a:lstStyle/>
+          <a:p>
+            <a:r>
+              <a:rPr lang="en-US"/>
+              <a:t>Emily</a:t>
+            </a:r>
+          </a:p>
+        </p:txBody>
+      </p:sp>
+      <p:sp>
+        <p:nvSpPr>
+          <p:cNvPr id="4" name="Slide Number Placeholder 3"/>
+          <p:cNvSpPr>
+            <a:spLocks noGrp="1"/>
+          </p:cNvSpPr>
+          <p:nvPr>
+            <p:ph type="sldNum" sz="quarter" idx="5"/>
+          </p:nvPr>
+        </p:nvSpPr>
+        <p:spPr/>
+        <p:txBody>
+          <a:bodyPr/>
+          <a:lstStyle/>
+          <a:p>
+            <a:fld id="{EEA1ADC5-1110-4F59-A915-38EACC1EBEF9}" type="slidenum">
+              <a:rPr lang="en-US" smtClean="0"/>
+              <a:t>20</a:t>
+            </a:fld>
+            <a:endParaRPr lang="en-US"/>
+          </a:p>
+        </p:txBody>
+      </p:sp>
+    </p:spTree>
+    <p:extLst>
+      <p:ext uri="{BB962C8B-B14F-4D97-AF65-F5344CB8AC3E}">
+        <p14:creationId xmlns:p14="http://schemas.microsoft.com/office/powerpoint/2010/main" val="1177920580"/>
+      </p:ext>
+    </p:extLst>
+  </p:cSld>
+  <p:clrMapOvr>
+    <a:masterClrMapping/>
+  </p:clrMapOvr>
+</p:notes>
+</file>
+
+<file path=ppt/notesSlides/notesSlide21.xml><?xml version="1.0" encoding="utf-8"?>
+<p:notes xmlns:a="http://schemas.openxmlformats.org/drawingml/2006/main" xmlns:r="http://schemas.openxmlformats.org/officeDocument/2006/relationships" xmlns:p="http://schemas.openxmlformats.org/presentationml/2006/main">
+  <p:cSld>
+    <p:spTree>
+      <p:nvGrpSpPr>
+        <p:cNvPr id="1" name=""/>
+        <p:cNvGrpSpPr/>
+        <p:nvPr/>
+      </p:nvGrpSpPr>
+      <p:grpSpPr>
+        <a:xfrm>
+          <a:off x="0" y="0"/>
+          <a:ext cx="0" cy="0"/>
+          <a:chOff x="0" y="0"/>
+          <a:chExt cx="0" cy="0"/>
+        </a:xfrm>
+      </p:grpSpPr>
+      <p:sp>
+        <p:nvSpPr>
+          <p:cNvPr id="2" name="Slide Image Placeholder 1"/>
+          <p:cNvSpPr>
+            <a:spLocks noGrp="1" noRot="1" noChangeAspect="1"/>
+          </p:cNvSpPr>
+          <p:nvPr>
+            <p:ph type="sldImg"/>
+          </p:nvPr>
+        </p:nvSpPr>
+        <p:spPr/>
+      </p:sp>
+      <p:sp>
+        <p:nvSpPr>
+          <p:cNvPr id="3" name="Notes Placeholder 2"/>
+          <p:cNvSpPr>
+            <a:spLocks noGrp="1"/>
+          </p:cNvSpPr>
+          <p:nvPr>
+            <p:ph type="body" idx="1"/>
+          </p:nvPr>
+        </p:nvSpPr>
+        <p:spPr/>
+        <p:txBody>
+          <a:bodyPr/>
+          <a:lstStyle/>
+          <a:p>
+            <a:r>
+              <a:rPr lang="en-US"/>
+              <a:t>Emily</a:t>
+            </a:r>
+          </a:p>
+        </p:txBody>
+      </p:sp>
+      <p:sp>
+        <p:nvSpPr>
+          <p:cNvPr id="4" name="Slide Number Placeholder 3"/>
+          <p:cNvSpPr>
+            <a:spLocks noGrp="1"/>
+          </p:cNvSpPr>
+          <p:nvPr>
+            <p:ph type="sldNum" sz="quarter" idx="5"/>
+          </p:nvPr>
+        </p:nvSpPr>
+        <p:spPr/>
+        <p:txBody>
+          <a:bodyPr/>
+          <a:lstStyle/>
+          <a:p>
+            <a:fld id="{EEA1ADC5-1110-4F59-A915-38EACC1EBEF9}" type="slidenum">
+              <a:rPr lang="en-US" smtClean="0"/>
+              <a:t>21</a:t>
+            </a:fld>
+            <a:endParaRPr lang="en-US"/>
+          </a:p>
+        </p:txBody>
+      </p:sp>
+    </p:spTree>
+    <p:extLst>
+      <p:ext uri="{BB962C8B-B14F-4D97-AF65-F5344CB8AC3E}">
+        <p14:creationId xmlns:p14="http://schemas.microsoft.com/office/powerpoint/2010/main" val="1513149896"/>
+      </p:ext>
+    </p:extLst>
+  </p:cSld>
+  <p:clrMapOvr>
+    <a:masterClrMapping/>
+  </p:clrMapOvr>
+</p:notes>
+</file>
+
+<file path=ppt/notesSlides/notesSlide22.xml><?xml version="1.0" encoding="utf-8"?>
+<p:notes xmlns:a="http://schemas.openxmlformats.org/drawingml/2006/main" xmlns:r="http://schemas.openxmlformats.org/officeDocument/2006/relationships" xmlns:p="http://schemas.openxmlformats.org/presentationml/2006/main">
+  <p:cSld>
+    <p:spTree>
+      <p:nvGrpSpPr>
+        <p:cNvPr id="1" name=""/>
+        <p:cNvGrpSpPr/>
+        <p:nvPr/>
+      </p:nvGrpSpPr>
+      <p:grpSpPr>
+        <a:xfrm>
+          <a:off x="0" y="0"/>
+          <a:ext cx="0" cy="0"/>
+          <a:chOff x="0" y="0"/>
+          <a:chExt cx="0" cy="0"/>
+        </a:xfrm>
+      </p:grpSpPr>
+      <p:sp>
+        <p:nvSpPr>
+          <p:cNvPr id="2" name="Slide Image Placeholder 1"/>
+          <p:cNvSpPr>
+            <a:spLocks noGrp="1" noRot="1" noChangeAspect="1"/>
+          </p:cNvSpPr>
+          <p:nvPr>
+            <p:ph type="sldImg"/>
+          </p:nvPr>
+        </p:nvSpPr>
+        <p:spPr/>
+      </p:sp>
+      <p:sp>
+        <p:nvSpPr>
+          <p:cNvPr id="3" name="Notes Placeholder 2"/>
+          <p:cNvSpPr>
+            <a:spLocks noGrp="1"/>
+          </p:cNvSpPr>
+          <p:nvPr>
+            <p:ph type="body" idx="1"/>
+          </p:nvPr>
+        </p:nvSpPr>
+        <p:spPr/>
+        <p:txBody>
+          <a:bodyPr/>
+          <a:lstStyle/>
+          <a:p>
+            <a:r>
+              <a:rPr lang="en-US"/>
+              <a:t>Emily</a:t>
+            </a:r>
+          </a:p>
+        </p:txBody>
+      </p:sp>
+      <p:sp>
+        <p:nvSpPr>
+          <p:cNvPr id="4" name="Slide Number Placeholder 3"/>
+          <p:cNvSpPr>
+            <a:spLocks noGrp="1"/>
+          </p:cNvSpPr>
+          <p:nvPr>
+            <p:ph type="sldNum" sz="quarter" idx="5"/>
+          </p:nvPr>
+        </p:nvSpPr>
+        <p:spPr/>
+        <p:txBody>
+          <a:bodyPr/>
+          <a:lstStyle/>
+          <a:p>
+            <a:fld id="{EEA1ADC5-1110-4F59-A915-38EACC1EBEF9}" type="slidenum">
+              <a:rPr lang="en-US" smtClean="0"/>
+              <a:t>22</a:t>
+            </a:fld>
+            <a:endParaRPr lang="en-US"/>
+          </a:p>
+        </p:txBody>
+      </p:sp>
+    </p:spTree>
+    <p:extLst>
+      <p:ext uri="{BB962C8B-B14F-4D97-AF65-F5344CB8AC3E}">
+        <p14:creationId xmlns:p14="http://schemas.microsoft.com/office/powerpoint/2010/main" val="248912422"/>
+      </p:ext>
+    </p:extLst>
+  </p:cSld>
+  <p:clrMapOvr>
+    <a:masterClrMapping/>
+  </p:clrMapOvr>
+</p:notes>
+</file>
+
+<file path=ppt/notesSlides/notesSlide23.xml><?xml version="1.0" encoding="utf-8"?>
+<p:notes xmlns:a="http://schemas.openxmlformats.org/drawingml/2006/main" xmlns:r="http://schemas.openxmlformats.org/officeDocument/2006/relationships" xmlns:p="http://schemas.openxmlformats.org/presentationml/2006/main">
+  <p:cSld>
+    <p:spTree>
+      <p:nvGrpSpPr>
+        <p:cNvPr id="1" name=""/>
+        <p:cNvGrpSpPr/>
+        <p:nvPr/>
+      </p:nvGrpSpPr>
+      <p:grpSpPr>
+        <a:xfrm>
+          <a:off x="0" y="0"/>
+          <a:ext cx="0" cy="0"/>
+          <a:chOff x="0" y="0"/>
+          <a:chExt cx="0" cy="0"/>
+        </a:xfrm>
+      </p:grpSpPr>
+      <p:sp>
+        <p:nvSpPr>
+          <p:cNvPr id="2" name="Slide Image Placeholder 1"/>
+          <p:cNvSpPr>
+            <a:spLocks noGrp="1" noRot="1" noChangeAspect="1"/>
+          </p:cNvSpPr>
+          <p:nvPr>
+            <p:ph type="sldImg"/>
+          </p:nvPr>
+        </p:nvSpPr>
+        <p:spPr/>
+      </p:sp>
+      <p:sp>
+        <p:nvSpPr>
+          <p:cNvPr id="3" name="Notes Placeholder 2"/>
+          <p:cNvSpPr>
+            <a:spLocks noGrp="1"/>
+          </p:cNvSpPr>
+          <p:nvPr>
+            <p:ph type="body" idx="1"/>
+          </p:nvPr>
+        </p:nvSpPr>
+        <p:spPr/>
+        <p:txBody>
+          <a:bodyPr/>
+          <a:lstStyle/>
+          <a:p>
+            <a:r>
+              <a:rPr lang="en-US"/>
+              <a:t>Muntasir </a:t>
+            </a:r>
+          </a:p>
+        </p:txBody>
+      </p:sp>
+      <p:sp>
+        <p:nvSpPr>
+          <p:cNvPr id="4" name="Slide Number Placeholder 3"/>
+          <p:cNvSpPr>
+            <a:spLocks noGrp="1"/>
+          </p:cNvSpPr>
+          <p:nvPr>
+            <p:ph type="sldNum" sz="quarter" idx="5"/>
+          </p:nvPr>
+        </p:nvSpPr>
+        <p:spPr/>
+        <p:txBody>
+          <a:bodyPr/>
+          <a:lstStyle/>
+          <a:p>
+            <a:fld id="{EEA1ADC5-1110-4F59-A915-38EACC1EBEF9}" type="slidenum">
+              <a:rPr lang="en-US" smtClean="0"/>
+              <a:t>23</a:t>
+            </a:fld>
+            <a:endParaRPr lang="en-US"/>
+          </a:p>
+        </p:txBody>
+      </p:sp>
+    </p:spTree>
+    <p:extLst>
+      <p:ext uri="{BB962C8B-B14F-4D97-AF65-F5344CB8AC3E}">
+        <p14:creationId xmlns:p14="http://schemas.microsoft.com/office/powerpoint/2010/main" val="1816644617"/>
+      </p:ext>
+    </p:extLst>
+  </p:cSld>
+  <p:clrMapOvr>
+    <a:masterClrMapping/>
+  </p:clrMapOvr>
+</p:notes>
+</file>
+
+<file path=ppt/notesSlides/notesSlide24.xml><?xml version="1.0" encoding="utf-8"?>
+<p:notes xmlns:a="http://schemas.openxmlformats.org/drawingml/2006/main" xmlns:r="http://schemas.openxmlformats.org/officeDocument/2006/relationships" xmlns:p="http://schemas.openxmlformats.org/presentationml/2006/main">
+  <p:cSld>
+    <p:spTree>
+      <p:nvGrpSpPr>
+        <p:cNvPr id="1" name=""/>
+        <p:cNvGrpSpPr/>
+        <p:nvPr/>
+      </p:nvGrpSpPr>
+      <p:grpSpPr>
+        <a:xfrm>
+          <a:off x="0" y="0"/>
+          <a:ext cx="0" cy="0"/>
+          <a:chOff x="0" y="0"/>
+          <a:chExt cx="0" cy="0"/>
+        </a:xfrm>
+      </p:grpSpPr>
+      <p:sp>
+        <p:nvSpPr>
+          <p:cNvPr id="2" name="Slide Image Placeholder 1"/>
+          <p:cNvSpPr>
+            <a:spLocks noGrp="1" noRot="1" noChangeAspect="1"/>
+          </p:cNvSpPr>
+          <p:nvPr>
+            <p:ph type="sldImg"/>
+          </p:nvPr>
+        </p:nvSpPr>
+        <p:spPr/>
+      </p:sp>
+      <p:sp>
+        <p:nvSpPr>
+          <p:cNvPr id="3" name="Notes Placeholder 2"/>
+          <p:cNvSpPr>
+            <a:spLocks noGrp="1"/>
+          </p:cNvSpPr>
+          <p:nvPr>
+            <p:ph type="body" idx="1"/>
+          </p:nvPr>
+        </p:nvSpPr>
+        <p:spPr/>
+        <p:txBody>
+          <a:bodyPr/>
+          <a:lstStyle/>
+          <a:p>
+            <a:r>
+              <a:rPr lang="en-US"/>
+              <a:t>Muntasir </a:t>
+            </a:r>
+          </a:p>
+        </p:txBody>
+      </p:sp>
+      <p:sp>
+        <p:nvSpPr>
+          <p:cNvPr id="4" name="Slide Number Placeholder 3"/>
+          <p:cNvSpPr>
+            <a:spLocks noGrp="1"/>
+          </p:cNvSpPr>
+          <p:nvPr>
+            <p:ph type="sldNum" sz="quarter" idx="5"/>
+          </p:nvPr>
+        </p:nvSpPr>
+        <p:spPr/>
+        <p:txBody>
+          <a:bodyPr/>
+          <a:lstStyle/>
+          <a:p>
+            <a:fld id="{EEA1ADC5-1110-4F59-A915-38EACC1EBEF9}" type="slidenum">
+              <a:rPr lang="en-US" smtClean="0"/>
+              <a:t>24</a:t>
+            </a:fld>
+            <a:endParaRPr lang="en-US"/>
+          </a:p>
+        </p:txBody>
+      </p:sp>
+    </p:spTree>
+    <p:extLst>
+      <p:ext uri="{BB962C8B-B14F-4D97-AF65-F5344CB8AC3E}">
+        <p14:creationId xmlns:p14="http://schemas.microsoft.com/office/powerpoint/2010/main" val="955537740"/>
+      </p:ext>
+    </p:extLst>
+  </p:cSld>
+  <p:clrMapOvr>
+    <a:masterClrMapping/>
+  </p:clrMapOvr>
+</p:notes>
+</file>
+
+<file path=ppt/notesSlides/notesSlide25.xml><?xml version="1.0" encoding="utf-8"?>
+<p:notes xmlns:a="http://schemas.openxmlformats.org/drawingml/2006/main" xmlns:r="http://schemas.openxmlformats.org/officeDocument/2006/relationships" xmlns:p="http://schemas.openxmlformats.org/presentationml/2006/main">
+  <p:cSld>
+    <p:spTree>
+      <p:nvGrpSpPr>
+        <p:cNvPr id="1" name=""/>
+        <p:cNvGrpSpPr/>
+        <p:nvPr/>
+      </p:nvGrpSpPr>
+      <p:grpSpPr>
+        <a:xfrm>
+          <a:off x="0" y="0"/>
+          <a:ext cx="0" cy="0"/>
+          <a:chOff x="0" y="0"/>
+          <a:chExt cx="0" cy="0"/>
+        </a:xfrm>
+      </p:grpSpPr>
+      <p:sp>
+        <p:nvSpPr>
+          <p:cNvPr id="2" name="Slide Image Placeholder 1"/>
+          <p:cNvSpPr>
+            <a:spLocks noGrp="1" noRot="1" noChangeAspect="1"/>
+          </p:cNvSpPr>
+          <p:nvPr>
+            <p:ph type="sldImg"/>
+          </p:nvPr>
+        </p:nvSpPr>
+        <p:spPr/>
+      </p:sp>
+      <p:sp>
+        <p:nvSpPr>
+          <p:cNvPr id="3" name="Notes Placeholder 2"/>
+          <p:cNvSpPr>
+            <a:spLocks noGrp="1"/>
+          </p:cNvSpPr>
+          <p:nvPr>
+            <p:ph type="body" idx="1"/>
+          </p:nvPr>
+        </p:nvSpPr>
+        <p:spPr/>
+        <p:txBody>
+          <a:bodyPr/>
+          <a:lstStyle/>
+          <a:p>
+            <a:r>
+              <a:rPr lang="en-US"/>
+              <a:t>Muntasir </a:t>
+            </a:r>
+          </a:p>
+        </p:txBody>
+      </p:sp>
+      <p:sp>
+        <p:nvSpPr>
+          <p:cNvPr id="4" name="Slide Number Placeholder 3"/>
+          <p:cNvSpPr>
+            <a:spLocks noGrp="1"/>
+          </p:cNvSpPr>
+          <p:nvPr>
+            <p:ph type="sldNum" sz="quarter" idx="5"/>
+          </p:nvPr>
+        </p:nvSpPr>
+        <p:spPr/>
+        <p:txBody>
+          <a:bodyPr/>
+          <a:lstStyle/>
+          <a:p>
+            <a:fld id="{EEA1ADC5-1110-4F59-A915-38EACC1EBEF9}" type="slidenum">
+              <a:rPr lang="en-US" smtClean="0"/>
+              <a:t>25</a:t>
+            </a:fld>
+            <a:endParaRPr lang="en-US"/>
+          </a:p>
+        </p:txBody>
+      </p:sp>
+    </p:spTree>
+    <p:extLst>
+      <p:ext uri="{BB962C8B-B14F-4D97-AF65-F5344CB8AC3E}">
+        <p14:creationId xmlns:p14="http://schemas.microsoft.com/office/powerpoint/2010/main" val="3415255628"/>
+      </p:ext>
+    </p:extLst>
+  </p:cSld>
+  <p:clrMapOvr>
+    <a:masterClrMapping/>
+  </p:clrMapOvr>
+</p:notes>
+</file>
+
+<file path=ppt/notesSlides/notesSlide26.xml><?xml version="1.0" encoding="utf-8"?>
+<p:notes xmlns:a="http://schemas.openxmlformats.org/drawingml/2006/main" xmlns:r="http://schemas.openxmlformats.org/officeDocument/2006/relationships" xmlns:p="http://schemas.openxmlformats.org/presentationml/2006/main">
+  <p:cSld>
+    <p:spTree>
+      <p:nvGrpSpPr>
+        <p:cNvPr id="1" name=""/>
+        <p:cNvGrpSpPr/>
+        <p:nvPr/>
+      </p:nvGrpSpPr>
+      <p:grpSpPr>
+        <a:xfrm>
+          <a:off x="0" y="0"/>
+          <a:ext cx="0" cy="0"/>
+          <a:chOff x="0" y="0"/>
+          <a:chExt cx="0" cy="0"/>
+        </a:xfrm>
+      </p:grpSpPr>
+      <p:sp>
+        <p:nvSpPr>
+          <p:cNvPr id="2" name="Slide Image Placeholder 1"/>
+          <p:cNvSpPr>
+            <a:spLocks noGrp="1" noRot="1" noChangeAspect="1"/>
+          </p:cNvSpPr>
+          <p:nvPr>
+            <p:ph type="sldImg"/>
+          </p:nvPr>
+        </p:nvSpPr>
+        <p:spPr/>
+      </p:sp>
+      <p:sp>
+        <p:nvSpPr>
+          <p:cNvPr id="3" name="Notes Placeholder 2"/>
+          <p:cNvSpPr>
+            <a:spLocks noGrp="1"/>
+          </p:cNvSpPr>
+          <p:nvPr>
+            <p:ph type="body" idx="1"/>
+          </p:nvPr>
+        </p:nvSpPr>
+        <p:spPr/>
+        <p:txBody>
+          <a:bodyPr/>
+          <a:lstStyle/>
+          <a:p>
+            <a:r>
+              <a:rPr lang="en-US"/>
+              <a:t>Muntasir </a:t>
+            </a:r>
+          </a:p>
+        </p:txBody>
+      </p:sp>
+      <p:sp>
+        <p:nvSpPr>
+          <p:cNvPr id="4" name="Slide Number Placeholder 3"/>
+          <p:cNvSpPr>
+            <a:spLocks noGrp="1"/>
+          </p:cNvSpPr>
+          <p:nvPr>
+            <p:ph type="sldNum" sz="quarter" idx="5"/>
+          </p:nvPr>
+        </p:nvSpPr>
+        <p:spPr/>
+        <p:txBody>
+          <a:bodyPr/>
+          <a:lstStyle/>
+          <a:p>
+            <a:fld id="{EEA1ADC5-1110-4F59-A915-38EACC1EBEF9}" type="slidenum">
+              <a:rPr lang="en-US" smtClean="0"/>
+              <a:t>26</a:t>
+            </a:fld>
+            <a:endParaRPr lang="en-US"/>
+          </a:p>
+        </p:txBody>
+      </p:sp>
+    </p:spTree>
+    <p:extLst>
+      <p:ext uri="{BB962C8B-B14F-4D97-AF65-F5344CB8AC3E}">
+        <p14:creationId xmlns:p14="http://schemas.microsoft.com/office/powerpoint/2010/main" val="1505043870"/>
+      </p:ext>
+    </p:extLst>
+  </p:cSld>
+  <p:clrMapOvr>
+    <a:masterClrMapping/>
+  </p:clrMapOvr>
+</p:notes>
+</file>
+
+<file path=ppt/notesSlides/notesSlide27.xml><?xml version="1.0" encoding="utf-8"?>
+<p:notes xmlns:a="http://schemas.openxmlformats.org/drawingml/2006/main" xmlns:r="http://schemas.openxmlformats.org/officeDocument/2006/relationships" xmlns:p="http://schemas.openxmlformats.org/presentationml/2006/main">
+  <p:cSld>
+    <p:spTree>
+      <p:nvGrpSpPr>
+        <p:cNvPr id="1" name=""/>
+        <p:cNvGrpSpPr/>
+        <p:nvPr/>
+      </p:nvGrpSpPr>
+      <p:grpSpPr>
+        <a:xfrm>
+          <a:off x="0" y="0"/>
+          <a:ext cx="0" cy="0"/>
+          <a:chOff x="0" y="0"/>
+          <a:chExt cx="0" cy="0"/>
+        </a:xfrm>
+      </p:grpSpPr>
+      <p:sp>
+        <p:nvSpPr>
+          <p:cNvPr id="2" name="Slide Image Placeholder 1"/>
+          <p:cNvSpPr>
+            <a:spLocks noGrp="1" noRot="1" noChangeAspect="1"/>
+          </p:cNvSpPr>
+          <p:nvPr>
+            <p:ph type="sldImg"/>
+          </p:nvPr>
+        </p:nvSpPr>
+        <p:spPr/>
+      </p:sp>
+      <p:sp>
+        <p:nvSpPr>
+          <p:cNvPr id="3" name="Notes Placeholder 2"/>
+          <p:cNvSpPr>
+            <a:spLocks noGrp="1"/>
+          </p:cNvSpPr>
+          <p:nvPr>
+            <p:ph type="body" idx="1"/>
+          </p:nvPr>
+        </p:nvSpPr>
+        <p:spPr/>
+        <p:txBody>
+          <a:bodyPr/>
+          <a:lstStyle/>
+          <a:p>
+            <a:r>
+              <a:rPr lang="en-US"/>
+              <a:t>Muntasir </a:t>
+            </a:r>
+          </a:p>
+        </p:txBody>
+      </p:sp>
+      <p:sp>
+        <p:nvSpPr>
+          <p:cNvPr id="4" name="Slide Number Placeholder 3"/>
+          <p:cNvSpPr>
+            <a:spLocks noGrp="1"/>
+          </p:cNvSpPr>
+          <p:nvPr>
+            <p:ph type="sldNum" sz="quarter" idx="5"/>
+          </p:nvPr>
+        </p:nvSpPr>
+        <p:spPr/>
+        <p:txBody>
+          <a:bodyPr/>
+          <a:lstStyle/>
+          <a:p>
+            <a:fld id="{EEA1ADC5-1110-4F59-A915-38EACC1EBEF9}" type="slidenum">
+              <a:rPr lang="en-US" smtClean="0"/>
+              <a:t>27</a:t>
+            </a:fld>
+            <a:endParaRPr lang="en-US"/>
+          </a:p>
+        </p:txBody>
+      </p:sp>
+    </p:spTree>
+    <p:extLst>
+      <p:ext uri="{BB962C8B-B14F-4D97-AF65-F5344CB8AC3E}">
+        <p14:creationId xmlns:p14="http://schemas.microsoft.com/office/powerpoint/2010/main" val="1679541343"/>
+      </p:ext>
+    </p:extLst>
+  </p:cSld>
+  <p:clrMapOvr>
+    <a:masterClrMapping/>
+  </p:clrMapOvr>
+</p:notes>
+</file>
+
+<file path=ppt/notesSlides/notesSlide28.xml><?xml version="1.0" encoding="utf-8"?>
+<p:notes xmlns:a="http://schemas.openxmlformats.org/drawingml/2006/main" xmlns:r="http://schemas.openxmlformats.org/officeDocument/2006/relationships" xmlns:p="http://schemas.openxmlformats.org/presentationml/2006/main">
+  <p:cSld>
+    <p:spTree>
+      <p:nvGrpSpPr>
+        <p:cNvPr id="1" name=""/>
+        <p:cNvGrpSpPr/>
+        <p:nvPr/>
+      </p:nvGrpSpPr>
+      <p:grpSpPr>
+        <a:xfrm>
+          <a:off x="0" y="0"/>
+          <a:ext cx="0" cy="0"/>
+          <a:chOff x="0" y="0"/>
+          <a:chExt cx="0" cy="0"/>
+        </a:xfrm>
+      </p:grpSpPr>
+      <p:sp>
+        <p:nvSpPr>
+          <p:cNvPr id="2" name="Slide Image Placeholder 1"/>
+          <p:cNvSpPr>
+            <a:spLocks noGrp="1" noRot="1" noChangeAspect="1"/>
+          </p:cNvSpPr>
+          <p:nvPr>
+            <p:ph type="sldImg"/>
+          </p:nvPr>
+        </p:nvSpPr>
+        <p:spPr/>
+      </p:sp>
+      <p:sp>
+        <p:nvSpPr>
+          <p:cNvPr id="3" name="Notes Placeholder 2"/>
+          <p:cNvSpPr>
+            <a:spLocks noGrp="1"/>
+          </p:cNvSpPr>
+          <p:nvPr>
+            <p:ph type="body" idx="1"/>
+          </p:nvPr>
+        </p:nvSpPr>
+        <p:spPr/>
+        <p:txBody>
+          <a:bodyPr/>
+          <a:lstStyle/>
+          <a:p>
+            <a:r>
+              <a:rPr lang="en-US"/>
+              <a:t>Jake</a:t>
+            </a:r>
+          </a:p>
+        </p:txBody>
+      </p:sp>
+      <p:sp>
+        <p:nvSpPr>
+          <p:cNvPr id="4" name="Slide Number Placeholder 3"/>
+          <p:cNvSpPr>
+            <a:spLocks noGrp="1"/>
+          </p:cNvSpPr>
+          <p:nvPr>
+            <p:ph type="sldNum" sz="quarter" idx="5"/>
+          </p:nvPr>
+        </p:nvSpPr>
+        <p:spPr/>
+        <p:txBody>
+          <a:bodyPr/>
+          <a:lstStyle/>
+          <a:p>
+            <a:fld id="{EEA1ADC5-1110-4F59-A915-38EACC1EBEF9}" type="slidenum">
+              <a:rPr lang="en-US" smtClean="0"/>
+              <a:t>28</a:t>
+            </a:fld>
+            <a:endParaRPr lang="en-US"/>
+          </a:p>
+        </p:txBody>
+      </p:sp>
+    </p:spTree>
+    <p:extLst>
+      <p:ext uri="{BB962C8B-B14F-4D97-AF65-F5344CB8AC3E}">
+        <p14:creationId xmlns:p14="http://schemas.microsoft.com/office/powerpoint/2010/main" val="2909105820"/>
+      </p:ext>
+    </p:extLst>
+  </p:cSld>
+  <p:clrMapOvr>
+    <a:masterClrMapping/>
+  </p:clrMapOvr>
+</p:notes>
+</file>
+
+<file path=ppt/notesSlides/notesSlide29.xml><?xml version="1.0" encoding="utf-8"?>
+<p:notes xmlns:a="http://schemas.openxmlformats.org/drawingml/2006/main" xmlns:r="http://schemas.openxmlformats.org/officeDocument/2006/relationships" xmlns:p="http://schemas.openxmlformats.org/presentationml/2006/main">
+  <p:cSld>
+    <p:spTree>
+      <p:nvGrpSpPr>
+        <p:cNvPr id="1" name=""/>
+        <p:cNvGrpSpPr/>
+        <p:nvPr/>
+      </p:nvGrpSpPr>
+      <p:grpSpPr>
+        <a:xfrm>
+          <a:off x="0" y="0"/>
+          <a:ext cx="0" cy="0"/>
+          <a:chOff x="0" y="0"/>
+          <a:chExt cx="0" cy="0"/>
+        </a:xfrm>
+      </p:grpSpPr>
+      <p:sp>
+        <p:nvSpPr>
+          <p:cNvPr id="2" name="Slide Image Placeholder 1"/>
+          <p:cNvSpPr>
+            <a:spLocks noGrp="1" noRot="1" noChangeAspect="1"/>
+          </p:cNvSpPr>
+          <p:nvPr>
+            <p:ph type="sldImg"/>
+          </p:nvPr>
+        </p:nvSpPr>
+        <p:spPr/>
+      </p:sp>
+      <p:sp>
+        <p:nvSpPr>
+          <p:cNvPr id="3" name="Notes Placeholder 2"/>
+          <p:cNvSpPr>
+            <a:spLocks noGrp="1"/>
+          </p:cNvSpPr>
+          <p:nvPr>
+            <p:ph type="body" idx="1"/>
+          </p:nvPr>
+        </p:nvSpPr>
+        <p:spPr/>
+        <p:txBody>
+          <a:bodyPr/>
+          <a:lstStyle/>
+          <a:p>
+            <a:r>
+              <a:rPr lang="en-US"/>
+              <a:t>Jake</a:t>
+            </a:r>
+          </a:p>
+        </p:txBody>
+      </p:sp>
+      <p:sp>
+        <p:nvSpPr>
+          <p:cNvPr id="4" name="Slide Number Placeholder 3"/>
+          <p:cNvSpPr>
+            <a:spLocks noGrp="1"/>
+          </p:cNvSpPr>
+          <p:nvPr>
+            <p:ph type="sldNum" sz="quarter" idx="5"/>
+          </p:nvPr>
+        </p:nvSpPr>
+        <p:spPr/>
+        <p:txBody>
+          <a:bodyPr/>
+          <a:lstStyle/>
+          <a:p>
+            <a:fld id="{EEA1ADC5-1110-4F59-A915-38EACC1EBEF9}" type="slidenum">
+              <a:rPr lang="en-US" smtClean="0"/>
+              <a:t>29</a:t>
+            </a:fld>
+            <a:endParaRPr lang="en-US"/>
+          </a:p>
+        </p:txBody>
+      </p:sp>
+    </p:spTree>
+    <p:extLst>
+      <p:ext uri="{BB962C8B-B14F-4D97-AF65-F5344CB8AC3E}">
+        <p14:creationId xmlns:p14="http://schemas.microsoft.com/office/powerpoint/2010/main" val="3648438244"/>
       </p:ext>
     </p:extLst>
   </p:cSld>
@@ -4690,7 +6858,10 @@
           <a:bodyPr/>
           <a:lstStyle/>
           <a:p>
-            <a:endParaRPr lang="en-US" dirty="0"/>
+            <a:r>
+              <a:rPr lang="en-US"/>
+              <a:t>Anta</a:t>
+            </a:r>
           </a:p>
         </p:txBody>
       </p:sp>
@@ -4711,7 +6882,7 @@
           <a:p>
             <a:fld id="{EEA1ADC5-1110-4F59-A915-38EACC1EBEF9}" type="slidenum">
               <a:rPr lang="en-US" smtClean="0"/>
-              <a:t>5</a:t>
+              <a:t>3</a:t>
             </a:fld>
             <a:endParaRPr lang="en-US"/>
           </a:p>
@@ -4720,7 +6891,94 @@
     </p:spTree>
     <p:extLst>
       <p:ext uri="{BB962C8B-B14F-4D97-AF65-F5344CB8AC3E}">
-        <p14:creationId xmlns:p14="http://schemas.microsoft.com/office/powerpoint/2010/main" val="1320023840"/>
+        <p14:creationId xmlns:p14="http://schemas.microsoft.com/office/powerpoint/2010/main" val="3352067870"/>
+      </p:ext>
+    </p:extLst>
+  </p:cSld>
+  <p:clrMapOvr>
+    <a:masterClrMapping/>
+  </p:clrMapOvr>
+</p:notes>
+</file>
+
+<file path=ppt/notesSlides/notesSlide30.xml><?xml version="1.0" encoding="utf-8"?>
+<p:notes xmlns:a="http://schemas.openxmlformats.org/drawingml/2006/main" xmlns:r="http://schemas.openxmlformats.org/officeDocument/2006/relationships" xmlns:p="http://schemas.openxmlformats.org/presentationml/2006/main">
+  <p:cSld>
+    <p:spTree>
+      <p:nvGrpSpPr>
+        <p:cNvPr id="1" name=""/>
+        <p:cNvGrpSpPr/>
+        <p:nvPr/>
+      </p:nvGrpSpPr>
+      <p:grpSpPr>
+        <a:xfrm>
+          <a:off x="0" y="0"/>
+          <a:ext cx="0" cy="0"/>
+          <a:chOff x="0" y="0"/>
+          <a:chExt cx="0" cy="0"/>
+        </a:xfrm>
+      </p:grpSpPr>
+      <p:sp>
+        <p:nvSpPr>
+          <p:cNvPr id="2" name="Slide Image Placeholder 1"/>
+          <p:cNvSpPr>
+            <a:spLocks noGrp="1" noRot="1" noChangeAspect="1"/>
+          </p:cNvSpPr>
+          <p:nvPr>
+            <p:ph type="sldImg"/>
+          </p:nvPr>
+        </p:nvSpPr>
+        <p:spPr/>
+      </p:sp>
+      <p:sp>
+        <p:nvSpPr>
+          <p:cNvPr id="3" name="Notes Placeholder 2"/>
+          <p:cNvSpPr>
+            <a:spLocks noGrp="1"/>
+          </p:cNvSpPr>
+          <p:nvPr>
+            <p:ph type="body" idx="1"/>
+          </p:nvPr>
+        </p:nvSpPr>
+        <p:spPr/>
+        <p:txBody>
+          <a:bodyPr/>
+          <a:lstStyle/>
+          <a:p>
+            <a:r>
+              <a:rPr lang="en-US"/>
+              <a:t>Jake</a:t>
+            </a:r>
+          </a:p>
+        </p:txBody>
+      </p:sp>
+      <p:sp>
+        <p:nvSpPr>
+          <p:cNvPr id="4" name="Slide Number Placeholder 3"/>
+          <p:cNvSpPr>
+            <a:spLocks noGrp="1"/>
+          </p:cNvSpPr>
+          <p:nvPr>
+            <p:ph type="sldNum" sz="quarter" idx="5"/>
+          </p:nvPr>
+        </p:nvSpPr>
+        <p:spPr/>
+        <p:txBody>
+          <a:bodyPr/>
+          <a:lstStyle/>
+          <a:p>
+            <a:fld id="{EEA1ADC5-1110-4F59-A915-38EACC1EBEF9}" type="slidenum">
+              <a:rPr lang="en-US" smtClean="0"/>
+              <a:t>30</a:t>
+            </a:fld>
+            <a:endParaRPr lang="en-US"/>
+          </a:p>
+        </p:txBody>
+      </p:sp>
+    </p:spTree>
+    <p:extLst>
+      <p:ext uri="{BB962C8B-B14F-4D97-AF65-F5344CB8AC3E}">
+        <p14:creationId xmlns:p14="http://schemas.microsoft.com/office/powerpoint/2010/main" val="2377536934"/>
       </p:ext>
     </p:extLst>
   </p:cSld>
@@ -4774,7 +7032,10 @@
           <a:bodyPr/>
           <a:lstStyle/>
           <a:p>
-            <a:endParaRPr lang="en-US" dirty="0"/>
+            <a:r>
+              <a:rPr lang="en-US"/>
+              <a:t>Jake</a:t>
+            </a:r>
           </a:p>
         </p:txBody>
       </p:sp>
@@ -4795,7 +7056,7 @@
           <a:p>
             <a:fld id="{EEA1ADC5-1110-4F59-A915-38EACC1EBEF9}" type="slidenum">
               <a:rPr lang="en-US" smtClean="0"/>
-              <a:t>6</a:t>
+              <a:t>4</a:t>
             </a:fld>
             <a:endParaRPr lang="en-US"/>
           </a:p>
@@ -4804,7 +7065,7 @@
     </p:spTree>
     <p:extLst>
       <p:ext uri="{BB962C8B-B14F-4D97-AF65-F5344CB8AC3E}">
-        <p14:creationId xmlns:p14="http://schemas.microsoft.com/office/powerpoint/2010/main" val="1020868692"/>
+        <p14:creationId xmlns:p14="http://schemas.microsoft.com/office/powerpoint/2010/main" val="2074260928"/>
       </p:ext>
     </p:extLst>
   </p:cSld>
@@ -4858,7 +7119,10 @@
           <a:bodyPr/>
           <a:lstStyle/>
           <a:p>
-            <a:endParaRPr lang="en-US" dirty="0"/>
+            <a:r>
+              <a:rPr lang="en-US"/>
+              <a:t>Jake</a:t>
+            </a:r>
           </a:p>
         </p:txBody>
       </p:sp>
@@ -4879,7 +7143,7 @@
           <a:p>
             <a:fld id="{EEA1ADC5-1110-4F59-A915-38EACC1EBEF9}" type="slidenum">
               <a:rPr lang="en-US" smtClean="0"/>
-              <a:t>11</a:t>
+              <a:t>5</a:t>
             </a:fld>
             <a:endParaRPr lang="en-US"/>
           </a:p>
@@ -4888,7 +7152,7 @@
     </p:spTree>
     <p:extLst>
       <p:ext uri="{BB962C8B-B14F-4D97-AF65-F5344CB8AC3E}">
-        <p14:creationId xmlns:p14="http://schemas.microsoft.com/office/powerpoint/2010/main" val="2376834583"/>
+        <p14:creationId xmlns:p14="http://schemas.microsoft.com/office/powerpoint/2010/main" val="1320023840"/>
       </p:ext>
     </p:extLst>
   </p:cSld>
@@ -4942,7 +7206,10 @@
           <a:bodyPr/>
           <a:lstStyle/>
           <a:p>
-            <a:endParaRPr lang="en-US" dirty="0"/>
+            <a:r>
+              <a:rPr lang="en-US"/>
+              <a:t>Emily</a:t>
+            </a:r>
           </a:p>
         </p:txBody>
       </p:sp>
@@ -4963,7 +7230,7 @@
           <a:p>
             <a:fld id="{EEA1ADC5-1110-4F59-A915-38EACC1EBEF9}" type="slidenum">
               <a:rPr lang="en-US" smtClean="0"/>
-              <a:t>12</a:t>
+              <a:t>6</a:t>
             </a:fld>
             <a:endParaRPr lang="en-US"/>
           </a:p>
@@ -4972,7 +7239,7 @@
     </p:spTree>
     <p:extLst>
       <p:ext uri="{BB962C8B-B14F-4D97-AF65-F5344CB8AC3E}">
-        <p14:creationId xmlns:p14="http://schemas.microsoft.com/office/powerpoint/2010/main" val="1917765731"/>
+        <p14:creationId xmlns:p14="http://schemas.microsoft.com/office/powerpoint/2010/main" val="1020868692"/>
       </p:ext>
     </p:extLst>
   </p:cSld>
@@ -5026,7 +7293,10 @@
           <a:bodyPr/>
           <a:lstStyle/>
           <a:p>
-            <a:endParaRPr lang="en-US"/>
+            <a:r>
+              <a:rPr lang="en-US" dirty="0"/>
+              <a:t>Jake</a:t>
+            </a:r>
           </a:p>
         </p:txBody>
       </p:sp>
@@ -5047,7 +7317,7 @@
           <a:p>
             <a:fld id="{EEA1ADC5-1110-4F59-A915-38EACC1EBEF9}" type="slidenum">
               <a:rPr lang="en-US" smtClean="0"/>
-              <a:t>13</a:t>
+              <a:t>7</a:t>
             </a:fld>
             <a:endParaRPr lang="en-US"/>
           </a:p>
@@ -5056,7 +7326,7 @@
     </p:spTree>
     <p:extLst>
       <p:ext uri="{BB962C8B-B14F-4D97-AF65-F5344CB8AC3E}">
-        <p14:creationId xmlns:p14="http://schemas.microsoft.com/office/powerpoint/2010/main" val="3508238649"/>
+        <p14:creationId xmlns:p14="http://schemas.microsoft.com/office/powerpoint/2010/main" val="641325503"/>
       </p:ext>
     </p:extLst>
   </p:cSld>
@@ -5110,7 +7380,10 @@
           <a:bodyPr/>
           <a:lstStyle/>
           <a:p>
-            <a:endParaRPr lang="en-US"/>
+            <a:r>
+              <a:rPr lang="en-US"/>
+              <a:t>Emily</a:t>
+            </a:r>
           </a:p>
         </p:txBody>
       </p:sp>
@@ -5131,7 +7404,7 @@
           <a:p>
             <a:fld id="{EEA1ADC5-1110-4F59-A915-38EACC1EBEF9}" type="slidenum">
               <a:rPr lang="en-US" smtClean="0"/>
-              <a:t>14</a:t>
+              <a:t>8</a:t>
             </a:fld>
             <a:endParaRPr lang="en-US"/>
           </a:p>
@@ -5140,7 +7413,7 @@
     </p:spTree>
     <p:extLst>
       <p:ext uri="{BB962C8B-B14F-4D97-AF65-F5344CB8AC3E}">
-        <p14:creationId xmlns:p14="http://schemas.microsoft.com/office/powerpoint/2010/main" val="3259047238"/>
+        <p14:creationId xmlns:p14="http://schemas.microsoft.com/office/powerpoint/2010/main" val="795695152"/>
       </p:ext>
     </p:extLst>
   </p:cSld>
@@ -5194,7 +7467,10 @@
           <a:bodyPr/>
           <a:lstStyle/>
           <a:p>
-            <a:endParaRPr lang="en-US" dirty="0"/>
+            <a:r>
+              <a:rPr lang="en-US"/>
+              <a:t>Emily</a:t>
+            </a:r>
           </a:p>
         </p:txBody>
       </p:sp>
@@ -5215,7 +7491,7 @@
           <a:p>
             <a:fld id="{EEA1ADC5-1110-4F59-A915-38EACC1EBEF9}" type="slidenum">
               <a:rPr lang="en-US" smtClean="0"/>
-              <a:t>22</a:t>
+              <a:t>9</a:t>
             </a:fld>
             <a:endParaRPr lang="en-US"/>
           </a:p>
@@ -5224,7 +7500,7 @@
     </p:spTree>
     <p:extLst>
       <p:ext uri="{BB962C8B-B14F-4D97-AF65-F5344CB8AC3E}">
-        <p14:creationId xmlns:p14="http://schemas.microsoft.com/office/powerpoint/2010/main" val="248912422"/>
+        <p14:creationId xmlns:p14="http://schemas.microsoft.com/office/powerpoint/2010/main" val="1204850325"/>
       </p:ext>
     </p:extLst>
   </p:cSld>
@@ -5381,7 +7657,7 @@
           <a:p>
             <a:fld id="{6C1D3CB4-FE19-4CE2-BB49-A8F8036A3377}" type="datetime1">
               <a:rPr lang="en-US" smtClean="0"/>
-              <a:t>4/26/2021</a:t>
+              <a:t>4/28/2021</a:t>
             </a:fld>
             <a:endParaRPr lang="en-US"/>
           </a:p>
@@ -5579,7 +7855,7 @@
           <a:p>
             <a:fld id="{6D7DAFB1-4457-4051-9DF8-CEE4358A4695}" type="datetime1">
               <a:rPr lang="en-US" smtClean="0"/>
-              <a:t>4/26/2021</a:t>
+              <a:t>4/28/2021</a:t>
             </a:fld>
             <a:endParaRPr lang="en-US"/>
           </a:p>
@@ -5787,7 +8063,7 @@
           <a:p>
             <a:fld id="{3FBF1C29-A21E-4B65-AD1A-E70FD634ADF9}" type="datetime1">
               <a:rPr lang="en-US" smtClean="0"/>
-              <a:t>4/26/2021</a:t>
+              <a:t>4/28/2021</a:t>
             </a:fld>
             <a:endParaRPr lang="en-US"/>
           </a:p>
@@ -5985,7 +8261,7 @@
           <a:p>
             <a:fld id="{17E5E8E8-E9AE-45C8-85D5-5CD41AC38D5F}" type="datetime1">
               <a:rPr lang="en-US" smtClean="0"/>
-              <a:t>4/26/2021</a:t>
+              <a:t>4/28/2021</a:t>
             </a:fld>
             <a:endParaRPr lang="en-US"/>
           </a:p>
@@ -6260,7 +8536,7 @@
           <a:p>
             <a:fld id="{4E45D54C-B6B8-4EFD-8F20-1F0A2BC0A30B}" type="datetime1">
               <a:rPr lang="en-US" smtClean="0"/>
-              <a:t>4/26/2021</a:t>
+              <a:t>4/28/2021</a:t>
             </a:fld>
             <a:endParaRPr lang="en-US"/>
           </a:p>
@@ -6525,7 +8801,7 @@
           <a:p>
             <a:fld id="{D274E21C-92F4-4D02-B226-F789DCDC3C6C}" type="datetime1">
               <a:rPr lang="en-US" smtClean="0"/>
-              <a:t>4/26/2021</a:t>
+              <a:t>4/28/2021</a:t>
             </a:fld>
             <a:endParaRPr lang="en-US"/>
           </a:p>
@@ -6937,7 +9213,7 @@
           <a:p>
             <a:fld id="{E63321F7-F080-4230-86CA-3A41CECE200B}" type="datetime1">
               <a:rPr lang="en-US" smtClean="0"/>
-              <a:t>4/26/2021</a:t>
+              <a:t>4/28/2021</a:t>
             </a:fld>
             <a:endParaRPr lang="en-US"/>
           </a:p>
@@ -7078,7 +9354,7 @@
           <a:p>
             <a:fld id="{9767BB8B-84AC-4732-B264-BE9BF787FE10}" type="datetime1">
               <a:rPr lang="en-US" smtClean="0"/>
-              <a:t>4/26/2021</a:t>
+              <a:t>4/28/2021</a:t>
             </a:fld>
             <a:endParaRPr lang="en-US"/>
           </a:p>
@@ -7191,7 +9467,7 @@
           <a:p>
             <a:fld id="{ED7A2CC2-9888-4CE8-B4ED-9AA2DCA92CD6}" type="datetime1">
               <a:rPr lang="en-US" smtClean="0"/>
-              <a:t>4/26/2021</a:t>
+              <a:t>4/28/2021</a:t>
             </a:fld>
             <a:endParaRPr lang="en-US"/>
           </a:p>
@@ -7502,7 +9778,7 @@
           <a:p>
             <a:fld id="{C3A75AC1-B5ED-49C6-821B-BC774277FDE9}" type="datetime1">
               <a:rPr lang="en-US" smtClean="0"/>
-              <a:t>4/26/2021</a:t>
+              <a:t>4/28/2021</a:t>
             </a:fld>
             <a:endParaRPr lang="en-US"/>
           </a:p>
@@ -7790,7 +10066,7 @@
           <a:p>
             <a:fld id="{8E0C3EDB-6DD0-47CB-B77D-58D15AB6B875}" type="datetime1">
               <a:rPr lang="en-US" smtClean="0"/>
-              <a:t>4/26/2021</a:t>
+              <a:t>4/28/2021</a:t>
             </a:fld>
             <a:endParaRPr lang="en-US"/>
           </a:p>
@@ -8031,7 +10307,7 @@
           <a:p>
             <a:fld id="{3431929C-A967-4F5B-9B9F-E9E1BFD08726}" type="datetime1">
               <a:rPr lang="en-US" smtClean="0"/>
-              <a:t>4/26/2021</a:t>
+              <a:t>4/28/2021</a:t>
             </a:fld>
             <a:endParaRPr lang="en-US"/>
           </a:p>
@@ -8561,8 +10837,8 @@
         </p:nvSpPr>
         <p:spPr>
           <a:xfrm>
-            <a:off x="441433" y="5652654"/>
-            <a:ext cx="11177751" cy="991986"/>
+            <a:off x="4469931" y="5791084"/>
+            <a:ext cx="3120751" cy="565266"/>
           </a:xfrm>
         </p:spPr>
         <p:txBody>
@@ -8572,31 +10848,12 @@
           <a:lstStyle/>
           <a:p>
             <a:r>
-              <a:rPr lang="en-US" b="1" i="0" u="none" strike="noStrike" baseline="0">
-                <a:solidFill>
-                  <a:srgbClr val="000000"/>
-                </a:solidFill>
+              <a:rPr lang="en-US" sz="2800" b="1">
                 <a:latin typeface="Arial" panose="020B0604020202020204" pitchFamily="34" charset="0"/>
                 <a:cs typeface="Arial" panose="020B0604020202020204" pitchFamily="34" charset="0"/>
               </a:rPr>
-              <a:t>University of New Haven </a:t>
-            </a:r>
-          </a:p>
-          <a:p>
-            <a:r>
-              <a:rPr lang="en-US" b="1" i="0" u="none" strike="noStrike" baseline="0">
-                <a:solidFill>
-                  <a:srgbClr val="000000"/>
-                </a:solidFill>
-                <a:latin typeface="Arial" panose="020B0604020202020204" pitchFamily="34" charset="0"/>
-                <a:cs typeface="Arial" panose="020B0604020202020204" pitchFamily="34" charset="0"/>
-              </a:rPr>
-              <a:t>TAGLIATELA COLLEGE OF ENGINEERING, West Haven, CT</a:t>
-            </a:r>
-            <a:endParaRPr lang="en-US" sz="3200" b="1">
-              <a:latin typeface="Arial" panose="020B0604020202020204" pitchFamily="34" charset="0"/>
-              <a:cs typeface="Arial" panose="020B0604020202020204" pitchFamily="34" charset="0"/>
-            </a:endParaRPr>
+              <a:t>Spring 2021</a:t>
+            </a:r>
           </a:p>
         </p:txBody>
       </p:sp>
@@ -8636,35 +10893,6 @@
           <a:ln/>
         </p:spPr>
       </p:pic>
-      <p:sp>
-        <p:nvSpPr>
-          <p:cNvPr id="5" name="Slide Number Placeholder 4">
-            <a:extLst>
-              <a:ext uri="{FF2B5EF4-FFF2-40B4-BE49-F238E27FC236}">
-                <a16:creationId xmlns:a16="http://schemas.microsoft.com/office/drawing/2014/main" id="{97499803-59AC-435A-99BE-7D5D8297A4AC}"/>
-              </a:ext>
-            </a:extLst>
-          </p:cNvPr>
-          <p:cNvSpPr>
-            <a:spLocks noGrp="1"/>
-          </p:cNvSpPr>
-          <p:nvPr>
-            <p:ph type="sldNum" sz="quarter" idx="12"/>
-          </p:nvPr>
-        </p:nvSpPr>
-        <p:spPr/>
-        <p:txBody>
-          <a:bodyPr/>
-          <a:lstStyle/>
-          <a:p>
-            <a:fld id="{E342D28C-0A3D-4484-A1A8-39240D3B63DE}" type="slidenum">
-              <a:rPr lang="en-US" sz="1800" b="1" smtClean="0"/>
-              <a:t>1</a:t>
-            </a:fld>
-            <a:endParaRPr lang="en-US" sz="1800" b="1"/>
-          </a:p>
-        </p:txBody>
-      </p:sp>
     </p:spTree>
     <p:extLst>
       <p:ext uri="{BB962C8B-B14F-4D97-AF65-F5344CB8AC3E}">
@@ -8940,10 +11168,10 @@
           <a:bodyPr/>
           <a:lstStyle/>
           <a:p>
-            <a:fld id="{E342D28C-0A3D-4484-A1A8-39240D3B63DE}" type="slidenum">
-              <a:rPr lang="en-US" sz="1800" b="1" dirty="0" smtClean="0"/>
-              <a:t>10</a:t>
-            </a:fld>
+            <a:r>
+              <a:rPr lang="en-US" sz="1800" b="1"/>
+              <a:t>9</a:t>
+            </a:r>
             <a:endParaRPr lang="en-US" sz="1800" b="1">
               <a:cs typeface="Calibri"/>
             </a:endParaRPr>
@@ -9034,11 +11262,10 @@
           <a:bodyPr/>
           <a:lstStyle/>
           <a:p>
-            <a:fld id="{E342D28C-0A3D-4484-A1A8-39240D3B63DE}" type="slidenum">
-              <a:rPr lang="en-US" sz="1800" b="1" dirty="0" smtClean="0"/>
-              <a:t>11</a:t>
-            </a:fld>
-            <a:endParaRPr lang="en-US" sz="1800" b="1"/>
+            <a:r>
+              <a:rPr lang="en-US" sz="1800" b="1"/>
+              <a:t>10</a:t>
+            </a:r>
           </a:p>
         </p:txBody>
       </p:sp>
@@ -9056,8 +11283,8 @@
         </p:nvSpPr>
         <p:spPr>
           <a:xfrm>
-            <a:off x="368777" y="1002007"/>
-            <a:ext cx="11334180" cy="6832640"/>
+            <a:off x="428910" y="1002007"/>
+            <a:ext cx="11334180" cy="5909310"/>
           </a:xfrm>
           <a:prstGeom prst="rect">
             <a:avLst/>
@@ -9229,24 +11456,6 @@
               </a:rPr>
               <a:t>Thanks, the user for using TMS and closes the application</a:t>
             </a:r>
-          </a:p>
-          <a:p>
-            <a:endParaRPr lang="en-US" sz="2000">
-              <a:latin typeface="Arial" panose="020B0604020202020204" pitchFamily="34" charset="0"/>
-              <a:cs typeface="Arial" panose="020B0604020202020204" pitchFamily="34" charset="0"/>
-            </a:endParaRPr>
-          </a:p>
-          <a:p>
-            <a:endParaRPr lang="en-US" sz="2000">
-              <a:latin typeface="Arial" panose="020B0604020202020204" pitchFamily="34" charset="0"/>
-              <a:cs typeface="Arial" panose="020B0604020202020204" pitchFamily="34" charset="0"/>
-            </a:endParaRPr>
-          </a:p>
-          <a:p>
-            <a:endParaRPr lang="en-US" sz="2000">
-              <a:latin typeface="Arial" panose="020B0604020202020204" pitchFamily="34" charset="0"/>
-              <a:cs typeface="Arial" panose="020B0604020202020204" pitchFamily="34" charset="0"/>
-            </a:endParaRPr>
           </a:p>
           <a:p>
             <a:endParaRPr lang="en-US"/>
@@ -9369,13 +11578,12 @@
           <a:bodyPr/>
           <a:lstStyle/>
           <a:p>
-            <a:fld id="{E342D28C-0A3D-4484-A1A8-39240D3B63DE}" type="slidenum">
-              <a:rPr lang="en-US" sz="1800" b="1" dirty="0" smtClean="0"/>
-              <a:t>12</a:t>
-            </a:fld>
-            <a:endParaRPr lang="en-US" sz="1800" b="1">
-              <a:cs typeface="Calibri"/>
-            </a:endParaRPr>
+            <a:r>
+              <a:rPr lang="en-US" sz="1800" b="1">
+                <a:cs typeface="Calibri"/>
+              </a:rPr>
+              <a:t>11</a:t>
+            </a:r>
           </a:p>
         </p:txBody>
       </p:sp>
@@ -9542,13 +11750,12 @@
           <a:bodyPr/>
           <a:lstStyle/>
           <a:p>
-            <a:fld id="{E342D28C-0A3D-4484-A1A8-39240D3B63DE}" type="slidenum">
-              <a:rPr lang="en-US" sz="1800" b="1" dirty="0" smtClean="0"/>
-              <a:t>13</a:t>
-            </a:fld>
-            <a:endParaRPr lang="en-US" sz="1800" b="1">
-              <a:cs typeface="Calibri"/>
-            </a:endParaRPr>
+            <a:r>
+              <a:rPr lang="en-US" sz="1800" b="1">
+                <a:cs typeface="Calibri"/>
+              </a:rPr>
+              <a:t>12</a:t>
+            </a:r>
           </a:p>
         </p:txBody>
       </p:sp>
@@ -9715,13 +11922,12 @@
           <a:bodyPr/>
           <a:lstStyle/>
           <a:p>
-            <a:fld id="{E342D28C-0A3D-4484-A1A8-39240D3B63DE}" type="slidenum">
-              <a:rPr lang="en-US" sz="1800" b="1" dirty="0" smtClean="0"/>
-              <a:t>14</a:t>
-            </a:fld>
-            <a:endParaRPr lang="en-US" sz="1800" b="1">
-              <a:cs typeface="Calibri"/>
-            </a:endParaRPr>
+            <a:r>
+              <a:rPr lang="en-US" sz="1800" b="1">
+                <a:cs typeface="Calibri"/>
+              </a:rPr>
+              <a:t>13</a:t>
+            </a:r>
           </a:p>
         </p:txBody>
       </p:sp>
@@ -9888,7 +12094,7 @@
           </p:nvPr>
         </p:nvPicPr>
         <p:blipFill>
-          <a:blip r:embed="rId2">
+          <a:blip r:embed="rId3">
             <a:extLst>
               <a:ext uri="{28A0092B-C50C-407E-A947-70E740481C1C}">
                 <a14:useLocalDpi xmlns:a14="http://schemas.microsoft.com/office/drawing/2010/main" val="0"/>
@@ -9937,10 +12143,10 @@
           <a:bodyPr/>
           <a:lstStyle/>
           <a:p>
-            <a:fld id="{E342D28C-0A3D-4484-A1A8-39240D3B63DE}" type="slidenum">
-              <a:rPr lang="en-US" sz="1800" b="1" dirty="0" smtClean="0"/>
-              <a:t>15</a:t>
-            </a:fld>
+            <a:r>
+              <a:rPr lang="en-US" sz="1800" b="1"/>
+              <a:t>14</a:t>
+            </a:r>
             <a:endParaRPr lang="en-US" sz="1800">
               <a:cs typeface="Calibri" panose="020F0502020204030204"/>
             </a:endParaRPr>
@@ -9962,7 +12168,7 @@
           <p:nvPr/>
         </p:nvPicPr>
         <p:blipFill>
-          <a:blip r:embed="rId3">
+          <a:blip r:embed="rId4">
             <a:extLst>
               <a:ext uri="{28A0092B-C50C-407E-A947-70E740481C1C}">
                 <a14:useLocalDpi xmlns:a14="http://schemas.microsoft.com/office/drawing/2010/main" val="0"/>
@@ -10003,7 +12209,7 @@
           <p:nvPr/>
         </p:nvPicPr>
         <p:blipFill>
-          <a:blip r:embed="rId4">
+          <a:blip r:embed="rId5">
             <a:extLst>
               <a:ext uri="{28A0092B-C50C-407E-A947-70E740481C1C}">
                 <a14:useLocalDpi xmlns:a14="http://schemas.microsoft.com/office/drawing/2010/main" val="0"/>
@@ -10229,7 +12435,7 @@
           </p:nvPr>
         </p:nvPicPr>
         <p:blipFill>
-          <a:blip r:embed="rId2">
+          <a:blip r:embed="rId3">
             <a:extLst>
               <a:ext uri="{28A0092B-C50C-407E-A947-70E740481C1C}">
                 <a14:useLocalDpi xmlns:a14="http://schemas.microsoft.com/office/drawing/2010/main" val="0"/>
@@ -10278,11 +12484,10 @@
           <a:bodyPr/>
           <a:lstStyle/>
           <a:p>
-            <a:fld id="{E342D28C-0A3D-4484-A1A8-39240D3B63DE}" type="slidenum">
-              <a:rPr lang="en-US" sz="1800" b="1" smtClean="0"/>
-              <a:t>16</a:t>
-            </a:fld>
-            <a:endParaRPr lang="en-US" sz="1800" b="1"/>
+            <a:r>
+              <a:rPr lang="en-US" sz="1800" b="1"/>
+              <a:t>15</a:t>
+            </a:r>
           </a:p>
         </p:txBody>
       </p:sp>
@@ -10301,7 +12506,7 @@
           <p:nvPr/>
         </p:nvPicPr>
         <p:blipFill>
-          <a:blip r:embed="rId3">
+          <a:blip r:embed="rId4">
             <a:extLst>
               <a:ext uri="{28A0092B-C50C-407E-A947-70E740481C1C}">
                 <a14:useLocalDpi xmlns:a14="http://schemas.microsoft.com/office/drawing/2010/main" val="0"/>
@@ -10342,7 +12547,7 @@
           <p:nvPr/>
         </p:nvPicPr>
         <p:blipFill>
-          <a:blip r:embed="rId4">
+          <a:blip r:embed="rId5">
             <a:extLst>
               <a:ext uri="{28A0092B-C50C-407E-A947-70E740481C1C}">
                 <a14:useLocalDpi xmlns:a14="http://schemas.microsoft.com/office/drawing/2010/main" val="0"/>
@@ -10569,7 +12774,7 @@
           </p:nvPr>
         </p:nvPicPr>
         <p:blipFill>
-          <a:blip r:embed="rId2">
+          <a:blip r:embed="rId3">
             <a:extLst>
               <a:ext uri="{28A0092B-C50C-407E-A947-70E740481C1C}">
                 <a14:useLocalDpi xmlns:a14="http://schemas.microsoft.com/office/drawing/2010/main" val="0"/>
@@ -10618,10 +12823,10 @@
           <a:bodyPr/>
           <a:lstStyle/>
           <a:p>
-            <a:fld id="{E342D28C-0A3D-4484-A1A8-39240D3B63DE}" type="slidenum">
-              <a:rPr lang="en-US" sz="1800" b="1" smtClean="0"/>
-              <a:t>17</a:t>
-            </a:fld>
+            <a:r>
+              <a:rPr lang="en-US" sz="1800" b="1"/>
+              <a:t>16</a:t>
+            </a:r>
             <a:endParaRPr lang="en-US" b="1"/>
           </a:p>
         </p:txBody>
@@ -10641,7 +12846,7 @@
           <p:nvPr/>
         </p:nvPicPr>
         <p:blipFill>
-          <a:blip r:embed="rId3">
+          <a:blip r:embed="rId4">
             <a:extLst>
               <a:ext uri="{28A0092B-C50C-407E-A947-70E740481C1C}">
                 <a14:useLocalDpi xmlns:a14="http://schemas.microsoft.com/office/drawing/2010/main" val="0"/>
@@ -10682,7 +12887,7 @@
           <p:nvPr/>
         </p:nvPicPr>
         <p:blipFill>
-          <a:blip r:embed="rId4">
+          <a:blip r:embed="rId5">
             <a:extLst>
               <a:ext uri="{28A0092B-C50C-407E-A947-70E740481C1C}">
                 <a14:useLocalDpi xmlns:a14="http://schemas.microsoft.com/office/drawing/2010/main" val="0"/>
@@ -10904,7 +13109,7 @@
           </p:nvPr>
         </p:nvPicPr>
         <p:blipFill>
-          <a:blip r:embed="rId2">
+          <a:blip r:embed="rId3">
             <a:extLst>
               <a:ext uri="{28A0092B-C50C-407E-A947-70E740481C1C}">
                 <a14:useLocalDpi xmlns:a14="http://schemas.microsoft.com/office/drawing/2010/main" val="0"/>
@@ -10948,10 +13153,10 @@
           <a:bodyPr/>
           <a:lstStyle/>
           <a:p>
-            <a:fld id="{E342D28C-0A3D-4484-A1A8-39240D3B63DE}" type="slidenum">
-              <a:rPr lang="en-US" sz="1800" b="1" smtClean="0"/>
-              <a:t>18</a:t>
-            </a:fld>
+            <a:r>
+              <a:rPr lang="en-US" sz="1800" b="1"/>
+              <a:t>17</a:t>
+            </a:r>
             <a:endParaRPr lang="en-US" b="1"/>
           </a:p>
         </p:txBody>
@@ -10971,7 +13176,7 @@
           <p:nvPr/>
         </p:nvPicPr>
         <p:blipFill>
-          <a:blip r:embed="rId3">
+          <a:blip r:embed="rId4">
             <a:extLst>
               <a:ext uri="{28A0092B-C50C-407E-A947-70E740481C1C}">
                 <a14:useLocalDpi xmlns:a14="http://schemas.microsoft.com/office/drawing/2010/main" val="0"/>
@@ -11154,7 +13359,7 @@
           </p:nvPr>
         </p:nvPicPr>
         <p:blipFill>
-          <a:blip r:embed="rId2">
+          <a:blip r:embed="rId3">
             <a:extLst>
               <a:ext uri="{28A0092B-C50C-407E-A947-70E740481C1C}">
                 <a14:useLocalDpi xmlns:a14="http://schemas.microsoft.com/office/drawing/2010/main" val="0"/>
@@ -11198,11 +13403,12 @@
           <a:bodyPr/>
           <a:lstStyle/>
           <a:p>
-            <a:fld id="{E342D28C-0A3D-4484-A1A8-39240D3B63DE}" type="slidenum">
-              <a:rPr lang="en-US" sz="1800" b="1" smtClean="0"/>
-              <a:t>19</a:t>
-            </a:fld>
-            <a:endParaRPr lang="en-US" b="1"/>
+            <a:r>
+              <a:rPr lang="en-US" sz="1800" b="1">
+                <a:cs typeface="Calibri"/>
+              </a:rPr>
+              <a:t>18</a:t>
+            </a:r>
           </a:p>
         </p:txBody>
       </p:sp>
@@ -11221,7 +13427,7 @@
           <p:nvPr/>
         </p:nvPicPr>
         <p:blipFill>
-          <a:blip r:embed="rId3">
+          <a:blip r:embed="rId4">
             <a:extLst>
               <a:ext uri="{28A0092B-C50C-407E-A947-70E740481C1C}">
                 <a14:useLocalDpi xmlns:a14="http://schemas.microsoft.com/office/drawing/2010/main" val="0"/>
@@ -11723,11 +13929,10 @@
           <a:bodyPr/>
           <a:lstStyle/>
           <a:p>
-            <a:fld id="{E342D28C-0A3D-4484-A1A8-39240D3B63DE}" type="slidenum">
-              <a:rPr lang="en-US" sz="1800" b="1" dirty="0" smtClean="0"/>
-              <a:t>2</a:t>
-            </a:fld>
-            <a:endParaRPr lang="en-US" sz="1800" b="1"/>
+            <a:r>
+              <a:rPr lang="en-US" sz="1800" b="1"/>
+              <a:t>1</a:t>
+            </a:r>
           </a:p>
         </p:txBody>
       </p:sp>
@@ -11814,11 +14019,10 @@
           <a:bodyPr/>
           <a:lstStyle/>
           <a:p>
-            <a:fld id="{E342D28C-0A3D-4484-A1A8-39240D3B63DE}" type="slidenum">
-              <a:rPr lang="en-US" sz="1800" b="1" smtClean="0"/>
-              <a:t>20</a:t>
-            </a:fld>
-            <a:endParaRPr lang="en-US" sz="1800" b="1"/>
+            <a:r>
+              <a:rPr lang="en-US" sz="1800" b="1"/>
+              <a:t>19</a:t>
+            </a:r>
           </a:p>
         </p:txBody>
       </p:sp>
@@ -11839,7 +14043,7 @@
           </p:nvPr>
         </p:nvPicPr>
         <p:blipFill>
-          <a:blip r:embed="rId2">
+          <a:blip r:embed="rId3">
             <a:extLst>
               <a:ext uri="{28A0092B-C50C-407E-A947-70E740481C1C}">
                 <a14:useLocalDpi xmlns:a14="http://schemas.microsoft.com/office/drawing/2010/main" val="0"/>
@@ -11985,7 +14189,7 @@
           </p:nvPr>
         </p:nvPicPr>
         <p:blipFill>
-          <a:blip r:embed="rId2">
+          <a:blip r:embed="rId3">
             <a:extLst>
               <a:ext uri="{28A0092B-C50C-407E-A947-70E740481C1C}">
                 <a14:useLocalDpi xmlns:a14="http://schemas.microsoft.com/office/drawing/2010/main" val="0"/>
@@ -12029,10 +14233,10 @@
           <a:bodyPr/>
           <a:lstStyle/>
           <a:p>
-            <a:fld id="{E342D28C-0A3D-4484-A1A8-39240D3B63DE}" type="slidenum">
-              <a:rPr lang="en-US" sz="1800" b="1" smtClean="0"/>
-              <a:t>21</a:t>
-            </a:fld>
+            <a:r>
+              <a:rPr lang="en-US" sz="1800" b="1"/>
+              <a:t>20</a:t>
+            </a:r>
             <a:endParaRPr lang="en-US" b="1"/>
           </a:p>
         </p:txBody>
@@ -12052,7 +14256,7 @@
           <p:nvPr/>
         </p:nvPicPr>
         <p:blipFill>
-          <a:blip r:embed="rId3">
+          <a:blip r:embed="rId4">
             <a:extLst>
               <a:ext uri="{28A0092B-C50C-407E-A947-70E740481C1C}">
                 <a14:useLocalDpi xmlns:a14="http://schemas.microsoft.com/office/drawing/2010/main" val="0"/>
@@ -12214,7 +14418,7 @@
                 <a:latin typeface="Arial"/>
                 <a:cs typeface="Times New Roman"/>
               </a:rPr>
-              <a:t>Entity Relationship Diagram</a:t>
+              <a:t>Database</a:t>
             </a:r>
           </a:p>
         </p:txBody>
@@ -12240,11 +14444,10 @@
           <a:bodyPr/>
           <a:lstStyle/>
           <a:p>
-            <a:fld id="{E342D28C-0A3D-4484-A1A8-39240D3B63DE}" type="slidenum">
-              <a:rPr lang="en-US" sz="1800" b="1" dirty="0" smtClean="0"/>
-              <a:t>22</a:t>
-            </a:fld>
-            <a:endParaRPr lang="en-US" sz="1800" b="1"/>
+            <a:r>
+              <a:rPr lang="en-US" sz="1800" b="1"/>
+              <a:t>21</a:t>
+            </a:r>
           </a:p>
         </p:txBody>
       </p:sp>
@@ -12275,7 +14478,7 @@
         </p:blipFill>
         <p:spPr>
           <a:xfrm>
-            <a:off x="947392" y="1152267"/>
+            <a:off x="947392" y="1062237"/>
             <a:ext cx="10264558" cy="5114052"/>
           </a:xfrm>
           <a:prstGeom prst="rect">
@@ -12411,11 +14614,10 @@
           <a:bodyPr/>
           <a:lstStyle/>
           <a:p>
-            <a:fld id="{E342D28C-0A3D-4484-A1A8-39240D3B63DE}" type="slidenum">
-              <a:rPr lang="en-US" sz="1800" b="1" dirty="0" smtClean="0"/>
-              <a:t>23</a:t>
-            </a:fld>
-            <a:endParaRPr lang="en-US" sz="1800" b="1"/>
+            <a:r>
+              <a:rPr lang="en-US" sz="1800" b="1"/>
+              <a:t>22</a:t>
+            </a:r>
           </a:p>
         </p:txBody>
       </p:sp>
@@ -12433,7 +14635,7 @@
         </p:nvSpPr>
         <p:spPr>
           <a:xfrm>
-            <a:off x="527467" y="1462703"/>
+            <a:off x="527467" y="1205357"/>
             <a:ext cx="11137063" cy="5262979"/>
           </a:xfrm>
           <a:prstGeom prst="rect">
@@ -12654,11 +14856,10 @@
           <a:bodyPr/>
           <a:lstStyle/>
           <a:p>
-            <a:fld id="{E342D28C-0A3D-4484-A1A8-39240D3B63DE}" type="slidenum">
-              <a:rPr lang="en-US" sz="1800" b="1" dirty="0" smtClean="0"/>
-              <a:t>24</a:t>
-            </a:fld>
-            <a:endParaRPr lang="en-US" sz="1800" b="1"/>
+            <a:r>
+              <a:rPr lang="en-US" sz="1800" b="1"/>
+              <a:t>23</a:t>
+            </a:r>
           </a:p>
         </p:txBody>
       </p:sp>
@@ -12982,11 +15183,10 @@
           <a:bodyPr/>
           <a:lstStyle/>
           <a:p>
-            <a:fld id="{E342D28C-0A3D-4484-A1A8-39240D3B63DE}" type="slidenum">
-              <a:rPr lang="en-US" sz="1800" b="1" dirty="0" smtClean="0"/>
-              <a:t>25</a:t>
-            </a:fld>
-            <a:endParaRPr lang="en-US" sz="1800" b="1"/>
+            <a:r>
+              <a:rPr lang="en-US" sz="1800" b="1"/>
+              <a:t>24</a:t>
+            </a:r>
           </a:p>
         </p:txBody>
       </p:sp>
@@ -13228,11 +15428,10 @@
           <a:bodyPr/>
           <a:lstStyle/>
           <a:p>
-            <a:fld id="{E342D28C-0A3D-4484-A1A8-39240D3B63DE}" type="slidenum">
-              <a:rPr lang="en-US" sz="1800" b="1" dirty="0" smtClean="0"/>
-              <a:t>26</a:t>
-            </a:fld>
-            <a:endParaRPr lang="en-US" sz="1800" b="1"/>
+            <a:r>
+              <a:rPr lang="en-US" sz="1800" b="1"/>
+              <a:t>25</a:t>
+            </a:r>
           </a:p>
         </p:txBody>
       </p:sp>
@@ -13481,7 +15680,7 @@
           <a:p>
             <a:pPr algn="ctr"/>
             <a:r>
-              <a:rPr lang="en-US" b="1" dirty="0">
+              <a:rPr lang="en-US" b="1">
                 <a:latin typeface="Arial"/>
                 <a:cs typeface="Times New Roman"/>
               </a:rPr>
@@ -13511,11 +15710,10 @@
           <a:bodyPr/>
           <a:lstStyle/>
           <a:p>
-            <a:fld id="{E342D28C-0A3D-4484-A1A8-39240D3B63DE}" type="slidenum">
-              <a:rPr lang="en-US" sz="1800" b="1" dirty="0" smtClean="0"/>
-              <a:t>27</a:t>
-            </a:fld>
-            <a:endParaRPr lang="en-US" sz="1800" b="1"/>
+            <a:r>
+              <a:rPr lang="en-US" sz="1800" b="1"/>
+              <a:t>26</a:t>
+            </a:r>
           </a:p>
         </p:txBody>
       </p:sp>
@@ -13772,11 +15970,10 @@
           <a:bodyPr/>
           <a:lstStyle/>
           <a:p>
-            <a:fld id="{E342D28C-0A3D-4484-A1A8-39240D3B63DE}" type="slidenum">
-              <a:rPr lang="en-US" sz="1800" b="1" dirty="0" smtClean="0"/>
-              <a:t>28</a:t>
-            </a:fld>
-            <a:endParaRPr lang="en-US" sz="1800" b="1"/>
+            <a:r>
+              <a:rPr lang="en-US" sz="1800" b="1"/>
+              <a:t>27</a:t>
+            </a:r>
           </a:p>
         </p:txBody>
       </p:sp>
@@ -14537,7 +16734,7 @@
                 <a:latin typeface="Arial"/>
                 <a:ea typeface="+mn-lt"/>
                 <a:cs typeface="+mn-lt"/>
-                <a:hlinkClick r:id="rId2"/>
+                <a:hlinkClick r:id="rId3"/>
               </a:rPr>
               <a:t>https://docs.oracle.com/javase/8/javafx/api/javafx/scene/control/TableView.html</a:t>
             </a:r>
@@ -14617,7 +16814,7 @@
                 <a:latin typeface="Arial"/>
                 <a:ea typeface="+mn-lt"/>
                 <a:cs typeface="+mn-lt"/>
-                <a:hlinkClick r:id="rId3"/>
+                <a:hlinkClick r:id="rId4"/>
               </a:rPr>
               <a:t>https://docs.oracle.com/javase/8/javafx/api/javafx/scene/control/TableColumn.html</a:t>
             </a:r>
@@ -14701,7 +16898,7 @@
                 <a:latin typeface="Arial"/>
                 <a:ea typeface="+mn-lt"/>
                 <a:cs typeface="+mn-lt"/>
-                <a:hlinkClick r:id="rId4"/>
+                <a:hlinkClick r:id="rId5"/>
               </a:rPr>
               <a:t>https://docs.oracle.com/javase/8/javafx/api/javafx/scene/layout/VBox.html</a:t>
             </a:r>
@@ -14769,7 +16966,7 @@
                 <a:latin typeface="Arial"/>
                 <a:ea typeface="+mn-lt"/>
                 <a:cs typeface="+mn-lt"/>
-                <a:hlinkClick r:id="rId5"/>
+                <a:hlinkClick r:id="rId6"/>
               </a:rPr>
               <a:t>https://docs.oracle.com/javafx/2/api/javafx/util/Callback.html</a:t>
             </a:r>
@@ -14837,7 +17034,7 @@
                 <a:latin typeface="Arial"/>
                 <a:ea typeface="+mn-lt"/>
                 <a:cs typeface="+mn-lt"/>
-                <a:hlinkClick r:id="rId6"/>
+                <a:hlinkClick r:id="rId7"/>
               </a:rPr>
               <a:t>https://docs.oracle.com/javase/8/javafx/user-interface-tutorial/date-picker.htm</a:t>
             </a:r>
@@ -14921,7 +17118,7 @@
                 <a:latin typeface="Arial"/>
                 <a:ea typeface="+mn-lt"/>
                 <a:cs typeface="+mn-lt"/>
-                <a:hlinkClick r:id="rId7"/>
+                <a:hlinkClick r:id="rId8"/>
               </a:rPr>
               <a:t>https://docs.oracle.com/javase/8/javafx/api/javafx/scene/control/DatePicker.html#:~:text=The%20DatePicker%20control%20allows%20the,time</a:t>
             </a:r>
@@ -14989,7 +17186,7 @@
                 <a:latin typeface="Arial"/>
                 <a:ea typeface="+mn-lt"/>
                 <a:cs typeface="+mn-lt"/>
-                <a:hlinkClick r:id="rId8"/>
+                <a:hlinkClick r:id="rId9"/>
               </a:rPr>
               <a:t>https://learnsql.com/cookbook/how-to-get-the-date-from-a-datetime-column-in-mysql/#:~:text=In%20MySQL%2C%20use%20the%20DATE,of%20the%20timestamp%20data%20type</a:t>
             </a:r>
@@ -15064,11 +17261,11 @@
           <a:bodyPr/>
           <a:lstStyle/>
           <a:p>
-            <a:fld id="{E342D28C-0A3D-4484-A1A8-39240D3B63DE}" type="slidenum">
-              <a:rPr lang="en-US" sz="1800" b="1" smtClean="0"/>
-              <a:t>29</a:t>
-            </a:fld>
-            <a:endParaRPr lang="en-US" b="1"/>
+            <a:r>
+              <a:rPr lang="en-US" sz="1800" b="1"/>
+              <a:t>28</a:t>
+            </a:r>
+            <a:endParaRPr lang="en-US"/>
           </a:p>
         </p:txBody>
       </p:sp>
@@ -15333,11 +17530,10 @@
           <a:bodyPr/>
           <a:lstStyle/>
           <a:p>
-            <a:fld id="{E342D28C-0A3D-4484-A1A8-39240D3B63DE}" type="slidenum">
-              <a:rPr lang="en-US" sz="1800" b="1" dirty="0" smtClean="0"/>
-              <a:t>3</a:t>
-            </a:fld>
-            <a:endParaRPr lang="en-US" sz="1800" b="1"/>
+            <a:r>
+              <a:rPr lang="en-US" sz="1800" b="1"/>
+              <a:t>2</a:t>
+            </a:r>
           </a:p>
         </p:txBody>
       </p:sp>
@@ -15429,11 +17625,10 @@
           <a:bodyPr/>
           <a:lstStyle/>
           <a:p>
-            <a:fld id="{E342D28C-0A3D-4484-A1A8-39240D3B63DE}" type="slidenum">
-              <a:rPr lang="en-US" sz="1800" b="1" dirty="0" smtClean="0"/>
-              <a:t>30</a:t>
-            </a:fld>
-            <a:endParaRPr lang="en-US" sz="1800" b="1"/>
+            <a:r>
+              <a:rPr lang="en-US" sz="1800" b="1"/>
+              <a:t>29</a:t>
+            </a:r>
           </a:p>
         </p:txBody>
       </p:sp>
@@ -15693,11 +17888,10 @@
           <a:bodyPr/>
           <a:lstStyle/>
           <a:p>
-            <a:fld id="{E342D28C-0A3D-4484-A1A8-39240D3B63DE}" type="slidenum">
-              <a:rPr lang="en-US" sz="1800" b="1" dirty="0" smtClean="0"/>
-              <a:t>4</a:t>
-            </a:fld>
-            <a:endParaRPr lang="en-US" sz="1800" b="1"/>
+            <a:r>
+              <a:rPr lang="en-US" sz="1800" b="1"/>
+              <a:t>3</a:t>
+            </a:r>
           </a:p>
         </p:txBody>
       </p:sp>
@@ -15817,11 +18011,10 @@
           <a:bodyPr/>
           <a:lstStyle/>
           <a:p>
-            <a:fld id="{E342D28C-0A3D-4484-A1A8-39240D3B63DE}" type="slidenum">
-              <a:rPr lang="en-US" sz="1800" b="1" dirty="0" smtClean="0"/>
-              <a:t>5</a:t>
-            </a:fld>
-            <a:endParaRPr lang="en-US" sz="1800" b="1"/>
+            <a:r>
+              <a:rPr lang="en-US" sz="1800" b="1"/>
+              <a:t>4</a:t>
+            </a:r>
           </a:p>
         </p:txBody>
       </p:sp>
@@ -15988,11 +18181,10 @@
           <a:bodyPr/>
           <a:lstStyle/>
           <a:p>
-            <a:fld id="{E342D28C-0A3D-4484-A1A8-39240D3B63DE}" type="slidenum">
-              <a:rPr lang="en-US" sz="1800" b="1" dirty="0" smtClean="0"/>
-              <a:t>6</a:t>
-            </a:fld>
-            <a:endParaRPr lang="en-US" sz="1800" b="1"/>
+            <a:r>
+              <a:rPr lang="en-US" sz="1800" b="1"/>
+              <a:t>5</a:t>
+            </a:r>
           </a:p>
         </p:txBody>
       </p:sp>
@@ -16172,7 +18364,7 @@
           </p:nvPr>
         </p:nvPicPr>
         <p:blipFill>
-          <a:blip r:embed="rId2">
+          <a:blip r:embed="rId3">
             <a:extLst>
               <a:ext uri="{28A0092B-C50C-407E-A947-70E740481C1C}">
                 <a14:useLocalDpi xmlns:a14="http://schemas.microsoft.com/office/drawing/2010/main" val="0"/>
@@ -16216,15 +18408,12 @@
           <a:bodyPr/>
           <a:lstStyle/>
           <a:p>
-            <a:fld id="{E342D28C-0A3D-4484-A1A8-39240D3B63DE}" type="slidenum">
-              <a:rPr lang="en-US" sz="1800" b="1" smtClean="0">
+            <a:r>
+              <a:rPr lang="en-US" sz="1800" b="1">
                 <a:cs typeface="Arial" panose="020B0604020202020204" pitchFamily="34" charset="0"/>
               </a:rPr>
-              <a:t>7</a:t>
-            </a:fld>
-            <a:endParaRPr lang="en-US" sz="1800" b="1">
-              <a:cs typeface="Arial" panose="020B0604020202020204" pitchFamily="34" charset="0"/>
-            </a:endParaRPr>
+              <a:t>6</a:t>
+            </a:r>
           </a:p>
         </p:txBody>
       </p:sp>
@@ -16243,7 +18432,7 @@
           <p:nvPr/>
         </p:nvPicPr>
         <p:blipFill>
-          <a:blip r:embed="rId3">
+          <a:blip r:embed="rId4">
             <a:extLst>
               <a:ext uri="{28A0092B-C50C-407E-A947-70E740481C1C}">
                 <a14:useLocalDpi xmlns:a14="http://schemas.microsoft.com/office/drawing/2010/main" val="0"/>
@@ -16284,7 +18473,7 @@
           <p:nvPr/>
         </p:nvPicPr>
         <p:blipFill>
-          <a:blip r:embed="rId4">
+          <a:blip r:embed="rId5">
             <a:extLst>
               <a:ext uri="{28A0092B-C50C-407E-A947-70E740481C1C}">
                 <a14:useLocalDpi xmlns:a14="http://schemas.microsoft.com/office/drawing/2010/main" val="0"/>
@@ -16511,7 +18700,7 @@
           </p:nvPr>
         </p:nvPicPr>
         <p:blipFill>
-          <a:blip r:embed="rId2">
+          <a:blip r:embed="rId3">
             <a:extLst>
               <a:ext uri="{28A0092B-C50C-407E-A947-70E740481C1C}">
                 <a14:useLocalDpi xmlns:a14="http://schemas.microsoft.com/office/drawing/2010/main" val="0"/>
@@ -16555,11 +18744,10 @@
           <a:bodyPr/>
           <a:lstStyle/>
           <a:p>
-            <a:fld id="{E342D28C-0A3D-4484-A1A8-39240D3B63DE}" type="slidenum">
-              <a:rPr lang="en-US" sz="1800" b="1" smtClean="0"/>
-              <a:t>8</a:t>
-            </a:fld>
-            <a:endParaRPr lang="en-US" sz="1800" b="1"/>
+            <a:r>
+              <a:rPr lang="en-US" sz="1800" b="1"/>
+              <a:t>7</a:t>
+            </a:r>
           </a:p>
         </p:txBody>
       </p:sp>
@@ -16578,7 +18766,7 @@
           <p:nvPr/>
         </p:nvPicPr>
         <p:blipFill>
-          <a:blip r:embed="rId3">
+          <a:blip r:embed="rId4">
             <a:extLst>
               <a:ext uri="{28A0092B-C50C-407E-A947-70E740481C1C}">
                 <a14:useLocalDpi xmlns:a14="http://schemas.microsoft.com/office/drawing/2010/main" val="0"/>
@@ -16770,11 +18958,10 @@
           <a:bodyPr/>
           <a:lstStyle/>
           <a:p>
-            <a:fld id="{E342D28C-0A3D-4484-A1A8-39240D3B63DE}" type="slidenum">
-              <a:rPr lang="en-US" sz="1800" b="1" smtClean="0"/>
-              <a:t>9</a:t>
-            </a:fld>
-            <a:endParaRPr lang="en-US" sz="1800" b="1"/>
+            <a:r>
+              <a:rPr lang="en-US" sz="1800" b="1"/>
+              <a:t>8</a:t>
+            </a:r>
           </a:p>
         </p:txBody>
       </p:sp>
@@ -16795,7 +18982,7 @@
           </p:nvPr>
         </p:nvPicPr>
         <p:blipFill>
-          <a:blip r:embed="rId2">
+          <a:blip r:embed="rId3">
             <a:extLst>
               <a:ext uri="{28A0092B-C50C-407E-A947-70E740481C1C}">
                 <a14:useLocalDpi xmlns:a14="http://schemas.microsoft.com/office/drawing/2010/main" val="0"/>
@@ -16833,7 +19020,7 @@
           <p:nvPr/>
         </p:nvPicPr>
         <p:blipFill>
-          <a:blip r:embed="rId3">
+          <a:blip r:embed="rId4">
             <a:extLst>
               <a:ext uri="{28A0092B-C50C-407E-A947-70E740481C1C}">
                 <a14:useLocalDpi xmlns:a14="http://schemas.microsoft.com/office/drawing/2010/main" val="0"/>
@@ -17836,17 +20023,8 @@
 </file>
 
 <file path=customXml/item1.xml><?xml version="1.0" encoding="utf-8"?>
-<?mso-contentType ?>
-<FormTemplates xmlns="http://schemas.microsoft.com/sharepoint/v3/contenttype/forms">
-  <Display>DocumentLibraryForm</Display>
-  <Edit>DocumentLibraryForm</Edit>
-  <New>DocumentLibraryForm</New>
-</FormTemplates>
-</file>
-
-<file path=customXml/item2.xml><?xml version="1.0" encoding="utf-8"?>
-<ct:contentTypeSchema xmlns:ct="http://schemas.microsoft.com/office/2006/metadata/contentType" xmlns:ma="http://schemas.microsoft.com/office/2006/metadata/properties/metaAttributes" ct:_="" ma:_="" ma:contentTypeName="Document" ma:contentTypeID="0x0101006B790A83F61FAD42A4C43259278A19CE" ma:contentTypeVersion="4" ma:contentTypeDescription="Create a new document." ma:contentTypeScope="" ma:versionID="d2d343e5c1d2b16d8fb52275c01d13df">
-  <xsd:schema xmlns:xsd="http://www.w3.org/2001/XMLSchema" xmlns:xs="http://www.w3.org/2001/XMLSchema" xmlns:p="http://schemas.microsoft.com/office/2006/metadata/properties" xmlns:ns2="25e75479-654a-48d5-869d-7c448610e89f" targetNamespace="http://schemas.microsoft.com/office/2006/metadata/properties" ma:root="true" ma:fieldsID="2bb375562b538ce819a646e61db5e44e" ns2:_="">
+<ct:contentTypeSchema xmlns:ct="http://schemas.microsoft.com/office/2006/metadata/contentType" xmlns:ma="http://schemas.microsoft.com/office/2006/metadata/properties/metaAttributes" ct:_="" ma:_="" ma:contentTypeName="Document" ma:contentTypeID="0x0101006B790A83F61FAD42A4C43259278A19CE" ma:contentTypeVersion="9" ma:contentTypeDescription="Create a new document." ma:contentTypeScope="" ma:versionID="a97ecab87667ec56fc8b03c8e741161d">
+  <xsd:schema xmlns:xsd="http://www.w3.org/2001/XMLSchema" xmlns:xs="http://www.w3.org/2001/XMLSchema" xmlns:p="http://schemas.microsoft.com/office/2006/metadata/properties" xmlns:ns2="25e75479-654a-48d5-869d-7c448610e89f" targetNamespace="http://schemas.microsoft.com/office/2006/metadata/properties" ma:root="true" ma:fieldsID="092c852021fb43ad956c4bb384d2850e" ns2:_="">
     <xsd:import namespace="25e75479-654a-48d5-869d-7c448610e89f"/>
     <xsd:element name="properties">
       <xsd:complexType>
@@ -17858,6 +20036,11 @@
                 <xsd:element ref="ns2:MediaServiceFastMetadata" minOccurs="0"/>
                 <xsd:element ref="ns2:MediaServiceAutoKeyPoints" minOccurs="0"/>
                 <xsd:element ref="ns2:MediaServiceKeyPoints" minOccurs="0"/>
+                <xsd:element ref="ns2:MediaServiceDateTaken" minOccurs="0"/>
+                <xsd:element ref="ns2:MediaServiceAutoTags" minOccurs="0"/>
+                <xsd:element ref="ns2:MediaServiceOCR" minOccurs="0"/>
+                <xsd:element ref="ns2:MediaServiceGenerationTime" minOccurs="0"/>
+                <xsd:element ref="ns2:MediaServiceEventHashCode" minOccurs="0"/>
               </xsd:all>
             </xsd:complexType>
           </xsd:element>
@@ -17888,6 +20071,33 @@
         <xsd:restriction base="dms:Note">
           <xsd:maxLength value="255"/>
         </xsd:restriction>
+      </xsd:simpleType>
+    </xsd:element>
+    <xsd:element name="MediaServiceDateTaken" ma:index="12" nillable="true" ma:displayName="MediaServiceDateTaken" ma:hidden="true" ma:internalName="MediaServiceDateTaken" ma:readOnly="true">
+      <xsd:simpleType>
+        <xsd:restriction base="dms:Text"/>
+      </xsd:simpleType>
+    </xsd:element>
+    <xsd:element name="MediaServiceAutoTags" ma:index="13" nillable="true" ma:displayName="Tags" ma:internalName="MediaServiceAutoTags" ma:readOnly="true">
+      <xsd:simpleType>
+        <xsd:restriction base="dms:Text"/>
+      </xsd:simpleType>
+    </xsd:element>
+    <xsd:element name="MediaServiceOCR" ma:index="14" nillable="true" ma:displayName="Extracted Text" ma:internalName="MediaServiceOCR" ma:readOnly="true">
+      <xsd:simpleType>
+        <xsd:restriction base="dms:Note">
+          <xsd:maxLength value="255"/>
+        </xsd:restriction>
+      </xsd:simpleType>
+    </xsd:element>
+    <xsd:element name="MediaServiceGenerationTime" ma:index="15" nillable="true" ma:displayName="MediaServiceGenerationTime" ma:hidden="true" ma:internalName="MediaServiceGenerationTime" ma:readOnly="true">
+      <xsd:simpleType>
+        <xsd:restriction base="dms:Text"/>
+      </xsd:simpleType>
+    </xsd:element>
+    <xsd:element name="MediaServiceEventHashCode" ma:index="16" nillable="true" ma:displayName="MediaServiceEventHashCode" ma:hidden="true" ma:internalName="MediaServiceEventHashCode" ma:readOnly="true">
+      <xsd:simpleType>
+        <xsd:restriction base="dms:Text"/>
       </xsd:simpleType>
     </xsd:element>
   </xsd:schema>
@@ -17990,22 +20200,23 @@
 </ct:contentTypeSchema>
 </file>
 
-<file path=customXml/item3.xml><?xml version="1.0" encoding="utf-8"?>
+<file path=customXml/item2.xml><?xml version="1.0" encoding="utf-8"?>
 <p:properties xmlns:p="http://schemas.microsoft.com/office/2006/metadata/properties" xmlns:xsi="http://www.w3.org/2001/XMLSchema-instance" xmlns:pc="http://schemas.microsoft.com/office/infopath/2007/PartnerControls">
   <documentManagement/>
 </p:properties>
 </file>
 
-<file path=customXml/itemProps1.xml><?xml version="1.0" encoding="utf-8"?>
-<ds:datastoreItem xmlns:ds="http://schemas.openxmlformats.org/officeDocument/2006/customXml" ds:itemID="{0AAD995E-EE0B-41F1-9E94-F3A2C9F000B4}">
-  <ds:schemaRefs>
-    <ds:schemaRef ds:uri="http://schemas.microsoft.com/sharepoint/v3/contenttype/forms"/>
-  </ds:schemaRefs>
-</ds:datastoreItem>
+<file path=customXml/item3.xml><?xml version="1.0" encoding="utf-8"?>
+<?mso-contentType ?>
+<FormTemplates xmlns="http://schemas.microsoft.com/sharepoint/v3/contenttype/forms">
+  <Display>DocumentLibraryForm</Display>
+  <Edit>DocumentLibraryForm</Edit>
+  <New>DocumentLibraryForm</New>
+</FormTemplates>
 </file>
 
-<file path=customXml/itemProps2.xml><?xml version="1.0" encoding="utf-8"?>
-<ds:datastoreItem xmlns:ds="http://schemas.openxmlformats.org/officeDocument/2006/customXml" ds:itemID="{54003E0F-03EB-479F-865E-6B1F73EB49F5}">
+<file path=customXml/itemProps1.xml><?xml version="1.0" encoding="utf-8"?>
+<ds:datastoreItem xmlns:ds="http://schemas.openxmlformats.org/officeDocument/2006/customXml" ds:itemID="{5853BE61-4C49-49F1-9492-CA3778DB78D0}">
   <ds:schemaRefs>
     <ds:schemaRef ds:uri="25e75479-654a-48d5-869d-7c448610e89f"/>
     <ds:schemaRef ds:uri="http://purl.org/dc/elements/1.1/"/>
@@ -18022,7 +20233,7 @@
 </ds:datastoreItem>
 </file>
 
-<file path=customXml/itemProps3.xml><?xml version="1.0" encoding="utf-8"?>
+<file path=customXml/itemProps2.xml><?xml version="1.0" encoding="utf-8"?>
 <ds:datastoreItem xmlns:ds="http://schemas.openxmlformats.org/officeDocument/2006/customXml" ds:itemID="{13CE83D6-E21B-4024-A70B-C7AE4A214CF4}">
   <ds:schemaRefs>
     <ds:schemaRef ds:uri="25e75479-654a-48d5-869d-7c448610e89f"/>
@@ -18036,4 +20247,12 @@
     <ds:schemaRef ds:uri="http://www.w3.org/XML/1998/namespace"/>
   </ds:schemaRefs>
 </ds:datastoreItem>
+</file>
+
+<file path=customXml/itemProps3.xml><?xml version="1.0" encoding="utf-8"?>
+<ds:datastoreItem xmlns:ds="http://schemas.openxmlformats.org/officeDocument/2006/customXml" ds:itemID="{0AAD995E-EE0B-41F1-9E94-F3A2C9F000B4}">
+  <ds:schemaRefs>
+    <ds:schemaRef ds:uri="http://schemas.microsoft.com/sharepoint/v3/contenttype/forms"/>
+  </ds:schemaRefs>
+</ds:datastoreItem>
 </file>